--- a/リーグ調査.pptx
+++ b/リーグ調査.pptx
@@ -5,10 +5,10 @@
     <p:sldMasterId id="2147483828" r:id="rId1"/>
   </p:sldMasterIdLst>
   <p:notesMasterIdLst>
-    <p:notesMasterId r:id="rId21"/>
+    <p:notesMasterId r:id="rId22"/>
   </p:notesMasterIdLst>
   <p:handoutMasterIdLst>
-    <p:handoutMasterId r:id="rId22"/>
+    <p:handoutMasterId r:id="rId23"/>
   </p:handoutMasterIdLst>
   <p:sldIdLst>
     <p:sldId id="256" r:id="rId2"/>
@@ -30,6 +30,7 @@
     <p:sldId id="374" r:id="rId18"/>
     <p:sldId id="372" r:id="rId19"/>
     <p:sldId id="373" r:id="rId20"/>
+    <p:sldId id="375" r:id="rId21"/>
   </p:sldIdLst>
   <p:sldSz cx="12192000" cy="6858000"/>
   <p:notesSz cx="6858000" cy="9144000"/>
@@ -9065,18 +9066,6 @@
           <a:bodyPr/>
           <a:lstStyle/>
           <a:p>
-            <a:r>
-              <a:rPr lang="ja-JP" altLang="en-US">
-                <a:solidFill>
-                  <a:schemeClr val="accent5">
-                    <a:lumMod val="50000"/>
-                  </a:schemeClr>
-                </a:solidFill>
-                <a:latin typeface="Hiragino Maru Gothic Pro W4" panose="020F0400000000000000" pitchFamily="34" charset="-128"/>
-                <a:ea typeface="Hiragino Maru Gothic Pro W4" panose="020F0400000000000000" pitchFamily="34" charset="-128"/>
-              </a:rPr>
-              <a:t>まとめ</a:t>
-            </a:r>
             <a:endParaRPr kumimoji="1" lang="ja-JP" altLang="en-US">
               <a:solidFill>
                 <a:schemeClr val="accent5">
@@ -9205,13 +9194,13 @@
           <p:nvPr>
             <p:extLst>
               <p:ext uri="{D42A27DB-BD31-4B8C-83A1-F6EECF244321}">
-                <p14:modId xmlns:p14="http://schemas.microsoft.com/office/powerpoint/2010/main" val="3789075818"/>
+                <p14:modId xmlns:p14="http://schemas.microsoft.com/office/powerpoint/2010/main" val="2244657666"/>
               </p:ext>
             </p:extLst>
           </p:nvPr>
         </p:nvGraphicFramePr>
         <p:xfrm>
-          <a:off x="1038085" y="1337852"/>
+          <a:off x="1054100" y="840896"/>
           <a:ext cx="10083800" cy="4820920"/>
         </p:xfrm>
         <a:graphic>
@@ -11810,6 +11799,179 @@
 </p:sld>
 </file>
 
+<file path=ppt/slides/slide20.xml><?xml version="1.0" encoding="utf-8"?>
+<p:sld xmlns:a="http://schemas.openxmlformats.org/drawingml/2006/main" xmlns:r="http://schemas.openxmlformats.org/officeDocument/2006/relationships" xmlns:p="http://schemas.openxmlformats.org/presentationml/2006/main">
+  <p:cSld>
+    <p:spTree>
+      <p:nvGrpSpPr>
+        <p:cNvPr id="1" name=""/>
+        <p:cNvGrpSpPr/>
+        <p:nvPr/>
+      </p:nvGrpSpPr>
+      <p:grpSpPr>
+        <a:xfrm>
+          <a:off x="0" y="0"/>
+          <a:ext cx="0" cy="0"/>
+          <a:chOff x="0" y="0"/>
+          <a:chExt cx="0" cy="0"/>
+        </a:xfrm>
+      </p:grpSpPr>
+      <p:sp>
+        <p:nvSpPr>
+          <p:cNvPr id="2" name="タイトル 1">
+            <a:extLst>
+              <a:ext uri="{FF2B5EF4-FFF2-40B4-BE49-F238E27FC236}">
+                <a16:creationId xmlns:a16="http://schemas.microsoft.com/office/drawing/2014/main" id="{4BEF2D4F-28AD-C84D-A4AC-A607D5B45D24}"/>
+              </a:ext>
+            </a:extLst>
+          </p:cNvPr>
+          <p:cNvSpPr>
+            <a:spLocks noGrp="1"/>
+          </p:cNvSpPr>
+          <p:nvPr>
+            <p:ph type="title"/>
+          </p:nvPr>
+        </p:nvSpPr>
+        <p:spPr/>
+        <p:txBody>
+          <a:bodyPr/>
+          <a:lstStyle/>
+          <a:p>
+            <a:pPr algn="ctr"/>
+            <a:r>
+              <a:rPr kumimoji="1" lang="ja-JP" altLang="en-US">
+                <a:solidFill>
+                  <a:schemeClr val="accent5">
+                    <a:lumMod val="50000"/>
+                  </a:schemeClr>
+                </a:solidFill>
+                <a:latin typeface="Hiragino Maru Gothic Pro W4" panose="020F0400000000000000" pitchFamily="34" charset="-128"/>
+                <a:ea typeface="Hiragino Maru Gothic Pro W4" panose="020F0400000000000000" pitchFamily="34" charset="-128"/>
+              </a:rPr>
+              <a:t>おまけ</a:t>
+            </a:r>
+          </a:p>
+        </p:txBody>
+      </p:sp>
+      <p:pic>
+        <p:nvPicPr>
+          <p:cNvPr id="6" name="コンテンツ プレースホルダー 5" descr="グラフィカル ユーザー インターフェイス, テキスト, アプリケーション, チャットまたはテキスト メッセージ&#10;&#10;自動的に生成された説明">
+            <a:extLst>
+              <a:ext uri="{FF2B5EF4-FFF2-40B4-BE49-F238E27FC236}">
+                <a16:creationId xmlns:a16="http://schemas.microsoft.com/office/drawing/2014/main" id="{3692508A-7C42-2A44-99F3-504129766F59}"/>
+              </a:ext>
+            </a:extLst>
+          </p:cNvPr>
+          <p:cNvPicPr>
+            <a:picLocks noGrp="1" noChangeAspect="1"/>
+          </p:cNvPicPr>
+          <p:nvPr>
+            <p:ph idx="1"/>
+          </p:nvPr>
+        </p:nvPicPr>
+        <p:blipFill>
+          <a:blip r:embed="rId2">
+            <a:extLst>
+              <a:ext uri="{28A0092B-C50C-407E-A947-70E740481C1C}">
+                <a14:useLocalDpi xmlns:a14="http://schemas.microsoft.com/office/drawing/2010/main" val="0"/>
+              </a:ext>
+            </a:extLst>
+          </a:blip>
+          <a:stretch>
+            <a:fillRect/>
+          </a:stretch>
+        </p:blipFill>
+        <p:spPr>
+          <a:xfrm>
+            <a:off x="4447599" y="1390305"/>
+            <a:ext cx="3296801" cy="4742138"/>
+          </a:xfrm>
+          <a:prstGeom prst="rect">
+            <a:avLst/>
+          </a:prstGeom>
+          <a:ln>
+            <a:noFill/>
+          </a:ln>
+          <a:effectLst>
+            <a:outerShdw blurRad="292100" dist="139700" dir="2700000" algn="tl" rotWithShape="0">
+              <a:srgbClr val="333333">
+                <a:alpha val="65000"/>
+              </a:srgbClr>
+            </a:outerShdw>
+          </a:effectLst>
+        </p:spPr>
+      </p:pic>
+      <p:sp>
+        <p:nvSpPr>
+          <p:cNvPr id="4" name="スライド番号プレースホルダー 3">
+            <a:extLst>
+              <a:ext uri="{FF2B5EF4-FFF2-40B4-BE49-F238E27FC236}">
+                <a16:creationId xmlns:a16="http://schemas.microsoft.com/office/drawing/2014/main" id="{34C04C8D-49C3-874E-864D-A6289CA1E427}"/>
+              </a:ext>
+            </a:extLst>
+          </p:cNvPr>
+          <p:cNvSpPr>
+            <a:spLocks noGrp="1"/>
+          </p:cNvSpPr>
+          <p:nvPr>
+            <p:ph type="sldNum" sz="quarter" idx="12"/>
+          </p:nvPr>
+        </p:nvSpPr>
+        <p:spPr/>
+        <p:txBody>
+          <a:bodyPr/>
+          <a:lstStyle/>
+          <a:p>
+            <a:pPr rtl="0"/>
+            <a:fld id="{E31375A4-56A4-47D6-9801-1991572033F7}" type="slidenum">
+              <a:rPr lang="en-US" altLang="ja-JP" noProof="0" smtClean="0">
+                <a:solidFill>
+                  <a:schemeClr val="accent5">
+                    <a:lumMod val="50000"/>
+                  </a:schemeClr>
+                </a:solidFill>
+                <a:latin typeface="Hiragino Maru Gothic Pro W4" panose="020F0400000000000000" pitchFamily="34" charset="-128"/>
+                <a:ea typeface="Hiragino Maru Gothic Pro W4" panose="020F0400000000000000" pitchFamily="34" charset="-128"/>
+              </a:rPr>
+              <a:t>20</a:t>
+            </a:fld>
+            <a:endParaRPr lang="ja-JP" altLang="en-US" noProof="0" dirty="0">
+              <a:solidFill>
+                <a:schemeClr val="accent5">
+                  <a:lumMod val="50000"/>
+                </a:schemeClr>
+              </a:solidFill>
+              <a:latin typeface="Hiragino Maru Gothic Pro W4" panose="020F0400000000000000" pitchFamily="34" charset="-128"/>
+              <a:ea typeface="Hiragino Maru Gothic Pro W4" panose="020F0400000000000000" pitchFamily="34" charset="-128"/>
+            </a:endParaRPr>
+          </a:p>
+        </p:txBody>
+      </p:sp>
+    </p:spTree>
+    <p:extLst>
+      <p:ext uri="{BB962C8B-B14F-4D97-AF65-F5344CB8AC3E}">
+        <p14:creationId xmlns:p14="http://schemas.microsoft.com/office/powerpoint/2010/main" val="2825833811"/>
+      </p:ext>
+    </p:extLst>
+  </p:cSld>
+  <p:clrMapOvr>
+    <a:masterClrMapping/>
+  </p:clrMapOvr>
+  <mc:AlternateContent xmlns:mc="http://schemas.openxmlformats.org/markup-compatibility/2006" xmlns:p14="http://schemas.microsoft.com/office/powerpoint/2010/main">
+    <mc:Choice Requires="p14">
+      <p:transition spd="med" p14:dur="700">
+        <p:fade/>
+      </p:transition>
+    </mc:Choice>
+    <mc:Fallback xmlns="">
+      <p:transition spd="med">
+        <p:fade/>
+      </p:transition>
+    </mc:Fallback>
+  </mc:AlternateContent>
+</p:sld>
+</file>
+
 <file path=ppt/slides/slide3.xml><?xml version="1.0" encoding="utf-8"?>
 <p:sld xmlns:a="http://schemas.openxmlformats.org/drawingml/2006/main" xmlns:r="http://schemas.openxmlformats.org/officeDocument/2006/relationships" xmlns:p="http://schemas.openxmlformats.org/presentationml/2006/main">
   <p:cSld>

--- a/リーグ調査.pptx
+++ b/リーグ調査.pptx
@@ -5,10 +5,10 @@
     <p:sldMasterId id="2147483828" r:id="rId1"/>
   </p:sldMasterIdLst>
   <p:notesMasterIdLst>
-    <p:notesMasterId r:id="rId22"/>
+    <p:notesMasterId r:id="rId23"/>
   </p:notesMasterIdLst>
   <p:handoutMasterIdLst>
-    <p:handoutMasterId r:id="rId23"/>
+    <p:handoutMasterId r:id="rId24"/>
   </p:handoutMasterIdLst>
   <p:sldIdLst>
     <p:sldId id="256" r:id="rId2"/>
@@ -27,10 +27,11 @@
     <p:sldId id="369" r:id="rId15"/>
     <p:sldId id="370" r:id="rId16"/>
     <p:sldId id="371" r:id="rId17"/>
-    <p:sldId id="374" r:id="rId18"/>
-    <p:sldId id="372" r:id="rId19"/>
-    <p:sldId id="373" r:id="rId20"/>
-    <p:sldId id="375" r:id="rId21"/>
+    <p:sldId id="376" r:id="rId18"/>
+    <p:sldId id="374" r:id="rId19"/>
+    <p:sldId id="372" r:id="rId20"/>
+    <p:sldId id="373" r:id="rId21"/>
+    <p:sldId id="375" r:id="rId22"/>
   </p:sldIdLst>
   <p:sldSz cx="12192000" cy="6858000"/>
   <p:notesSz cx="6858000" cy="9144000"/>
@@ -241,7 +242,7 @@
                 <a:latin typeface="ＭＳ 明朝" panose="02020609040205080304" pitchFamily="17" charset="-128"/>
                 <a:ea typeface="ＭＳ 明朝" panose="02020609040205080304" pitchFamily="17" charset="-128"/>
               </a:rPr>
-              <a:t>2021年5月1日</a:t>
+              <a:t>2021年5月6日</a:t>
             </a:fld>
             <a:endParaRPr lang="en-US">
               <a:latin typeface="ＭＳ 明朝" panose="02020609040205080304" pitchFamily="17" charset="-128"/>
@@ -428,7 +429,7 @@
             <a:fld id="{30389980-3DE9-4702-8CE7-20043EFDAF6C}" type="datetime4">
               <a:rPr lang="ja-JP" altLang="en-US" smtClean="0"/>
               <a:pPr/>
-              <a:t>2021年5月1日</a:t>
+              <a:t>2021年5月6日</a:t>
             </a:fld>
             <a:endParaRPr lang="en-US"/>
           </a:p>
@@ -883,7 +884,7 @@
           <a:p>
             <a:fld id="{5ADD3B2F-B41F-7942-990C-7D7FFD69CA5F}" type="datetimeFigureOut">
               <a:rPr kumimoji="1" lang="ja-JP" altLang="en-US" smtClean="0"/>
-              <a:t>2021/5/1</a:t>
+              <a:t>2021/5/6</a:t>
             </a:fld>
             <a:endParaRPr kumimoji="1" lang="ja-JP" altLang="en-US"/>
           </a:p>
@@ -4603,16 +4604,16 @@
           <a:lstStyle/>
           <a:p>
             <a:r>
-              <a:rPr lang="en-US" altLang="ja-JP" sz="2400" dirty="0">
-                <a:solidFill>
-                  <a:schemeClr val="accent5">
-                    <a:lumMod val="50000"/>
-                  </a:schemeClr>
-                </a:solidFill>
-                <a:latin typeface="Hiragino Maru Gothic Pro W4" panose="020F0400000000000000" pitchFamily="34" charset="-128"/>
-                <a:ea typeface="Hiragino Maru Gothic Pro W4" panose="020F0400000000000000" pitchFamily="34" charset="-128"/>
-              </a:rPr>
-              <a:t>2021/05/01</a:t>
+              <a:rPr lang="en-US" altLang="ja-JP" sz="2400">
+                <a:solidFill>
+                  <a:schemeClr val="accent5">
+                    <a:lumMod val="50000"/>
+                  </a:schemeClr>
+                </a:solidFill>
+                <a:latin typeface="Hiragino Maru Gothic Pro W4" panose="020F0400000000000000" pitchFamily="34" charset="-128"/>
+                <a:ea typeface="Hiragino Maru Gothic Pro W4" panose="020F0400000000000000" pitchFamily="34" charset="-128"/>
+              </a:rPr>
+              <a:t>2021/05/06</a:t>
             </a:r>
             <a:r>
               <a:rPr lang="ja-JP" altLang="en-US" sz="2400">
@@ -8887,7 +8888,7 @@
           <p:cNvPr id="2" name="タイトル 1">
             <a:extLst>
               <a:ext uri="{FF2B5EF4-FFF2-40B4-BE49-F238E27FC236}">
-                <a16:creationId xmlns:a16="http://schemas.microsoft.com/office/drawing/2014/main" id="{05E27039-9568-144A-9E91-3B61FB565D2A}"/>
+                <a16:creationId xmlns:a16="http://schemas.microsoft.com/office/drawing/2014/main" id="{4BEF2D4F-28AD-C84D-A4AC-A607D5B45D24}"/>
               </a:ext>
             </a:extLst>
           </p:cNvPr>
@@ -8895,34 +8896,15 @@
             <a:spLocks noGrp="1"/>
           </p:cNvSpPr>
           <p:nvPr>
-            <p:ph type="ctrTitle"/>
+            <p:ph type="title"/>
           </p:nvPr>
         </p:nvSpPr>
-        <p:spPr>
-          <a:xfrm>
-            <a:off x="1306286" y="1187630"/>
-            <a:ext cx="9570720" cy="3173122"/>
-          </a:xfrm>
-        </p:spPr>
+        <p:spPr/>
         <p:txBody>
-          <a:bodyPr>
-            <a:normAutofit/>
-          </a:bodyPr>
+          <a:bodyPr/>
           <a:lstStyle/>
           <a:p>
             <a:r>
-              <a:rPr lang="ja-JP" altLang="en-US">
-                <a:solidFill>
-                  <a:schemeClr val="accent5">
-                    <a:lumMod val="50000"/>
-                  </a:schemeClr>
-                </a:solidFill>
-                <a:latin typeface="Hiragino Maru Gothic Pro W4" panose="020F0400000000000000" pitchFamily="34" charset="-128"/>
-                <a:ea typeface="Hiragino Maru Gothic Pro W4" panose="020F0400000000000000" pitchFamily="34" charset="-128"/>
-              </a:rPr>
-              <a:t>まとめ</a:t>
-            </a:r>
-            <a:br>
               <a:rPr lang="en-US" altLang="ja-JP" dirty="0">
                 <a:solidFill>
                   <a:schemeClr val="accent5">
@@ -8932,18 +8914,8 @@
                 <a:latin typeface="Hiragino Maru Gothic Pro W4" panose="020F0400000000000000" pitchFamily="34" charset="-128"/>
                 <a:ea typeface="Hiragino Maru Gothic Pro W4" panose="020F0400000000000000" pitchFamily="34" charset="-128"/>
               </a:rPr>
-            </a:br>
-            <a:br>
-              <a:rPr lang="en-US" altLang="ja-JP" dirty="0">
-                <a:solidFill>
-                  <a:schemeClr val="accent5">
-                    <a:lumMod val="50000"/>
-                  </a:schemeClr>
-                </a:solidFill>
-                <a:latin typeface="Hiragino Maru Gothic Pro W4" panose="020F0400000000000000" pitchFamily="34" charset="-128"/>
-                <a:ea typeface="Hiragino Maru Gothic Pro W4" panose="020F0400000000000000" pitchFamily="34" charset="-128"/>
-              </a:rPr>
-            </a:br>
+              <a:t>MWL Griffin</a:t>
+            </a:r>
             <a:endParaRPr kumimoji="1" lang="ja-JP" altLang="en-US">
               <a:solidFill>
                 <a:schemeClr val="accent5">
@@ -8958,10 +8930,464 @@
       </p:sp>
       <p:sp>
         <p:nvSpPr>
+          <p:cNvPr id="3" name="コンテンツ プレースホルダー 2">
+            <a:extLst>
+              <a:ext uri="{FF2B5EF4-FFF2-40B4-BE49-F238E27FC236}">
+                <a16:creationId xmlns:a16="http://schemas.microsoft.com/office/drawing/2014/main" id="{01E773B8-156E-4743-8E4A-3ED5FB7CC4E2}"/>
+              </a:ext>
+            </a:extLst>
+          </p:cNvPr>
+          <p:cNvSpPr>
+            <a:spLocks noGrp="1"/>
+          </p:cNvSpPr>
+          <p:nvPr>
+            <p:ph idx="1"/>
+          </p:nvPr>
+        </p:nvSpPr>
+        <p:spPr>
+          <a:xfrm>
+            <a:off x="838200" y="1588575"/>
+            <a:ext cx="10515600" cy="4588387"/>
+          </a:xfrm>
+        </p:spPr>
+        <p:txBody>
+          <a:bodyPr>
+            <a:noAutofit/>
+          </a:bodyPr>
+          <a:lstStyle/>
+          <a:p>
+            <a:pPr marL="502920" indent="-457200"/>
+            <a:r>
+              <a:rPr lang="en-US" altLang="ja-JP" sz="2200" dirty="0">
+                <a:solidFill>
+                  <a:schemeClr val="accent5">
+                    <a:lumMod val="50000"/>
+                  </a:schemeClr>
+                </a:solidFill>
+                <a:latin typeface="Hiragino Maru Gothic Pro W4" panose="020F0400000000000000" pitchFamily="34" charset="-128"/>
+                <a:ea typeface="Hiragino Maru Gothic Pro W4" panose="020F0400000000000000" pitchFamily="34" charset="-128"/>
+                <a:hlinkClick r:id="rId2"/>
+              </a:rPr>
+              <a:t>https://www.facebook.com/pg/mwlph/posts/</a:t>
+            </a:r>
+            <a:endParaRPr lang="en-US" altLang="ja-JP" sz="2200" dirty="0">
+              <a:solidFill>
+                <a:schemeClr val="accent5">
+                  <a:lumMod val="50000"/>
+                </a:schemeClr>
+              </a:solidFill>
+              <a:latin typeface="Hiragino Maru Gothic Pro W4" panose="020F0400000000000000" pitchFamily="34" charset="-128"/>
+              <a:ea typeface="Hiragino Maru Gothic Pro W4" panose="020F0400000000000000" pitchFamily="34" charset="-128"/>
+            </a:endParaRPr>
+          </a:p>
+          <a:p>
+            <a:pPr marL="502920" indent="-457200"/>
+            <a:r>
+              <a:rPr lang="en-US" altLang="ja-JP" sz="2200" dirty="0">
+                <a:solidFill>
+                  <a:schemeClr val="accent5">
+                    <a:lumMod val="50000"/>
+                  </a:schemeClr>
+                </a:solidFill>
+                <a:latin typeface="Hiragino Maru Gothic Pro W4" panose="020F0400000000000000" pitchFamily="34" charset="-128"/>
+                <a:ea typeface="Hiragino Maru Gothic Pro W4" panose="020F0400000000000000" pitchFamily="34" charset="-128"/>
+                <a:hlinkClick r:id="rId3"/>
+              </a:rPr>
+              <a:t>https://warmatch.us/leagues/548</a:t>
+            </a:r>
+            <a:endParaRPr lang="en-US" altLang="ja-JP" sz="2200" dirty="0">
+              <a:solidFill>
+                <a:schemeClr val="accent5">
+                  <a:lumMod val="50000"/>
+                </a:schemeClr>
+              </a:solidFill>
+              <a:latin typeface="Hiragino Maru Gothic Pro W4" panose="020F0400000000000000" pitchFamily="34" charset="-128"/>
+              <a:ea typeface="Hiragino Maru Gothic Pro W4" panose="020F0400000000000000" pitchFamily="34" charset="-128"/>
+            </a:endParaRPr>
+          </a:p>
+          <a:p>
+            <a:pPr marL="502920" indent="-457200"/>
+            <a:r>
+              <a:rPr lang="ja-JP" altLang="en-US" sz="2200">
+                <a:solidFill>
+                  <a:schemeClr val="accent5">
+                    <a:lumMod val="50000"/>
+                  </a:schemeClr>
+                </a:solidFill>
+                <a:latin typeface="Hiragino Maru Gothic Pro W4" panose="020F0400000000000000" pitchFamily="34" charset="-128"/>
+                <a:ea typeface="Hiragino Maru Gothic Pro W4" panose="020F0400000000000000" pitchFamily="34" charset="-128"/>
+              </a:rPr>
+              <a:t>難易度：</a:t>
+            </a:r>
+            <a:r>
+              <a:rPr lang="en-US" altLang="ja-JP" sz="2200" dirty="0">
+                <a:solidFill>
+                  <a:schemeClr val="accent5">
+                    <a:lumMod val="50000"/>
+                  </a:schemeClr>
+                </a:solidFill>
+                <a:latin typeface="Hiragino Maru Gothic Pro W4" panose="020F0400000000000000" pitchFamily="34" charset="-128"/>
+                <a:ea typeface="Hiragino Maru Gothic Pro W4" panose="020F0400000000000000" pitchFamily="34" charset="-128"/>
+              </a:rPr>
+              <a:t>B (</a:t>
+            </a:r>
+            <a:r>
+              <a:rPr lang="ja-JP" altLang="en-US" sz="2200">
+                <a:solidFill>
+                  <a:schemeClr val="accent5">
+                    <a:lumMod val="50000"/>
+                  </a:schemeClr>
+                </a:solidFill>
+                <a:latin typeface="Hiragino Maru Gothic Pro W4" panose="020F0400000000000000" pitchFamily="34" charset="-128"/>
+                <a:ea typeface="Hiragino Maru Gothic Pro W4" panose="020F0400000000000000" pitchFamily="34" charset="-128"/>
+              </a:rPr>
+              <a:t>参加クラン多し、平均すると</a:t>
+            </a:r>
+            <a:r>
+              <a:rPr lang="en-US" altLang="ja-JP" sz="2200" dirty="0">
+                <a:solidFill>
+                  <a:schemeClr val="accent5">
+                    <a:lumMod val="50000"/>
+                  </a:schemeClr>
+                </a:solidFill>
+                <a:latin typeface="Hiragino Maru Gothic Pro W4" panose="020F0400000000000000" pitchFamily="34" charset="-128"/>
+                <a:ea typeface="Hiragino Maru Gothic Pro W4" panose="020F0400000000000000" pitchFamily="34" charset="-128"/>
+              </a:rPr>
+              <a:t> JWC J2</a:t>
+            </a:r>
+            <a:r>
+              <a:rPr lang="ja-JP" altLang="en-US" sz="2200">
+                <a:solidFill>
+                  <a:schemeClr val="accent5">
+                    <a:lumMod val="50000"/>
+                  </a:schemeClr>
+                </a:solidFill>
+                <a:latin typeface="Hiragino Maru Gothic Pro W4" panose="020F0400000000000000" pitchFamily="34" charset="-128"/>
+                <a:ea typeface="Hiragino Maru Gothic Pro W4" panose="020F0400000000000000" pitchFamily="34" charset="-128"/>
+              </a:rPr>
+              <a:t>レベルなのかなぁ</a:t>
+            </a:r>
+            <a:r>
+              <a:rPr lang="en-US" altLang="ja-JP" sz="2200" dirty="0">
+                <a:solidFill>
+                  <a:schemeClr val="accent5">
+                    <a:lumMod val="50000"/>
+                  </a:schemeClr>
+                </a:solidFill>
+                <a:latin typeface="Hiragino Maru Gothic Pro W4" panose="020F0400000000000000" pitchFamily="34" charset="-128"/>
+                <a:ea typeface="Hiragino Maru Gothic Pro W4" panose="020F0400000000000000" pitchFamily="34" charset="-128"/>
+              </a:rPr>
+              <a:t>)</a:t>
+            </a:r>
+          </a:p>
+          <a:p>
+            <a:pPr marL="502920" indent="-457200"/>
+            <a:r>
+              <a:rPr lang="ja-JP" altLang="en-US" sz="2200">
+                <a:solidFill>
+                  <a:schemeClr val="accent5">
+                    <a:lumMod val="50000"/>
+                  </a:schemeClr>
+                </a:solidFill>
+                <a:latin typeface="Hiragino Maru Gothic Pro W4" panose="020F0400000000000000" pitchFamily="34" charset="-128"/>
+                <a:ea typeface="Hiragino Maru Gothic Pro W4" panose="020F0400000000000000" pitchFamily="34" charset="-128"/>
+              </a:rPr>
+              <a:t>対戦人数：</a:t>
+            </a:r>
+            <a:r>
+              <a:rPr lang="en-US" altLang="ja-JP" sz="2200" dirty="0">
+                <a:solidFill>
+                  <a:schemeClr val="accent5">
+                    <a:lumMod val="50000"/>
+                  </a:schemeClr>
+                </a:solidFill>
+                <a:latin typeface="Hiragino Maru Gothic Pro W4" panose="020F0400000000000000" pitchFamily="34" charset="-128"/>
+                <a:ea typeface="Hiragino Maru Gothic Pro W4" panose="020F0400000000000000" pitchFamily="34" charset="-128"/>
+              </a:rPr>
+              <a:t>20</a:t>
+            </a:r>
+            <a:r>
+              <a:rPr lang="ja-JP" altLang="en-US" sz="2200">
+                <a:solidFill>
+                  <a:schemeClr val="accent5">
+                    <a:lumMod val="50000"/>
+                  </a:schemeClr>
+                </a:solidFill>
+                <a:latin typeface="Hiragino Maru Gothic Pro W4" panose="020F0400000000000000" pitchFamily="34" charset="-128"/>
+                <a:ea typeface="Hiragino Maru Gothic Pro W4" panose="020F0400000000000000" pitchFamily="34" charset="-128"/>
+              </a:rPr>
+              <a:t>人</a:t>
+            </a:r>
+            <a:endParaRPr lang="en-US" altLang="ja-JP" sz="2200" dirty="0">
+              <a:solidFill>
+                <a:schemeClr val="accent5">
+                  <a:lumMod val="50000"/>
+                </a:schemeClr>
+              </a:solidFill>
+              <a:latin typeface="Hiragino Maru Gothic Pro W4" panose="020F0400000000000000" pitchFamily="34" charset="-128"/>
+              <a:ea typeface="Hiragino Maru Gothic Pro W4" panose="020F0400000000000000" pitchFamily="34" charset="-128"/>
+            </a:endParaRPr>
+          </a:p>
+          <a:p>
+            <a:pPr marL="502920" indent="-457200"/>
+            <a:r>
+              <a:rPr lang="ja-JP" altLang="en-US" sz="2200">
+                <a:solidFill>
+                  <a:schemeClr val="accent5">
+                    <a:lumMod val="50000"/>
+                  </a:schemeClr>
+                </a:solidFill>
+                <a:latin typeface="Hiragino Maru Gothic Pro W4" panose="020F0400000000000000" pitchFamily="34" charset="-128"/>
+                <a:ea typeface="Hiragino Maru Gothic Pro W4" panose="020F0400000000000000" pitchFamily="34" charset="-128"/>
+              </a:rPr>
+              <a:t>攻撃回数：</a:t>
+            </a:r>
+            <a:r>
+              <a:rPr lang="en-US" altLang="ja-JP" sz="2200" dirty="0">
+                <a:solidFill>
+                  <a:schemeClr val="accent5">
+                    <a:lumMod val="50000"/>
+                  </a:schemeClr>
+                </a:solidFill>
+                <a:latin typeface="Hiragino Maru Gothic Pro W4" panose="020F0400000000000000" pitchFamily="34" charset="-128"/>
+                <a:ea typeface="Hiragino Maru Gothic Pro W4" panose="020F0400000000000000" pitchFamily="34" charset="-128"/>
+              </a:rPr>
+              <a:t>2</a:t>
+            </a:r>
+            <a:r>
+              <a:rPr lang="ja-JP" altLang="en-US" sz="2200">
+                <a:solidFill>
+                  <a:schemeClr val="accent5">
+                    <a:lumMod val="50000"/>
+                  </a:schemeClr>
+                </a:solidFill>
+                <a:latin typeface="Hiragino Maru Gothic Pro W4" panose="020F0400000000000000" pitchFamily="34" charset="-128"/>
+                <a:ea typeface="Hiragino Maru Gothic Pro W4" panose="020F0400000000000000" pitchFamily="34" charset="-128"/>
+              </a:rPr>
+              <a:t>回</a:t>
+            </a:r>
+            <a:endParaRPr lang="en-US" altLang="ja-JP" sz="2200" dirty="0">
+              <a:solidFill>
+                <a:schemeClr val="accent5">
+                  <a:lumMod val="50000"/>
+                </a:schemeClr>
+              </a:solidFill>
+              <a:latin typeface="Hiragino Maru Gothic Pro W4" panose="020F0400000000000000" pitchFamily="34" charset="-128"/>
+              <a:ea typeface="Hiragino Maru Gothic Pro W4" panose="020F0400000000000000" pitchFamily="34" charset="-128"/>
+            </a:endParaRPr>
+          </a:p>
+          <a:p>
+            <a:pPr marL="502920" indent="-457200"/>
+            <a:r>
+              <a:rPr lang="ja-JP" altLang="en-US" sz="2200">
+                <a:solidFill>
+                  <a:schemeClr val="accent5">
+                    <a:lumMod val="50000"/>
+                  </a:schemeClr>
+                </a:solidFill>
+                <a:latin typeface="Hiragino Maru Gothic Pro W4" panose="020F0400000000000000" pitchFamily="34" charset="-128"/>
+                <a:ea typeface="Hiragino Maru Gothic Pro W4" panose="020F0400000000000000" pitchFamily="34" charset="-128"/>
+              </a:rPr>
+              <a:t>スケジュール実績：</a:t>
+            </a:r>
+            <a:endParaRPr lang="en-US" altLang="ja-JP" sz="2200" dirty="0">
+              <a:solidFill>
+                <a:schemeClr val="accent5">
+                  <a:lumMod val="50000"/>
+                </a:schemeClr>
+              </a:solidFill>
+              <a:latin typeface="Hiragino Maru Gothic Pro W4" panose="020F0400000000000000" pitchFamily="34" charset="-128"/>
+              <a:ea typeface="Hiragino Maru Gothic Pro W4" panose="020F0400000000000000" pitchFamily="34" charset="-128"/>
+            </a:endParaRPr>
+          </a:p>
+          <a:p>
+            <a:pPr marL="960120" lvl="1" indent="-457200">
+              <a:buFont typeface="Wingdings" pitchFamily="2" charset="2"/>
+              <a:buChar char="ü"/>
+            </a:pPr>
+            <a:r>
+              <a:rPr lang="en-US" altLang="ja-JP" sz="2200" dirty="0">
+                <a:solidFill>
+                  <a:schemeClr val="accent5">
+                    <a:lumMod val="50000"/>
+                  </a:schemeClr>
+                </a:solidFill>
+                <a:latin typeface="Hiragino Maru Gothic Pro W4" panose="020F0400000000000000" pitchFamily="34" charset="-128"/>
+                <a:ea typeface="Hiragino Maru Gothic Pro W4" panose="020F0400000000000000" pitchFamily="34" charset="-128"/>
+              </a:rPr>
+              <a:t>season2 (2020</a:t>
+            </a:r>
+            <a:r>
+              <a:rPr lang="ja-JP" altLang="en-US" sz="2200">
+                <a:solidFill>
+                  <a:schemeClr val="accent5">
+                    <a:lumMod val="50000"/>
+                  </a:schemeClr>
+                </a:solidFill>
+                <a:latin typeface="Hiragino Maru Gothic Pro W4" panose="020F0400000000000000" pitchFamily="34" charset="-128"/>
+                <a:ea typeface="Hiragino Maru Gothic Pro W4" panose="020F0400000000000000" pitchFamily="34" charset="-128"/>
+              </a:rPr>
+              <a:t>年</a:t>
+            </a:r>
+            <a:r>
+              <a:rPr lang="en-US" altLang="ja-JP" sz="2200" dirty="0">
+                <a:solidFill>
+                  <a:schemeClr val="accent5">
+                    <a:lumMod val="50000"/>
+                  </a:schemeClr>
+                </a:solidFill>
+                <a:latin typeface="Hiragino Maru Gothic Pro W4" panose="020F0400000000000000" pitchFamily="34" charset="-128"/>
+                <a:ea typeface="Hiragino Maru Gothic Pro W4" panose="020F0400000000000000" pitchFamily="34" charset="-128"/>
+              </a:rPr>
+              <a:t>8</a:t>
+            </a:r>
+            <a:r>
+              <a:rPr lang="ja-JP" altLang="en-US" sz="2200">
+                <a:solidFill>
+                  <a:schemeClr val="accent5">
+                    <a:lumMod val="50000"/>
+                  </a:schemeClr>
+                </a:solidFill>
+                <a:latin typeface="Hiragino Maru Gothic Pro W4" panose="020F0400000000000000" pitchFamily="34" charset="-128"/>
+                <a:ea typeface="Hiragino Maru Gothic Pro W4" panose="020F0400000000000000" pitchFamily="34" charset="-128"/>
+              </a:rPr>
+              <a:t>月</a:t>
+            </a:r>
+            <a:r>
+              <a:rPr lang="en-US" altLang="ja-JP" sz="2200" dirty="0">
+                <a:solidFill>
+                  <a:schemeClr val="accent5">
+                    <a:lumMod val="50000"/>
+                  </a:schemeClr>
+                </a:solidFill>
+                <a:latin typeface="Hiragino Maru Gothic Pro W4" panose="020F0400000000000000" pitchFamily="34" charset="-128"/>
+                <a:ea typeface="Hiragino Maru Gothic Pro W4" panose="020F0400000000000000" pitchFamily="34" charset="-128"/>
+              </a:rPr>
+              <a:t>〜12</a:t>
+            </a:r>
+            <a:r>
+              <a:rPr lang="ja-JP" altLang="en-US" sz="2200">
+                <a:solidFill>
+                  <a:schemeClr val="accent5">
+                    <a:lumMod val="50000"/>
+                  </a:schemeClr>
+                </a:solidFill>
+                <a:latin typeface="Hiragino Maru Gothic Pro W4" panose="020F0400000000000000" pitchFamily="34" charset="-128"/>
+                <a:ea typeface="Hiragino Maru Gothic Pro W4" panose="020F0400000000000000" pitchFamily="34" charset="-128"/>
+              </a:rPr>
+              <a:t>月</a:t>
+            </a:r>
+            <a:r>
+              <a:rPr lang="en-US" altLang="ja-JP" sz="2200" dirty="0">
+                <a:solidFill>
+                  <a:schemeClr val="accent5">
+                    <a:lumMod val="50000"/>
+                  </a:schemeClr>
+                </a:solidFill>
+                <a:latin typeface="Hiragino Maru Gothic Pro W4" panose="020F0400000000000000" pitchFamily="34" charset="-128"/>
+                <a:ea typeface="Hiragino Maru Gothic Pro W4" panose="020F0400000000000000" pitchFamily="34" charset="-128"/>
+              </a:rPr>
+              <a:t>)</a:t>
+            </a:r>
+          </a:p>
+          <a:p>
+            <a:pPr marL="960120" lvl="1" indent="-457200">
+              <a:buFont typeface="Wingdings" pitchFamily="2" charset="2"/>
+              <a:buChar char="ü"/>
+            </a:pPr>
+            <a:r>
+              <a:rPr lang="en-US" altLang="ja-JP" sz="2200" dirty="0">
+                <a:solidFill>
+                  <a:schemeClr val="accent5">
+                    <a:lumMod val="50000"/>
+                  </a:schemeClr>
+                </a:solidFill>
+                <a:latin typeface="Hiragino Maru Gothic Pro W4" panose="020F0400000000000000" pitchFamily="34" charset="-128"/>
+                <a:ea typeface="Hiragino Maru Gothic Pro W4" panose="020F0400000000000000" pitchFamily="34" charset="-128"/>
+              </a:rPr>
+              <a:t>season3 (2021</a:t>
+            </a:r>
+            <a:r>
+              <a:rPr lang="ja-JP" altLang="en-US" sz="2200">
+                <a:solidFill>
+                  <a:schemeClr val="accent5">
+                    <a:lumMod val="50000"/>
+                  </a:schemeClr>
+                </a:solidFill>
+                <a:latin typeface="Hiragino Maru Gothic Pro W4" panose="020F0400000000000000" pitchFamily="34" charset="-128"/>
+                <a:ea typeface="Hiragino Maru Gothic Pro W4" panose="020F0400000000000000" pitchFamily="34" charset="-128"/>
+              </a:rPr>
+              <a:t>年</a:t>
+            </a:r>
+            <a:r>
+              <a:rPr lang="en-US" altLang="ja-JP" sz="2200" dirty="0">
+                <a:solidFill>
+                  <a:schemeClr val="accent5">
+                    <a:lumMod val="50000"/>
+                  </a:schemeClr>
+                </a:solidFill>
+                <a:latin typeface="Hiragino Maru Gothic Pro W4" panose="020F0400000000000000" pitchFamily="34" charset="-128"/>
+                <a:ea typeface="Hiragino Maru Gothic Pro W4" panose="020F0400000000000000" pitchFamily="34" charset="-128"/>
+              </a:rPr>
+              <a:t>3</a:t>
+            </a:r>
+            <a:r>
+              <a:rPr lang="ja-JP" altLang="en-US" sz="2200">
+                <a:solidFill>
+                  <a:schemeClr val="accent5">
+                    <a:lumMod val="50000"/>
+                  </a:schemeClr>
+                </a:solidFill>
+                <a:latin typeface="Hiragino Maru Gothic Pro W4" panose="020F0400000000000000" pitchFamily="34" charset="-128"/>
+                <a:ea typeface="Hiragino Maru Gothic Pro W4" panose="020F0400000000000000" pitchFamily="34" charset="-128"/>
+              </a:rPr>
+              <a:t>月</a:t>
+            </a:r>
+            <a:r>
+              <a:rPr lang="en-US" altLang="ja-JP" sz="2200" dirty="0">
+                <a:solidFill>
+                  <a:schemeClr val="accent5">
+                    <a:lumMod val="50000"/>
+                  </a:schemeClr>
+                </a:solidFill>
+                <a:latin typeface="Hiragino Maru Gothic Pro W4" panose="020F0400000000000000" pitchFamily="34" charset="-128"/>
+                <a:ea typeface="Hiragino Maru Gothic Pro W4" panose="020F0400000000000000" pitchFamily="34" charset="-128"/>
+              </a:rPr>
+              <a:t>〜5</a:t>
+            </a:r>
+            <a:r>
+              <a:rPr lang="ja-JP" altLang="en-US" sz="2200">
+                <a:solidFill>
+                  <a:schemeClr val="accent5">
+                    <a:lumMod val="50000"/>
+                  </a:schemeClr>
+                </a:solidFill>
+                <a:latin typeface="Hiragino Maru Gothic Pro W4" panose="020F0400000000000000" pitchFamily="34" charset="-128"/>
+                <a:ea typeface="Hiragino Maru Gothic Pro W4" panose="020F0400000000000000" pitchFamily="34" charset="-128"/>
+              </a:rPr>
+              <a:t>月</a:t>
+            </a:r>
+            <a:r>
+              <a:rPr lang="en-US" altLang="ja-JP" sz="2200" dirty="0">
+                <a:solidFill>
+                  <a:schemeClr val="accent5">
+                    <a:lumMod val="50000"/>
+                  </a:schemeClr>
+                </a:solidFill>
+                <a:latin typeface="Hiragino Maru Gothic Pro W4" panose="020F0400000000000000" pitchFamily="34" charset="-128"/>
+                <a:ea typeface="Hiragino Maru Gothic Pro W4" panose="020F0400000000000000" pitchFamily="34" charset="-128"/>
+              </a:rPr>
+              <a:t>)</a:t>
+            </a:r>
+          </a:p>
+        </p:txBody>
+      </p:sp>
+      <p:sp>
+        <p:nvSpPr>
           <p:cNvPr id="4" name="スライド番号プレースホルダー 3">
             <a:extLst>
               <a:ext uri="{FF2B5EF4-FFF2-40B4-BE49-F238E27FC236}">
-                <a16:creationId xmlns:a16="http://schemas.microsoft.com/office/drawing/2014/main" id="{FFA60BD1-FA32-484F-807E-37BB2EC217BB}"/>
+                <a16:creationId xmlns:a16="http://schemas.microsoft.com/office/drawing/2014/main" id="{34C04C8D-49C3-874E-864D-A6289CA1E427}"/>
               </a:ext>
             </a:extLst>
           </p:cNvPr>
@@ -8972,12 +9398,7 @@
             <p:ph type="sldNum" sz="quarter" idx="12"/>
           </p:nvPr>
         </p:nvSpPr>
-        <p:spPr>
-          <a:xfrm>
-            <a:off x="8610600" y="6356350"/>
-            <a:ext cx="2743200" cy="365125"/>
-          </a:xfrm>
-        </p:spPr>
+        <p:spPr/>
         <p:txBody>
           <a:bodyPr/>
           <a:lstStyle/>
@@ -8986,7 +9407,9 @@
             <a:fld id="{E31375A4-56A4-47D6-9801-1991572033F7}" type="slidenum">
               <a:rPr lang="en-US" altLang="ja-JP" noProof="0" smtClean="0">
                 <a:solidFill>
-                  <a:srgbClr val="002060"/>
+                  <a:schemeClr val="accent5">
+                    <a:lumMod val="50000"/>
+                  </a:schemeClr>
                 </a:solidFill>
                 <a:latin typeface="Hiragino Maru Gothic Pro W4" panose="020F0400000000000000" pitchFamily="34" charset="-128"/>
                 <a:ea typeface="Hiragino Maru Gothic Pro W4" panose="020F0400000000000000" pitchFamily="34" charset="-128"/>
@@ -8995,7 +9418,9 @@
             </a:fld>
             <a:endParaRPr lang="ja-JP" altLang="en-US" noProof="0" dirty="0">
               <a:solidFill>
-                <a:srgbClr val="002060"/>
+                <a:schemeClr val="accent5">
+                  <a:lumMod val="50000"/>
+                </a:schemeClr>
               </a:solidFill>
               <a:latin typeface="Hiragino Maru Gothic Pro W4" panose="020F0400000000000000" pitchFamily="34" charset="-128"/>
               <a:ea typeface="Hiragino Maru Gothic Pro W4" panose="020F0400000000000000" pitchFamily="34" charset="-128"/>
@@ -9006,7 +9431,7 @@
     </p:spTree>
     <p:extLst>
       <p:ext uri="{BB962C8B-B14F-4D97-AF65-F5344CB8AC3E}">
-        <p14:creationId xmlns:p14="http://schemas.microsoft.com/office/powerpoint/2010/main" val="12788280"/>
+        <p14:creationId xmlns:p14="http://schemas.microsoft.com/office/powerpoint/2010/main" val="2252930454"/>
       </p:ext>
     </p:extLst>
   </p:cSld>
@@ -9050,6 +9475,169 @@
           <p:cNvPr id="2" name="タイトル 1">
             <a:extLst>
               <a:ext uri="{FF2B5EF4-FFF2-40B4-BE49-F238E27FC236}">
+                <a16:creationId xmlns:a16="http://schemas.microsoft.com/office/drawing/2014/main" id="{05E27039-9568-144A-9E91-3B61FB565D2A}"/>
+              </a:ext>
+            </a:extLst>
+          </p:cNvPr>
+          <p:cNvSpPr>
+            <a:spLocks noGrp="1"/>
+          </p:cNvSpPr>
+          <p:nvPr>
+            <p:ph type="ctrTitle"/>
+          </p:nvPr>
+        </p:nvSpPr>
+        <p:spPr>
+          <a:xfrm>
+            <a:off x="1306286" y="1187630"/>
+            <a:ext cx="9570720" cy="3173122"/>
+          </a:xfrm>
+        </p:spPr>
+        <p:txBody>
+          <a:bodyPr>
+            <a:normAutofit/>
+          </a:bodyPr>
+          <a:lstStyle/>
+          <a:p>
+            <a:r>
+              <a:rPr lang="ja-JP" altLang="en-US">
+                <a:solidFill>
+                  <a:schemeClr val="accent5">
+                    <a:lumMod val="50000"/>
+                  </a:schemeClr>
+                </a:solidFill>
+                <a:latin typeface="Hiragino Maru Gothic Pro W4" panose="020F0400000000000000" pitchFamily="34" charset="-128"/>
+                <a:ea typeface="Hiragino Maru Gothic Pro W4" panose="020F0400000000000000" pitchFamily="34" charset="-128"/>
+              </a:rPr>
+              <a:t>まとめ</a:t>
+            </a:r>
+            <a:br>
+              <a:rPr lang="en-US" altLang="ja-JP" dirty="0">
+                <a:solidFill>
+                  <a:schemeClr val="accent5">
+                    <a:lumMod val="50000"/>
+                  </a:schemeClr>
+                </a:solidFill>
+                <a:latin typeface="Hiragino Maru Gothic Pro W4" panose="020F0400000000000000" pitchFamily="34" charset="-128"/>
+                <a:ea typeface="Hiragino Maru Gothic Pro W4" panose="020F0400000000000000" pitchFamily="34" charset="-128"/>
+              </a:rPr>
+            </a:br>
+            <a:br>
+              <a:rPr lang="en-US" altLang="ja-JP" dirty="0">
+                <a:solidFill>
+                  <a:schemeClr val="accent5">
+                    <a:lumMod val="50000"/>
+                  </a:schemeClr>
+                </a:solidFill>
+                <a:latin typeface="Hiragino Maru Gothic Pro W4" panose="020F0400000000000000" pitchFamily="34" charset="-128"/>
+                <a:ea typeface="Hiragino Maru Gothic Pro W4" panose="020F0400000000000000" pitchFamily="34" charset="-128"/>
+              </a:rPr>
+            </a:br>
+            <a:endParaRPr kumimoji="1" lang="ja-JP" altLang="en-US">
+              <a:solidFill>
+                <a:schemeClr val="accent5">
+                  <a:lumMod val="50000"/>
+                </a:schemeClr>
+              </a:solidFill>
+              <a:latin typeface="Hiragino Maru Gothic Pro W4" panose="020F0400000000000000" pitchFamily="34" charset="-128"/>
+              <a:ea typeface="Hiragino Maru Gothic Pro W4" panose="020F0400000000000000" pitchFamily="34" charset="-128"/>
+            </a:endParaRPr>
+          </a:p>
+        </p:txBody>
+      </p:sp>
+      <p:sp>
+        <p:nvSpPr>
+          <p:cNvPr id="4" name="スライド番号プレースホルダー 3">
+            <a:extLst>
+              <a:ext uri="{FF2B5EF4-FFF2-40B4-BE49-F238E27FC236}">
+                <a16:creationId xmlns:a16="http://schemas.microsoft.com/office/drawing/2014/main" id="{FFA60BD1-FA32-484F-807E-37BB2EC217BB}"/>
+              </a:ext>
+            </a:extLst>
+          </p:cNvPr>
+          <p:cNvSpPr>
+            <a:spLocks noGrp="1"/>
+          </p:cNvSpPr>
+          <p:nvPr>
+            <p:ph type="sldNum" sz="quarter" idx="12"/>
+          </p:nvPr>
+        </p:nvSpPr>
+        <p:spPr>
+          <a:xfrm>
+            <a:off x="8610600" y="6356350"/>
+            <a:ext cx="2743200" cy="365125"/>
+          </a:xfrm>
+        </p:spPr>
+        <p:txBody>
+          <a:bodyPr/>
+          <a:lstStyle/>
+          <a:p>
+            <a:pPr rtl="0"/>
+            <a:fld id="{E31375A4-56A4-47D6-9801-1991572033F7}" type="slidenum">
+              <a:rPr lang="en-US" altLang="ja-JP" noProof="0" smtClean="0">
+                <a:solidFill>
+                  <a:srgbClr val="002060"/>
+                </a:solidFill>
+                <a:latin typeface="Hiragino Maru Gothic Pro W4" panose="020F0400000000000000" pitchFamily="34" charset="-128"/>
+                <a:ea typeface="Hiragino Maru Gothic Pro W4" panose="020F0400000000000000" pitchFamily="34" charset="-128"/>
+              </a:rPr>
+              <a:t>18</a:t>
+            </a:fld>
+            <a:endParaRPr lang="ja-JP" altLang="en-US" noProof="0" dirty="0">
+              <a:solidFill>
+                <a:srgbClr val="002060"/>
+              </a:solidFill>
+              <a:latin typeface="Hiragino Maru Gothic Pro W4" panose="020F0400000000000000" pitchFamily="34" charset="-128"/>
+              <a:ea typeface="Hiragino Maru Gothic Pro W4" panose="020F0400000000000000" pitchFamily="34" charset="-128"/>
+            </a:endParaRPr>
+          </a:p>
+        </p:txBody>
+      </p:sp>
+    </p:spTree>
+    <p:extLst>
+      <p:ext uri="{BB962C8B-B14F-4D97-AF65-F5344CB8AC3E}">
+        <p14:creationId xmlns:p14="http://schemas.microsoft.com/office/powerpoint/2010/main" val="12788280"/>
+      </p:ext>
+    </p:extLst>
+  </p:cSld>
+  <p:clrMapOvr>
+    <a:masterClrMapping/>
+  </p:clrMapOvr>
+  <mc:AlternateContent xmlns:mc="http://schemas.openxmlformats.org/markup-compatibility/2006" xmlns:p14="http://schemas.microsoft.com/office/powerpoint/2010/main">
+    <mc:Choice Requires="p14">
+      <p:transition spd="med" p14:dur="700">
+        <p:fade/>
+      </p:transition>
+    </mc:Choice>
+    <mc:Fallback xmlns="">
+      <p:transition spd="med">
+        <p:fade/>
+      </p:transition>
+    </mc:Fallback>
+  </mc:AlternateContent>
+</p:sld>
+</file>
+
+<file path=ppt/slides/slide19.xml><?xml version="1.0" encoding="utf-8"?>
+<p:sld xmlns:a="http://schemas.openxmlformats.org/drawingml/2006/main" xmlns:r="http://schemas.openxmlformats.org/officeDocument/2006/relationships" xmlns:p="http://schemas.openxmlformats.org/presentationml/2006/main">
+  <p:cSld>
+    <p:spTree>
+      <p:nvGrpSpPr>
+        <p:cNvPr id="1" name=""/>
+        <p:cNvGrpSpPr/>
+        <p:nvPr/>
+      </p:nvGrpSpPr>
+      <p:grpSpPr>
+        <a:xfrm>
+          <a:off x="0" y="0"/>
+          <a:ext cx="0" cy="0"/>
+          <a:chOff x="0" y="0"/>
+          <a:chExt cx="0" cy="0"/>
+        </a:xfrm>
+      </p:grpSpPr>
+      <p:sp>
+        <p:nvSpPr>
+          <p:cNvPr id="2" name="タイトル 1">
+            <a:extLst>
+              <a:ext uri="{FF2B5EF4-FFF2-40B4-BE49-F238E27FC236}">
                 <a16:creationId xmlns:a16="http://schemas.microsoft.com/office/drawing/2014/main" id="{4BEF2D4F-28AD-C84D-A4AC-A607D5B45D24}"/>
               </a:ext>
             </a:extLst>
@@ -9165,7 +9753,7 @@
                 <a:latin typeface="Hiragino Maru Gothic Pro W4" panose="020F0400000000000000" pitchFamily="34" charset="-128"/>
                 <a:ea typeface="Hiragino Maru Gothic Pro W4" panose="020F0400000000000000" pitchFamily="34" charset="-128"/>
               </a:rPr>
-              <a:t>18</a:t>
+              <a:t>19</a:t>
             </a:fld>
             <a:endParaRPr lang="ja-JP" altLang="en-US" noProof="0" dirty="0">
               <a:solidFill>
@@ -9194,14 +9782,14 @@
           <p:nvPr>
             <p:extLst>
               <p:ext uri="{D42A27DB-BD31-4B8C-83A1-F6EECF244321}">
-                <p14:modId xmlns:p14="http://schemas.microsoft.com/office/powerpoint/2010/main" val="2244657666"/>
+                <p14:modId xmlns:p14="http://schemas.microsoft.com/office/powerpoint/2010/main" val="861294057"/>
               </p:ext>
             </p:extLst>
           </p:nvPr>
         </p:nvGraphicFramePr>
         <p:xfrm>
           <a:off x="1054100" y="840896"/>
-          <a:ext cx="10083800" cy="4820920"/>
+          <a:ext cx="10083800" cy="5191760"/>
         </p:xfrm>
         <a:graphic>
           <a:graphicData uri="http://schemas.openxmlformats.org/drawingml/2006/table">
@@ -9406,27 +9994,6 @@
                         </a:rPr>
                         <a:t>人</a:t>
                       </a:r>
-                      <a:r>
-                        <a:rPr kumimoji="1" lang="en-US" altLang="ja-JP" dirty="0">
-                          <a:solidFill>
-                            <a:schemeClr val="accent5">
-                              <a:lumMod val="50000"/>
-                            </a:schemeClr>
-                          </a:solidFill>
-                          <a:latin typeface="Hiragino Maru Gothic Pro W4" panose="020F0400000000000000" pitchFamily="34" charset="-128"/>
-                          <a:ea typeface="Hiragino Maru Gothic Pro W4" panose="020F0400000000000000" pitchFamily="34" charset="-128"/>
-                        </a:rPr>
-                        <a:t>〜</a:t>
-                      </a:r>
-                      <a:endParaRPr kumimoji="1" lang="ja-JP" altLang="en-US">
-                        <a:solidFill>
-                          <a:schemeClr val="accent5">
-                            <a:lumMod val="50000"/>
-                          </a:schemeClr>
-                        </a:solidFill>
-                        <a:latin typeface="Hiragino Maru Gothic Pro W4" panose="020F0400000000000000" pitchFamily="34" charset="-128"/>
-                        <a:ea typeface="Hiragino Maru Gothic Pro W4" panose="020F0400000000000000" pitchFamily="34" charset="-128"/>
-                      </a:endParaRPr>
                     </a:p>
                   </a:txBody>
                   <a:tcPr anchor="ctr"/>
@@ -9560,27 +10127,6 @@
                         </a:rPr>
                         <a:t>人</a:t>
                       </a:r>
-                      <a:r>
-                        <a:rPr kumimoji="1" lang="en-US" altLang="ja-JP" dirty="0">
-                          <a:solidFill>
-                            <a:schemeClr val="accent5">
-                              <a:lumMod val="50000"/>
-                            </a:schemeClr>
-                          </a:solidFill>
-                          <a:latin typeface="Hiragino Maru Gothic Pro W4" panose="020F0400000000000000" pitchFamily="34" charset="-128"/>
-                          <a:ea typeface="Hiragino Maru Gothic Pro W4" panose="020F0400000000000000" pitchFamily="34" charset="-128"/>
-                        </a:rPr>
-                        <a:t>〜</a:t>
-                      </a:r>
-                      <a:endParaRPr kumimoji="1" lang="ja-JP" altLang="en-US">
-                        <a:solidFill>
-                          <a:schemeClr val="accent5">
-                            <a:lumMod val="50000"/>
-                          </a:schemeClr>
-                        </a:solidFill>
-                        <a:latin typeface="Hiragino Maru Gothic Pro W4" panose="020F0400000000000000" pitchFamily="34" charset="-128"/>
-                        <a:ea typeface="Hiragino Maru Gothic Pro W4" panose="020F0400000000000000" pitchFamily="34" charset="-128"/>
-                      </a:endParaRPr>
                     </a:p>
                   </a:txBody>
                   <a:tcPr anchor="ctr"/>
@@ -9714,27 +10260,6 @@
                         </a:rPr>
                         <a:t>人</a:t>
                       </a:r>
-                      <a:r>
-                        <a:rPr kumimoji="1" lang="en-US" altLang="ja-JP" dirty="0">
-                          <a:solidFill>
-                            <a:schemeClr val="accent5">
-                              <a:lumMod val="50000"/>
-                            </a:schemeClr>
-                          </a:solidFill>
-                          <a:latin typeface="Hiragino Maru Gothic Pro W4" panose="020F0400000000000000" pitchFamily="34" charset="-128"/>
-                          <a:ea typeface="Hiragino Maru Gothic Pro W4" panose="020F0400000000000000" pitchFamily="34" charset="-128"/>
-                        </a:rPr>
-                        <a:t>〜</a:t>
-                      </a:r>
-                      <a:endParaRPr kumimoji="1" lang="ja-JP" altLang="en-US">
-                        <a:solidFill>
-                          <a:schemeClr val="accent5">
-                            <a:lumMod val="50000"/>
-                          </a:schemeClr>
-                        </a:solidFill>
-                        <a:latin typeface="Hiragino Maru Gothic Pro W4" panose="020F0400000000000000" pitchFamily="34" charset="-128"/>
-                        <a:ea typeface="Hiragino Maru Gothic Pro W4" panose="020F0400000000000000" pitchFamily="34" charset="-128"/>
-                      </a:endParaRPr>
                     </a:p>
                   </a:txBody>
                   <a:tcPr anchor="ctr"/>
@@ -10150,27 +10675,6 @@
                         </a:rPr>
                         <a:t>人</a:t>
                       </a:r>
-                      <a:r>
-                        <a:rPr kumimoji="1" lang="en-US" altLang="ja-JP" dirty="0">
-                          <a:solidFill>
-                            <a:schemeClr val="accent5">
-                              <a:lumMod val="50000"/>
-                            </a:schemeClr>
-                          </a:solidFill>
-                          <a:latin typeface="Hiragino Maru Gothic Pro W4" panose="020F0400000000000000" pitchFamily="34" charset="-128"/>
-                          <a:ea typeface="Hiragino Maru Gothic Pro W4" panose="020F0400000000000000" pitchFamily="34" charset="-128"/>
-                        </a:rPr>
-                        <a:t>〜</a:t>
-                      </a:r>
-                      <a:endParaRPr kumimoji="1" lang="ja-JP" altLang="en-US">
-                        <a:solidFill>
-                          <a:schemeClr val="accent5">
-                            <a:lumMod val="50000"/>
-                          </a:schemeClr>
-                        </a:solidFill>
-                        <a:latin typeface="Hiragino Maru Gothic Pro W4" panose="020F0400000000000000" pitchFamily="34" charset="-128"/>
-                        <a:ea typeface="Hiragino Maru Gothic Pro W4" panose="020F0400000000000000" pitchFamily="34" charset="-128"/>
-                      </a:endParaRPr>
                     </a:p>
                   </a:txBody>
                   <a:tcPr anchor="ctr"/>
@@ -10969,27 +11473,6 @@
                         </a:rPr>
                         <a:t>人</a:t>
                       </a:r>
-                      <a:r>
-                        <a:rPr kumimoji="1" lang="en-US" altLang="ja-JP" dirty="0">
-                          <a:solidFill>
-                            <a:schemeClr val="accent5">
-                              <a:lumMod val="50000"/>
-                            </a:schemeClr>
-                          </a:solidFill>
-                          <a:latin typeface="Hiragino Maru Gothic Pro W4" panose="020F0400000000000000" pitchFamily="34" charset="-128"/>
-                          <a:ea typeface="Hiragino Maru Gothic Pro W4" panose="020F0400000000000000" pitchFamily="34" charset="-128"/>
-                        </a:rPr>
-                        <a:t>〜</a:t>
-                      </a:r>
-                      <a:endParaRPr kumimoji="1" lang="ja-JP" altLang="en-US">
-                        <a:solidFill>
-                          <a:schemeClr val="accent5">
-                            <a:lumMod val="50000"/>
-                          </a:schemeClr>
-                        </a:solidFill>
-                        <a:latin typeface="Hiragino Maru Gothic Pro W4" panose="020F0400000000000000" pitchFamily="34" charset="-128"/>
-                        <a:ea typeface="Hiragino Maru Gothic Pro W4" panose="020F0400000000000000" pitchFamily="34" charset="-128"/>
-                      </a:endParaRPr>
                     </a:p>
                   </a:txBody>
                   <a:tcPr anchor="ctr"/>
@@ -11031,6 +11514,139 @@
                   </a:ext>
                 </a:extLst>
               </a:tr>
+              <a:tr h="370840">
+                <a:tc>
+                  <a:txBody>
+                    <a:bodyPr/>
+                    <a:lstStyle/>
+                    <a:p>
+                      <a:r>
+                        <a:rPr kumimoji="1" lang="en-US" altLang="ja-JP" dirty="0">
+                          <a:solidFill>
+                            <a:schemeClr val="accent5">
+                              <a:lumMod val="50000"/>
+                            </a:schemeClr>
+                          </a:solidFill>
+                          <a:latin typeface="Hiragino Maru Gothic Pro W4" panose="020F0400000000000000" pitchFamily="34" charset="-128"/>
+                          <a:ea typeface="Hiragino Maru Gothic Pro W4" panose="020F0400000000000000" pitchFamily="34" charset="-128"/>
+                        </a:rPr>
+                        <a:t>MWL Griffin</a:t>
+                      </a:r>
+                      <a:endParaRPr kumimoji="1" lang="ja-JP" altLang="en-US">
+                        <a:solidFill>
+                          <a:schemeClr val="accent5">
+                            <a:lumMod val="50000"/>
+                          </a:schemeClr>
+                        </a:solidFill>
+                        <a:latin typeface="Hiragino Maru Gothic Pro W4" panose="020F0400000000000000" pitchFamily="34" charset="-128"/>
+                        <a:ea typeface="Hiragino Maru Gothic Pro W4" panose="020F0400000000000000" pitchFamily="34" charset="-128"/>
+                      </a:endParaRPr>
+                    </a:p>
+                  </a:txBody>
+                  <a:tcPr anchor="ctr"/>
+                </a:tc>
+                <a:tc>
+                  <a:txBody>
+                    <a:bodyPr/>
+                    <a:lstStyle/>
+                    <a:p>
+                      <a:pPr algn="ctr"/>
+                      <a:r>
+                        <a:rPr kumimoji="1" lang="en-US" altLang="ja-JP" dirty="0">
+                          <a:solidFill>
+                            <a:schemeClr val="accent5">
+                              <a:lumMod val="50000"/>
+                            </a:schemeClr>
+                          </a:solidFill>
+                          <a:latin typeface="Hiragino Maru Gothic Pro W4" panose="020F0400000000000000" pitchFamily="34" charset="-128"/>
+                          <a:ea typeface="Hiragino Maru Gothic Pro W4" panose="020F0400000000000000" pitchFamily="34" charset="-128"/>
+                        </a:rPr>
+                        <a:t>B</a:t>
+                      </a:r>
+                      <a:endParaRPr kumimoji="1" lang="ja-JP" altLang="en-US">
+                        <a:solidFill>
+                          <a:schemeClr val="accent5">
+                            <a:lumMod val="50000"/>
+                          </a:schemeClr>
+                        </a:solidFill>
+                        <a:latin typeface="Hiragino Maru Gothic Pro W4" panose="020F0400000000000000" pitchFamily="34" charset="-128"/>
+                        <a:ea typeface="Hiragino Maru Gothic Pro W4" panose="020F0400000000000000" pitchFamily="34" charset="-128"/>
+                      </a:endParaRPr>
+                    </a:p>
+                  </a:txBody>
+                  <a:tcPr anchor="ctr"/>
+                </a:tc>
+                <a:tc>
+                  <a:txBody>
+                    <a:bodyPr/>
+                    <a:lstStyle/>
+                    <a:p>
+                      <a:pPr algn="ctr"/>
+                      <a:r>
+                        <a:rPr kumimoji="1" lang="en-US" altLang="ja-JP" dirty="0">
+                          <a:solidFill>
+                            <a:schemeClr val="accent5">
+                              <a:lumMod val="50000"/>
+                            </a:schemeClr>
+                          </a:solidFill>
+                          <a:latin typeface="Hiragino Maru Gothic Pro W4" panose="020F0400000000000000" pitchFamily="34" charset="-128"/>
+                          <a:ea typeface="Hiragino Maru Gothic Pro W4" panose="020F0400000000000000" pitchFamily="34" charset="-128"/>
+                        </a:rPr>
+                        <a:t>20</a:t>
+                      </a:r>
+                      <a:r>
+                        <a:rPr kumimoji="1" lang="ja-JP" altLang="en-US">
+                          <a:solidFill>
+                            <a:schemeClr val="accent5">
+                              <a:lumMod val="50000"/>
+                            </a:schemeClr>
+                          </a:solidFill>
+                          <a:latin typeface="Hiragino Maru Gothic Pro W4" panose="020F0400000000000000" pitchFamily="34" charset="-128"/>
+                          <a:ea typeface="Hiragino Maru Gothic Pro W4" panose="020F0400000000000000" pitchFamily="34" charset="-128"/>
+                        </a:rPr>
+                        <a:t>人</a:t>
+                      </a:r>
+                    </a:p>
+                  </a:txBody>
+                  <a:tcPr anchor="ctr"/>
+                </a:tc>
+                <a:tc>
+                  <a:txBody>
+                    <a:bodyPr/>
+                    <a:lstStyle/>
+                    <a:p>
+                      <a:pPr algn="ctr"/>
+                      <a:r>
+                        <a:rPr kumimoji="1" lang="en-US" altLang="ja-JP" dirty="0">
+                          <a:solidFill>
+                            <a:schemeClr val="accent5">
+                              <a:lumMod val="50000"/>
+                            </a:schemeClr>
+                          </a:solidFill>
+                          <a:latin typeface="Hiragino Maru Gothic Pro W4" panose="020F0400000000000000" pitchFamily="34" charset="-128"/>
+                          <a:ea typeface="Hiragino Maru Gothic Pro W4" panose="020F0400000000000000" pitchFamily="34" charset="-128"/>
+                        </a:rPr>
+                        <a:t>2</a:t>
+                      </a:r>
+                      <a:endParaRPr kumimoji="1" lang="ja-JP" altLang="en-US">
+                        <a:solidFill>
+                          <a:schemeClr val="accent5">
+                            <a:lumMod val="50000"/>
+                          </a:schemeClr>
+                        </a:solidFill>
+                        <a:latin typeface="Hiragino Maru Gothic Pro W4" panose="020F0400000000000000" pitchFamily="34" charset="-128"/>
+                        <a:ea typeface="Hiragino Maru Gothic Pro W4" panose="020F0400000000000000" pitchFamily="34" charset="-128"/>
+                      </a:endParaRPr>
+                    </a:p>
+                  </a:txBody>
+                  <a:tcPr anchor="ctr"/>
+                </a:tc>
+                <a:extLst>
+                  <a:ext uri="{0D108BD9-81ED-4DB2-BD59-A6C34878D82A}">
+                    <a16:rowId xmlns:a16="http://schemas.microsoft.com/office/drawing/2014/main" val="1760673075"/>
+                  </a:ext>
+                </a:extLst>
+              </a:tr>
             </a:tbl>
           </a:graphicData>
         </a:graphic>
@@ -11039,204 +11655,6 @@
     <p:extLst>
       <p:ext uri="{BB962C8B-B14F-4D97-AF65-F5344CB8AC3E}">
         <p14:creationId xmlns:p14="http://schemas.microsoft.com/office/powerpoint/2010/main" val="850437078"/>
-      </p:ext>
-    </p:extLst>
-  </p:cSld>
-  <p:clrMapOvr>
-    <a:masterClrMapping/>
-  </p:clrMapOvr>
-  <mc:AlternateContent xmlns:mc="http://schemas.openxmlformats.org/markup-compatibility/2006" xmlns:p14="http://schemas.microsoft.com/office/powerpoint/2010/main">
-    <mc:Choice Requires="p14">
-      <p:transition spd="med" p14:dur="700">
-        <p:fade/>
-      </p:transition>
-    </mc:Choice>
-    <mc:Fallback xmlns="">
-      <p:transition spd="med">
-        <p:fade/>
-      </p:transition>
-    </mc:Fallback>
-  </mc:AlternateContent>
-</p:sld>
-</file>
-
-<file path=ppt/slides/slide19.xml><?xml version="1.0" encoding="utf-8"?>
-<p:sld xmlns:a="http://schemas.openxmlformats.org/drawingml/2006/main" xmlns:r="http://schemas.openxmlformats.org/officeDocument/2006/relationships" xmlns:p="http://schemas.openxmlformats.org/presentationml/2006/main">
-  <p:cSld>
-    <p:spTree>
-      <p:nvGrpSpPr>
-        <p:cNvPr id="1" name=""/>
-        <p:cNvGrpSpPr/>
-        <p:nvPr/>
-      </p:nvGrpSpPr>
-      <p:grpSpPr>
-        <a:xfrm>
-          <a:off x="0" y="0"/>
-          <a:ext cx="0" cy="0"/>
-          <a:chOff x="0" y="0"/>
-          <a:chExt cx="0" cy="0"/>
-        </a:xfrm>
-      </p:grpSpPr>
-      <p:sp>
-        <p:nvSpPr>
-          <p:cNvPr id="2" name="タイトル 1">
-            <a:extLst>
-              <a:ext uri="{FF2B5EF4-FFF2-40B4-BE49-F238E27FC236}">
-                <a16:creationId xmlns:a16="http://schemas.microsoft.com/office/drawing/2014/main" id="{05E27039-9568-144A-9E91-3B61FB565D2A}"/>
-              </a:ext>
-            </a:extLst>
-          </p:cNvPr>
-          <p:cNvSpPr>
-            <a:spLocks noGrp="1"/>
-          </p:cNvSpPr>
-          <p:nvPr>
-            <p:ph type="ctrTitle"/>
-          </p:nvPr>
-        </p:nvSpPr>
-        <p:spPr>
-          <a:xfrm>
-            <a:off x="1306286" y="1187630"/>
-            <a:ext cx="9570720" cy="3173122"/>
-          </a:xfrm>
-        </p:spPr>
-        <p:txBody>
-          <a:bodyPr>
-            <a:normAutofit fontScale="90000"/>
-          </a:bodyPr>
-          <a:lstStyle/>
-          <a:p>
-            <a:r>
-              <a:rPr lang="ja-JP" altLang="en-US">
-                <a:solidFill>
-                  <a:schemeClr val="accent5">
-                    <a:lumMod val="50000"/>
-                  </a:schemeClr>
-                </a:solidFill>
-                <a:latin typeface="Hiragino Maru Gothic Pro W4" panose="020F0400000000000000" pitchFamily="34" charset="-128"/>
-                <a:ea typeface="Hiragino Maru Gothic Pro W4" panose="020F0400000000000000" pitchFamily="34" charset="-128"/>
-              </a:rPr>
-              <a:t>以上です</a:t>
-            </a:r>
-            <a:br>
-              <a:rPr lang="en-US" altLang="ja-JP" dirty="0">
-                <a:solidFill>
-                  <a:schemeClr val="accent5">
-                    <a:lumMod val="50000"/>
-                  </a:schemeClr>
-                </a:solidFill>
-                <a:latin typeface="Hiragino Maru Gothic Pro W4" panose="020F0400000000000000" pitchFamily="34" charset="-128"/>
-                <a:ea typeface="Hiragino Maru Gothic Pro W4" panose="020F0400000000000000" pitchFamily="34" charset="-128"/>
-              </a:rPr>
-            </a:br>
-            <a:br>
-              <a:rPr lang="en-US" altLang="ja-JP" dirty="0">
-                <a:solidFill>
-                  <a:schemeClr val="accent5">
-                    <a:lumMod val="50000"/>
-                  </a:schemeClr>
-                </a:solidFill>
-                <a:latin typeface="Hiragino Maru Gothic Pro W4" panose="020F0400000000000000" pitchFamily="34" charset="-128"/>
-                <a:ea typeface="Hiragino Maru Gothic Pro W4" panose="020F0400000000000000" pitchFamily="34" charset="-128"/>
-              </a:rPr>
-            </a:br>
-            <a:r>
-              <a:rPr lang="ja-JP" altLang="en-US">
-                <a:solidFill>
-                  <a:schemeClr val="accent5">
-                    <a:lumMod val="50000"/>
-                  </a:schemeClr>
-                </a:solidFill>
-                <a:latin typeface="Hiragino Maru Gothic Pro W4" panose="020F0400000000000000" pitchFamily="34" charset="-128"/>
-                <a:ea typeface="Hiragino Maru Gothic Pro W4" panose="020F0400000000000000" pitchFamily="34" charset="-128"/>
-              </a:rPr>
-              <a:t>少しでもリーグ挑戦の</a:t>
-            </a:r>
-            <a:br>
-              <a:rPr lang="en-US" altLang="ja-JP" dirty="0">
-                <a:solidFill>
-                  <a:schemeClr val="accent5">
-                    <a:lumMod val="50000"/>
-                  </a:schemeClr>
-                </a:solidFill>
-                <a:latin typeface="Hiragino Maru Gothic Pro W4" panose="020F0400000000000000" pitchFamily="34" charset="-128"/>
-                <a:ea typeface="Hiragino Maru Gothic Pro W4" panose="020F0400000000000000" pitchFamily="34" charset="-128"/>
-              </a:rPr>
-            </a:br>
-            <a:r>
-              <a:rPr lang="ja-JP" altLang="en-US">
-                <a:solidFill>
-                  <a:schemeClr val="accent5">
-                    <a:lumMod val="50000"/>
-                  </a:schemeClr>
-                </a:solidFill>
-                <a:latin typeface="Hiragino Maru Gothic Pro W4" panose="020F0400000000000000" pitchFamily="34" charset="-128"/>
-                <a:ea typeface="Hiragino Maru Gothic Pro W4" panose="020F0400000000000000" pitchFamily="34" charset="-128"/>
-              </a:rPr>
-              <a:t>お役に立てば嬉しいです</a:t>
-            </a:r>
-            <a:endParaRPr kumimoji="1" lang="ja-JP" altLang="en-US">
-              <a:solidFill>
-                <a:schemeClr val="accent5">
-                  <a:lumMod val="50000"/>
-                </a:schemeClr>
-              </a:solidFill>
-              <a:latin typeface="Hiragino Maru Gothic Pro W4" panose="020F0400000000000000" pitchFamily="34" charset="-128"/>
-              <a:ea typeface="Hiragino Maru Gothic Pro W4" panose="020F0400000000000000" pitchFamily="34" charset="-128"/>
-            </a:endParaRPr>
-          </a:p>
-        </p:txBody>
-      </p:sp>
-      <p:sp>
-        <p:nvSpPr>
-          <p:cNvPr id="4" name="スライド番号プレースホルダー 3">
-            <a:extLst>
-              <a:ext uri="{FF2B5EF4-FFF2-40B4-BE49-F238E27FC236}">
-                <a16:creationId xmlns:a16="http://schemas.microsoft.com/office/drawing/2014/main" id="{FFA60BD1-FA32-484F-807E-37BB2EC217BB}"/>
-              </a:ext>
-            </a:extLst>
-          </p:cNvPr>
-          <p:cNvSpPr>
-            <a:spLocks noGrp="1"/>
-          </p:cNvSpPr>
-          <p:nvPr>
-            <p:ph type="sldNum" sz="quarter" idx="12"/>
-          </p:nvPr>
-        </p:nvSpPr>
-        <p:spPr>
-          <a:xfrm>
-            <a:off x="8610600" y="6356350"/>
-            <a:ext cx="2743200" cy="365125"/>
-          </a:xfrm>
-        </p:spPr>
-        <p:txBody>
-          <a:bodyPr/>
-          <a:lstStyle/>
-          <a:p>
-            <a:pPr rtl="0"/>
-            <a:fld id="{E31375A4-56A4-47D6-9801-1991572033F7}" type="slidenum">
-              <a:rPr lang="en-US" altLang="ja-JP" noProof="0" smtClean="0">
-                <a:solidFill>
-                  <a:srgbClr val="002060"/>
-                </a:solidFill>
-                <a:latin typeface="Hiragino Maru Gothic Pro W4" panose="020F0400000000000000" pitchFamily="34" charset="-128"/>
-                <a:ea typeface="Hiragino Maru Gothic Pro W4" panose="020F0400000000000000" pitchFamily="34" charset="-128"/>
-              </a:rPr>
-              <a:t>19</a:t>
-            </a:fld>
-            <a:endParaRPr lang="ja-JP" altLang="en-US" noProof="0" dirty="0">
-              <a:solidFill>
-                <a:srgbClr val="002060"/>
-              </a:solidFill>
-              <a:latin typeface="Hiragino Maru Gothic Pro W4" panose="020F0400000000000000" pitchFamily="34" charset="-128"/>
-              <a:ea typeface="Hiragino Maru Gothic Pro W4" panose="020F0400000000000000" pitchFamily="34" charset="-128"/>
-            </a:endParaRPr>
-          </a:p>
-        </p:txBody>
-      </p:sp>
-    </p:spTree>
-    <p:extLst>
-      <p:ext uri="{BB962C8B-B14F-4D97-AF65-F5344CB8AC3E}">
-        <p14:creationId xmlns:p14="http://schemas.microsoft.com/office/powerpoint/2010/main" val="3135901018"/>
       </p:ext>
     </p:extLst>
   </p:cSld>
@@ -11800,6 +12218,204 @@
 </file>
 
 <file path=ppt/slides/slide20.xml><?xml version="1.0" encoding="utf-8"?>
+<p:sld xmlns:a="http://schemas.openxmlformats.org/drawingml/2006/main" xmlns:r="http://schemas.openxmlformats.org/officeDocument/2006/relationships" xmlns:p="http://schemas.openxmlformats.org/presentationml/2006/main">
+  <p:cSld>
+    <p:spTree>
+      <p:nvGrpSpPr>
+        <p:cNvPr id="1" name=""/>
+        <p:cNvGrpSpPr/>
+        <p:nvPr/>
+      </p:nvGrpSpPr>
+      <p:grpSpPr>
+        <a:xfrm>
+          <a:off x="0" y="0"/>
+          <a:ext cx="0" cy="0"/>
+          <a:chOff x="0" y="0"/>
+          <a:chExt cx="0" cy="0"/>
+        </a:xfrm>
+      </p:grpSpPr>
+      <p:sp>
+        <p:nvSpPr>
+          <p:cNvPr id="2" name="タイトル 1">
+            <a:extLst>
+              <a:ext uri="{FF2B5EF4-FFF2-40B4-BE49-F238E27FC236}">
+                <a16:creationId xmlns:a16="http://schemas.microsoft.com/office/drawing/2014/main" id="{05E27039-9568-144A-9E91-3B61FB565D2A}"/>
+              </a:ext>
+            </a:extLst>
+          </p:cNvPr>
+          <p:cNvSpPr>
+            <a:spLocks noGrp="1"/>
+          </p:cNvSpPr>
+          <p:nvPr>
+            <p:ph type="ctrTitle"/>
+          </p:nvPr>
+        </p:nvSpPr>
+        <p:spPr>
+          <a:xfrm>
+            <a:off x="1306286" y="1187630"/>
+            <a:ext cx="9570720" cy="3173122"/>
+          </a:xfrm>
+        </p:spPr>
+        <p:txBody>
+          <a:bodyPr>
+            <a:normAutofit fontScale="90000"/>
+          </a:bodyPr>
+          <a:lstStyle/>
+          <a:p>
+            <a:r>
+              <a:rPr lang="ja-JP" altLang="en-US">
+                <a:solidFill>
+                  <a:schemeClr val="accent5">
+                    <a:lumMod val="50000"/>
+                  </a:schemeClr>
+                </a:solidFill>
+                <a:latin typeface="Hiragino Maru Gothic Pro W4" panose="020F0400000000000000" pitchFamily="34" charset="-128"/>
+                <a:ea typeface="Hiragino Maru Gothic Pro W4" panose="020F0400000000000000" pitchFamily="34" charset="-128"/>
+              </a:rPr>
+              <a:t>以上です</a:t>
+            </a:r>
+            <a:br>
+              <a:rPr lang="en-US" altLang="ja-JP" dirty="0">
+                <a:solidFill>
+                  <a:schemeClr val="accent5">
+                    <a:lumMod val="50000"/>
+                  </a:schemeClr>
+                </a:solidFill>
+                <a:latin typeface="Hiragino Maru Gothic Pro W4" panose="020F0400000000000000" pitchFamily="34" charset="-128"/>
+                <a:ea typeface="Hiragino Maru Gothic Pro W4" panose="020F0400000000000000" pitchFamily="34" charset="-128"/>
+              </a:rPr>
+            </a:br>
+            <a:br>
+              <a:rPr lang="en-US" altLang="ja-JP" dirty="0">
+                <a:solidFill>
+                  <a:schemeClr val="accent5">
+                    <a:lumMod val="50000"/>
+                  </a:schemeClr>
+                </a:solidFill>
+                <a:latin typeface="Hiragino Maru Gothic Pro W4" panose="020F0400000000000000" pitchFamily="34" charset="-128"/>
+                <a:ea typeface="Hiragino Maru Gothic Pro W4" panose="020F0400000000000000" pitchFamily="34" charset="-128"/>
+              </a:rPr>
+            </a:br>
+            <a:r>
+              <a:rPr lang="ja-JP" altLang="en-US">
+                <a:solidFill>
+                  <a:schemeClr val="accent5">
+                    <a:lumMod val="50000"/>
+                  </a:schemeClr>
+                </a:solidFill>
+                <a:latin typeface="Hiragino Maru Gothic Pro W4" panose="020F0400000000000000" pitchFamily="34" charset="-128"/>
+                <a:ea typeface="Hiragino Maru Gothic Pro W4" panose="020F0400000000000000" pitchFamily="34" charset="-128"/>
+              </a:rPr>
+              <a:t>少しでもリーグ挑戦の</a:t>
+            </a:r>
+            <a:br>
+              <a:rPr lang="en-US" altLang="ja-JP" dirty="0">
+                <a:solidFill>
+                  <a:schemeClr val="accent5">
+                    <a:lumMod val="50000"/>
+                  </a:schemeClr>
+                </a:solidFill>
+                <a:latin typeface="Hiragino Maru Gothic Pro W4" panose="020F0400000000000000" pitchFamily="34" charset="-128"/>
+                <a:ea typeface="Hiragino Maru Gothic Pro W4" panose="020F0400000000000000" pitchFamily="34" charset="-128"/>
+              </a:rPr>
+            </a:br>
+            <a:r>
+              <a:rPr lang="ja-JP" altLang="en-US">
+                <a:solidFill>
+                  <a:schemeClr val="accent5">
+                    <a:lumMod val="50000"/>
+                  </a:schemeClr>
+                </a:solidFill>
+                <a:latin typeface="Hiragino Maru Gothic Pro W4" panose="020F0400000000000000" pitchFamily="34" charset="-128"/>
+                <a:ea typeface="Hiragino Maru Gothic Pro W4" panose="020F0400000000000000" pitchFamily="34" charset="-128"/>
+              </a:rPr>
+              <a:t>お役に立てば嬉しいです</a:t>
+            </a:r>
+            <a:endParaRPr kumimoji="1" lang="ja-JP" altLang="en-US">
+              <a:solidFill>
+                <a:schemeClr val="accent5">
+                  <a:lumMod val="50000"/>
+                </a:schemeClr>
+              </a:solidFill>
+              <a:latin typeface="Hiragino Maru Gothic Pro W4" panose="020F0400000000000000" pitchFamily="34" charset="-128"/>
+              <a:ea typeface="Hiragino Maru Gothic Pro W4" panose="020F0400000000000000" pitchFamily="34" charset="-128"/>
+            </a:endParaRPr>
+          </a:p>
+        </p:txBody>
+      </p:sp>
+      <p:sp>
+        <p:nvSpPr>
+          <p:cNvPr id="4" name="スライド番号プレースホルダー 3">
+            <a:extLst>
+              <a:ext uri="{FF2B5EF4-FFF2-40B4-BE49-F238E27FC236}">
+                <a16:creationId xmlns:a16="http://schemas.microsoft.com/office/drawing/2014/main" id="{FFA60BD1-FA32-484F-807E-37BB2EC217BB}"/>
+              </a:ext>
+            </a:extLst>
+          </p:cNvPr>
+          <p:cNvSpPr>
+            <a:spLocks noGrp="1"/>
+          </p:cNvSpPr>
+          <p:nvPr>
+            <p:ph type="sldNum" sz="quarter" idx="12"/>
+          </p:nvPr>
+        </p:nvSpPr>
+        <p:spPr>
+          <a:xfrm>
+            <a:off x="8610600" y="6356350"/>
+            <a:ext cx="2743200" cy="365125"/>
+          </a:xfrm>
+        </p:spPr>
+        <p:txBody>
+          <a:bodyPr/>
+          <a:lstStyle/>
+          <a:p>
+            <a:pPr rtl="0"/>
+            <a:fld id="{E31375A4-56A4-47D6-9801-1991572033F7}" type="slidenum">
+              <a:rPr lang="en-US" altLang="ja-JP" noProof="0" smtClean="0">
+                <a:solidFill>
+                  <a:srgbClr val="002060"/>
+                </a:solidFill>
+                <a:latin typeface="Hiragino Maru Gothic Pro W4" panose="020F0400000000000000" pitchFamily="34" charset="-128"/>
+                <a:ea typeface="Hiragino Maru Gothic Pro W4" panose="020F0400000000000000" pitchFamily="34" charset="-128"/>
+              </a:rPr>
+              <a:t>20</a:t>
+            </a:fld>
+            <a:endParaRPr lang="ja-JP" altLang="en-US" noProof="0" dirty="0">
+              <a:solidFill>
+                <a:srgbClr val="002060"/>
+              </a:solidFill>
+              <a:latin typeface="Hiragino Maru Gothic Pro W4" panose="020F0400000000000000" pitchFamily="34" charset="-128"/>
+              <a:ea typeface="Hiragino Maru Gothic Pro W4" panose="020F0400000000000000" pitchFamily="34" charset="-128"/>
+            </a:endParaRPr>
+          </a:p>
+        </p:txBody>
+      </p:sp>
+    </p:spTree>
+    <p:extLst>
+      <p:ext uri="{BB962C8B-B14F-4D97-AF65-F5344CB8AC3E}">
+        <p14:creationId xmlns:p14="http://schemas.microsoft.com/office/powerpoint/2010/main" val="3135901018"/>
+      </p:ext>
+    </p:extLst>
+  </p:cSld>
+  <p:clrMapOvr>
+    <a:masterClrMapping/>
+  </p:clrMapOvr>
+  <mc:AlternateContent xmlns:mc="http://schemas.openxmlformats.org/markup-compatibility/2006" xmlns:p14="http://schemas.microsoft.com/office/powerpoint/2010/main">
+    <mc:Choice Requires="p14">
+      <p:transition spd="med" p14:dur="700">
+        <p:fade/>
+      </p:transition>
+    </mc:Choice>
+    <mc:Fallback xmlns="">
+      <p:transition spd="med">
+        <p:fade/>
+      </p:transition>
+    </mc:Fallback>
+  </mc:AlternateContent>
+</p:sld>
+</file>
+
+<file path=ppt/slides/slide21.xml><?xml version="1.0" encoding="utf-8"?>
 <p:sld xmlns:a="http://schemas.openxmlformats.org/drawingml/2006/main" xmlns:r="http://schemas.openxmlformats.org/officeDocument/2006/relationships" xmlns:p="http://schemas.openxmlformats.org/presentationml/2006/main">
   <p:cSld>
     <p:spTree>
@@ -11933,7 +12549,7 @@
                 <a:latin typeface="Hiragino Maru Gothic Pro W4" panose="020F0400000000000000" pitchFamily="34" charset="-128"/>
                 <a:ea typeface="Hiragino Maru Gothic Pro W4" panose="020F0400000000000000" pitchFamily="34" charset="-128"/>
               </a:rPr>
-              <a:t>20</a:t>
+              <a:t>21</a:t>
             </a:fld>
             <a:endParaRPr lang="ja-JP" altLang="en-US" noProof="0" dirty="0">
               <a:solidFill>

--- a/リーグ調査.pptx
+++ b/リーグ調査.pptx
@@ -5,33 +5,35 @@
     <p:sldMasterId id="2147483828" r:id="rId1"/>
   </p:sldMasterIdLst>
   <p:notesMasterIdLst>
-    <p:notesMasterId r:id="rId23"/>
+    <p:notesMasterId r:id="rId25"/>
   </p:notesMasterIdLst>
   <p:handoutMasterIdLst>
-    <p:handoutMasterId r:id="rId24"/>
+    <p:handoutMasterId r:id="rId26"/>
   </p:handoutMasterIdLst>
   <p:sldIdLst>
     <p:sldId id="256" r:id="rId2"/>
     <p:sldId id="257" r:id="rId3"/>
     <p:sldId id="359" r:id="rId4"/>
-    <p:sldId id="263" r:id="rId5"/>
-    <p:sldId id="360" r:id="rId6"/>
-    <p:sldId id="361" r:id="rId7"/>
-    <p:sldId id="363" r:id="rId8"/>
-    <p:sldId id="362" r:id="rId9"/>
-    <p:sldId id="364" r:id="rId10"/>
-    <p:sldId id="368" r:id="rId11"/>
-    <p:sldId id="365" r:id="rId12"/>
-    <p:sldId id="366" r:id="rId13"/>
-    <p:sldId id="367" r:id="rId14"/>
-    <p:sldId id="369" r:id="rId15"/>
-    <p:sldId id="370" r:id="rId16"/>
-    <p:sldId id="371" r:id="rId17"/>
-    <p:sldId id="376" r:id="rId18"/>
-    <p:sldId id="374" r:id="rId19"/>
-    <p:sldId id="372" r:id="rId20"/>
-    <p:sldId id="373" r:id="rId21"/>
-    <p:sldId id="375" r:id="rId22"/>
+    <p:sldId id="377" r:id="rId5"/>
+    <p:sldId id="263" r:id="rId6"/>
+    <p:sldId id="360" r:id="rId7"/>
+    <p:sldId id="361" r:id="rId8"/>
+    <p:sldId id="363" r:id="rId9"/>
+    <p:sldId id="362" r:id="rId10"/>
+    <p:sldId id="364" r:id="rId11"/>
+    <p:sldId id="368" r:id="rId12"/>
+    <p:sldId id="365" r:id="rId13"/>
+    <p:sldId id="366" r:id="rId14"/>
+    <p:sldId id="367" r:id="rId15"/>
+    <p:sldId id="369" r:id="rId16"/>
+    <p:sldId id="370" r:id="rId17"/>
+    <p:sldId id="371" r:id="rId18"/>
+    <p:sldId id="376" r:id="rId19"/>
+    <p:sldId id="374" r:id="rId20"/>
+    <p:sldId id="372" r:id="rId21"/>
+    <p:sldId id="379" r:id="rId22"/>
+    <p:sldId id="373" r:id="rId23"/>
+    <p:sldId id="375" r:id="rId24"/>
   </p:sldIdLst>
   <p:sldSz cx="12192000" cy="6858000"/>
   <p:notesSz cx="6858000" cy="9144000"/>
@@ -242,7 +244,7 @@
                 <a:latin typeface="ＭＳ 明朝" panose="02020609040205080304" pitchFamily="17" charset="-128"/>
                 <a:ea typeface="ＭＳ 明朝" panose="02020609040205080304" pitchFamily="17" charset="-128"/>
               </a:rPr>
-              <a:t>2021年5月6日</a:t>
+              <a:t>2021年5月14日</a:t>
             </a:fld>
             <a:endParaRPr lang="en-US">
               <a:latin typeface="ＭＳ 明朝" panose="02020609040205080304" pitchFamily="17" charset="-128"/>
@@ -429,7 +431,7 @@
             <a:fld id="{30389980-3DE9-4702-8CE7-20043EFDAF6C}" type="datetime4">
               <a:rPr lang="ja-JP" altLang="en-US" smtClean="0"/>
               <a:pPr/>
-              <a:t>2021年5月6日</a:t>
+              <a:t>2021年5月14日</a:t>
             </a:fld>
             <a:endParaRPr lang="en-US"/>
           </a:p>
@@ -884,7 +886,7 @@
           <a:p>
             <a:fld id="{5ADD3B2F-B41F-7942-990C-7D7FFD69CA5F}" type="datetimeFigureOut">
               <a:rPr kumimoji="1" lang="ja-JP" altLang="en-US" smtClean="0"/>
-              <a:t>2021/5/6</a:t>
+              <a:t>2021/5/14</a:t>
             </a:fld>
             <a:endParaRPr kumimoji="1" lang="ja-JP" altLang="en-US"/>
           </a:p>
@@ -4604,16 +4606,16 @@
           <a:lstStyle/>
           <a:p>
             <a:r>
-              <a:rPr lang="en-US" altLang="ja-JP" sz="2400">
-                <a:solidFill>
-                  <a:schemeClr val="accent5">
-                    <a:lumMod val="50000"/>
-                  </a:schemeClr>
-                </a:solidFill>
-                <a:latin typeface="Hiragino Maru Gothic Pro W4" panose="020F0400000000000000" pitchFamily="34" charset="-128"/>
-                <a:ea typeface="Hiragino Maru Gothic Pro W4" panose="020F0400000000000000" pitchFamily="34" charset="-128"/>
-              </a:rPr>
-              <a:t>2021/05/06</a:t>
+              <a:rPr lang="en-US" altLang="ja-JP" sz="2400" dirty="0">
+                <a:solidFill>
+                  <a:schemeClr val="accent5">
+                    <a:lumMod val="50000"/>
+                  </a:schemeClr>
+                </a:solidFill>
+                <a:latin typeface="Hiragino Maru Gothic Pro W4" panose="020F0400000000000000" pitchFamily="34" charset="-128"/>
+                <a:ea typeface="Hiragino Maru Gothic Pro W4" panose="020F0400000000000000" pitchFamily="34" charset="-128"/>
+              </a:rPr>
+              <a:t>2021/05/14</a:t>
             </a:r>
             <a:r>
               <a:rPr lang="ja-JP" altLang="en-US" sz="2400">
@@ -4712,7 +4714,7 @@
                 <a:latin typeface="Hiragino Maru Gothic Pro W4" panose="020F0400000000000000" pitchFamily="34" charset="-128"/>
                 <a:ea typeface="Hiragino Maru Gothic Pro W4" panose="020F0400000000000000" pitchFamily="34" charset="-128"/>
               </a:rPr>
-              <a:t>NDL Heavy</a:t>
+              <a:t>CWL Elite 15</a:t>
             </a:r>
             <a:endParaRPr kumimoji="1" lang="ja-JP" altLang="en-US">
               <a:solidFill>
@@ -4766,7 +4768,7 @@
                 <a:ea typeface="Hiragino Maru Gothic Pro W4" panose="020F0400000000000000" pitchFamily="34" charset="-128"/>
                 <a:hlinkClick r:id="rId2"/>
               </a:rPr>
-              <a:t>https://nodipleague.pro/</a:t>
+              <a:t>https://twitter.com/champwarleague</a:t>
             </a:r>
           </a:p>
           <a:p>
@@ -4780,9 +4782,9 @@
                 </a:solidFill>
                 <a:latin typeface="Hiragino Maru Gothic Pro W4" panose="020F0400000000000000" pitchFamily="34" charset="-128"/>
                 <a:ea typeface="Hiragino Maru Gothic Pro W4" panose="020F0400000000000000" pitchFamily="34" charset="-128"/>
-                <a:hlinkClick r:id="rId3"/>
-              </a:rPr>
-              <a:t>https://warmatch.us/leagues/532</a:t>
+                <a:hlinkClick r:id="rId2"/>
+              </a:rPr>
+              <a:t>https://warmatch.us/leagues/568</a:t>
             </a:r>
             <a:endParaRPr lang="en-US" altLang="ja-JP" sz="2200" dirty="0">
               <a:solidFill>
@@ -4818,7 +4820,7 @@
                 <a:latin typeface="Hiragino Maru Gothic Pro W4" panose="020F0400000000000000" pitchFamily="34" charset="-128"/>
                 <a:ea typeface="Hiragino Maru Gothic Pro W4" panose="020F0400000000000000" pitchFamily="34" charset="-128"/>
               </a:rPr>
-              <a:t>B</a:t>
+              <a:t>A</a:t>
             </a:r>
           </a:p>
           <a:p>
@@ -4845,7 +4847,7 @@
                 <a:latin typeface="Hiragino Maru Gothic Pro W4" panose="020F0400000000000000" pitchFamily="34" charset="-128"/>
                 <a:ea typeface="Hiragino Maru Gothic Pro W4" panose="020F0400000000000000" pitchFamily="34" charset="-128"/>
               </a:rPr>
-              <a:t>20</a:t>
+              <a:t>15</a:t>
             </a:r>
             <a:r>
               <a:rPr lang="ja-JP" altLang="en-US" sz="2200">
@@ -4858,57 +4860,6 @@
                 <a:ea typeface="Hiragino Maru Gothic Pro W4" panose="020F0400000000000000" pitchFamily="34" charset="-128"/>
               </a:rPr>
               <a:t>人</a:t>
-            </a:r>
-            <a:r>
-              <a:rPr lang="en-US" altLang="ja-JP" sz="2200" dirty="0">
-                <a:solidFill>
-                  <a:schemeClr val="accent5">
-                    <a:lumMod val="50000"/>
-                  </a:schemeClr>
-                </a:solidFill>
-                <a:latin typeface="Hiragino Maru Gothic Pro W4" panose="020F0400000000000000" pitchFamily="34" charset="-128"/>
-                <a:ea typeface="Hiragino Maru Gothic Pro W4" panose="020F0400000000000000" pitchFamily="34" charset="-128"/>
-              </a:rPr>
-              <a:t>〜</a:t>
-            </a:r>
-          </a:p>
-          <a:p>
-            <a:pPr marL="502920" indent="-457200"/>
-            <a:r>
-              <a:rPr lang="ja-JP" altLang="en-US" sz="2200">
-                <a:solidFill>
-                  <a:schemeClr val="accent5">
-                    <a:lumMod val="50000"/>
-                  </a:schemeClr>
-                </a:solidFill>
-                <a:latin typeface="Hiragino Maru Gothic Pro W4" panose="020F0400000000000000" pitchFamily="34" charset="-128"/>
-                <a:ea typeface="Hiragino Maru Gothic Pro W4" panose="020F0400000000000000" pitchFamily="34" charset="-128"/>
-              </a:rPr>
-              <a:t>攻撃回数：</a:t>
-            </a:r>
-            <a:r>
-              <a:rPr lang="en-US" altLang="ja-JP" sz="2200" dirty="0">
-                <a:solidFill>
-                  <a:schemeClr val="accent5">
-                    <a:lumMod val="50000"/>
-                  </a:schemeClr>
-                </a:solidFill>
-                <a:latin typeface="Hiragino Maru Gothic Pro W4" panose="020F0400000000000000" pitchFamily="34" charset="-128"/>
-                <a:ea typeface="Hiragino Maru Gothic Pro W4" panose="020F0400000000000000" pitchFamily="34" charset="-128"/>
-              </a:rPr>
-              <a:t>2</a:t>
-            </a:r>
-            <a:r>
-              <a:rPr lang="ja-JP" altLang="en-US" sz="2200">
-                <a:solidFill>
-                  <a:schemeClr val="accent5">
-                    <a:lumMod val="50000"/>
-                  </a:schemeClr>
-                </a:solidFill>
-                <a:latin typeface="Hiragino Maru Gothic Pro W4" panose="020F0400000000000000" pitchFamily="34" charset="-128"/>
-                <a:ea typeface="Hiragino Maru Gothic Pro W4" panose="020F0400000000000000" pitchFamily="34" charset="-128"/>
-              </a:rPr>
-              <a:t>回</a:t>
             </a:r>
             <a:endParaRPr lang="en-US" altLang="ja-JP" sz="2200" dirty="0">
               <a:solidFill>
@@ -4932,7 +4883,31 @@
                 <a:latin typeface="Hiragino Maru Gothic Pro W4" panose="020F0400000000000000" pitchFamily="34" charset="-128"/>
                 <a:ea typeface="Hiragino Maru Gothic Pro W4" panose="020F0400000000000000" pitchFamily="34" charset="-128"/>
               </a:rPr>
-              <a:t>スケジュール実績：</a:t>
+              <a:t>攻撃回数：</a:t>
+            </a:r>
+            <a:r>
+              <a:rPr lang="en-US" altLang="ja-JP" sz="2200" dirty="0">
+                <a:solidFill>
+                  <a:schemeClr val="accent5">
+                    <a:lumMod val="50000"/>
+                  </a:schemeClr>
+                </a:solidFill>
+                <a:latin typeface="Hiragino Maru Gothic Pro W4" panose="020F0400000000000000" pitchFamily="34" charset="-128"/>
+                <a:ea typeface="Hiragino Maru Gothic Pro W4" panose="020F0400000000000000" pitchFamily="34" charset="-128"/>
+              </a:rPr>
+              <a:t>2</a:t>
+            </a:r>
+            <a:r>
+              <a:rPr lang="ja-JP" altLang="en-US" sz="2200">
+                <a:solidFill>
+                  <a:schemeClr val="accent5">
+                    <a:lumMod val="50000"/>
+                  </a:schemeClr>
+                </a:solidFill>
+                <a:latin typeface="Hiragino Maru Gothic Pro W4" panose="020F0400000000000000" pitchFamily="34" charset="-128"/>
+                <a:ea typeface="Hiragino Maru Gothic Pro W4" panose="020F0400000000000000" pitchFamily="34" charset="-128"/>
+              </a:rPr>
+              <a:t>回</a:t>
             </a:r>
             <a:endParaRPr lang="en-US" altLang="ja-JP" sz="2200" dirty="0">
               <a:solidFill>
@@ -4945,22 +4920,7 @@
             </a:endParaRPr>
           </a:p>
           <a:p>
-            <a:pPr marL="960120" lvl="1" indent="-457200">
-              <a:buFont typeface="Wingdings" pitchFamily="2" charset="2"/>
-              <a:buChar char="ü"/>
-            </a:pPr>
-            <a:r>
-              <a:rPr lang="en-US" altLang="ja-JP" sz="2200" dirty="0">
-                <a:solidFill>
-                  <a:schemeClr val="accent5">
-                    <a:lumMod val="50000"/>
-                  </a:schemeClr>
-                </a:solidFill>
-                <a:latin typeface="Hiragino Maru Gothic Pro W4" panose="020F0400000000000000" pitchFamily="34" charset="-128"/>
-                <a:ea typeface="Hiragino Maru Gothic Pro W4" panose="020F0400000000000000" pitchFamily="34" charset="-128"/>
-              </a:rPr>
-              <a:t>season7 (2020</a:t>
-            </a:r>
+            <a:pPr marL="502920" indent="-457200"/>
             <a:r>
               <a:rPr lang="ja-JP" altLang="en-US" sz="2200">
                 <a:solidFill>
@@ -4971,93 +4931,9 @@
                 <a:latin typeface="Hiragino Maru Gothic Pro W4" panose="020F0400000000000000" pitchFamily="34" charset="-128"/>
                 <a:ea typeface="Hiragino Maru Gothic Pro W4" panose="020F0400000000000000" pitchFamily="34" charset="-128"/>
               </a:rPr>
-              <a:t>年</a:t>
-            </a:r>
-            <a:r>
-              <a:rPr lang="en-US" altLang="ja-JP" sz="2200" dirty="0">
-                <a:solidFill>
-                  <a:schemeClr val="accent5">
-                    <a:lumMod val="50000"/>
-                  </a:schemeClr>
-                </a:solidFill>
-                <a:latin typeface="Hiragino Maru Gothic Pro W4" panose="020F0400000000000000" pitchFamily="34" charset="-128"/>
-                <a:ea typeface="Hiragino Maru Gothic Pro W4" panose="020F0400000000000000" pitchFamily="34" charset="-128"/>
-              </a:rPr>
-              <a:t>6</a:t>
-            </a:r>
-            <a:r>
-              <a:rPr lang="ja-JP" altLang="en-US" sz="2200">
-                <a:solidFill>
-                  <a:schemeClr val="accent5">
-                    <a:lumMod val="50000"/>
-                  </a:schemeClr>
-                </a:solidFill>
-                <a:latin typeface="Hiragino Maru Gothic Pro W4" panose="020F0400000000000000" pitchFamily="34" charset="-128"/>
-                <a:ea typeface="Hiragino Maru Gothic Pro W4" panose="020F0400000000000000" pitchFamily="34" charset="-128"/>
-              </a:rPr>
-              <a:t>月</a:t>
-            </a:r>
-            <a:r>
-              <a:rPr lang="en-US" altLang="ja-JP" sz="2200" dirty="0">
-                <a:solidFill>
-                  <a:schemeClr val="accent5">
-                    <a:lumMod val="50000"/>
-                  </a:schemeClr>
-                </a:solidFill>
-                <a:latin typeface="Hiragino Maru Gothic Pro W4" panose="020F0400000000000000" pitchFamily="34" charset="-128"/>
-                <a:ea typeface="Hiragino Maru Gothic Pro W4" panose="020F0400000000000000" pitchFamily="34" charset="-128"/>
-              </a:rPr>
-              <a:t>〜10</a:t>
-            </a:r>
-            <a:r>
-              <a:rPr lang="ja-JP" altLang="en-US" sz="2200">
-                <a:solidFill>
-                  <a:schemeClr val="accent5">
-                    <a:lumMod val="50000"/>
-                  </a:schemeClr>
-                </a:solidFill>
-                <a:latin typeface="Hiragino Maru Gothic Pro W4" panose="020F0400000000000000" pitchFamily="34" charset="-128"/>
-                <a:ea typeface="Hiragino Maru Gothic Pro W4" panose="020F0400000000000000" pitchFamily="34" charset="-128"/>
-              </a:rPr>
-              <a:t>月</a:t>
-            </a:r>
-            <a:r>
-              <a:rPr lang="en-US" altLang="ja-JP" sz="2200" dirty="0">
-                <a:solidFill>
-                  <a:schemeClr val="accent5">
-                    <a:lumMod val="50000"/>
-                  </a:schemeClr>
-                </a:solidFill>
-                <a:latin typeface="Hiragino Maru Gothic Pro W4" panose="020F0400000000000000" pitchFamily="34" charset="-128"/>
-                <a:ea typeface="Hiragino Maru Gothic Pro W4" panose="020F0400000000000000" pitchFamily="34" charset="-128"/>
-              </a:rPr>
-              <a:t>)</a:t>
-            </a:r>
-            <a:r>
-              <a:rPr lang="en-US" altLang="ja-JP" sz="2000" dirty="0">
-                <a:solidFill>
-                  <a:schemeClr val="accent5">
-                    <a:lumMod val="50000"/>
-                  </a:schemeClr>
-                </a:solidFill>
-                <a:latin typeface="Hiragino Maru Gothic Pro W4" panose="020F0400000000000000" pitchFamily="34" charset="-128"/>
-                <a:ea typeface="Hiragino Maru Gothic Pro W4" panose="020F0400000000000000" pitchFamily="34" charset="-128"/>
-              </a:rPr>
-              <a:t> ※NDL Professional </a:t>
-            </a:r>
-            <a:r>
-              <a:rPr lang="ja-JP" altLang="en-US" sz="2000">
-                <a:solidFill>
-                  <a:schemeClr val="accent5">
-                    <a:lumMod val="50000"/>
-                  </a:schemeClr>
-                </a:solidFill>
-                <a:latin typeface="Hiragino Maru Gothic Pro W4" panose="020F0400000000000000" pitchFamily="34" charset="-128"/>
-                <a:ea typeface="Hiragino Maru Gothic Pro W4" panose="020F0400000000000000" pitchFamily="34" charset="-128"/>
-              </a:rPr>
-              <a:t>という名前だった？</a:t>
-            </a:r>
-            <a:endParaRPr lang="en-US" altLang="ja-JP" sz="2000" dirty="0">
+              <a:t>スケジュール実績：</a:t>
+            </a:r>
+            <a:endParaRPr lang="en-US" altLang="ja-JP" sz="2200" dirty="0">
               <a:solidFill>
                 <a:schemeClr val="accent5">
                   <a:lumMod val="50000"/>
@@ -5106,7 +4982,7 @@
                 <a:latin typeface="Hiragino Maru Gothic Pro W4" panose="020F0400000000000000" pitchFamily="34" charset="-128"/>
                 <a:ea typeface="Hiragino Maru Gothic Pro W4" panose="020F0400000000000000" pitchFamily="34" charset="-128"/>
               </a:rPr>
-              <a:t>12</a:t>
+              <a:t>3</a:t>
             </a:r>
             <a:r>
               <a:rPr lang="ja-JP" altLang="en-US" sz="2200">
@@ -5130,7 +5006,7 @@
                 <a:latin typeface="Hiragino Maru Gothic Pro W4" panose="020F0400000000000000" pitchFamily="34" charset="-128"/>
                 <a:ea typeface="Hiragino Maru Gothic Pro W4" panose="020F0400000000000000" pitchFamily="34" charset="-128"/>
               </a:rPr>
-              <a:t>〜2021</a:t>
+              <a:t>〜7</a:t>
             </a:r>
             <a:r>
               <a:rPr lang="ja-JP" altLang="en-US" sz="2200">
@@ -5142,6 +5018,48 @@
                 <a:latin typeface="Hiragino Maru Gothic Pro W4" panose="020F0400000000000000" pitchFamily="34" charset="-128"/>
                 <a:ea typeface="Hiragino Maru Gothic Pro W4" panose="020F0400000000000000" pitchFamily="34" charset="-128"/>
               </a:rPr>
+              <a:t>月</a:t>
+            </a:r>
+            <a:r>
+              <a:rPr lang="en-US" altLang="ja-JP" sz="2200" dirty="0">
+                <a:solidFill>
+                  <a:schemeClr val="accent5">
+                    <a:lumMod val="50000"/>
+                  </a:schemeClr>
+                </a:solidFill>
+                <a:latin typeface="Hiragino Maru Gothic Pro W4" panose="020F0400000000000000" pitchFamily="34" charset="-128"/>
+                <a:ea typeface="Hiragino Maru Gothic Pro W4" panose="020F0400000000000000" pitchFamily="34" charset="-128"/>
+              </a:rPr>
+              <a:t>)</a:t>
+            </a:r>
+          </a:p>
+          <a:p>
+            <a:pPr marL="960120" lvl="1" indent="-457200">
+              <a:buFont typeface="Wingdings" pitchFamily="2" charset="2"/>
+              <a:buChar char="ü"/>
+            </a:pPr>
+            <a:r>
+              <a:rPr lang="en-US" altLang="ja-JP" sz="2200" dirty="0">
+                <a:solidFill>
+                  <a:schemeClr val="accent5">
+                    <a:lumMod val="50000"/>
+                  </a:schemeClr>
+                </a:solidFill>
+                <a:latin typeface="Hiragino Maru Gothic Pro W4" panose="020F0400000000000000" pitchFamily="34" charset="-128"/>
+                <a:ea typeface="Hiragino Maru Gothic Pro W4" panose="020F0400000000000000" pitchFamily="34" charset="-128"/>
+              </a:rPr>
+              <a:t>season9 (2020</a:t>
+            </a:r>
+            <a:r>
+              <a:rPr lang="ja-JP" altLang="en-US" sz="2200">
+                <a:solidFill>
+                  <a:schemeClr val="accent5">
+                    <a:lumMod val="50000"/>
+                  </a:schemeClr>
+                </a:solidFill>
+                <a:latin typeface="Hiragino Maru Gothic Pro W4" panose="020F0400000000000000" pitchFamily="34" charset="-128"/>
+                <a:ea typeface="Hiragino Maru Gothic Pro W4" panose="020F0400000000000000" pitchFamily="34" charset="-128"/>
+              </a:rPr>
               <a:t>年</a:t>
             </a:r>
             <a:r>
@@ -5154,7 +5072,121 @@
                 <a:latin typeface="Hiragino Maru Gothic Pro W4" panose="020F0400000000000000" pitchFamily="34" charset="-128"/>
                 <a:ea typeface="Hiragino Maru Gothic Pro W4" panose="020F0400000000000000" pitchFamily="34" charset="-128"/>
               </a:rPr>
+              <a:t>9</a:t>
+            </a:r>
+            <a:r>
+              <a:rPr lang="ja-JP" altLang="en-US" sz="2200">
+                <a:solidFill>
+                  <a:schemeClr val="accent5">
+                    <a:lumMod val="50000"/>
+                  </a:schemeClr>
+                </a:solidFill>
+                <a:latin typeface="Hiragino Maru Gothic Pro W4" panose="020F0400000000000000" pitchFamily="34" charset="-128"/>
+                <a:ea typeface="Hiragino Maru Gothic Pro W4" panose="020F0400000000000000" pitchFamily="34" charset="-128"/>
+              </a:rPr>
+              <a:t>月</a:t>
+            </a:r>
+            <a:r>
+              <a:rPr lang="en-US" altLang="ja-JP" sz="2200" dirty="0">
+                <a:solidFill>
+                  <a:schemeClr val="accent5">
+                    <a:lumMod val="50000"/>
+                  </a:schemeClr>
+                </a:solidFill>
+                <a:latin typeface="Hiragino Maru Gothic Pro W4" panose="020F0400000000000000" pitchFamily="34" charset="-128"/>
+                <a:ea typeface="Hiragino Maru Gothic Pro W4" panose="020F0400000000000000" pitchFamily="34" charset="-128"/>
+              </a:rPr>
+              <a:t>〜12</a:t>
+            </a:r>
+            <a:r>
+              <a:rPr lang="ja-JP" altLang="en-US" sz="2200">
+                <a:solidFill>
+                  <a:schemeClr val="accent5">
+                    <a:lumMod val="50000"/>
+                  </a:schemeClr>
+                </a:solidFill>
+                <a:latin typeface="Hiragino Maru Gothic Pro W4" panose="020F0400000000000000" pitchFamily="34" charset="-128"/>
+                <a:ea typeface="Hiragino Maru Gothic Pro W4" panose="020F0400000000000000" pitchFamily="34" charset="-128"/>
+              </a:rPr>
+              <a:t>月</a:t>
+            </a:r>
+            <a:r>
+              <a:rPr lang="en-US" altLang="ja-JP" sz="2200" dirty="0">
+                <a:solidFill>
+                  <a:schemeClr val="accent5">
+                    <a:lumMod val="50000"/>
+                  </a:schemeClr>
+                </a:solidFill>
+                <a:latin typeface="Hiragino Maru Gothic Pro W4" panose="020F0400000000000000" pitchFamily="34" charset="-128"/>
+                <a:ea typeface="Hiragino Maru Gothic Pro W4" panose="020F0400000000000000" pitchFamily="34" charset="-128"/>
+              </a:rPr>
+              <a:t>)</a:t>
+            </a:r>
+          </a:p>
+          <a:p>
+            <a:pPr marL="960120" lvl="1" indent="-457200">
+              <a:buFont typeface="Wingdings" pitchFamily="2" charset="2"/>
+              <a:buChar char="ü"/>
+            </a:pPr>
+            <a:r>
+              <a:rPr lang="en-US" altLang="ja-JP" sz="2200" dirty="0">
+                <a:solidFill>
+                  <a:schemeClr val="accent5">
+                    <a:lumMod val="50000"/>
+                  </a:schemeClr>
+                </a:solidFill>
+                <a:latin typeface="Hiragino Maru Gothic Pro W4" panose="020F0400000000000000" pitchFamily="34" charset="-128"/>
+                <a:ea typeface="Hiragino Maru Gothic Pro W4" panose="020F0400000000000000" pitchFamily="34" charset="-128"/>
+              </a:rPr>
+              <a:t>season10 (2021</a:t>
+            </a:r>
+            <a:r>
+              <a:rPr lang="ja-JP" altLang="en-US" sz="2200">
+                <a:solidFill>
+                  <a:schemeClr val="accent5">
+                    <a:lumMod val="50000"/>
+                  </a:schemeClr>
+                </a:solidFill>
+                <a:latin typeface="Hiragino Maru Gothic Pro W4" panose="020F0400000000000000" pitchFamily="34" charset="-128"/>
+                <a:ea typeface="Hiragino Maru Gothic Pro W4" panose="020F0400000000000000" pitchFamily="34" charset="-128"/>
+              </a:rPr>
+              <a:t>年</a:t>
+            </a:r>
+            <a:r>
+              <a:rPr lang="en-US" altLang="ja-JP" sz="2200" dirty="0">
+                <a:solidFill>
+                  <a:schemeClr val="accent5">
+                    <a:lumMod val="50000"/>
+                  </a:schemeClr>
+                </a:solidFill>
+                <a:latin typeface="Hiragino Maru Gothic Pro W4" panose="020F0400000000000000" pitchFamily="34" charset="-128"/>
+                <a:ea typeface="Hiragino Maru Gothic Pro W4" panose="020F0400000000000000" pitchFamily="34" charset="-128"/>
+              </a:rPr>
               <a:t>3</a:t>
+            </a:r>
+            <a:r>
+              <a:rPr lang="ja-JP" altLang="en-US" sz="2200">
+                <a:solidFill>
+                  <a:schemeClr val="accent5">
+                    <a:lumMod val="50000"/>
+                  </a:schemeClr>
+                </a:solidFill>
+                <a:latin typeface="Hiragino Maru Gothic Pro W4" panose="020F0400000000000000" pitchFamily="34" charset="-128"/>
+                <a:ea typeface="Hiragino Maru Gothic Pro W4" panose="020F0400000000000000" pitchFamily="34" charset="-128"/>
+              </a:rPr>
+              <a:t>月</a:t>
+            </a:r>
+            <a:r>
+              <a:rPr lang="en-US" altLang="ja-JP" sz="2200" dirty="0">
+                <a:solidFill>
+                  <a:schemeClr val="accent5">
+                    <a:lumMod val="50000"/>
+                  </a:schemeClr>
+                </a:solidFill>
+                <a:latin typeface="Hiragino Maru Gothic Pro W4" panose="020F0400000000000000" pitchFamily="34" charset="-128"/>
+                <a:ea typeface="Hiragino Maru Gothic Pro W4" panose="020F0400000000000000" pitchFamily="34" charset="-128"/>
+              </a:rPr>
+              <a:t>〜5</a:t>
             </a:r>
             <a:r>
               <a:rPr lang="ja-JP" altLang="en-US" sz="2200">
@@ -5232,7 +5264,7 @@
     </p:spTree>
     <p:extLst>
       <p:ext uri="{BB962C8B-B14F-4D97-AF65-F5344CB8AC3E}">
-        <p14:creationId xmlns:p14="http://schemas.microsoft.com/office/powerpoint/2010/main" val="1224381564"/>
+        <p14:creationId xmlns:p14="http://schemas.microsoft.com/office/powerpoint/2010/main" val="1201363473"/>
       </p:ext>
     </p:extLst>
   </p:cSld>
@@ -5302,7 +5334,7 @@
                 <a:latin typeface="Hiragino Maru Gothic Pro W4" panose="020F0400000000000000" pitchFamily="34" charset="-128"/>
                 <a:ea typeface="Hiragino Maru Gothic Pro W4" panose="020F0400000000000000" pitchFamily="34" charset="-128"/>
               </a:rPr>
-              <a:t>EWL Legendary</a:t>
+              <a:t>NDL Heavy</a:t>
             </a:r>
             <a:endParaRPr kumimoji="1" lang="ja-JP" altLang="en-US">
               <a:solidFill>
@@ -5356,7 +5388,7 @@
                 <a:ea typeface="Hiragino Maru Gothic Pro W4" panose="020F0400000000000000" pitchFamily="34" charset="-128"/>
                 <a:hlinkClick r:id="rId2"/>
               </a:rPr>
-              <a:t>https://elitewarleague.weebly.com/</a:t>
+              <a:t>https://nodipleague.pro/</a:t>
             </a:r>
           </a:p>
           <a:p>
@@ -5372,7 +5404,7 @@
                 <a:ea typeface="Hiragino Maru Gothic Pro W4" panose="020F0400000000000000" pitchFamily="34" charset="-128"/>
                 <a:hlinkClick r:id="rId3"/>
               </a:rPr>
-              <a:t>https://warmatch.us/leagues/538</a:t>
+              <a:t>https://warmatch.us/leagues/532</a:t>
             </a:r>
             <a:endParaRPr lang="en-US" altLang="ja-JP" sz="2200" dirty="0">
               <a:solidFill>
@@ -5435,7 +5467,7 @@
                 <a:latin typeface="Hiragino Maru Gothic Pro W4" panose="020F0400000000000000" pitchFamily="34" charset="-128"/>
                 <a:ea typeface="Hiragino Maru Gothic Pro W4" panose="020F0400000000000000" pitchFamily="34" charset="-128"/>
               </a:rPr>
-              <a:t>15</a:t>
+              <a:t>20</a:t>
             </a:r>
             <a:r>
               <a:rPr lang="ja-JP" altLang="en-US" sz="2200">
@@ -5570,7 +5602,7 @@
                 <a:latin typeface="Hiragino Maru Gothic Pro W4" panose="020F0400000000000000" pitchFamily="34" charset="-128"/>
                 <a:ea typeface="Hiragino Maru Gothic Pro W4" panose="020F0400000000000000" pitchFamily="34" charset="-128"/>
               </a:rPr>
-              <a:t>9</a:t>
+              <a:t>6</a:t>
             </a:r>
             <a:r>
               <a:rPr lang="ja-JP" altLang="en-US" sz="2200">
@@ -5594,7 +5626,7 @@
                 <a:latin typeface="Hiragino Maru Gothic Pro W4" panose="020F0400000000000000" pitchFamily="34" charset="-128"/>
                 <a:ea typeface="Hiragino Maru Gothic Pro W4" panose="020F0400000000000000" pitchFamily="34" charset="-128"/>
               </a:rPr>
-              <a:t>〜12</a:t>
+              <a:t>〜10</a:t>
             </a:r>
             <a:r>
               <a:rPr lang="ja-JP" altLang="en-US" sz="2200">
@@ -5620,6 +5652,39 @@
               </a:rPr>
               <a:t>)</a:t>
             </a:r>
+            <a:r>
+              <a:rPr lang="en-US" altLang="ja-JP" sz="2000" dirty="0">
+                <a:solidFill>
+                  <a:schemeClr val="accent5">
+                    <a:lumMod val="50000"/>
+                  </a:schemeClr>
+                </a:solidFill>
+                <a:latin typeface="Hiragino Maru Gothic Pro W4" panose="020F0400000000000000" pitchFamily="34" charset="-128"/>
+                <a:ea typeface="Hiragino Maru Gothic Pro W4" panose="020F0400000000000000" pitchFamily="34" charset="-128"/>
+              </a:rPr>
+              <a:t> ※NDL Professional </a:t>
+            </a:r>
+            <a:r>
+              <a:rPr lang="ja-JP" altLang="en-US" sz="2000">
+                <a:solidFill>
+                  <a:schemeClr val="accent5">
+                    <a:lumMod val="50000"/>
+                  </a:schemeClr>
+                </a:solidFill>
+                <a:latin typeface="Hiragino Maru Gothic Pro W4" panose="020F0400000000000000" pitchFamily="34" charset="-128"/>
+                <a:ea typeface="Hiragino Maru Gothic Pro W4" panose="020F0400000000000000" pitchFamily="34" charset="-128"/>
+              </a:rPr>
+              <a:t>という名前だった？</a:t>
+            </a:r>
+            <a:endParaRPr lang="en-US" altLang="ja-JP" sz="2000" dirty="0">
+              <a:solidFill>
+                <a:schemeClr val="accent5">
+                  <a:lumMod val="50000"/>
+                </a:schemeClr>
+              </a:solidFill>
+              <a:latin typeface="Hiragino Maru Gothic Pro W4" panose="020F0400000000000000" pitchFamily="34" charset="-128"/>
+              <a:ea typeface="Hiragino Maru Gothic Pro W4" panose="020F0400000000000000" pitchFamily="34" charset="-128"/>
+            </a:endParaRPr>
           </a:p>
           <a:p>
             <a:pPr marL="960120" lvl="1" indent="-457200">
@@ -5636,7 +5701,7 @@
                 <a:latin typeface="Hiragino Maru Gothic Pro W4" panose="020F0400000000000000" pitchFamily="34" charset="-128"/>
                 <a:ea typeface="Hiragino Maru Gothic Pro W4" panose="020F0400000000000000" pitchFamily="34" charset="-128"/>
               </a:rPr>
-              <a:t>season8 (2021</a:t>
+              <a:t>season8 (2020</a:t>
             </a:r>
             <a:r>
               <a:rPr lang="ja-JP" altLang="en-US" sz="2200">
@@ -5660,7 +5725,7 @@
                 <a:latin typeface="Hiragino Maru Gothic Pro W4" panose="020F0400000000000000" pitchFamily="34" charset="-128"/>
                 <a:ea typeface="Hiragino Maru Gothic Pro W4" panose="020F0400000000000000" pitchFamily="34" charset="-128"/>
               </a:rPr>
-              <a:t>1</a:t>
+              <a:t>12</a:t>
             </a:r>
             <a:r>
               <a:rPr lang="ja-JP" altLang="en-US" sz="2200">
@@ -5684,7 +5749,31 @@
                 <a:latin typeface="Hiragino Maru Gothic Pro W4" panose="020F0400000000000000" pitchFamily="34" charset="-128"/>
                 <a:ea typeface="Hiragino Maru Gothic Pro W4" panose="020F0400000000000000" pitchFamily="34" charset="-128"/>
               </a:rPr>
-              <a:t>〜5</a:t>
+              <a:t>〜2021</a:t>
+            </a:r>
+            <a:r>
+              <a:rPr lang="ja-JP" altLang="en-US" sz="2200">
+                <a:solidFill>
+                  <a:schemeClr val="accent5">
+                    <a:lumMod val="50000"/>
+                  </a:schemeClr>
+                </a:solidFill>
+                <a:latin typeface="Hiragino Maru Gothic Pro W4" panose="020F0400000000000000" pitchFamily="34" charset="-128"/>
+                <a:ea typeface="Hiragino Maru Gothic Pro W4" panose="020F0400000000000000" pitchFamily="34" charset="-128"/>
+              </a:rPr>
+              <a:t>年</a:t>
+            </a:r>
+            <a:r>
+              <a:rPr lang="en-US" altLang="ja-JP" sz="2200" dirty="0">
+                <a:solidFill>
+                  <a:schemeClr val="accent5">
+                    <a:lumMod val="50000"/>
+                  </a:schemeClr>
+                </a:solidFill>
+                <a:latin typeface="Hiragino Maru Gothic Pro W4" panose="020F0400000000000000" pitchFamily="34" charset="-128"/>
+                <a:ea typeface="Hiragino Maru Gothic Pro W4" panose="020F0400000000000000" pitchFamily="34" charset="-128"/>
+              </a:rPr>
+              <a:t>3</a:t>
             </a:r>
             <a:r>
               <a:rPr lang="ja-JP" altLang="en-US" sz="2200">
@@ -5762,7 +5851,7 @@
     </p:spTree>
     <p:extLst>
       <p:ext uri="{BB962C8B-B14F-4D97-AF65-F5344CB8AC3E}">
-        <p14:creationId xmlns:p14="http://schemas.microsoft.com/office/powerpoint/2010/main" val="2942249820"/>
+        <p14:creationId xmlns:p14="http://schemas.microsoft.com/office/powerpoint/2010/main" val="1224381564"/>
       </p:ext>
     </p:extLst>
   </p:cSld>
@@ -5832,7 +5921,7 @@
                 <a:latin typeface="Hiragino Maru Gothic Pro W4" panose="020F0400000000000000" pitchFamily="34" charset="-128"/>
                 <a:ea typeface="Hiragino Maru Gothic Pro W4" panose="020F0400000000000000" pitchFamily="34" charset="-128"/>
               </a:rPr>
-              <a:t>GCC Shingle</a:t>
+              <a:t>EWL Legendary</a:t>
             </a:r>
             <a:endParaRPr kumimoji="1" lang="ja-JP" altLang="en-US">
               <a:solidFill>
@@ -5886,7 +5975,23 @@
                 <a:ea typeface="Hiragino Maru Gothic Pro W4" panose="020F0400000000000000" pitchFamily="34" charset="-128"/>
                 <a:hlinkClick r:id="rId2"/>
               </a:rPr>
-              <a:t>https://www.globalclashcup.com/</a:t>
+              <a:t>https://elitewarleague.weebly.com/</a:t>
+            </a:r>
+          </a:p>
+          <a:p>
+            <a:pPr marL="502920" indent="-457200"/>
+            <a:r>
+              <a:rPr lang="en-US" altLang="ja-JP" sz="2200" dirty="0">
+                <a:solidFill>
+                  <a:schemeClr val="accent5">
+                    <a:lumMod val="50000"/>
+                  </a:schemeClr>
+                </a:solidFill>
+                <a:latin typeface="Hiragino Maru Gothic Pro W4" panose="020F0400000000000000" pitchFamily="34" charset="-128"/>
+                <a:ea typeface="Hiragino Maru Gothic Pro W4" panose="020F0400000000000000" pitchFamily="34" charset="-128"/>
+                <a:hlinkClick r:id="rId3"/>
+              </a:rPr>
+              <a:t>https://warmatch.us/leagues/538</a:t>
             </a:r>
             <a:endParaRPr lang="en-US" altLang="ja-JP" sz="2200" dirty="0">
               <a:solidFill>
@@ -5901,6 +6006,18 @@
           <a:p>
             <a:pPr marL="502920" indent="-457200"/>
             <a:r>
+              <a:rPr lang="ja-JP" altLang="en-US" sz="2200">
+                <a:solidFill>
+                  <a:schemeClr val="accent5">
+                    <a:lumMod val="50000"/>
+                  </a:schemeClr>
+                </a:solidFill>
+                <a:latin typeface="Hiragino Maru Gothic Pro W4" panose="020F0400000000000000" pitchFamily="34" charset="-128"/>
+                <a:ea typeface="Hiragino Maru Gothic Pro W4" panose="020F0400000000000000" pitchFamily="34" charset="-128"/>
+              </a:rPr>
+              <a:t>難易度：</a:t>
+            </a:r>
+            <a:r>
               <a:rPr lang="en-US" altLang="ja-JP" sz="2200" dirty="0">
                 <a:solidFill>
                   <a:schemeClr val="accent5">
@@ -5909,9 +6026,47 @@
                 </a:solidFill>
                 <a:latin typeface="Hiragino Maru Gothic Pro W4" panose="020F0400000000000000" pitchFamily="34" charset="-128"/>
                 <a:ea typeface="Hiragino Maru Gothic Pro W4" panose="020F0400000000000000" pitchFamily="34" charset="-128"/>
-                <a:hlinkClick r:id="rId3"/>
-              </a:rPr>
-              <a:t>https://warmatch.us/leagues/460</a:t>
+              </a:rPr>
+              <a:t>B</a:t>
+            </a:r>
+          </a:p>
+          <a:p>
+            <a:pPr marL="502920" indent="-457200"/>
+            <a:r>
+              <a:rPr lang="ja-JP" altLang="en-US" sz="2200">
+                <a:solidFill>
+                  <a:schemeClr val="accent5">
+                    <a:lumMod val="50000"/>
+                  </a:schemeClr>
+                </a:solidFill>
+                <a:latin typeface="Hiragino Maru Gothic Pro W4" panose="020F0400000000000000" pitchFamily="34" charset="-128"/>
+                <a:ea typeface="Hiragino Maru Gothic Pro W4" panose="020F0400000000000000" pitchFamily="34" charset="-128"/>
+              </a:rPr>
+              <a:t>対戦人数：</a:t>
+            </a:r>
+            <a:r>
+              <a:rPr lang="en-US" altLang="ja-JP" sz="2200" dirty="0">
+                <a:solidFill>
+                  <a:schemeClr val="accent5">
+                    <a:lumMod val="50000"/>
+                  </a:schemeClr>
+                </a:solidFill>
+                <a:latin typeface="Hiragino Maru Gothic Pro W4" panose="020F0400000000000000" pitchFamily="34" charset="-128"/>
+                <a:ea typeface="Hiragino Maru Gothic Pro W4" panose="020F0400000000000000" pitchFamily="34" charset="-128"/>
+              </a:rPr>
+              <a:t>15</a:t>
+            </a:r>
+            <a:r>
+              <a:rPr lang="ja-JP" altLang="en-US" sz="2200">
+                <a:solidFill>
+                  <a:schemeClr val="accent5">
+                    <a:lumMod val="50000"/>
+                  </a:schemeClr>
+                </a:solidFill>
+                <a:latin typeface="Hiragino Maru Gothic Pro W4" panose="020F0400000000000000" pitchFamily="34" charset="-128"/>
+                <a:ea typeface="Hiragino Maru Gothic Pro W4" panose="020F0400000000000000" pitchFamily="34" charset="-128"/>
+              </a:rPr>
+              <a:t>人</a:t>
             </a:r>
             <a:endParaRPr lang="en-US" altLang="ja-JP" sz="2200" dirty="0">
               <a:solidFill>
@@ -5935,7 +6090,7 @@
                 <a:latin typeface="Hiragino Maru Gothic Pro W4" panose="020F0400000000000000" pitchFamily="34" charset="-128"/>
                 <a:ea typeface="Hiragino Maru Gothic Pro W4" panose="020F0400000000000000" pitchFamily="34" charset="-128"/>
               </a:rPr>
-              <a:t>難易度：</a:t>
+              <a:t>攻撃回数：</a:t>
             </a:r>
             <a:r>
               <a:rPr lang="en-US" altLang="ja-JP" sz="2200" dirty="0">
@@ -5947,71 +6102,8 @@
                 <a:latin typeface="Hiragino Maru Gothic Pro W4" panose="020F0400000000000000" pitchFamily="34" charset="-128"/>
                 <a:ea typeface="Hiragino Maru Gothic Pro W4" panose="020F0400000000000000" pitchFamily="34" charset="-128"/>
               </a:rPr>
-              <a:t>? </a:t>
-            </a:r>
-            <a:r>
-              <a:rPr lang="en-US" altLang="ja-JP" sz="2000" dirty="0">
-                <a:solidFill>
-                  <a:schemeClr val="accent5">
-                    <a:lumMod val="50000"/>
-                  </a:schemeClr>
-                </a:solidFill>
-                <a:latin typeface="Hiragino Maru Gothic Pro W4" panose="020F0400000000000000" pitchFamily="34" charset="-128"/>
-                <a:ea typeface="Hiragino Maru Gothic Pro W4" panose="020F0400000000000000" pitchFamily="34" charset="-128"/>
-              </a:rPr>
-              <a:t>(</a:t>
-            </a:r>
-            <a:r>
-              <a:rPr lang="en-US" altLang="ja-JP" sz="2000" dirty="0" err="1">
-                <a:solidFill>
-                  <a:schemeClr val="accent5">
-                    <a:lumMod val="50000"/>
-                  </a:schemeClr>
-                </a:solidFill>
-                <a:latin typeface="Hiragino Maru Gothic Pro W4" panose="020F0400000000000000" pitchFamily="34" charset="-128"/>
-                <a:ea typeface="Hiragino Maru Gothic Pro W4" panose="020F0400000000000000" pitchFamily="34" charset="-128"/>
-              </a:rPr>
-              <a:t>warmatch</a:t>
-            </a:r>
-            <a:r>
-              <a:rPr lang="en-US" altLang="ja-JP" sz="2000" dirty="0">
-                <a:solidFill>
-                  <a:schemeClr val="accent5">
-                    <a:lumMod val="50000"/>
-                  </a:schemeClr>
-                </a:solidFill>
-                <a:latin typeface="Hiragino Maru Gothic Pro W4" panose="020F0400000000000000" pitchFamily="34" charset="-128"/>
-                <a:ea typeface="Hiragino Maru Gothic Pro W4" panose="020F0400000000000000" pitchFamily="34" charset="-128"/>
-              </a:rPr>
-              <a:t> </a:t>
-            </a:r>
-            <a:r>
-              <a:rPr lang="ja-JP" altLang="en-US" sz="2000">
-                <a:solidFill>
-                  <a:schemeClr val="accent5">
-                    <a:lumMod val="50000"/>
-                  </a:schemeClr>
-                </a:solidFill>
-                <a:latin typeface="Hiragino Maru Gothic Pro W4" panose="020F0400000000000000" pitchFamily="34" charset="-128"/>
-                <a:ea typeface="Hiragino Maru Gothic Pro W4" panose="020F0400000000000000" pitchFamily="34" charset="-128"/>
-              </a:rPr>
-              <a:t>に情報無し</a:t>
-            </a:r>
-            <a:r>
-              <a:rPr lang="en-US" altLang="ja-JP" sz="2000" dirty="0">
-                <a:solidFill>
-                  <a:schemeClr val="accent5">
-                    <a:lumMod val="50000"/>
-                  </a:schemeClr>
-                </a:solidFill>
-                <a:latin typeface="Hiragino Maru Gothic Pro W4" panose="020F0400000000000000" pitchFamily="34" charset="-128"/>
-                <a:ea typeface="Hiragino Maru Gothic Pro W4" panose="020F0400000000000000" pitchFamily="34" charset="-128"/>
-              </a:rPr>
-              <a:t>)</a:t>
-            </a:r>
-          </a:p>
-          <a:p>
-            <a:pPr marL="502920" indent="-457200"/>
+              <a:t>2</a:t>
+            </a:r>
             <a:r>
               <a:rPr lang="ja-JP" altLang="en-US" sz="2200">
                 <a:solidFill>
@@ -6022,31 +6114,7 @@
                 <a:latin typeface="Hiragino Maru Gothic Pro W4" panose="020F0400000000000000" pitchFamily="34" charset="-128"/>
                 <a:ea typeface="Hiragino Maru Gothic Pro W4" panose="020F0400000000000000" pitchFamily="34" charset="-128"/>
               </a:rPr>
-              <a:t>対戦人数：</a:t>
-            </a:r>
-            <a:r>
-              <a:rPr lang="en-US" altLang="ja-JP" sz="2200" dirty="0">
-                <a:solidFill>
-                  <a:schemeClr val="accent5">
-                    <a:lumMod val="50000"/>
-                  </a:schemeClr>
-                </a:solidFill>
-                <a:latin typeface="Hiragino Maru Gothic Pro W4" panose="020F0400000000000000" pitchFamily="34" charset="-128"/>
-                <a:ea typeface="Hiragino Maru Gothic Pro W4" panose="020F0400000000000000" pitchFamily="34" charset="-128"/>
-              </a:rPr>
-              <a:t>15</a:t>
-            </a:r>
-            <a:r>
-              <a:rPr lang="ja-JP" altLang="en-US" sz="2200">
-                <a:solidFill>
-                  <a:schemeClr val="accent5">
-                    <a:lumMod val="50000"/>
-                  </a:schemeClr>
-                </a:solidFill>
-                <a:latin typeface="Hiragino Maru Gothic Pro W4" panose="020F0400000000000000" pitchFamily="34" charset="-128"/>
-                <a:ea typeface="Hiragino Maru Gothic Pro W4" panose="020F0400000000000000" pitchFamily="34" charset="-128"/>
-              </a:rPr>
-              <a:t>人</a:t>
+              <a:t>回</a:t>
             </a:r>
             <a:endParaRPr lang="en-US" altLang="ja-JP" sz="2200" dirty="0">
               <a:solidFill>
@@ -6070,31 +6138,7 @@
                 <a:latin typeface="Hiragino Maru Gothic Pro W4" panose="020F0400000000000000" pitchFamily="34" charset="-128"/>
                 <a:ea typeface="Hiragino Maru Gothic Pro W4" panose="020F0400000000000000" pitchFamily="34" charset="-128"/>
               </a:rPr>
-              <a:t>攻撃回数：</a:t>
-            </a:r>
-            <a:r>
-              <a:rPr lang="en-US" altLang="ja-JP" sz="2200" dirty="0">
-                <a:solidFill>
-                  <a:schemeClr val="accent5">
-                    <a:lumMod val="50000"/>
-                  </a:schemeClr>
-                </a:solidFill>
-                <a:latin typeface="Hiragino Maru Gothic Pro W4" panose="020F0400000000000000" pitchFamily="34" charset="-128"/>
-                <a:ea typeface="Hiragino Maru Gothic Pro W4" panose="020F0400000000000000" pitchFamily="34" charset="-128"/>
-              </a:rPr>
-              <a:t>1</a:t>
-            </a:r>
-            <a:r>
-              <a:rPr lang="ja-JP" altLang="en-US" sz="2200">
-                <a:solidFill>
-                  <a:schemeClr val="accent5">
-                    <a:lumMod val="50000"/>
-                  </a:schemeClr>
-                </a:solidFill>
-                <a:latin typeface="Hiragino Maru Gothic Pro W4" panose="020F0400000000000000" pitchFamily="34" charset="-128"/>
-                <a:ea typeface="Hiragino Maru Gothic Pro W4" panose="020F0400000000000000" pitchFamily="34" charset="-128"/>
-              </a:rPr>
-              <a:t>回</a:t>
+              <a:t>スケジュール実績：</a:t>
             </a:r>
             <a:endParaRPr lang="en-US" altLang="ja-JP" sz="2200" dirty="0">
               <a:solidFill>
@@ -6107,30 +6151,6 @@
             </a:endParaRPr>
           </a:p>
           <a:p>
-            <a:pPr marL="502920" indent="-457200"/>
-            <a:r>
-              <a:rPr lang="ja-JP" altLang="en-US" sz="2200">
-                <a:solidFill>
-                  <a:schemeClr val="accent5">
-                    <a:lumMod val="50000"/>
-                  </a:schemeClr>
-                </a:solidFill>
-                <a:latin typeface="Hiragino Maru Gothic Pro W4" panose="020F0400000000000000" pitchFamily="34" charset="-128"/>
-                <a:ea typeface="Hiragino Maru Gothic Pro W4" panose="020F0400000000000000" pitchFamily="34" charset="-128"/>
-              </a:rPr>
-              <a:t>スケジュール実績：</a:t>
-            </a:r>
-            <a:endParaRPr lang="en-US" altLang="ja-JP" sz="2200" dirty="0">
-              <a:solidFill>
-                <a:schemeClr val="accent5">
-                  <a:lumMod val="50000"/>
-                </a:schemeClr>
-              </a:solidFill>
-              <a:latin typeface="Hiragino Maru Gothic Pro W4" panose="020F0400000000000000" pitchFamily="34" charset="-128"/>
-              <a:ea typeface="Hiragino Maru Gothic Pro W4" panose="020F0400000000000000" pitchFamily="34" charset="-128"/>
-            </a:endParaRPr>
-          </a:p>
-          <a:p>
             <a:pPr marL="960120" lvl="1" indent="-457200">
               <a:buFont typeface="Wingdings" pitchFamily="2" charset="2"/>
               <a:buChar char="ü"/>
@@ -6145,7 +6165,7 @@
                 <a:latin typeface="Hiragino Maru Gothic Pro W4" panose="020F0400000000000000" pitchFamily="34" charset="-128"/>
                 <a:ea typeface="Hiragino Maru Gothic Pro W4" panose="020F0400000000000000" pitchFamily="34" charset="-128"/>
               </a:rPr>
-              <a:t>season3 (2020</a:t>
+              <a:t>season7 (2020</a:t>
             </a:r>
             <a:r>
               <a:rPr lang="ja-JP" altLang="en-US" sz="2200">
@@ -6193,7 +6213,7 @@
                 <a:latin typeface="Hiragino Maru Gothic Pro W4" panose="020F0400000000000000" pitchFamily="34" charset="-128"/>
                 <a:ea typeface="Hiragino Maru Gothic Pro W4" panose="020F0400000000000000" pitchFamily="34" charset="-128"/>
               </a:rPr>
-              <a:t>〜10</a:t>
+              <a:t>〜12</a:t>
             </a:r>
             <a:r>
               <a:rPr lang="ja-JP" altLang="en-US" sz="2200">
@@ -6235,7 +6255,7 @@
                 <a:latin typeface="Hiragino Maru Gothic Pro W4" panose="020F0400000000000000" pitchFamily="34" charset="-128"/>
                 <a:ea typeface="Hiragino Maru Gothic Pro W4" panose="020F0400000000000000" pitchFamily="34" charset="-128"/>
               </a:rPr>
-              <a:t>season4 (2021</a:t>
+              <a:t>season8 (2021</a:t>
             </a:r>
             <a:r>
               <a:rPr lang="ja-JP" altLang="en-US" sz="2200">
@@ -6259,7 +6279,7 @@
                 <a:latin typeface="Hiragino Maru Gothic Pro W4" panose="020F0400000000000000" pitchFamily="34" charset="-128"/>
                 <a:ea typeface="Hiragino Maru Gothic Pro W4" panose="020F0400000000000000" pitchFamily="34" charset="-128"/>
               </a:rPr>
-              <a:t>2</a:t>
+              <a:t>1</a:t>
             </a:r>
             <a:r>
               <a:rPr lang="ja-JP" altLang="en-US" sz="2200">
@@ -6283,7 +6303,7 @@
                 <a:latin typeface="Hiragino Maru Gothic Pro W4" panose="020F0400000000000000" pitchFamily="34" charset="-128"/>
                 <a:ea typeface="Hiragino Maru Gothic Pro W4" panose="020F0400000000000000" pitchFamily="34" charset="-128"/>
               </a:rPr>
-              <a:t>〜4</a:t>
+              <a:t>〜5</a:t>
             </a:r>
             <a:r>
               <a:rPr lang="ja-JP" altLang="en-US" sz="2200">
@@ -6307,68 +6327,8 @@
                 <a:latin typeface="Hiragino Maru Gothic Pro W4" panose="020F0400000000000000" pitchFamily="34" charset="-128"/>
                 <a:ea typeface="Hiragino Maru Gothic Pro W4" panose="020F0400000000000000" pitchFamily="34" charset="-128"/>
               </a:rPr>
-              <a:t>) ※</a:t>
-            </a:r>
-            <a:r>
-              <a:rPr lang="en-US" altLang="ja-JP" sz="2200" dirty="0" err="1">
-                <a:solidFill>
-                  <a:schemeClr val="accent5">
-                    <a:lumMod val="50000"/>
-                  </a:schemeClr>
-                </a:solidFill>
-                <a:latin typeface="Hiragino Maru Gothic Pro W4" panose="020F0400000000000000" pitchFamily="34" charset="-128"/>
-                <a:ea typeface="Hiragino Maru Gothic Pro W4" panose="020F0400000000000000" pitchFamily="34" charset="-128"/>
-              </a:rPr>
-              <a:t>warmatch</a:t>
-            </a:r>
-            <a:r>
-              <a:rPr lang="en-US" altLang="ja-JP" sz="2200" dirty="0">
-                <a:solidFill>
-                  <a:schemeClr val="accent5">
-                    <a:lumMod val="50000"/>
-                  </a:schemeClr>
-                </a:solidFill>
-                <a:latin typeface="Hiragino Maru Gothic Pro W4" panose="020F0400000000000000" pitchFamily="34" charset="-128"/>
-                <a:ea typeface="Hiragino Maru Gothic Pro W4" panose="020F0400000000000000" pitchFamily="34" charset="-128"/>
-              </a:rPr>
-              <a:t> </a:t>
-            </a:r>
-            <a:r>
-              <a:rPr lang="ja-JP" altLang="en-US" sz="2200">
-                <a:solidFill>
-                  <a:schemeClr val="accent5">
-                    <a:lumMod val="50000"/>
-                  </a:schemeClr>
-                </a:solidFill>
-                <a:latin typeface="Hiragino Maru Gothic Pro W4" panose="020F0400000000000000" pitchFamily="34" charset="-128"/>
-                <a:ea typeface="Hiragino Maru Gothic Pro W4" panose="020F0400000000000000" pitchFamily="34" charset="-128"/>
-              </a:rPr>
-              <a:t>に情報無し</a:t>
-            </a:r>
-            <a:endParaRPr lang="en-US" altLang="ja-JP" sz="2200" dirty="0">
-              <a:solidFill>
-                <a:schemeClr val="accent5">
-                  <a:lumMod val="50000"/>
-                </a:schemeClr>
-              </a:solidFill>
-              <a:latin typeface="Hiragino Maru Gothic Pro W4" panose="020F0400000000000000" pitchFamily="34" charset="-128"/>
-              <a:ea typeface="Hiragino Maru Gothic Pro W4" panose="020F0400000000000000" pitchFamily="34" charset="-128"/>
-            </a:endParaRPr>
-          </a:p>
-          <a:p>
-            <a:pPr marL="960120" lvl="1" indent="-457200">
-              <a:buFont typeface="Wingdings" pitchFamily="2" charset="2"/>
-              <a:buChar char="ü"/>
-            </a:pPr>
-            <a:endParaRPr lang="en-US" altLang="ja-JP" sz="2200" dirty="0">
-              <a:solidFill>
-                <a:schemeClr val="accent5">
-                  <a:lumMod val="50000"/>
-                </a:schemeClr>
-              </a:solidFill>
-              <a:latin typeface="Hiragino Maru Gothic Pro W4" panose="020F0400000000000000" pitchFamily="34" charset="-128"/>
-              <a:ea typeface="Hiragino Maru Gothic Pro W4" panose="020F0400000000000000" pitchFamily="34" charset="-128"/>
-            </a:endParaRPr>
+              <a:t>)</a:t>
+            </a:r>
           </a:p>
         </p:txBody>
       </p:sp>
@@ -6421,7 +6381,7 @@
     </p:spTree>
     <p:extLst>
       <p:ext uri="{BB962C8B-B14F-4D97-AF65-F5344CB8AC3E}">
-        <p14:creationId xmlns:p14="http://schemas.microsoft.com/office/powerpoint/2010/main" val="2545793693"/>
+        <p14:creationId xmlns:p14="http://schemas.microsoft.com/office/powerpoint/2010/main" val="2942249820"/>
       </p:ext>
     </p:extLst>
   </p:cSld>
@@ -6491,7 +6451,7 @@
                 <a:latin typeface="Hiragino Maru Gothic Pro W4" panose="020F0400000000000000" pitchFamily="34" charset="-128"/>
                 <a:ea typeface="Hiragino Maru Gothic Pro W4" panose="020F0400000000000000" pitchFamily="34" charset="-128"/>
               </a:rPr>
-              <a:t>GCC Brutal</a:t>
+              <a:t>GCC Shingle</a:t>
             </a:r>
             <a:endParaRPr kumimoji="1" lang="ja-JP" altLang="en-US">
               <a:solidFill>
@@ -6570,7 +6530,7 @@
                 <a:ea typeface="Hiragino Maru Gothic Pro W4" panose="020F0400000000000000" pitchFamily="34" charset="-128"/>
                 <a:hlinkClick r:id="rId3"/>
               </a:rPr>
-              <a:t>https://warmatch.us/leagues/461</a:t>
+              <a:t>https://warmatch.us/leagues/460</a:t>
             </a:r>
             <a:endParaRPr lang="en-US" altLang="ja-JP" sz="2200" dirty="0">
               <a:solidFill>
@@ -6606,68 +6566,17 @@
                 <a:latin typeface="Hiragino Maru Gothic Pro W4" panose="020F0400000000000000" pitchFamily="34" charset="-128"/>
                 <a:ea typeface="Hiragino Maru Gothic Pro W4" panose="020F0400000000000000" pitchFamily="34" charset="-128"/>
               </a:rPr>
-              <a:t>? </a:t>
-            </a:r>
-            <a:r>
-              <a:rPr lang="en-US" altLang="ja-JP" sz="2000" dirty="0">
-                <a:solidFill>
-                  <a:schemeClr val="accent5">
-                    <a:lumMod val="50000"/>
-                  </a:schemeClr>
-                </a:solidFill>
-                <a:latin typeface="Hiragino Maru Gothic Pro W4" panose="020F0400000000000000" pitchFamily="34" charset="-128"/>
-                <a:ea typeface="Hiragino Maru Gothic Pro W4" panose="020F0400000000000000" pitchFamily="34" charset="-128"/>
-              </a:rPr>
-              <a:t>(</a:t>
-            </a:r>
-            <a:r>
-              <a:rPr lang="en-US" altLang="ja-JP" sz="2000" dirty="0" err="1">
-                <a:solidFill>
-                  <a:schemeClr val="accent5">
-                    <a:lumMod val="50000"/>
-                  </a:schemeClr>
-                </a:solidFill>
-                <a:latin typeface="Hiragino Maru Gothic Pro W4" panose="020F0400000000000000" pitchFamily="34" charset="-128"/>
-                <a:ea typeface="Hiragino Maru Gothic Pro W4" panose="020F0400000000000000" pitchFamily="34" charset="-128"/>
-              </a:rPr>
-              <a:t>warmatch</a:t>
-            </a:r>
-            <a:r>
-              <a:rPr lang="en-US" altLang="ja-JP" sz="2000" dirty="0">
-                <a:solidFill>
-                  <a:schemeClr val="accent5">
-                    <a:lumMod val="50000"/>
-                  </a:schemeClr>
-                </a:solidFill>
-                <a:latin typeface="Hiragino Maru Gothic Pro W4" panose="020F0400000000000000" pitchFamily="34" charset="-128"/>
-                <a:ea typeface="Hiragino Maru Gothic Pro W4" panose="020F0400000000000000" pitchFamily="34" charset="-128"/>
-              </a:rPr>
-              <a:t> </a:t>
-            </a:r>
-            <a:r>
-              <a:rPr lang="ja-JP" altLang="en-US" sz="2000">
-                <a:solidFill>
-                  <a:schemeClr val="accent5">
-                    <a:lumMod val="50000"/>
-                  </a:schemeClr>
-                </a:solidFill>
-                <a:latin typeface="Hiragino Maru Gothic Pro W4" panose="020F0400000000000000" pitchFamily="34" charset="-128"/>
-                <a:ea typeface="Hiragino Maru Gothic Pro W4" panose="020F0400000000000000" pitchFamily="34" charset="-128"/>
-              </a:rPr>
-              <a:t>に情報無し</a:t>
-            </a:r>
-            <a:r>
-              <a:rPr lang="en-US" altLang="ja-JP" sz="2000" dirty="0">
-                <a:solidFill>
-                  <a:schemeClr val="accent5">
-                    <a:lumMod val="50000"/>
-                  </a:schemeClr>
-                </a:solidFill>
-                <a:latin typeface="Hiragino Maru Gothic Pro W4" panose="020F0400000000000000" pitchFamily="34" charset="-128"/>
-                <a:ea typeface="Hiragino Maru Gothic Pro W4" panose="020F0400000000000000" pitchFamily="34" charset="-128"/>
-              </a:rPr>
-              <a:t>)</a:t>
-            </a:r>
+              <a:t>B</a:t>
+            </a:r>
+            <a:endParaRPr lang="en-US" altLang="ja-JP" sz="2000" dirty="0">
+              <a:solidFill>
+                <a:schemeClr val="accent5">
+                  <a:lumMod val="50000"/>
+                </a:schemeClr>
+              </a:solidFill>
+              <a:latin typeface="Hiragino Maru Gothic Pro W4" panose="020F0400000000000000" pitchFamily="34" charset="-128"/>
+              <a:ea typeface="Hiragino Maru Gothic Pro W4" panose="020F0400000000000000" pitchFamily="34" charset="-128"/>
+            </a:endParaRPr>
           </a:p>
           <a:p>
             <a:pPr marL="502920" indent="-457200"/>
@@ -6693,7 +6602,7 @@
                 <a:latin typeface="Hiragino Maru Gothic Pro W4" panose="020F0400000000000000" pitchFamily="34" charset="-128"/>
                 <a:ea typeface="Hiragino Maru Gothic Pro W4" panose="020F0400000000000000" pitchFamily="34" charset="-128"/>
               </a:rPr>
-              <a:t>25</a:t>
+              <a:t>15</a:t>
             </a:r>
             <a:r>
               <a:rPr lang="ja-JP" altLang="en-US" sz="2200">
@@ -6741,7 +6650,7 @@
                 <a:latin typeface="Hiragino Maru Gothic Pro W4" panose="020F0400000000000000" pitchFamily="34" charset="-128"/>
                 <a:ea typeface="Hiragino Maru Gothic Pro W4" panose="020F0400000000000000" pitchFamily="34" charset="-128"/>
               </a:rPr>
-              <a:t>2</a:t>
+              <a:t>1</a:t>
             </a:r>
             <a:r>
               <a:rPr lang="ja-JP" altLang="en-US" sz="2200">
@@ -6852,7 +6761,7 @@
                 <a:latin typeface="Hiragino Maru Gothic Pro W4" panose="020F0400000000000000" pitchFamily="34" charset="-128"/>
                 <a:ea typeface="Hiragino Maru Gothic Pro W4" panose="020F0400000000000000" pitchFamily="34" charset="-128"/>
               </a:rPr>
-              <a:t>〜11</a:t>
+              <a:t>〜10</a:t>
             </a:r>
             <a:r>
               <a:rPr lang="ja-JP" altLang="en-US" sz="2200">
@@ -7080,7 +6989,7 @@
     </p:spTree>
     <p:extLst>
       <p:ext uri="{BB962C8B-B14F-4D97-AF65-F5344CB8AC3E}">
-        <p14:creationId xmlns:p14="http://schemas.microsoft.com/office/powerpoint/2010/main" val="2956634697"/>
+        <p14:creationId xmlns:p14="http://schemas.microsoft.com/office/powerpoint/2010/main" val="2545793693"/>
       </p:ext>
     </p:extLst>
   </p:cSld>
@@ -7150,7 +7059,7 @@
                 <a:latin typeface="Hiragino Maru Gothic Pro W4" panose="020F0400000000000000" pitchFamily="34" charset="-128"/>
                 <a:ea typeface="Hiragino Maru Gothic Pro W4" panose="020F0400000000000000" pitchFamily="34" charset="-128"/>
               </a:rPr>
-              <a:t>MLCW RCL</a:t>
+              <a:t>GCC Brutal</a:t>
             </a:r>
             <a:endParaRPr kumimoji="1" lang="ja-JP" altLang="en-US">
               <a:solidFill>
@@ -7204,7 +7113,7 @@
                 <a:ea typeface="Hiragino Maru Gothic Pro W4" panose="020F0400000000000000" pitchFamily="34" charset="-128"/>
                 <a:hlinkClick r:id="rId2"/>
               </a:rPr>
-              <a:t>https://www.mlcw.org/</a:t>
+              <a:t>https://www.globalclashcup.com/</a:t>
             </a:r>
             <a:endParaRPr lang="en-US" altLang="ja-JP" sz="2200" dirty="0">
               <a:solidFill>
@@ -7229,7 +7138,7 @@
                 <a:ea typeface="Hiragino Maru Gothic Pro W4" panose="020F0400000000000000" pitchFamily="34" charset="-128"/>
                 <a:hlinkClick r:id="rId3"/>
               </a:rPr>
-              <a:t>https://warmatch.us/leagues/556</a:t>
+              <a:t>https://warmatch.us/leagues/461</a:t>
             </a:r>
             <a:endParaRPr lang="en-US" altLang="ja-JP" sz="2200" dirty="0">
               <a:solidFill>
@@ -7265,8 +7174,20 @@
                 <a:latin typeface="Hiragino Maru Gothic Pro W4" panose="020F0400000000000000" pitchFamily="34" charset="-128"/>
                 <a:ea typeface="Hiragino Maru Gothic Pro W4" panose="020F0400000000000000" pitchFamily="34" charset="-128"/>
               </a:rPr>
-              <a:t>B (</a:t>
-            </a:r>
+              <a:t>B</a:t>
+            </a:r>
+            <a:endParaRPr lang="en-US" altLang="ja-JP" sz="2000" dirty="0">
+              <a:solidFill>
+                <a:schemeClr val="accent5">
+                  <a:lumMod val="50000"/>
+                </a:schemeClr>
+              </a:solidFill>
+              <a:latin typeface="Hiragino Maru Gothic Pro W4" panose="020F0400000000000000" pitchFamily="34" charset="-128"/>
+              <a:ea typeface="Hiragino Maru Gothic Pro W4" panose="020F0400000000000000" pitchFamily="34" charset="-128"/>
+            </a:endParaRPr>
+          </a:p>
+          <a:p>
+            <a:pPr marL="502920" indent="-457200"/>
             <a:r>
               <a:rPr lang="ja-JP" altLang="en-US" sz="2200">
                 <a:solidFill>
@@ -7277,7 +7198,7 @@
                 <a:latin typeface="Hiragino Maru Gothic Pro W4" panose="020F0400000000000000" pitchFamily="34" charset="-128"/>
                 <a:ea typeface="Hiragino Maru Gothic Pro W4" panose="020F0400000000000000" pitchFamily="34" charset="-128"/>
               </a:rPr>
-              <a:t>参加クラン多し、平均すると</a:t>
+              <a:t>対戦人数：</a:t>
             </a:r>
             <a:r>
               <a:rPr lang="en-US" altLang="ja-JP" sz="2200" dirty="0">
@@ -7289,58 +7210,7 @@
                 <a:latin typeface="Hiragino Maru Gothic Pro W4" panose="020F0400000000000000" pitchFamily="34" charset="-128"/>
                 <a:ea typeface="Hiragino Maru Gothic Pro W4" panose="020F0400000000000000" pitchFamily="34" charset="-128"/>
               </a:rPr>
-              <a:t> JWC J2</a:t>
-            </a:r>
-            <a:r>
-              <a:rPr lang="ja-JP" altLang="en-US" sz="2200">
-                <a:solidFill>
-                  <a:schemeClr val="accent5">
-                    <a:lumMod val="50000"/>
-                  </a:schemeClr>
-                </a:solidFill>
-                <a:latin typeface="Hiragino Maru Gothic Pro W4" panose="020F0400000000000000" pitchFamily="34" charset="-128"/>
-                <a:ea typeface="Hiragino Maru Gothic Pro W4" panose="020F0400000000000000" pitchFamily="34" charset="-128"/>
-              </a:rPr>
-              <a:t>レベルなのかなぁ</a:t>
-            </a:r>
-            <a:r>
-              <a:rPr lang="en-US" altLang="ja-JP" sz="2200" dirty="0">
-                <a:solidFill>
-                  <a:schemeClr val="accent5">
-                    <a:lumMod val="50000"/>
-                  </a:schemeClr>
-                </a:solidFill>
-                <a:latin typeface="Hiragino Maru Gothic Pro W4" panose="020F0400000000000000" pitchFamily="34" charset="-128"/>
-                <a:ea typeface="Hiragino Maru Gothic Pro W4" panose="020F0400000000000000" pitchFamily="34" charset="-128"/>
-              </a:rPr>
-              <a:t>)</a:t>
-            </a:r>
-          </a:p>
-          <a:p>
-            <a:pPr marL="502920" indent="-457200"/>
-            <a:r>
-              <a:rPr lang="ja-JP" altLang="en-US" sz="2200">
-                <a:solidFill>
-                  <a:schemeClr val="accent5">
-                    <a:lumMod val="50000"/>
-                  </a:schemeClr>
-                </a:solidFill>
-                <a:latin typeface="Hiragino Maru Gothic Pro W4" panose="020F0400000000000000" pitchFamily="34" charset="-128"/>
-                <a:ea typeface="Hiragino Maru Gothic Pro W4" panose="020F0400000000000000" pitchFamily="34" charset="-128"/>
-              </a:rPr>
-              <a:t>対戦人数：</a:t>
-            </a:r>
-            <a:r>
-              <a:rPr lang="en-US" altLang="ja-JP" sz="2200" dirty="0">
-                <a:solidFill>
-                  <a:schemeClr val="accent5">
-                    <a:lumMod val="50000"/>
-                  </a:schemeClr>
-                </a:solidFill>
-                <a:latin typeface="Hiragino Maru Gothic Pro W4" panose="020F0400000000000000" pitchFamily="34" charset="-128"/>
-                <a:ea typeface="Hiragino Maru Gothic Pro W4" panose="020F0400000000000000" pitchFamily="34" charset="-128"/>
-              </a:rPr>
-              <a:t>15</a:t>
+              <a:t>25</a:t>
             </a:r>
             <a:r>
               <a:rPr lang="ja-JP" altLang="en-US" sz="2200">
@@ -7451,7 +7321,7 @@
                 <a:latin typeface="Hiragino Maru Gothic Pro W4" panose="020F0400000000000000" pitchFamily="34" charset="-128"/>
                 <a:ea typeface="Hiragino Maru Gothic Pro W4" panose="020F0400000000000000" pitchFamily="34" charset="-128"/>
               </a:rPr>
-              <a:t>season11 (2020</a:t>
+              <a:t>season3 (2020</a:t>
             </a:r>
             <a:r>
               <a:rPr lang="ja-JP" altLang="en-US" sz="2200">
@@ -7499,7 +7369,7 @@
                 <a:latin typeface="Hiragino Maru Gothic Pro W4" panose="020F0400000000000000" pitchFamily="34" charset="-128"/>
                 <a:ea typeface="Hiragino Maru Gothic Pro W4" panose="020F0400000000000000" pitchFamily="34" charset="-128"/>
               </a:rPr>
-              <a:t>〜12</a:t>
+              <a:t>〜11</a:t>
             </a:r>
             <a:r>
               <a:rPr lang="ja-JP" altLang="en-US" sz="2200">
@@ -7541,7 +7411,7 @@
                 <a:latin typeface="Hiragino Maru Gothic Pro W4" panose="020F0400000000000000" pitchFamily="34" charset="-128"/>
                 <a:ea typeface="Hiragino Maru Gothic Pro W4" panose="020F0400000000000000" pitchFamily="34" charset="-128"/>
               </a:rPr>
-              <a:t>season12 (2021</a:t>
+              <a:t>season4 (2021</a:t>
             </a:r>
             <a:r>
               <a:rPr lang="ja-JP" altLang="en-US" sz="2200">
@@ -7589,7 +7459,7 @@
                 <a:latin typeface="Hiragino Maru Gothic Pro W4" panose="020F0400000000000000" pitchFamily="34" charset="-128"/>
                 <a:ea typeface="Hiragino Maru Gothic Pro W4" panose="020F0400000000000000" pitchFamily="34" charset="-128"/>
               </a:rPr>
-              <a:t>〜5</a:t>
+              <a:t>〜4</a:t>
             </a:r>
             <a:r>
               <a:rPr lang="ja-JP" altLang="en-US" sz="2200">
@@ -7613,8 +7483,68 @@
                 <a:latin typeface="Hiragino Maru Gothic Pro W4" panose="020F0400000000000000" pitchFamily="34" charset="-128"/>
                 <a:ea typeface="Hiragino Maru Gothic Pro W4" panose="020F0400000000000000" pitchFamily="34" charset="-128"/>
               </a:rPr>
-              <a:t>)</a:t>
-            </a:r>
+              <a:t>) ※</a:t>
+            </a:r>
+            <a:r>
+              <a:rPr lang="en-US" altLang="ja-JP" sz="2200" dirty="0" err="1">
+                <a:solidFill>
+                  <a:schemeClr val="accent5">
+                    <a:lumMod val="50000"/>
+                  </a:schemeClr>
+                </a:solidFill>
+                <a:latin typeface="Hiragino Maru Gothic Pro W4" panose="020F0400000000000000" pitchFamily="34" charset="-128"/>
+                <a:ea typeface="Hiragino Maru Gothic Pro W4" panose="020F0400000000000000" pitchFamily="34" charset="-128"/>
+              </a:rPr>
+              <a:t>warmatch</a:t>
+            </a:r>
+            <a:r>
+              <a:rPr lang="en-US" altLang="ja-JP" sz="2200" dirty="0">
+                <a:solidFill>
+                  <a:schemeClr val="accent5">
+                    <a:lumMod val="50000"/>
+                  </a:schemeClr>
+                </a:solidFill>
+                <a:latin typeface="Hiragino Maru Gothic Pro W4" panose="020F0400000000000000" pitchFamily="34" charset="-128"/>
+                <a:ea typeface="Hiragino Maru Gothic Pro W4" panose="020F0400000000000000" pitchFamily="34" charset="-128"/>
+              </a:rPr>
+              <a:t> </a:t>
+            </a:r>
+            <a:r>
+              <a:rPr lang="ja-JP" altLang="en-US" sz="2200">
+                <a:solidFill>
+                  <a:schemeClr val="accent5">
+                    <a:lumMod val="50000"/>
+                  </a:schemeClr>
+                </a:solidFill>
+                <a:latin typeface="Hiragino Maru Gothic Pro W4" panose="020F0400000000000000" pitchFamily="34" charset="-128"/>
+                <a:ea typeface="Hiragino Maru Gothic Pro W4" panose="020F0400000000000000" pitchFamily="34" charset="-128"/>
+              </a:rPr>
+              <a:t>に情報無し</a:t>
+            </a:r>
+            <a:endParaRPr lang="en-US" altLang="ja-JP" sz="2200" dirty="0">
+              <a:solidFill>
+                <a:schemeClr val="accent5">
+                  <a:lumMod val="50000"/>
+                </a:schemeClr>
+              </a:solidFill>
+              <a:latin typeface="Hiragino Maru Gothic Pro W4" panose="020F0400000000000000" pitchFamily="34" charset="-128"/>
+              <a:ea typeface="Hiragino Maru Gothic Pro W4" panose="020F0400000000000000" pitchFamily="34" charset="-128"/>
+            </a:endParaRPr>
+          </a:p>
+          <a:p>
+            <a:pPr marL="960120" lvl="1" indent="-457200">
+              <a:buFont typeface="Wingdings" pitchFamily="2" charset="2"/>
+              <a:buChar char="ü"/>
+            </a:pPr>
+            <a:endParaRPr lang="en-US" altLang="ja-JP" sz="2200" dirty="0">
+              <a:solidFill>
+                <a:schemeClr val="accent5">
+                  <a:lumMod val="50000"/>
+                </a:schemeClr>
+              </a:solidFill>
+              <a:latin typeface="Hiragino Maru Gothic Pro W4" panose="020F0400000000000000" pitchFamily="34" charset="-128"/>
+              <a:ea typeface="Hiragino Maru Gothic Pro W4" panose="020F0400000000000000" pitchFamily="34" charset="-128"/>
+            </a:endParaRPr>
           </a:p>
         </p:txBody>
       </p:sp>
@@ -7667,7 +7597,7 @@
     </p:spTree>
     <p:extLst>
       <p:ext uri="{BB962C8B-B14F-4D97-AF65-F5344CB8AC3E}">
-        <p14:creationId xmlns:p14="http://schemas.microsoft.com/office/powerpoint/2010/main" val="2209030138"/>
+        <p14:creationId xmlns:p14="http://schemas.microsoft.com/office/powerpoint/2010/main" val="2956634697"/>
       </p:ext>
     </p:extLst>
   </p:cSld>
@@ -7737,7 +7667,7 @@
                 <a:latin typeface="Hiragino Maru Gothic Pro W4" panose="020F0400000000000000" pitchFamily="34" charset="-128"/>
                 <a:ea typeface="Hiragino Maru Gothic Pro W4" panose="020F0400000000000000" pitchFamily="34" charset="-128"/>
               </a:rPr>
-              <a:t>WCL Elite</a:t>
+              <a:t>MLCW RCL</a:t>
             </a:r>
             <a:endParaRPr kumimoji="1" lang="ja-JP" altLang="en-US">
               <a:solidFill>
@@ -7791,7 +7721,7 @@
                 <a:ea typeface="Hiragino Maru Gothic Pro W4" panose="020F0400000000000000" pitchFamily="34" charset="-128"/>
                 <a:hlinkClick r:id="rId2"/>
               </a:rPr>
-              <a:t>https://discord.me/wcl-warriors</a:t>
+              <a:t>https://www.mlcw.org/</a:t>
             </a:r>
             <a:endParaRPr lang="en-US" altLang="ja-JP" sz="2200" dirty="0">
               <a:solidFill>
@@ -7816,7 +7746,7 @@
                 <a:ea typeface="Hiragino Maru Gothic Pro W4" panose="020F0400000000000000" pitchFamily="34" charset="-128"/>
                 <a:hlinkClick r:id="rId3"/>
               </a:rPr>
-              <a:t>https://warmatch.us/leagues/543</a:t>
+              <a:t>https://warmatch.us/leagues/556</a:t>
             </a:r>
             <a:endParaRPr lang="en-US" altLang="ja-JP" sz="2200" dirty="0">
               <a:solidFill>
@@ -7852,8 +7782,11 @@
                 <a:latin typeface="Hiragino Maru Gothic Pro W4" panose="020F0400000000000000" pitchFamily="34" charset="-128"/>
                 <a:ea typeface="Hiragino Maru Gothic Pro W4" panose="020F0400000000000000" pitchFamily="34" charset="-128"/>
               </a:rPr>
-              <a:t>B (</a:t>
-            </a:r>
+              <a:t>B</a:t>
+            </a:r>
+          </a:p>
+          <a:p>
+            <a:pPr marL="502920" indent="-457200"/>
             <a:r>
               <a:rPr lang="ja-JP" altLang="en-US" sz="2200">
                 <a:solidFill>
@@ -7864,7 +7797,7 @@
                 <a:latin typeface="Hiragino Maru Gothic Pro W4" panose="020F0400000000000000" pitchFamily="34" charset="-128"/>
                 <a:ea typeface="Hiragino Maru Gothic Pro W4" panose="020F0400000000000000" pitchFamily="34" charset="-128"/>
               </a:rPr>
-              <a:t>参加クラン多し、平均すると</a:t>
+              <a:t>対戦人数：</a:t>
             </a:r>
             <a:r>
               <a:rPr lang="en-US" altLang="ja-JP" sz="2200" dirty="0">
@@ -7876,58 +7809,7 @@
                 <a:latin typeface="Hiragino Maru Gothic Pro W4" panose="020F0400000000000000" pitchFamily="34" charset="-128"/>
                 <a:ea typeface="Hiragino Maru Gothic Pro W4" panose="020F0400000000000000" pitchFamily="34" charset="-128"/>
               </a:rPr>
-              <a:t> JWC J2</a:t>
-            </a:r>
-            <a:r>
-              <a:rPr lang="ja-JP" altLang="en-US" sz="2200">
-                <a:solidFill>
-                  <a:schemeClr val="accent5">
-                    <a:lumMod val="50000"/>
-                  </a:schemeClr>
-                </a:solidFill>
-                <a:latin typeface="Hiragino Maru Gothic Pro W4" panose="020F0400000000000000" pitchFamily="34" charset="-128"/>
-                <a:ea typeface="Hiragino Maru Gothic Pro W4" panose="020F0400000000000000" pitchFamily="34" charset="-128"/>
-              </a:rPr>
-              <a:t>レベルなのかなぁ</a:t>
-            </a:r>
-            <a:r>
-              <a:rPr lang="en-US" altLang="ja-JP" sz="2200" dirty="0">
-                <a:solidFill>
-                  <a:schemeClr val="accent5">
-                    <a:lumMod val="50000"/>
-                  </a:schemeClr>
-                </a:solidFill>
-                <a:latin typeface="Hiragino Maru Gothic Pro W4" panose="020F0400000000000000" pitchFamily="34" charset="-128"/>
-                <a:ea typeface="Hiragino Maru Gothic Pro W4" panose="020F0400000000000000" pitchFamily="34" charset="-128"/>
-              </a:rPr>
-              <a:t>)</a:t>
-            </a:r>
-          </a:p>
-          <a:p>
-            <a:pPr marL="502920" indent="-457200"/>
-            <a:r>
-              <a:rPr lang="ja-JP" altLang="en-US" sz="2200">
-                <a:solidFill>
-                  <a:schemeClr val="accent5">
-                    <a:lumMod val="50000"/>
-                  </a:schemeClr>
-                </a:solidFill>
-                <a:latin typeface="Hiragino Maru Gothic Pro W4" panose="020F0400000000000000" pitchFamily="34" charset="-128"/>
-                <a:ea typeface="Hiragino Maru Gothic Pro W4" panose="020F0400000000000000" pitchFamily="34" charset="-128"/>
-              </a:rPr>
-              <a:t>対戦人数：</a:t>
-            </a:r>
-            <a:r>
-              <a:rPr lang="en-US" altLang="ja-JP" sz="2200" dirty="0">
-                <a:solidFill>
-                  <a:schemeClr val="accent5">
-                    <a:lumMod val="50000"/>
-                  </a:schemeClr>
-                </a:solidFill>
-                <a:latin typeface="Hiragino Maru Gothic Pro W4" panose="020F0400000000000000" pitchFamily="34" charset="-128"/>
-                <a:ea typeface="Hiragino Maru Gothic Pro W4" panose="020F0400000000000000" pitchFamily="34" charset="-128"/>
-              </a:rPr>
-              <a:t>20</a:t>
+              <a:t>15</a:t>
             </a:r>
             <a:r>
               <a:rPr lang="ja-JP" altLang="en-US" sz="2200">
@@ -8038,7 +7920,7 @@
                 <a:latin typeface="Hiragino Maru Gothic Pro W4" panose="020F0400000000000000" pitchFamily="34" charset="-128"/>
                 <a:ea typeface="Hiragino Maru Gothic Pro W4" panose="020F0400000000000000" pitchFamily="34" charset="-128"/>
               </a:rPr>
-              <a:t>season7 (2020</a:t>
+              <a:t>season11 (2020</a:t>
             </a:r>
             <a:r>
               <a:rPr lang="ja-JP" altLang="en-US" sz="2200">
@@ -8062,7 +7944,7 @@
                 <a:latin typeface="Hiragino Maru Gothic Pro W4" panose="020F0400000000000000" pitchFamily="34" charset="-128"/>
                 <a:ea typeface="Hiragino Maru Gothic Pro W4" panose="020F0400000000000000" pitchFamily="34" charset="-128"/>
               </a:rPr>
-              <a:t>7</a:t>
+              <a:t>9</a:t>
             </a:r>
             <a:r>
               <a:rPr lang="ja-JP" altLang="en-US" sz="2200">
@@ -8086,7 +7968,7 @@
                 <a:latin typeface="Hiragino Maru Gothic Pro W4" panose="020F0400000000000000" pitchFamily="34" charset="-128"/>
                 <a:ea typeface="Hiragino Maru Gothic Pro W4" panose="020F0400000000000000" pitchFamily="34" charset="-128"/>
               </a:rPr>
-              <a:t>〜11</a:t>
+              <a:t>〜12</a:t>
             </a:r>
             <a:r>
               <a:rPr lang="ja-JP" altLang="en-US" sz="2200">
@@ -8128,7 +8010,7 @@
                 <a:latin typeface="Hiragino Maru Gothic Pro W4" panose="020F0400000000000000" pitchFamily="34" charset="-128"/>
                 <a:ea typeface="Hiragino Maru Gothic Pro W4" panose="020F0400000000000000" pitchFamily="34" charset="-128"/>
               </a:rPr>
-              <a:t>season8 (2021</a:t>
+              <a:t>season12 (2021</a:t>
             </a:r>
             <a:r>
               <a:rPr lang="ja-JP" altLang="en-US" sz="2200">
@@ -8152,7 +8034,7 @@
                 <a:latin typeface="Hiragino Maru Gothic Pro W4" panose="020F0400000000000000" pitchFamily="34" charset="-128"/>
                 <a:ea typeface="Hiragino Maru Gothic Pro W4" panose="020F0400000000000000" pitchFamily="34" charset="-128"/>
               </a:rPr>
-              <a:t>1</a:t>
+              <a:t>2</a:t>
             </a:r>
             <a:r>
               <a:rPr lang="ja-JP" altLang="en-US" sz="2200">
@@ -8176,7 +8058,7 @@
                 <a:latin typeface="Hiragino Maru Gothic Pro W4" panose="020F0400000000000000" pitchFamily="34" charset="-128"/>
                 <a:ea typeface="Hiragino Maru Gothic Pro W4" panose="020F0400000000000000" pitchFamily="34" charset="-128"/>
               </a:rPr>
-              <a:t>〜4</a:t>
+              <a:t>〜5</a:t>
             </a:r>
             <a:r>
               <a:rPr lang="ja-JP" altLang="en-US" sz="2200">
@@ -8254,7 +8136,7 @@
     </p:spTree>
     <p:extLst>
       <p:ext uri="{BB962C8B-B14F-4D97-AF65-F5344CB8AC3E}">
-        <p14:creationId xmlns:p14="http://schemas.microsoft.com/office/powerpoint/2010/main" val="3960394281"/>
+        <p14:creationId xmlns:p14="http://schemas.microsoft.com/office/powerpoint/2010/main" val="2209030138"/>
       </p:ext>
     </p:extLst>
   </p:cSld>
@@ -8324,7 +8206,7 @@
                 <a:latin typeface="Hiragino Maru Gothic Pro W4" panose="020F0400000000000000" pitchFamily="34" charset="-128"/>
                 <a:ea typeface="Hiragino Maru Gothic Pro W4" panose="020F0400000000000000" pitchFamily="34" charset="-128"/>
               </a:rPr>
-              <a:t>FWL Large</a:t>
+              <a:t>WCL Elite</a:t>
             </a:r>
             <a:endParaRPr kumimoji="1" lang="ja-JP" altLang="en-US">
               <a:solidFill>
@@ -8378,7 +8260,7 @@
                 <a:ea typeface="Hiragino Maru Gothic Pro W4" panose="020F0400000000000000" pitchFamily="34" charset="-128"/>
                 <a:hlinkClick r:id="rId2"/>
               </a:rPr>
-              <a:t>http://www.friendlywarleague.com/</a:t>
+              <a:t>https://discord.me/wcl-warriors</a:t>
             </a:r>
             <a:endParaRPr lang="en-US" altLang="ja-JP" sz="2200" dirty="0">
               <a:solidFill>
@@ -8403,7 +8285,7 @@
                 <a:ea typeface="Hiragino Maru Gothic Pro W4" panose="020F0400000000000000" pitchFamily="34" charset="-128"/>
                 <a:hlinkClick r:id="rId3"/>
               </a:rPr>
-              <a:t>https://warmatch.us/leagues/575</a:t>
+              <a:t>https://warmatch.us/leagues/543</a:t>
             </a:r>
             <a:endParaRPr lang="en-US" altLang="ja-JP" sz="2200" dirty="0">
               <a:solidFill>
@@ -8439,8 +8321,11 @@
                 <a:latin typeface="Hiragino Maru Gothic Pro W4" panose="020F0400000000000000" pitchFamily="34" charset="-128"/>
                 <a:ea typeface="Hiragino Maru Gothic Pro W4" panose="020F0400000000000000" pitchFamily="34" charset="-128"/>
               </a:rPr>
-              <a:t>D (</a:t>
-            </a:r>
+              <a:t>B</a:t>
+            </a:r>
+          </a:p>
+          <a:p>
+            <a:pPr marL="502920" indent="-457200"/>
             <a:r>
               <a:rPr lang="ja-JP" altLang="en-US" sz="2200">
                 <a:solidFill>
@@ -8451,7 +8336,7 @@
                 <a:latin typeface="Hiragino Maru Gothic Pro W4" panose="020F0400000000000000" pitchFamily="34" charset="-128"/>
                 <a:ea typeface="Hiragino Maru Gothic Pro W4" panose="020F0400000000000000" pitchFamily="34" charset="-128"/>
               </a:rPr>
-              <a:t>全壊率は</a:t>
+              <a:t>対戦人数：</a:t>
             </a:r>
             <a:r>
               <a:rPr lang="en-US" altLang="ja-JP" sz="2200" dirty="0">
@@ -8463,7 +8348,7 @@
                 <a:latin typeface="Hiragino Maru Gothic Pro W4" panose="020F0400000000000000" pitchFamily="34" charset="-128"/>
                 <a:ea typeface="Hiragino Maru Gothic Pro W4" panose="020F0400000000000000" pitchFamily="34" charset="-128"/>
               </a:rPr>
-              <a:t> JWC J3 </a:t>
+              <a:t>20</a:t>
             </a:r>
             <a:r>
               <a:rPr lang="ja-JP" altLang="en-US" sz="2200">
@@ -8475,109 +8360,7 @@
                 <a:latin typeface="Hiragino Maru Gothic Pro W4" panose="020F0400000000000000" pitchFamily="34" charset="-128"/>
                 <a:ea typeface="Hiragino Maru Gothic Pro W4" panose="020F0400000000000000" pitchFamily="34" charset="-128"/>
               </a:rPr>
-              <a:t>と同じくらい、無効試合が多い気がする</a:t>
-            </a:r>
-            <a:r>
-              <a:rPr lang="en-US" altLang="ja-JP" sz="2200" dirty="0">
-                <a:solidFill>
-                  <a:schemeClr val="accent5">
-                    <a:lumMod val="50000"/>
-                  </a:schemeClr>
-                </a:solidFill>
-                <a:latin typeface="Hiragino Maru Gothic Pro W4" panose="020F0400000000000000" pitchFamily="34" charset="-128"/>
-                <a:ea typeface="Hiragino Maru Gothic Pro W4" panose="020F0400000000000000" pitchFamily="34" charset="-128"/>
-              </a:rPr>
-              <a:t>)</a:t>
-            </a:r>
-          </a:p>
-          <a:p>
-            <a:pPr marL="502920" indent="-457200"/>
-            <a:r>
-              <a:rPr lang="ja-JP" altLang="en-US" sz="2200">
-                <a:solidFill>
-                  <a:schemeClr val="accent5">
-                    <a:lumMod val="50000"/>
-                  </a:schemeClr>
-                </a:solidFill>
-                <a:latin typeface="Hiragino Maru Gothic Pro W4" panose="020F0400000000000000" pitchFamily="34" charset="-128"/>
-                <a:ea typeface="Hiragino Maru Gothic Pro W4" panose="020F0400000000000000" pitchFamily="34" charset="-128"/>
-              </a:rPr>
-              <a:t>対戦人数：</a:t>
-            </a:r>
-            <a:r>
-              <a:rPr lang="en-US" altLang="ja-JP" sz="2200" dirty="0">
-                <a:solidFill>
-                  <a:schemeClr val="accent5">
-                    <a:lumMod val="50000"/>
-                  </a:schemeClr>
-                </a:solidFill>
-                <a:latin typeface="Hiragino Maru Gothic Pro W4" panose="020F0400000000000000" pitchFamily="34" charset="-128"/>
-                <a:ea typeface="Hiragino Maru Gothic Pro W4" panose="020F0400000000000000" pitchFamily="34" charset="-128"/>
-              </a:rPr>
-              <a:t>10</a:t>
-            </a:r>
-            <a:r>
-              <a:rPr lang="ja-JP" altLang="en-US" sz="2200">
-                <a:solidFill>
-                  <a:schemeClr val="accent5">
-                    <a:lumMod val="50000"/>
-                  </a:schemeClr>
-                </a:solidFill>
-                <a:latin typeface="Hiragino Maru Gothic Pro W4" panose="020F0400000000000000" pitchFamily="34" charset="-128"/>
-                <a:ea typeface="Hiragino Maru Gothic Pro W4" panose="020F0400000000000000" pitchFamily="34" charset="-128"/>
-              </a:rPr>
               <a:t>人</a:t>
-            </a:r>
-            <a:r>
-              <a:rPr lang="en-US" altLang="ja-JP" sz="2200" dirty="0">
-                <a:solidFill>
-                  <a:schemeClr val="accent5">
-                    <a:lumMod val="50000"/>
-                  </a:schemeClr>
-                </a:solidFill>
-                <a:latin typeface="Hiragino Maru Gothic Pro W4" panose="020F0400000000000000" pitchFamily="34" charset="-128"/>
-                <a:ea typeface="Hiragino Maru Gothic Pro W4" panose="020F0400000000000000" pitchFamily="34" charset="-128"/>
-              </a:rPr>
-              <a:t>〜</a:t>
-            </a:r>
-          </a:p>
-          <a:p>
-            <a:pPr marL="502920" indent="-457200"/>
-            <a:r>
-              <a:rPr lang="ja-JP" altLang="en-US" sz="2200">
-                <a:solidFill>
-                  <a:schemeClr val="accent5">
-                    <a:lumMod val="50000"/>
-                  </a:schemeClr>
-                </a:solidFill>
-                <a:latin typeface="Hiragino Maru Gothic Pro W4" panose="020F0400000000000000" pitchFamily="34" charset="-128"/>
-                <a:ea typeface="Hiragino Maru Gothic Pro W4" panose="020F0400000000000000" pitchFamily="34" charset="-128"/>
-              </a:rPr>
-              <a:t>攻撃回数：</a:t>
-            </a:r>
-            <a:r>
-              <a:rPr lang="en-US" altLang="ja-JP" sz="2200" dirty="0">
-                <a:solidFill>
-                  <a:schemeClr val="accent5">
-                    <a:lumMod val="50000"/>
-                  </a:schemeClr>
-                </a:solidFill>
-                <a:latin typeface="Hiragino Maru Gothic Pro W4" panose="020F0400000000000000" pitchFamily="34" charset="-128"/>
-                <a:ea typeface="Hiragino Maru Gothic Pro W4" panose="020F0400000000000000" pitchFamily="34" charset="-128"/>
-              </a:rPr>
-              <a:t>2</a:t>
-            </a:r>
-            <a:r>
-              <a:rPr lang="ja-JP" altLang="en-US" sz="2200">
-                <a:solidFill>
-                  <a:schemeClr val="accent5">
-                    <a:lumMod val="50000"/>
-                  </a:schemeClr>
-                </a:solidFill>
-                <a:latin typeface="Hiragino Maru Gothic Pro W4" panose="020F0400000000000000" pitchFamily="34" charset="-128"/>
-                <a:ea typeface="Hiragino Maru Gothic Pro W4" panose="020F0400000000000000" pitchFamily="34" charset="-128"/>
-              </a:rPr>
-              <a:t>回</a:t>
             </a:r>
             <a:endParaRPr lang="en-US" altLang="ja-JP" sz="2200" dirty="0">
               <a:solidFill>
@@ -8601,7 +8384,31 @@
                 <a:latin typeface="Hiragino Maru Gothic Pro W4" panose="020F0400000000000000" pitchFamily="34" charset="-128"/>
                 <a:ea typeface="Hiragino Maru Gothic Pro W4" panose="020F0400000000000000" pitchFamily="34" charset="-128"/>
               </a:rPr>
-              <a:t>スケジュール実績：</a:t>
+              <a:t>攻撃回数：</a:t>
+            </a:r>
+            <a:r>
+              <a:rPr lang="en-US" altLang="ja-JP" sz="2200" dirty="0">
+                <a:solidFill>
+                  <a:schemeClr val="accent5">
+                    <a:lumMod val="50000"/>
+                  </a:schemeClr>
+                </a:solidFill>
+                <a:latin typeface="Hiragino Maru Gothic Pro W4" panose="020F0400000000000000" pitchFamily="34" charset="-128"/>
+                <a:ea typeface="Hiragino Maru Gothic Pro W4" panose="020F0400000000000000" pitchFamily="34" charset="-128"/>
+              </a:rPr>
+              <a:t>2</a:t>
+            </a:r>
+            <a:r>
+              <a:rPr lang="ja-JP" altLang="en-US" sz="2200">
+                <a:solidFill>
+                  <a:schemeClr val="accent5">
+                    <a:lumMod val="50000"/>
+                  </a:schemeClr>
+                </a:solidFill>
+                <a:latin typeface="Hiragino Maru Gothic Pro W4" panose="020F0400000000000000" pitchFamily="34" charset="-128"/>
+                <a:ea typeface="Hiragino Maru Gothic Pro W4" panose="020F0400000000000000" pitchFamily="34" charset="-128"/>
+              </a:rPr>
+              <a:t>回</a:t>
             </a:r>
             <a:endParaRPr lang="en-US" altLang="ja-JP" sz="2200" dirty="0">
               <a:solidFill>
@@ -8614,6 +8421,30 @@
             </a:endParaRPr>
           </a:p>
           <a:p>
+            <a:pPr marL="502920" indent="-457200"/>
+            <a:r>
+              <a:rPr lang="ja-JP" altLang="en-US" sz="2200">
+                <a:solidFill>
+                  <a:schemeClr val="accent5">
+                    <a:lumMod val="50000"/>
+                  </a:schemeClr>
+                </a:solidFill>
+                <a:latin typeface="Hiragino Maru Gothic Pro W4" panose="020F0400000000000000" pitchFamily="34" charset="-128"/>
+                <a:ea typeface="Hiragino Maru Gothic Pro W4" panose="020F0400000000000000" pitchFamily="34" charset="-128"/>
+              </a:rPr>
+              <a:t>スケジュール実績：</a:t>
+            </a:r>
+            <a:endParaRPr lang="en-US" altLang="ja-JP" sz="2200" dirty="0">
+              <a:solidFill>
+                <a:schemeClr val="accent5">
+                  <a:lumMod val="50000"/>
+                </a:schemeClr>
+              </a:solidFill>
+              <a:latin typeface="Hiragino Maru Gothic Pro W4" panose="020F0400000000000000" pitchFamily="34" charset="-128"/>
+              <a:ea typeface="Hiragino Maru Gothic Pro W4" panose="020F0400000000000000" pitchFamily="34" charset="-128"/>
+            </a:endParaRPr>
+          </a:p>
+          <a:p>
             <a:pPr marL="960120" lvl="1" indent="-457200">
               <a:buFont typeface="Wingdings" pitchFamily="2" charset="2"/>
               <a:buChar char="ü"/>
@@ -8628,7 +8459,7 @@
                 <a:latin typeface="Hiragino Maru Gothic Pro W4" panose="020F0400000000000000" pitchFamily="34" charset="-128"/>
                 <a:ea typeface="Hiragino Maru Gothic Pro W4" panose="020F0400000000000000" pitchFamily="34" charset="-128"/>
               </a:rPr>
-              <a:t>season9 (2020</a:t>
+              <a:t>season7 (2020</a:t>
             </a:r>
             <a:r>
               <a:rPr lang="ja-JP" altLang="en-US" sz="2200">
@@ -8652,7 +8483,7 @@
                 <a:latin typeface="Hiragino Maru Gothic Pro W4" panose="020F0400000000000000" pitchFamily="34" charset="-128"/>
                 <a:ea typeface="Hiragino Maru Gothic Pro W4" panose="020F0400000000000000" pitchFamily="34" charset="-128"/>
               </a:rPr>
-              <a:t>9</a:t>
+              <a:t>7</a:t>
             </a:r>
             <a:r>
               <a:rPr lang="ja-JP" altLang="en-US" sz="2200">
@@ -8676,7 +8507,7 @@
                 <a:latin typeface="Hiragino Maru Gothic Pro W4" panose="020F0400000000000000" pitchFamily="34" charset="-128"/>
                 <a:ea typeface="Hiragino Maru Gothic Pro W4" panose="020F0400000000000000" pitchFamily="34" charset="-128"/>
               </a:rPr>
-              <a:t>〜12</a:t>
+              <a:t>〜11</a:t>
             </a:r>
             <a:r>
               <a:rPr lang="ja-JP" altLang="en-US" sz="2200">
@@ -8718,7 +8549,7 @@
                 <a:latin typeface="Hiragino Maru Gothic Pro W4" panose="020F0400000000000000" pitchFamily="34" charset="-128"/>
                 <a:ea typeface="Hiragino Maru Gothic Pro W4" panose="020F0400000000000000" pitchFamily="34" charset="-128"/>
               </a:rPr>
-              <a:t>season10 (2021</a:t>
+              <a:t>season8 (2021</a:t>
             </a:r>
             <a:r>
               <a:rPr lang="ja-JP" altLang="en-US" sz="2200">
@@ -8742,7 +8573,7 @@
                 <a:latin typeface="Hiragino Maru Gothic Pro W4" panose="020F0400000000000000" pitchFamily="34" charset="-128"/>
                 <a:ea typeface="Hiragino Maru Gothic Pro W4" panose="020F0400000000000000" pitchFamily="34" charset="-128"/>
               </a:rPr>
-              <a:t>3</a:t>
+              <a:t>1</a:t>
             </a:r>
             <a:r>
               <a:rPr lang="ja-JP" altLang="en-US" sz="2200">
@@ -8766,7 +8597,7 @@
                 <a:latin typeface="Hiragino Maru Gothic Pro W4" panose="020F0400000000000000" pitchFamily="34" charset="-128"/>
                 <a:ea typeface="Hiragino Maru Gothic Pro W4" panose="020F0400000000000000" pitchFamily="34" charset="-128"/>
               </a:rPr>
-              <a:t>〜6</a:t>
+              <a:t>〜4</a:t>
             </a:r>
             <a:r>
               <a:rPr lang="ja-JP" altLang="en-US" sz="2200">
@@ -8844,7 +8675,7 @@
     </p:spTree>
     <p:extLst>
       <p:ext uri="{BB962C8B-B14F-4D97-AF65-F5344CB8AC3E}">
-        <p14:creationId xmlns:p14="http://schemas.microsoft.com/office/powerpoint/2010/main" val="3640418181"/>
+        <p14:creationId xmlns:p14="http://schemas.microsoft.com/office/powerpoint/2010/main" val="3960394281"/>
       </p:ext>
     </p:extLst>
   </p:cSld>
@@ -8914,7 +8745,7 @@
                 <a:latin typeface="Hiragino Maru Gothic Pro W4" panose="020F0400000000000000" pitchFamily="34" charset="-128"/>
                 <a:ea typeface="Hiragino Maru Gothic Pro W4" panose="020F0400000000000000" pitchFamily="34" charset="-128"/>
               </a:rPr>
-              <a:t>MWL Griffin</a:t>
+              <a:t>FWL Large</a:t>
             </a:r>
             <a:endParaRPr kumimoji="1" lang="ja-JP" altLang="en-US">
               <a:solidFill>
@@ -8968,7 +8799,7 @@
                 <a:ea typeface="Hiragino Maru Gothic Pro W4" panose="020F0400000000000000" pitchFamily="34" charset="-128"/>
                 <a:hlinkClick r:id="rId2"/>
               </a:rPr>
-              <a:t>https://www.facebook.com/pg/mwlph/posts/</a:t>
+              <a:t>http://www.friendlywarleague.com/</a:t>
             </a:r>
             <a:endParaRPr lang="en-US" altLang="ja-JP" sz="2200" dirty="0">
               <a:solidFill>
@@ -8993,7 +8824,7 @@
                 <a:ea typeface="Hiragino Maru Gothic Pro W4" panose="020F0400000000000000" pitchFamily="34" charset="-128"/>
                 <a:hlinkClick r:id="rId3"/>
               </a:rPr>
-              <a:t>https://warmatch.us/leagues/548</a:t>
+              <a:t>https://warmatch.us/leagues/575</a:t>
             </a:r>
             <a:endParaRPr lang="en-US" altLang="ja-JP" sz="2200" dirty="0">
               <a:solidFill>
@@ -9029,7 +8860,7 @@
                 <a:latin typeface="Hiragino Maru Gothic Pro W4" panose="020F0400000000000000" pitchFamily="34" charset="-128"/>
                 <a:ea typeface="Hiragino Maru Gothic Pro W4" panose="020F0400000000000000" pitchFamily="34" charset="-128"/>
               </a:rPr>
-              <a:t>B (</a:t>
+              <a:t>C (</a:t>
             </a:r>
             <a:r>
               <a:rPr lang="ja-JP" altLang="en-US" sz="2200">
@@ -9041,7 +8872,7 @@
                 <a:latin typeface="Hiragino Maru Gothic Pro W4" panose="020F0400000000000000" pitchFamily="34" charset="-128"/>
                 <a:ea typeface="Hiragino Maru Gothic Pro W4" panose="020F0400000000000000" pitchFamily="34" charset="-128"/>
               </a:rPr>
-              <a:t>参加クラン多し、平均すると</a:t>
+              <a:t>全壊率は</a:t>
             </a:r>
             <a:r>
               <a:rPr lang="en-US" altLang="ja-JP" sz="2200" dirty="0">
@@ -9053,7 +8884,7 @@
                 <a:latin typeface="Hiragino Maru Gothic Pro W4" panose="020F0400000000000000" pitchFamily="34" charset="-128"/>
                 <a:ea typeface="Hiragino Maru Gothic Pro W4" panose="020F0400000000000000" pitchFamily="34" charset="-128"/>
               </a:rPr>
-              <a:t> JWC J2</a:t>
+              <a:t> JWC J3 </a:t>
             </a:r>
             <a:r>
               <a:rPr lang="ja-JP" altLang="en-US" sz="2200">
@@ -9065,7 +8896,7 @@
                 <a:latin typeface="Hiragino Maru Gothic Pro W4" panose="020F0400000000000000" pitchFamily="34" charset="-128"/>
                 <a:ea typeface="Hiragino Maru Gothic Pro W4" panose="020F0400000000000000" pitchFamily="34" charset="-128"/>
               </a:rPr>
-              <a:t>レベルなのかなぁ</a:t>
+              <a:t>と同じくらい、無効試合が多い気がする</a:t>
             </a:r>
             <a:r>
               <a:rPr lang="en-US" altLang="ja-JP" sz="2200" dirty="0">
@@ -9104,7 +8935,7 @@
                 <a:latin typeface="Hiragino Maru Gothic Pro W4" panose="020F0400000000000000" pitchFamily="34" charset="-128"/>
                 <a:ea typeface="Hiragino Maru Gothic Pro W4" panose="020F0400000000000000" pitchFamily="34" charset="-128"/>
               </a:rPr>
-              <a:t>20</a:t>
+              <a:t>10</a:t>
             </a:r>
             <a:r>
               <a:rPr lang="ja-JP" altLang="en-US" sz="2200">
@@ -9215,7 +9046,7 @@
                 <a:latin typeface="Hiragino Maru Gothic Pro W4" panose="020F0400000000000000" pitchFamily="34" charset="-128"/>
                 <a:ea typeface="Hiragino Maru Gothic Pro W4" panose="020F0400000000000000" pitchFamily="34" charset="-128"/>
               </a:rPr>
-              <a:t>season2 (2020</a:t>
+              <a:t>season9 (2020</a:t>
             </a:r>
             <a:r>
               <a:rPr lang="ja-JP" altLang="en-US" sz="2200">
@@ -9239,7 +9070,7 @@
                 <a:latin typeface="Hiragino Maru Gothic Pro W4" panose="020F0400000000000000" pitchFamily="34" charset="-128"/>
                 <a:ea typeface="Hiragino Maru Gothic Pro W4" panose="020F0400000000000000" pitchFamily="34" charset="-128"/>
               </a:rPr>
-              <a:t>8</a:t>
+              <a:t>9</a:t>
             </a:r>
             <a:r>
               <a:rPr lang="ja-JP" altLang="en-US" sz="2200">
@@ -9305,7 +9136,7 @@
                 <a:latin typeface="Hiragino Maru Gothic Pro W4" panose="020F0400000000000000" pitchFamily="34" charset="-128"/>
                 <a:ea typeface="Hiragino Maru Gothic Pro W4" panose="020F0400000000000000" pitchFamily="34" charset="-128"/>
               </a:rPr>
-              <a:t>season3 (2021</a:t>
+              <a:t>season10 (2021</a:t>
             </a:r>
             <a:r>
               <a:rPr lang="ja-JP" altLang="en-US" sz="2200">
@@ -9353,7 +9184,7 @@
                 <a:latin typeface="Hiragino Maru Gothic Pro W4" panose="020F0400000000000000" pitchFamily="34" charset="-128"/>
                 <a:ea typeface="Hiragino Maru Gothic Pro W4" panose="020F0400000000000000" pitchFamily="34" charset="-128"/>
               </a:rPr>
-              <a:t>〜5</a:t>
+              <a:t>〜6</a:t>
             </a:r>
             <a:r>
               <a:rPr lang="ja-JP" altLang="en-US" sz="2200">
@@ -9431,7 +9262,7 @@
     </p:spTree>
     <p:extLst>
       <p:ext uri="{BB962C8B-B14F-4D97-AF65-F5344CB8AC3E}">
-        <p14:creationId xmlns:p14="http://schemas.microsoft.com/office/powerpoint/2010/main" val="2252930454"/>
+        <p14:creationId xmlns:p14="http://schemas.microsoft.com/office/powerpoint/2010/main" val="3640418181"/>
       </p:ext>
     </p:extLst>
   </p:cSld>
@@ -9475,7 +9306,7 @@
           <p:cNvPr id="2" name="タイトル 1">
             <a:extLst>
               <a:ext uri="{FF2B5EF4-FFF2-40B4-BE49-F238E27FC236}">
-                <a16:creationId xmlns:a16="http://schemas.microsoft.com/office/drawing/2014/main" id="{05E27039-9568-144A-9E91-3B61FB565D2A}"/>
+                <a16:creationId xmlns:a16="http://schemas.microsoft.com/office/drawing/2014/main" id="{4BEF2D4F-28AD-C84D-A4AC-A607D5B45D24}"/>
               </a:ext>
             </a:extLst>
           </p:cNvPr>
@@ -9483,34 +9314,15 @@
             <a:spLocks noGrp="1"/>
           </p:cNvSpPr>
           <p:nvPr>
-            <p:ph type="ctrTitle"/>
+            <p:ph type="title"/>
           </p:nvPr>
         </p:nvSpPr>
-        <p:spPr>
-          <a:xfrm>
-            <a:off x="1306286" y="1187630"/>
-            <a:ext cx="9570720" cy="3173122"/>
-          </a:xfrm>
-        </p:spPr>
+        <p:spPr/>
         <p:txBody>
-          <a:bodyPr>
-            <a:normAutofit/>
-          </a:bodyPr>
+          <a:bodyPr/>
           <a:lstStyle/>
           <a:p>
             <a:r>
-              <a:rPr lang="ja-JP" altLang="en-US">
-                <a:solidFill>
-                  <a:schemeClr val="accent5">
-                    <a:lumMod val="50000"/>
-                  </a:schemeClr>
-                </a:solidFill>
-                <a:latin typeface="Hiragino Maru Gothic Pro W4" panose="020F0400000000000000" pitchFamily="34" charset="-128"/>
-                <a:ea typeface="Hiragino Maru Gothic Pro W4" panose="020F0400000000000000" pitchFamily="34" charset="-128"/>
-              </a:rPr>
-              <a:t>まとめ</a:t>
-            </a:r>
-            <a:br>
               <a:rPr lang="en-US" altLang="ja-JP" dirty="0">
                 <a:solidFill>
                   <a:schemeClr val="accent5">
@@ -9520,18 +9332,8 @@
                 <a:latin typeface="Hiragino Maru Gothic Pro W4" panose="020F0400000000000000" pitchFamily="34" charset="-128"/>
                 <a:ea typeface="Hiragino Maru Gothic Pro W4" panose="020F0400000000000000" pitchFamily="34" charset="-128"/>
               </a:rPr>
-            </a:br>
-            <a:br>
-              <a:rPr lang="en-US" altLang="ja-JP" dirty="0">
-                <a:solidFill>
-                  <a:schemeClr val="accent5">
-                    <a:lumMod val="50000"/>
-                  </a:schemeClr>
-                </a:solidFill>
-                <a:latin typeface="Hiragino Maru Gothic Pro W4" panose="020F0400000000000000" pitchFamily="34" charset="-128"/>
-                <a:ea typeface="Hiragino Maru Gothic Pro W4" panose="020F0400000000000000" pitchFamily="34" charset="-128"/>
-              </a:rPr>
-            </a:br>
+              <a:t>MWL Griffin</a:t>
+            </a:r>
             <a:endParaRPr kumimoji="1" lang="ja-JP" altLang="en-US">
               <a:solidFill>
                 <a:schemeClr val="accent5">
@@ -9546,10 +9348,416 @@
       </p:sp>
       <p:sp>
         <p:nvSpPr>
+          <p:cNvPr id="3" name="コンテンツ プレースホルダー 2">
+            <a:extLst>
+              <a:ext uri="{FF2B5EF4-FFF2-40B4-BE49-F238E27FC236}">
+                <a16:creationId xmlns:a16="http://schemas.microsoft.com/office/drawing/2014/main" id="{01E773B8-156E-4743-8E4A-3ED5FB7CC4E2}"/>
+              </a:ext>
+            </a:extLst>
+          </p:cNvPr>
+          <p:cNvSpPr>
+            <a:spLocks noGrp="1"/>
+          </p:cNvSpPr>
+          <p:nvPr>
+            <p:ph idx="1"/>
+          </p:nvPr>
+        </p:nvSpPr>
+        <p:spPr>
+          <a:xfrm>
+            <a:off x="838200" y="1588575"/>
+            <a:ext cx="10515600" cy="4588387"/>
+          </a:xfrm>
+        </p:spPr>
+        <p:txBody>
+          <a:bodyPr>
+            <a:noAutofit/>
+          </a:bodyPr>
+          <a:lstStyle/>
+          <a:p>
+            <a:pPr marL="502920" indent="-457200"/>
+            <a:r>
+              <a:rPr lang="en-US" altLang="ja-JP" sz="2200" dirty="0">
+                <a:solidFill>
+                  <a:schemeClr val="accent5">
+                    <a:lumMod val="50000"/>
+                  </a:schemeClr>
+                </a:solidFill>
+                <a:latin typeface="Hiragino Maru Gothic Pro W4" panose="020F0400000000000000" pitchFamily="34" charset="-128"/>
+                <a:ea typeface="Hiragino Maru Gothic Pro W4" panose="020F0400000000000000" pitchFamily="34" charset="-128"/>
+                <a:hlinkClick r:id="rId2"/>
+              </a:rPr>
+              <a:t>https://www.facebook.com/pg/mwlph/posts/</a:t>
+            </a:r>
+            <a:endParaRPr lang="en-US" altLang="ja-JP" sz="2200" dirty="0">
+              <a:solidFill>
+                <a:schemeClr val="accent5">
+                  <a:lumMod val="50000"/>
+                </a:schemeClr>
+              </a:solidFill>
+              <a:latin typeface="Hiragino Maru Gothic Pro W4" panose="020F0400000000000000" pitchFamily="34" charset="-128"/>
+              <a:ea typeface="Hiragino Maru Gothic Pro W4" panose="020F0400000000000000" pitchFamily="34" charset="-128"/>
+            </a:endParaRPr>
+          </a:p>
+          <a:p>
+            <a:pPr marL="502920" indent="-457200"/>
+            <a:r>
+              <a:rPr lang="en-US" altLang="ja-JP" sz="2200" dirty="0">
+                <a:solidFill>
+                  <a:schemeClr val="accent5">
+                    <a:lumMod val="50000"/>
+                  </a:schemeClr>
+                </a:solidFill>
+                <a:latin typeface="Hiragino Maru Gothic Pro W4" panose="020F0400000000000000" pitchFamily="34" charset="-128"/>
+                <a:ea typeface="Hiragino Maru Gothic Pro W4" panose="020F0400000000000000" pitchFamily="34" charset="-128"/>
+                <a:hlinkClick r:id="rId3"/>
+              </a:rPr>
+              <a:t>https://warmatch.us/leagues/548</a:t>
+            </a:r>
+            <a:endParaRPr lang="en-US" altLang="ja-JP" sz="2200" dirty="0">
+              <a:solidFill>
+                <a:schemeClr val="accent5">
+                  <a:lumMod val="50000"/>
+                </a:schemeClr>
+              </a:solidFill>
+              <a:latin typeface="Hiragino Maru Gothic Pro W4" panose="020F0400000000000000" pitchFamily="34" charset="-128"/>
+              <a:ea typeface="Hiragino Maru Gothic Pro W4" panose="020F0400000000000000" pitchFamily="34" charset="-128"/>
+            </a:endParaRPr>
+          </a:p>
+          <a:p>
+            <a:pPr marL="502920" indent="-457200"/>
+            <a:r>
+              <a:rPr lang="ja-JP" altLang="en-US" sz="2200">
+                <a:solidFill>
+                  <a:schemeClr val="accent5">
+                    <a:lumMod val="50000"/>
+                  </a:schemeClr>
+                </a:solidFill>
+                <a:latin typeface="Hiragino Maru Gothic Pro W4" panose="020F0400000000000000" pitchFamily="34" charset="-128"/>
+                <a:ea typeface="Hiragino Maru Gothic Pro W4" panose="020F0400000000000000" pitchFamily="34" charset="-128"/>
+              </a:rPr>
+              <a:t>難易度：</a:t>
+            </a:r>
+            <a:r>
+              <a:rPr lang="en-US" altLang="ja-JP" sz="2200" dirty="0">
+                <a:solidFill>
+                  <a:schemeClr val="accent5">
+                    <a:lumMod val="50000"/>
+                  </a:schemeClr>
+                </a:solidFill>
+                <a:latin typeface="Hiragino Maru Gothic Pro W4" panose="020F0400000000000000" pitchFamily="34" charset="-128"/>
+                <a:ea typeface="Hiragino Maru Gothic Pro W4" panose="020F0400000000000000" pitchFamily="34" charset="-128"/>
+              </a:rPr>
+              <a:t>B</a:t>
+            </a:r>
+          </a:p>
+          <a:p>
+            <a:pPr marL="502920" indent="-457200"/>
+            <a:r>
+              <a:rPr lang="ja-JP" altLang="en-US" sz="2200">
+                <a:solidFill>
+                  <a:schemeClr val="accent5">
+                    <a:lumMod val="50000"/>
+                  </a:schemeClr>
+                </a:solidFill>
+                <a:latin typeface="Hiragino Maru Gothic Pro W4" panose="020F0400000000000000" pitchFamily="34" charset="-128"/>
+                <a:ea typeface="Hiragino Maru Gothic Pro W4" panose="020F0400000000000000" pitchFamily="34" charset="-128"/>
+              </a:rPr>
+              <a:t>対戦人数：</a:t>
+            </a:r>
+            <a:r>
+              <a:rPr lang="en-US" altLang="ja-JP" sz="2200" dirty="0">
+                <a:solidFill>
+                  <a:schemeClr val="accent5">
+                    <a:lumMod val="50000"/>
+                  </a:schemeClr>
+                </a:solidFill>
+                <a:latin typeface="Hiragino Maru Gothic Pro W4" panose="020F0400000000000000" pitchFamily="34" charset="-128"/>
+                <a:ea typeface="Hiragino Maru Gothic Pro W4" panose="020F0400000000000000" pitchFamily="34" charset="-128"/>
+              </a:rPr>
+              <a:t>20</a:t>
+            </a:r>
+            <a:r>
+              <a:rPr lang="ja-JP" altLang="en-US" sz="2200">
+                <a:solidFill>
+                  <a:schemeClr val="accent5">
+                    <a:lumMod val="50000"/>
+                  </a:schemeClr>
+                </a:solidFill>
+                <a:latin typeface="Hiragino Maru Gothic Pro W4" panose="020F0400000000000000" pitchFamily="34" charset="-128"/>
+                <a:ea typeface="Hiragino Maru Gothic Pro W4" panose="020F0400000000000000" pitchFamily="34" charset="-128"/>
+              </a:rPr>
+              <a:t>人</a:t>
+            </a:r>
+            <a:endParaRPr lang="en-US" altLang="ja-JP" sz="2200" dirty="0">
+              <a:solidFill>
+                <a:schemeClr val="accent5">
+                  <a:lumMod val="50000"/>
+                </a:schemeClr>
+              </a:solidFill>
+              <a:latin typeface="Hiragino Maru Gothic Pro W4" panose="020F0400000000000000" pitchFamily="34" charset="-128"/>
+              <a:ea typeface="Hiragino Maru Gothic Pro W4" panose="020F0400000000000000" pitchFamily="34" charset="-128"/>
+            </a:endParaRPr>
+          </a:p>
+          <a:p>
+            <a:pPr marL="502920" indent="-457200"/>
+            <a:r>
+              <a:rPr lang="ja-JP" altLang="en-US" sz="2200">
+                <a:solidFill>
+                  <a:schemeClr val="accent5">
+                    <a:lumMod val="50000"/>
+                  </a:schemeClr>
+                </a:solidFill>
+                <a:latin typeface="Hiragino Maru Gothic Pro W4" panose="020F0400000000000000" pitchFamily="34" charset="-128"/>
+                <a:ea typeface="Hiragino Maru Gothic Pro W4" panose="020F0400000000000000" pitchFamily="34" charset="-128"/>
+              </a:rPr>
+              <a:t>攻撃回数：</a:t>
+            </a:r>
+            <a:r>
+              <a:rPr lang="en-US" altLang="ja-JP" sz="2200" dirty="0">
+                <a:solidFill>
+                  <a:schemeClr val="accent5">
+                    <a:lumMod val="50000"/>
+                  </a:schemeClr>
+                </a:solidFill>
+                <a:latin typeface="Hiragino Maru Gothic Pro W4" panose="020F0400000000000000" pitchFamily="34" charset="-128"/>
+                <a:ea typeface="Hiragino Maru Gothic Pro W4" panose="020F0400000000000000" pitchFamily="34" charset="-128"/>
+              </a:rPr>
+              <a:t>2</a:t>
+            </a:r>
+            <a:r>
+              <a:rPr lang="ja-JP" altLang="en-US" sz="2200">
+                <a:solidFill>
+                  <a:schemeClr val="accent5">
+                    <a:lumMod val="50000"/>
+                  </a:schemeClr>
+                </a:solidFill>
+                <a:latin typeface="Hiragino Maru Gothic Pro W4" panose="020F0400000000000000" pitchFamily="34" charset="-128"/>
+                <a:ea typeface="Hiragino Maru Gothic Pro W4" panose="020F0400000000000000" pitchFamily="34" charset="-128"/>
+              </a:rPr>
+              <a:t>回</a:t>
+            </a:r>
+            <a:endParaRPr lang="en-US" altLang="ja-JP" sz="2200" dirty="0">
+              <a:solidFill>
+                <a:schemeClr val="accent5">
+                  <a:lumMod val="50000"/>
+                </a:schemeClr>
+              </a:solidFill>
+              <a:latin typeface="Hiragino Maru Gothic Pro W4" panose="020F0400000000000000" pitchFamily="34" charset="-128"/>
+              <a:ea typeface="Hiragino Maru Gothic Pro W4" panose="020F0400000000000000" pitchFamily="34" charset="-128"/>
+            </a:endParaRPr>
+          </a:p>
+          <a:p>
+            <a:pPr marL="502920" indent="-457200"/>
+            <a:r>
+              <a:rPr lang="ja-JP" altLang="en-US" sz="2200">
+                <a:solidFill>
+                  <a:schemeClr val="accent5">
+                    <a:lumMod val="50000"/>
+                  </a:schemeClr>
+                </a:solidFill>
+                <a:latin typeface="Hiragino Maru Gothic Pro W4" panose="020F0400000000000000" pitchFamily="34" charset="-128"/>
+                <a:ea typeface="Hiragino Maru Gothic Pro W4" panose="020F0400000000000000" pitchFamily="34" charset="-128"/>
+              </a:rPr>
+              <a:t>スケジュール実績：</a:t>
+            </a:r>
+            <a:endParaRPr lang="en-US" altLang="ja-JP" sz="2200" dirty="0">
+              <a:solidFill>
+                <a:schemeClr val="accent5">
+                  <a:lumMod val="50000"/>
+                </a:schemeClr>
+              </a:solidFill>
+              <a:latin typeface="Hiragino Maru Gothic Pro W4" panose="020F0400000000000000" pitchFamily="34" charset="-128"/>
+              <a:ea typeface="Hiragino Maru Gothic Pro W4" panose="020F0400000000000000" pitchFamily="34" charset="-128"/>
+            </a:endParaRPr>
+          </a:p>
+          <a:p>
+            <a:pPr marL="960120" lvl="1" indent="-457200">
+              <a:buFont typeface="Wingdings" pitchFamily="2" charset="2"/>
+              <a:buChar char="ü"/>
+            </a:pPr>
+            <a:r>
+              <a:rPr lang="en-US" altLang="ja-JP" sz="2200" dirty="0">
+                <a:solidFill>
+                  <a:schemeClr val="accent5">
+                    <a:lumMod val="50000"/>
+                  </a:schemeClr>
+                </a:solidFill>
+                <a:latin typeface="Hiragino Maru Gothic Pro W4" panose="020F0400000000000000" pitchFamily="34" charset="-128"/>
+                <a:ea typeface="Hiragino Maru Gothic Pro W4" panose="020F0400000000000000" pitchFamily="34" charset="-128"/>
+              </a:rPr>
+              <a:t>season2 (2020</a:t>
+            </a:r>
+            <a:r>
+              <a:rPr lang="ja-JP" altLang="en-US" sz="2200">
+                <a:solidFill>
+                  <a:schemeClr val="accent5">
+                    <a:lumMod val="50000"/>
+                  </a:schemeClr>
+                </a:solidFill>
+                <a:latin typeface="Hiragino Maru Gothic Pro W4" panose="020F0400000000000000" pitchFamily="34" charset="-128"/>
+                <a:ea typeface="Hiragino Maru Gothic Pro W4" panose="020F0400000000000000" pitchFamily="34" charset="-128"/>
+              </a:rPr>
+              <a:t>年</a:t>
+            </a:r>
+            <a:r>
+              <a:rPr lang="en-US" altLang="ja-JP" sz="2200" dirty="0">
+                <a:solidFill>
+                  <a:schemeClr val="accent5">
+                    <a:lumMod val="50000"/>
+                  </a:schemeClr>
+                </a:solidFill>
+                <a:latin typeface="Hiragino Maru Gothic Pro W4" panose="020F0400000000000000" pitchFamily="34" charset="-128"/>
+                <a:ea typeface="Hiragino Maru Gothic Pro W4" panose="020F0400000000000000" pitchFamily="34" charset="-128"/>
+              </a:rPr>
+              <a:t>8</a:t>
+            </a:r>
+            <a:r>
+              <a:rPr lang="ja-JP" altLang="en-US" sz="2200">
+                <a:solidFill>
+                  <a:schemeClr val="accent5">
+                    <a:lumMod val="50000"/>
+                  </a:schemeClr>
+                </a:solidFill>
+                <a:latin typeface="Hiragino Maru Gothic Pro W4" panose="020F0400000000000000" pitchFamily="34" charset="-128"/>
+                <a:ea typeface="Hiragino Maru Gothic Pro W4" panose="020F0400000000000000" pitchFamily="34" charset="-128"/>
+              </a:rPr>
+              <a:t>月</a:t>
+            </a:r>
+            <a:r>
+              <a:rPr lang="en-US" altLang="ja-JP" sz="2200" dirty="0">
+                <a:solidFill>
+                  <a:schemeClr val="accent5">
+                    <a:lumMod val="50000"/>
+                  </a:schemeClr>
+                </a:solidFill>
+                <a:latin typeface="Hiragino Maru Gothic Pro W4" panose="020F0400000000000000" pitchFamily="34" charset="-128"/>
+                <a:ea typeface="Hiragino Maru Gothic Pro W4" panose="020F0400000000000000" pitchFamily="34" charset="-128"/>
+              </a:rPr>
+              <a:t>〜12</a:t>
+            </a:r>
+            <a:r>
+              <a:rPr lang="ja-JP" altLang="en-US" sz="2200">
+                <a:solidFill>
+                  <a:schemeClr val="accent5">
+                    <a:lumMod val="50000"/>
+                  </a:schemeClr>
+                </a:solidFill>
+                <a:latin typeface="Hiragino Maru Gothic Pro W4" panose="020F0400000000000000" pitchFamily="34" charset="-128"/>
+                <a:ea typeface="Hiragino Maru Gothic Pro W4" panose="020F0400000000000000" pitchFamily="34" charset="-128"/>
+              </a:rPr>
+              <a:t>月</a:t>
+            </a:r>
+            <a:r>
+              <a:rPr lang="en-US" altLang="ja-JP" sz="2200" dirty="0">
+                <a:solidFill>
+                  <a:schemeClr val="accent5">
+                    <a:lumMod val="50000"/>
+                  </a:schemeClr>
+                </a:solidFill>
+                <a:latin typeface="Hiragino Maru Gothic Pro W4" panose="020F0400000000000000" pitchFamily="34" charset="-128"/>
+                <a:ea typeface="Hiragino Maru Gothic Pro W4" panose="020F0400000000000000" pitchFamily="34" charset="-128"/>
+              </a:rPr>
+              <a:t>)</a:t>
+            </a:r>
+          </a:p>
+          <a:p>
+            <a:pPr marL="960120" lvl="1" indent="-457200">
+              <a:buFont typeface="Wingdings" pitchFamily="2" charset="2"/>
+              <a:buChar char="ü"/>
+            </a:pPr>
+            <a:r>
+              <a:rPr lang="en-US" altLang="ja-JP" sz="2200" dirty="0">
+                <a:solidFill>
+                  <a:schemeClr val="accent5">
+                    <a:lumMod val="50000"/>
+                  </a:schemeClr>
+                </a:solidFill>
+                <a:latin typeface="Hiragino Maru Gothic Pro W4" panose="020F0400000000000000" pitchFamily="34" charset="-128"/>
+                <a:ea typeface="Hiragino Maru Gothic Pro W4" panose="020F0400000000000000" pitchFamily="34" charset="-128"/>
+              </a:rPr>
+              <a:t>season3 (2021</a:t>
+            </a:r>
+            <a:r>
+              <a:rPr lang="ja-JP" altLang="en-US" sz="2200">
+                <a:solidFill>
+                  <a:schemeClr val="accent5">
+                    <a:lumMod val="50000"/>
+                  </a:schemeClr>
+                </a:solidFill>
+                <a:latin typeface="Hiragino Maru Gothic Pro W4" panose="020F0400000000000000" pitchFamily="34" charset="-128"/>
+                <a:ea typeface="Hiragino Maru Gothic Pro W4" panose="020F0400000000000000" pitchFamily="34" charset="-128"/>
+              </a:rPr>
+              <a:t>年</a:t>
+            </a:r>
+            <a:r>
+              <a:rPr lang="en-US" altLang="ja-JP" sz="2200" dirty="0">
+                <a:solidFill>
+                  <a:schemeClr val="accent5">
+                    <a:lumMod val="50000"/>
+                  </a:schemeClr>
+                </a:solidFill>
+                <a:latin typeface="Hiragino Maru Gothic Pro W4" panose="020F0400000000000000" pitchFamily="34" charset="-128"/>
+                <a:ea typeface="Hiragino Maru Gothic Pro W4" panose="020F0400000000000000" pitchFamily="34" charset="-128"/>
+              </a:rPr>
+              <a:t>3</a:t>
+            </a:r>
+            <a:r>
+              <a:rPr lang="ja-JP" altLang="en-US" sz="2200">
+                <a:solidFill>
+                  <a:schemeClr val="accent5">
+                    <a:lumMod val="50000"/>
+                  </a:schemeClr>
+                </a:solidFill>
+                <a:latin typeface="Hiragino Maru Gothic Pro W4" panose="020F0400000000000000" pitchFamily="34" charset="-128"/>
+                <a:ea typeface="Hiragino Maru Gothic Pro W4" panose="020F0400000000000000" pitchFamily="34" charset="-128"/>
+              </a:rPr>
+              <a:t>月</a:t>
+            </a:r>
+            <a:r>
+              <a:rPr lang="en-US" altLang="ja-JP" sz="2200" dirty="0">
+                <a:solidFill>
+                  <a:schemeClr val="accent5">
+                    <a:lumMod val="50000"/>
+                  </a:schemeClr>
+                </a:solidFill>
+                <a:latin typeface="Hiragino Maru Gothic Pro W4" panose="020F0400000000000000" pitchFamily="34" charset="-128"/>
+                <a:ea typeface="Hiragino Maru Gothic Pro W4" panose="020F0400000000000000" pitchFamily="34" charset="-128"/>
+              </a:rPr>
+              <a:t>〜5</a:t>
+            </a:r>
+            <a:r>
+              <a:rPr lang="ja-JP" altLang="en-US" sz="2200">
+                <a:solidFill>
+                  <a:schemeClr val="accent5">
+                    <a:lumMod val="50000"/>
+                  </a:schemeClr>
+                </a:solidFill>
+                <a:latin typeface="Hiragino Maru Gothic Pro W4" panose="020F0400000000000000" pitchFamily="34" charset="-128"/>
+                <a:ea typeface="Hiragino Maru Gothic Pro W4" panose="020F0400000000000000" pitchFamily="34" charset="-128"/>
+              </a:rPr>
+              <a:t>月</a:t>
+            </a:r>
+            <a:r>
+              <a:rPr lang="en-US" altLang="ja-JP" sz="2200" dirty="0">
+                <a:solidFill>
+                  <a:schemeClr val="accent5">
+                    <a:lumMod val="50000"/>
+                  </a:schemeClr>
+                </a:solidFill>
+                <a:latin typeface="Hiragino Maru Gothic Pro W4" panose="020F0400000000000000" pitchFamily="34" charset="-128"/>
+                <a:ea typeface="Hiragino Maru Gothic Pro W4" panose="020F0400000000000000" pitchFamily="34" charset="-128"/>
+              </a:rPr>
+              <a:t>)</a:t>
+            </a:r>
+          </a:p>
+        </p:txBody>
+      </p:sp>
+      <p:sp>
+        <p:nvSpPr>
           <p:cNvPr id="4" name="スライド番号プレースホルダー 3">
             <a:extLst>
               <a:ext uri="{FF2B5EF4-FFF2-40B4-BE49-F238E27FC236}">
-                <a16:creationId xmlns:a16="http://schemas.microsoft.com/office/drawing/2014/main" id="{FFA60BD1-FA32-484F-807E-37BB2EC217BB}"/>
+                <a16:creationId xmlns:a16="http://schemas.microsoft.com/office/drawing/2014/main" id="{34C04C8D-49C3-874E-864D-A6289CA1E427}"/>
               </a:ext>
             </a:extLst>
           </p:cNvPr>
@@ -9560,12 +9768,7 @@
             <p:ph type="sldNum" sz="quarter" idx="12"/>
           </p:nvPr>
         </p:nvSpPr>
-        <p:spPr>
-          <a:xfrm>
-            <a:off x="8610600" y="6356350"/>
-            <a:ext cx="2743200" cy="365125"/>
-          </a:xfrm>
-        </p:spPr>
+        <p:spPr/>
         <p:txBody>
           <a:bodyPr/>
           <a:lstStyle/>
@@ -9574,7 +9777,9 @@
             <a:fld id="{E31375A4-56A4-47D6-9801-1991572033F7}" type="slidenum">
               <a:rPr lang="en-US" altLang="ja-JP" noProof="0" smtClean="0">
                 <a:solidFill>
-                  <a:srgbClr val="002060"/>
+                  <a:schemeClr val="accent5">
+                    <a:lumMod val="50000"/>
+                  </a:schemeClr>
                 </a:solidFill>
                 <a:latin typeface="Hiragino Maru Gothic Pro W4" panose="020F0400000000000000" pitchFamily="34" charset="-128"/>
                 <a:ea typeface="Hiragino Maru Gothic Pro W4" panose="020F0400000000000000" pitchFamily="34" charset="-128"/>
@@ -9583,7 +9788,9 @@
             </a:fld>
             <a:endParaRPr lang="ja-JP" altLang="en-US" noProof="0" dirty="0">
               <a:solidFill>
-                <a:srgbClr val="002060"/>
+                <a:schemeClr val="accent5">
+                  <a:lumMod val="50000"/>
+                </a:schemeClr>
               </a:solidFill>
               <a:latin typeface="Hiragino Maru Gothic Pro W4" panose="020F0400000000000000" pitchFamily="34" charset="-128"/>
               <a:ea typeface="Hiragino Maru Gothic Pro W4" panose="020F0400000000000000" pitchFamily="34" charset="-128"/>
@@ -9594,7 +9801,7 @@
     </p:spTree>
     <p:extLst>
       <p:ext uri="{BB962C8B-B14F-4D97-AF65-F5344CB8AC3E}">
-        <p14:creationId xmlns:p14="http://schemas.microsoft.com/office/powerpoint/2010/main" val="12788280"/>
+        <p14:creationId xmlns:p14="http://schemas.microsoft.com/office/powerpoint/2010/main" val="2252930454"/>
       </p:ext>
     </p:extLst>
   </p:cSld>
@@ -9638,6 +9845,710 @@
           <p:cNvPr id="2" name="タイトル 1">
             <a:extLst>
               <a:ext uri="{FF2B5EF4-FFF2-40B4-BE49-F238E27FC236}">
+                <a16:creationId xmlns:a16="http://schemas.microsoft.com/office/drawing/2014/main" id="{05E27039-9568-144A-9E91-3B61FB565D2A}"/>
+              </a:ext>
+            </a:extLst>
+          </p:cNvPr>
+          <p:cNvSpPr>
+            <a:spLocks noGrp="1"/>
+          </p:cNvSpPr>
+          <p:nvPr>
+            <p:ph type="ctrTitle"/>
+          </p:nvPr>
+        </p:nvSpPr>
+        <p:spPr>
+          <a:xfrm>
+            <a:off x="1306286" y="1187630"/>
+            <a:ext cx="9570720" cy="3173122"/>
+          </a:xfrm>
+        </p:spPr>
+        <p:txBody>
+          <a:bodyPr>
+            <a:normAutofit/>
+          </a:bodyPr>
+          <a:lstStyle/>
+          <a:p>
+            <a:r>
+              <a:rPr lang="ja-JP" altLang="en-US">
+                <a:solidFill>
+                  <a:schemeClr val="accent5">
+                    <a:lumMod val="50000"/>
+                  </a:schemeClr>
+                </a:solidFill>
+                <a:latin typeface="Hiragino Maru Gothic Pro W4" panose="020F0400000000000000" pitchFamily="34" charset="-128"/>
+                <a:ea typeface="Hiragino Maru Gothic Pro W4" panose="020F0400000000000000" pitchFamily="34" charset="-128"/>
+              </a:rPr>
+              <a:t>まとめ</a:t>
+            </a:r>
+            <a:br>
+              <a:rPr lang="en-US" altLang="ja-JP" dirty="0">
+                <a:solidFill>
+                  <a:schemeClr val="accent5">
+                    <a:lumMod val="50000"/>
+                  </a:schemeClr>
+                </a:solidFill>
+                <a:latin typeface="Hiragino Maru Gothic Pro W4" panose="020F0400000000000000" pitchFamily="34" charset="-128"/>
+                <a:ea typeface="Hiragino Maru Gothic Pro W4" panose="020F0400000000000000" pitchFamily="34" charset="-128"/>
+              </a:rPr>
+            </a:br>
+            <a:br>
+              <a:rPr lang="en-US" altLang="ja-JP" dirty="0">
+                <a:solidFill>
+                  <a:schemeClr val="accent5">
+                    <a:lumMod val="50000"/>
+                  </a:schemeClr>
+                </a:solidFill>
+                <a:latin typeface="Hiragino Maru Gothic Pro W4" panose="020F0400000000000000" pitchFamily="34" charset="-128"/>
+                <a:ea typeface="Hiragino Maru Gothic Pro W4" panose="020F0400000000000000" pitchFamily="34" charset="-128"/>
+              </a:rPr>
+            </a:br>
+            <a:endParaRPr kumimoji="1" lang="ja-JP" altLang="en-US">
+              <a:solidFill>
+                <a:schemeClr val="accent5">
+                  <a:lumMod val="50000"/>
+                </a:schemeClr>
+              </a:solidFill>
+              <a:latin typeface="Hiragino Maru Gothic Pro W4" panose="020F0400000000000000" pitchFamily="34" charset="-128"/>
+              <a:ea typeface="Hiragino Maru Gothic Pro W4" panose="020F0400000000000000" pitchFamily="34" charset="-128"/>
+            </a:endParaRPr>
+          </a:p>
+        </p:txBody>
+      </p:sp>
+      <p:sp>
+        <p:nvSpPr>
+          <p:cNvPr id="4" name="スライド番号プレースホルダー 3">
+            <a:extLst>
+              <a:ext uri="{FF2B5EF4-FFF2-40B4-BE49-F238E27FC236}">
+                <a16:creationId xmlns:a16="http://schemas.microsoft.com/office/drawing/2014/main" id="{FFA60BD1-FA32-484F-807E-37BB2EC217BB}"/>
+              </a:ext>
+            </a:extLst>
+          </p:cNvPr>
+          <p:cNvSpPr>
+            <a:spLocks noGrp="1"/>
+          </p:cNvSpPr>
+          <p:nvPr>
+            <p:ph type="sldNum" sz="quarter" idx="12"/>
+          </p:nvPr>
+        </p:nvSpPr>
+        <p:spPr>
+          <a:xfrm>
+            <a:off x="8610600" y="6356350"/>
+            <a:ext cx="2743200" cy="365125"/>
+          </a:xfrm>
+        </p:spPr>
+        <p:txBody>
+          <a:bodyPr/>
+          <a:lstStyle/>
+          <a:p>
+            <a:pPr rtl="0"/>
+            <a:fld id="{E31375A4-56A4-47D6-9801-1991572033F7}" type="slidenum">
+              <a:rPr lang="en-US" altLang="ja-JP" noProof="0" smtClean="0">
+                <a:solidFill>
+                  <a:srgbClr val="002060"/>
+                </a:solidFill>
+                <a:latin typeface="Hiragino Maru Gothic Pro W4" panose="020F0400000000000000" pitchFamily="34" charset="-128"/>
+                <a:ea typeface="Hiragino Maru Gothic Pro W4" panose="020F0400000000000000" pitchFamily="34" charset="-128"/>
+              </a:rPr>
+              <a:t>19</a:t>
+            </a:fld>
+            <a:endParaRPr lang="ja-JP" altLang="en-US" noProof="0" dirty="0">
+              <a:solidFill>
+                <a:srgbClr val="002060"/>
+              </a:solidFill>
+              <a:latin typeface="Hiragino Maru Gothic Pro W4" panose="020F0400000000000000" pitchFamily="34" charset="-128"/>
+              <a:ea typeface="Hiragino Maru Gothic Pro W4" panose="020F0400000000000000" pitchFamily="34" charset="-128"/>
+            </a:endParaRPr>
+          </a:p>
+        </p:txBody>
+      </p:sp>
+    </p:spTree>
+    <p:extLst>
+      <p:ext uri="{BB962C8B-B14F-4D97-AF65-F5344CB8AC3E}">
+        <p14:creationId xmlns:p14="http://schemas.microsoft.com/office/powerpoint/2010/main" val="12788280"/>
+      </p:ext>
+    </p:extLst>
+  </p:cSld>
+  <p:clrMapOvr>
+    <a:masterClrMapping/>
+  </p:clrMapOvr>
+  <mc:AlternateContent xmlns:mc="http://schemas.openxmlformats.org/markup-compatibility/2006" xmlns:p14="http://schemas.microsoft.com/office/powerpoint/2010/main">
+    <mc:Choice Requires="p14">
+      <p:transition spd="med" p14:dur="700">
+        <p:fade/>
+      </p:transition>
+    </mc:Choice>
+    <mc:Fallback xmlns="">
+      <p:transition spd="med">
+        <p:fade/>
+      </p:transition>
+    </mc:Fallback>
+  </mc:AlternateContent>
+</p:sld>
+</file>
+
+<file path=ppt/slides/slide2.xml><?xml version="1.0" encoding="utf-8"?>
+<p:sld xmlns:a="http://schemas.openxmlformats.org/drawingml/2006/main" xmlns:r="http://schemas.openxmlformats.org/officeDocument/2006/relationships" xmlns:p="http://schemas.openxmlformats.org/presentationml/2006/main">
+  <p:cSld>
+    <p:spTree>
+      <p:nvGrpSpPr>
+        <p:cNvPr id="1" name=""/>
+        <p:cNvGrpSpPr/>
+        <p:nvPr/>
+      </p:nvGrpSpPr>
+      <p:grpSpPr>
+        <a:xfrm>
+          <a:off x="0" y="0"/>
+          <a:ext cx="0" cy="0"/>
+          <a:chOff x="0" y="0"/>
+          <a:chExt cx="0" cy="0"/>
+        </a:xfrm>
+      </p:grpSpPr>
+      <p:sp>
+        <p:nvSpPr>
+          <p:cNvPr id="2" name="タイトル 1">
+            <a:extLst>
+              <a:ext uri="{FF2B5EF4-FFF2-40B4-BE49-F238E27FC236}">
+                <a16:creationId xmlns:a16="http://schemas.microsoft.com/office/drawing/2014/main" id="{4BEF2D4F-28AD-C84D-A4AC-A607D5B45D24}"/>
+              </a:ext>
+            </a:extLst>
+          </p:cNvPr>
+          <p:cNvSpPr>
+            <a:spLocks noGrp="1"/>
+          </p:cNvSpPr>
+          <p:nvPr>
+            <p:ph type="title"/>
+          </p:nvPr>
+        </p:nvSpPr>
+        <p:spPr/>
+        <p:txBody>
+          <a:bodyPr/>
+          <a:lstStyle/>
+          <a:p>
+            <a:r>
+              <a:rPr lang="ja-JP" altLang="en-US">
+                <a:solidFill>
+                  <a:schemeClr val="accent5">
+                    <a:lumMod val="50000"/>
+                  </a:schemeClr>
+                </a:solidFill>
+                <a:latin typeface="Hiragino Maru Gothic Pro W4" panose="020F0400000000000000" pitchFamily="34" charset="-128"/>
+                <a:ea typeface="Hiragino Maru Gothic Pro W4" panose="020F0400000000000000" pitchFamily="34" charset="-128"/>
+              </a:rPr>
+              <a:t>はじめに</a:t>
+            </a:r>
+            <a:endParaRPr kumimoji="1" lang="ja-JP" altLang="en-US">
+              <a:solidFill>
+                <a:schemeClr val="accent5">
+                  <a:lumMod val="50000"/>
+                </a:schemeClr>
+              </a:solidFill>
+              <a:latin typeface="Hiragino Maru Gothic Pro W4" panose="020F0400000000000000" pitchFamily="34" charset="-128"/>
+              <a:ea typeface="Hiragino Maru Gothic Pro W4" panose="020F0400000000000000" pitchFamily="34" charset="-128"/>
+            </a:endParaRPr>
+          </a:p>
+        </p:txBody>
+      </p:sp>
+      <p:sp>
+        <p:nvSpPr>
+          <p:cNvPr id="3" name="コンテンツ プレースホルダー 2">
+            <a:extLst>
+              <a:ext uri="{FF2B5EF4-FFF2-40B4-BE49-F238E27FC236}">
+                <a16:creationId xmlns:a16="http://schemas.microsoft.com/office/drawing/2014/main" id="{01E773B8-156E-4743-8E4A-3ED5FB7CC4E2}"/>
+              </a:ext>
+            </a:extLst>
+          </p:cNvPr>
+          <p:cNvSpPr>
+            <a:spLocks noGrp="1"/>
+          </p:cNvSpPr>
+          <p:nvPr>
+            <p:ph idx="1"/>
+          </p:nvPr>
+        </p:nvSpPr>
+        <p:spPr>
+          <a:xfrm>
+            <a:off x="838200" y="1588575"/>
+            <a:ext cx="10515600" cy="4588387"/>
+          </a:xfrm>
+        </p:spPr>
+        <p:txBody>
+          <a:bodyPr>
+            <a:normAutofit/>
+          </a:bodyPr>
+          <a:lstStyle/>
+          <a:p>
+            <a:pPr marL="45720" indent="0">
+              <a:buNone/>
+            </a:pPr>
+            <a:r>
+              <a:rPr lang="ja-JP" altLang="en-US">
+                <a:solidFill>
+                  <a:schemeClr val="accent5">
+                    <a:lumMod val="50000"/>
+                  </a:schemeClr>
+                </a:solidFill>
+                <a:latin typeface="Hiragino Maru Gothic Pro W4" panose="020F0400000000000000" pitchFamily="34" charset="-128"/>
+                <a:ea typeface="Hiragino Maru Gothic Pro W4" panose="020F0400000000000000" pitchFamily="34" charset="-128"/>
+              </a:rPr>
+              <a:t>「</a:t>
+            </a:r>
+            <a:r>
+              <a:rPr lang="en-US" altLang="ja-JP" dirty="0">
+                <a:solidFill>
+                  <a:schemeClr val="accent5">
+                    <a:lumMod val="50000"/>
+                  </a:schemeClr>
+                </a:solidFill>
+                <a:latin typeface="Hiragino Maru Gothic Pro W4" panose="020F0400000000000000" pitchFamily="34" charset="-128"/>
+                <a:ea typeface="Hiragino Maru Gothic Pro W4" panose="020F0400000000000000" pitchFamily="34" charset="-128"/>
+              </a:rPr>
+              <a:t>Clash of Clans</a:t>
+            </a:r>
+            <a:r>
+              <a:rPr lang="ja-JP" altLang="en-US">
+                <a:solidFill>
+                  <a:schemeClr val="accent5">
+                    <a:lumMod val="50000"/>
+                  </a:schemeClr>
+                </a:solidFill>
+                <a:latin typeface="Hiragino Maru Gothic Pro W4" panose="020F0400000000000000" pitchFamily="34" charset="-128"/>
+                <a:ea typeface="Hiragino Maru Gothic Pro W4" panose="020F0400000000000000" pitchFamily="34" charset="-128"/>
+              </a:rPr>
+              <a:t>」におけるリーグについて調査したものです。</a:t>
+            </a:r>
+            <a:endParaRPr lang="en-US" altLang="ja-JP" dirty="0">
+              <a:solidFill>
+                <a:schemeClr val="accent5">
+                  <a:lumMod val="50000"/>
+                </a:schemeClr>
+              </a:solidFill>
+              <a:latin typeface="Hiragino Maru Gothic Pro W4" panose="020F0400000000000000" pitchFamily="34" charset="-128"/>
+              <a:ea typeface="Hiragino Maru Gothic Pro W4" panose="020F0400000000000000" pitchFamily="34" charset="-128"/>
+            </a:endParaRPr>
+          </a:p>
+          <a:p>
+            <a:pPr marL="502920" indent="-457200"/>
+            <a:r>
+              <a:rPr lang="en-US" altLang="ja-JP" dirty="0">
+                <a:solidFill>
+                  <a:schemeClr val="accent5">
+                    <a:lumMod val="50000"/>
+                  </a:schemeClr>
+                </a:solidFill>
+                <a:latin typeface="Hiragino Maru Gothic Pro W4" panose="020F0400000000000000" pitchFamily="34" charset="-128"/>
+                <a:ea typeface="Hiragino Maru Gothic Pro W4" panose="020F0400000000000000" pitchFamily="34" charset="-128"/>
+              </a:rPr>
+              <a:t>2021/5/1 </a:t>
+            </a:r>
+            <a:r>
+              <a:rPr lang="ja-JP" altLang="en-US">
+                <a:solidFill>
+                  <a:schemeClr val="accent5">
+                    <a:lumMod val="50000"/>
+                  </a:schemeClr>
+                </a:solidFill>
+                <a:latin typeface="Hiragino Maru Gothic Pro W4" panose="020F0400000000000000" pitchFamily="34" charset="-128"/>
+                <a:ea typeface="Hiragino Maru Gothic Pro W4" panose="020F0400000000000000" pitchFamily="34" charset="-128"/>
+              </a:rPr>
+              <a:t>時点の情報</a:t>
+            </a:r>
+            <a:endParaRPr lang="en-US" altLang="ja-JP" dirty="0">
+              <a:solidFill>
+                <a:schemeClr val="accent5">
+                  <a:lumMod val="50000"/>
+                </a:schemeClr>
+              </a:solidFill>
+              <a:latin typeface="Hiragino Maru Gothic Pro W4" panose="020F0400000000000000" pitchFamily="34" charset="-128"/>
+              <a:ea typeface="Hiragino Maru Gothic Pro W4" panose="020F0400000000000000" pitchFamily="34" charset="-128"/>
+            </a:endParaRPr>
+          </a:p>
+          <a:p>
+            <a:pPr marL="502920" indent="-457200"/>
+            <a:r>
+              <a:rPr lang="ja-JP" altLang="en-US">
+                <a:solidFill>
+                  <a:schemeClr val="accent5">
+                    <a:lumMod val="50000"/>
+                  </a:schemeClr>
+                </a:solidFill>
+                <a:latin typeface="Hiragino Maru Gothic Pro W4" panose="020F0400000000000000" pitchFamily="34" charset="-128"/>
+                <a:ea typeface="Hiragino Maru Gothic Pro W4" panose="020F0400000000000000" pitchFamily="34" charset="-128"/>
+              </a:rPr>
+              <a:t>国内</a:t>
+            </a:r>
+            <a:r>
+              <a:rPr lang="en-US" altLang="ja-JP" dirty="0">
+                <a:solidFill>
+                  <a:schemeClr val="accent5">
+                    <a:lumMod val="50000"/>
+                  </a:schemeClr>
+                </a:solidFill>
+                <a:latin typeface="Hiragino Maru Gothic Pro W4" panose="020F0400000000000000" pitchFamily="34" charset="-128"/>
+                <a:ea typeface="Hiragino Maru Gothic Pro W4" panose="020F0400000000000000" pitchFamily="34" charset="-128"/>
+              </a:rPr>
+              <a:t>/</a:t>
+            </a:r>
+            <a:r>
+              <a:rPr lang="ja-JP" altLang="en-US">
+                <a:solidFill>
+                  <a:schemeClr val="accent5">
+                    <a:lumMod val="50000"/>
+                  </a:schemeClr>
+                </a:solidFill>
+                <a:latin typeface="Hiragino Maru Gothic Pro W4" panose="020F0400000000000000" pitchFamily="34" charset="-128"/>
+                <a:ea typeface="Hiragino Maru Gothic Pro W4" panose="020F0400000000000000" pitchFamily="34" charset="-128"/>
+              </a:rPr>
+              <a:t>海外問わず</a:t>
+            </a:r>
+            <a:endParaRPr lang="en-US" altLang="ja-JP" dirty="0">
+              <a:solidFill>
+                <a:schemeClr val="accent5">
+                  <a:lumMod val="50000"/>
+                </a:schemeClr>
+              </a:solidFill>
+              <a:latin typeface="Hiragino Maru Gothic Pro W4" panose="020F0400000000000000" pitchFamily="34" charset="-128"/>
+              <a:ea typeface="Hiragino Maru Gothic Pro W4" panose="020F0400000000000000" pitchFamily="34" charset="-128"/>
+            </a:endParaRPr>
+          </a:p>
+          <a:p>
+            <a:pPr marL="502920" indent="-457200"/>
+            <a:r>
+              <a:rPr lang="ja-JP" altLang="en-US">
+                <a:solidFill>
+                  <a:schemeClr val="accent5">
+                    <a:lumMod val="50000"/>
+                  </a:schemeClr>
+                </a:solidFill>
+                <a:latin typeface="Hiragino Maru Gothic Pro W4" panose="020F0400000000000000" pitchFamily="34" charset="-128"/>
+                <a:ea typeface="Hiragino Maru Gothic Pro W4" panose="020F0400000000000000" pitchFamily="34" charset="-128"/>
+              </a:rPr>
+              <a:t>最高</a:t>
+            </a:r>
+            <a:r>
+              <a:rPr lang="en-US" altLang="ja-JP" dirty="0">
+                <a:solidFill>
+                  <a:schemeClr val="accent5">
+                    <a:lumMod val="50000"/>
+                  </a:schemeClr>
+                </a:solidFill>
+                <a:latin typeface="Hiragino Maru Gothic Pro W4" panose="020F0400000000000000" pitchFamily="34" charset="-128"/>
+                <a:ea typeface="Hiragino Maru Gothic Pro W4" panose="020F0400000000000000" pitchFamily="34" charset="-128"/>
+              </a:rPr>
+              <a:t>TH</a:t>
+            </a:r>
+            <a:r>
+              <a:rPr lang="ja-JP" altLang="en-US">
+                <a:solidFill>
+                  <a:schemeClr val="accent5">
+                    <a:lumMod val="50000"/>
+                  </a:schemeClr>
+                </a:solidFill>
+                <a:latin typeface="Hiragino Maru Gothic Pro W4" panose="020F0400000000000000" pitchFamily="34" charset="-128"/>
+                <a:ea typeface="Hiragino Maru Gothic Pro W4" panose="020F0400000000000000" pitchFamily="34" charset="-128"/>
+              </a:rPr>
+              <a:t>帯オンリー</a:t>
+            </a:r>
+            <a:endParaRPr lang="en-US" altLang="ja-JP" dirty="0">
+              <a:solidFill>
+                <a:schemeClr val="accent5">
+                  <a:lumMod val="50000"/>
+                </a:schemeClr>
+              </a:solidFill>
+              <a:latin typeface="Hiragino Maru Gothic Pro W4" panose="020F0400000000000000" pitchFamily="34" charset="-128"/>
+              <a:ea typeface="Hiragino Maru Gothic Pro W4" panose="020F0400000000000000" pitchFamily="34" charset="-128"/>
+            </a:endParaRPr>
+          </a:p>
+          <a:p>
+            <a:pPr marL="502920" indent="-457200"/>
+            <a:r>
+              <a:rPr lang="en-US" altLang="ja-JP" dirty="0">
+                <a:solidFill>
+                  <a:schemeClr val="accent5">
+                    <a:lumMod val="50000"/>
+                  </a:schemeClr>
+                </a:solidFill>
+                <a:latin typeface="Hiragino Maru Gothic Pro W4" panose="020F0400000000000000" pitchFamily="34" charset="-128"/>
+                <a:ea typeface="Hiragino Maru Gothic Pro W4" panose="020F0400000000000000" pitchFamily="34" charset="-128"/>
+              </a:rPr>
+              <a:t>e-Sports</a:t>
+            </a:r>
+            <a:r>
+              <a:rPr lang="ja-JP" altLang="en-US">
+                <a:solidFill>
+                  <a:schemeClr val="accent5">
+                    <a:lumMod val="50000"/>
+                  </a:schemeClr>
+                </a:solidFill>
+                <a:latin typeface="Hiragino Maru Gothic Pro W4" panose="020F0400000000000000" pitchFamily="34" charset="-128"/>
+                <a:ea typeface="Hiragino Maru Gothic Pro W4" panose="020F0400000000000000" pitchFamily="34" charset="-128"/>
+              </a:rPr>
+              <a:t>系</a:t>
+            </a:r>
+            <a:r>
+              <a:rPr lang="en-US" altLang="ja-JP" sz="2000" dirty="0">
+                <a:solidFill>
+                  <a:schemeClr val="accent5">
+                    <a:lumMod val="50000"/>
+                  </a:schemeClr>
+                </a:solidFill>
+                <a:latin typeface="Hiragino Maru Gothic Pro W4" panose="020F0400000000000000" pitchFamily="34" charset="-128"/>
+                <a:ea typeface="Hiragino Maru Gothic Pro W4" panose="020F0400000000000000" pitchFamily="34" charset="-128"/>
+              </a:rPr>
+              <a:t>(</a:t>
+            </a:r>
+            <a:r>
+              <a:rPr lang="ja-JP" altLang="en-US" sz="2000">
+                <a:solidFill>
+                  <a:schemeClr val="accent5">
+                    <a:lumMod val="50000"/>
+                  </a:schemeClr>
+                </a:solidFill>
+                <a:latin typeface="Hiragino Maru Gothic Pro W4" panose="020F0400000000000000" pitchFamily="34" charset="-128"/>
+                <a:ea typeface="Hiragino Maru Gothic Pro W4" panose="020F0400000000000000" pitchFamily="34" charset="-128"/>
+              </a:rPr>
+              <a:t>短時間</a:t>
+            </a:r>
+            <a:r>
+              <a:rPr lang="en-US" altLang="ja-JP" sz="2000" dirty="0">
+                <a:solidFill>
+                  <a:schemeClr val="accent5">
+                    <a:lumMod val="50000"/>
+                  </a:schemeClr>
+                </a:solidFill>
+                <a:latin typeface="Hiragino Maru Gothic Pro W4" panose="020F0400000000000000" pitchFamily="34" charset="-128"/>
+                <a:ea typeface="Hiragino Maru Gothic Pro W4" panose="020F0400000000000000" pitchFamily="34" charset="-128"/>
+              </a:rPr>
+              <a:t>5vs5)</a:t>
+            </a:r>
+            <a:r>
+              <a:rPr lang="ja-JP" altLang="en-US">
+                <a:solidFill>
+                  <a:schemeClr val="accent5">
+                    <a:lumMod val="50000"/>
+                  </a:schemeClr>
+                </a:solidFill>
+                <a:latin typeface="Hiragino Maru Gothic Pro W4" panose="020F0400000000000000" pitchFamily="34" charset="-128"/>
+                <a:ea typeface="Hiragino Maru Gothic Pro W4" panose="020F0400000000000000" pitchFamily="34" charset="-128"/>
+              </a:rPr>
+              <a:t>は対象外</a:t>
+            </a:r>
+            <a:endParaRPr lang="en-US" altLang="ja-JP" dirty="0">
+              <a:solidFill>
+                <a:schemeClr val="accent5">
+                  <a:lumMod val="50000"/>
+                </a:schemeClr>
+              </a:solidFill>
+              <a:latin typeface="Hiragino Maru Gothic Pro W4" panose="020F0400000000000000" pitchFamily="34" charset="-128"/>
+              <a:ea typeface="Hiragino Maru Gothic Pro W4" panose="020F0400000000000000" pitchFamily="34" charset="-128"/>
+            </a:endParaRPr>
+          </a:p>
+          <a:p>
+            <a:pPr marL="502920" indent="-457200"/>
+            <a:r>
+              <a:rPr lang="ja-JP" altLang="en-US">
+                <a:solidFill>
+                  <a:schemeClr val="accent5">
+                    <a:lumMod val="50000"/>
+                  </a:schemeClr>
+                </a:solidFill>
+                <a:latin typeface="Hiragino Maru Gothic Pro W4" panose="020F0400000000000000" pitchFamily="34" charset="-128"/>
+                <a:ea typeface="Hiragino Maru Gothic Pro W4" panose="020F0400000000000000" pitchFamily="34" charset="-128"/>
+              </a:rPr>
+              <a:t>洗い出し方</a:t>
+            </a:r>
+            <a:r>
+              <a:rPr lang="en-US" altLang="ja-JP" sz="2000" dirty="0">
+                <a:solidFill>
+                  <a:schemeClr val="accent5">
+                    <a:lumMod val="50000"/>
+                  </a:schemeClr>
+                </a:solidFill>
+                <a:latin typeface="Hiragino Maru Gothic Pro W4" panose="020F0400000000000000" pitchFamily="34" charset="-128"/>
+                <a:ea typeface="Hiragino Maru Gothic Pro W4" panose="020F0400000000000000" pitchFamily="34" charset="-128"/>
+              </a:rPr>
+              <a:t>(JWC</a:t>
+            </a:r>
+            <a:r>
+              <a:rPr lang="ja-JP" altLang="en-US" sz="2000">
+                <a:solidFill>
+                  <a:schemeClr val="accent5">
+                    <a:lumMod val="50000"/>
+                  </a:schemeClr>
+                </a:solidFill>
+                <a:latin typeface="Hiragino Maru Gothic Pro W4" panose="020F0400000000000000" pitchFamily="34" charset="-128"/>
+                <a:ea typeface="Hiragino Maru Gothic Pro W4" panose="020F0400000000000000" pitchFamily="34" charset="-128"/>
+              </a:rPr>
+              <a:t>以外</a:t>
+            </a:r>
+            <a:r>
+              <a:rPr lang="en-US" altLang="ja-JP" sz="2000" dirty="0">
+                <a:solidFill>
+                  <a:schemeClr val="accent5">
+                    <a:lumMod val="50000"/>
+                  </a:schemeClr>
+                </a:solidFill>
+                <a:latin typeface="Hiragino Maru Gothic Pro W4" panose="020F0400000000000000" pitchFamily="34" charset="-128"/>
+                <a:ea typeface="Hiragino Maru Gothic Pro W4" panose="020F0400000000000000" pitchFamily="34" charset="-128"/>
+              </a:rPr>
+              <a:t>)</a:t>
+            </a:r>
+            <a:r>
+              <a:rPr lang="ja-JP" altLang="en-US">
+                <a:solidFill>
+                  <a:schemeClr val="accent5">
+                    <a:lumMod val="50000"/>
+                  </a:schemeClr>
+                </a:solidFill>
+                <a:latin typeface="Hiragino Maru Gothic Pro W4" panose="020F0400000000000000" pitchFamily="34" charset="-128"/>
+                <a:ea typeface="Hiragino Maru Gothic Pro W4" panose="020F0400000000000000" pitchFamily="34" charset="-128"/>
+              </a:rPr>
+              <a:t>：</a:t>
+            </a:r>
+            <a:r>
+              <a:rPr lang="en-US" altLang="ja-JP" dirty="0">
+                <a:solidFill>
+                  <a:schemeClr val="accent5">
+                    <a:lumMod val="50000"/>
+                  </a:schemeClr>
+                </a:solidFill>
+                <a:latin typeface="Hiragino Maru Gothic Pro W4" panose="020F0400000000000000" pitchFamily="34" charset="-128"/>
+                <a:ea typeface="Hiragino Maru Gothic Pro W4" panose="020F0400000000000000" pitchFamily="34" charset="-128"/>
+                <a:hlinkClick r:id="rId2"/>
+              </a:rPr>
+              <a:t>https://warmatch.us/leagues</a:t>
+            </a:r>
+            <a:endParaRPr lang="en-US" altLang="ja-JP" dirty="0">
+              <a:solidFill>
+                <a:schemeClr val="accent5">
+                  <a:lumMod val="50000"/>
+                </a:schemeClr>
+              </a:solidFill>
+              <a:latin typeface="Hiragino Maru Gothic Pro W4" panose="020F0400000000000000" pitchFamily="34" charset="-128"/>
+              <a:ea typeface="Hiragino Maru Gothic Pro W4" panose="020F0400000000000000" pitchFamily="34" charset="-128"/>
+            </a:endParaRPr>
+          </a:p>
+          <a:p>
+            <a:pPr marL="45720" indent="0">
+              <a:buNone/>
+            </a:pPr>
+            <a:endParaRPr lang="en-US" altLang="ja-JP" dirty="0">
+              <a:solidFill>
+                <a:schemeClr val="accent5">
+                  <a:lumMod val="50000"/>
+                </a:schemeClr>
+              </a:solidFill>
+              <a:latin typeface="Hiragino Maru Gothic Pro W4" panose="020F0400000000000000" pitchFamily="34" charset="-128"/>
+              <a:ea typeface="Hiragino Maru Gothic Pro W4" panose="020F0400000000000000" pitchFamily="34" charset="-128"/>
+            </a:endParaRPr>
+          </a:p>
+          <a:p>
+            <a:pPr marL="45720" indent="0">
+              <a:buNone/>
+            </a:pPr>
+            <a:endParaRPr lang="en-US" altLang="ja-JP" dirty="0">
+              <a:solidFill>
+                <a:schemeClr val="accent5">
+                  <a:lumMod val="50000"/>
+                </a:schemeClr>
+              </a:solidFill>
+              <a:latin typeface="Hiragino Maru Gothic Pro W4" panose="020F0400000000000000" pitchFamily="34" charset="-128"/>
+              <a:ea typeface="Hiragino Maru Gothic Pro W4" panose="020F0400000000000000" pitchFamily="34" charset="-128"/>
+            </a:endParaRPr>
+          </a:p>
+        </p:txBody>
+      </p:sp>
+      <p:sp>
+        <p:nvSpPr>
+          <p:cNvPr id="4" name="スライド番号プレースホルダー 3">
+            <a:extLst>
+              <a:ext uri="{FF2B5EF4-FFF2-40B4-BE49-F238E27FC236}">
+                <a16:creationId xmlns:a16="http://schemas.microsoft.com/office/drawing/2014/main" id="{34C04C8D-49C3-874E-864D-A6289CA1E427}"/>
+              </a:ext>
+            </a:extLst>
+          </p:cNvPr>
+          <p:cNvSpPr>
+            <a:spLocks noGrp="1"/>
+          </p:cNvSpPr>
+          <p:nvPr>
+            <p:ph type="sldNum" sz="quarter" idx="12"/>
+          </p:nvPr>
+        </p:nvSpPr>
+        <p:spPr/>
+        <p:txBody>
+          <a:bodyPr/>
+          <a:lstStyle/>
+          <a:p>
+            <a:pPr rtl="0"/>
+            <a:fld id="{E31375A4-56A4-47D6-9801-1991572033F7}" type="slidenum">
+              <a:rPr lang="en-US" altLang="ja-JP" noProof="0" smtClean="0">
+                <a:solidFill>
+                  <a:schemeClr val="accent5">
+                    <a:lumMod val="50000"/>
+                  </a:schemeClr>
+                </a:solidFill>
+                <a:latin typeface="Hiragino Maru Gothic Pro W4" panose="020F0400000000000000" pitchFamily="34" charset="-128"/>
+                <a:ea typeface="Hiragino Maru Gothic Pro W4" panose="020F0400000000000000" pitchFamily="34" charset="-128"/>
+              </a:rPr>
+              <a:t>2</a:t>
+            </a:fld>
+            <a:endParaRPr lang="ja-JP" altLang="en-US" noProof="0" dirty="0">
+              <a:solidFill>
+                <a:schemeClr val="accent5">
+                  <a:lumMod val="50000"/>
+                </a:schemeClr>
+              </a:solidFill>
+              <a:latin typeface="Hiragino Maru Gothic Pro W4" panose="020F0400000000000000" pitchFamily="34" charset="-128"/>
+              <a:ea typeface="Hiragino Maru Gothic Pro W4" panose="020F0400000000000000" pitchFamily="34" charset="-128"/>
+            </a:endParaRPr>
+          </a:p>
+        </p:txBody>
+      </p:sp>
+    </p:spTree>
+    <p:extLst>
+      <p:ext uri="{BB962C8B-B14F-4D97-AF65-F5344CB8AC3E}">
+        <p14:creationId xmlns:p14="http://schemas.microsoft.com/office/powerpoint/2010/main" val="2982791126"/>
+      </p:ext>
+    </p:extLst>
+  </p:cSld>
+  <p:clrMapOvr>
+    <a:masterClrMapping/>
+  </p:clrMapOvr>
+  <mc:AlternateContent xmlns:mc="http://schemas.openxmlformats.org/markup-compatibility/2006" xmlns:p14="http://schemas.microsoft.com/office/powerpoint/2010/main">
+    <mc:Choice Requires="p14">
+      <p:transition spd="med" p14:dur="700">
+        <p:fade/>
+      </p:transition>
+    </mc:Choice>
+    <mc:Fallback xmlns="">
+      <p:transition spd="med">
+        <p:fade/>
+      </p:transition>
+    </mc:Fallback>
+  </mc:AlternateContent>
+</p:sld>
+</file>
+
+<file path=ppt/slides/slide20.xml><?xml version="1.0" encoding="utf-8"?>
+<p:sld xmlns:a="http://schemas.openxmlformats.org/drawingml/2006/main" xmlns:r="http://schemas.openxmlformats.org/officeDocument/2006/relationships" xmlns:p="http://schemas.openxmlformats.org/presentationml/2006/main">
+  <p:cSld>
+    <p:spTree>
+      <p:nvGrpSpPr>
+        <p:cNvPr id="1" name=""/>
+        <p:cNvGrpSpPr/>
+        <p:nvPr/>
+      </p:nvGrpSpPr>
+      <p:grpSpPr>
+        <a:xfrm>
+          <a:off x="0" y="0"/>
+          <a:ext cx="0" cy="0"/>
+          <a:chOff x="0" y="0"/>
+          <a:chExt cx="0" cy="0"/>
+        </a:xfrm>
+      </p:grpSpPr>
+      <p:sp>
+        <p:nvSpPr>
+          <p:cNvPr id="2" name="タイトル 1">
+            <a:extLst>
+              <a:ext uri="{FF2B5EF4-FFF2-40B4-BE49-F238E27FC236}">
                 <a16:creationId xmlns:a16="http://schemas.microsoft.com/office/drawing/2014/main" id="{4BEF2D4F-28AD-C84D-A4AC-A607D5B45D24}"/>
               </a:ext>
             </a:extLst>
@@ -9753,7 +10664,7 @@
                 <a:latin typeface="Hiragino Maru Gothic Pro W4" panose="020F0400000000000000" pitchFamily="34" charset="-128"/>
                 <a:ea typeface="Hiragino Maru Gothic Pro W4" panose="020F0400000000000000" pitchFamily="34" charset="-128"/>
               </a:rPr>
-              <a:t>19</a:t>
+              <a:t>20</a:t>
             </a:fld>
             <a:endParaRPr lang="ja-JP" altLang="en-US" noProof="0" dirty="0">
               <a:solidFill>
@@ -9782,7 +10693,7 @@
           <p:nvPr>
             <p:extLst>
               <p:ext uri="{D42A27DB-BD31-4B8C-83A1-F6EECF244321}">
-                <p14:modId xmlns:p14="http://schemas.microsoft.com/office/powerpoint/2010/main" val="861294057"/>
+                <p14:modId xmlns:p14="http://schemas.microsoft.com/office/powerpoint/2010/main" val="397488802"/>
               </p:ext>
             </p:extLst>
           </p:nvPr>
@@ -9949,7 +10860,7 @@
                           <a:latin typeface="Hiragino Maru Gothic Pro W4" panose="020F0400000000000000" pitchFamily="34" charset="-128"/>
                           <a:ea typeface="Hiragino Maru Gothic Pro W4" panose="020F0400000000000000" pitchFamily="34" charset="-128"/>
                         </a:rPr>
-                        <a:t>A</a:t>
+                        <a:t>S</a:t>
                       </a:r>
                       <a:endParaRPr kumimoji="1" lang="ja-JP" altLang="en-US">
                         <a:solidFill>
@@ -10082,7 +10993,7 @@
                           <a:latin typeface="Hiragino Maru Gothic Pro W4" panose="020F0400000000000000" pitchFamily="34" charset="-128"/>
                           <a:ea typeface="Hiragino Maru Gothic Pro W4" panose="020F0400000000000000" pitchFamily="34" charset="-128"/>
                         </a:rPr>
-                        <a:t>B</a:t>
+                        <a:t>A</a:t>
                       </a:r>
                       <a:endParaRPr kumimoji="1" lang="ja-JP" altLang="en-US">
                         <a:solidFill>
@@ -10215,7 +11126,7 @@
                           <a:latin typeface="Hiragino Maru Gothic Pro W4" panose="020F0400000000000000" pitchFamily="34" charset="-128"/>
                           <a:ea typeface="Hiragino Maru Gothic Pro W4" panose="020F0400000000000000" pitchFamily="34" charset="-128"/>
                         </a:rPr>
-                        <a:t>C</a:t>
+                        <a:t>B</a:t>
                       </a:r>
                       <a:endParaRPr kumimoji="1" lang="ja-JP" altLang="en-US">
                         <a:solidFill>
@@ -10481,7 +11392,7 @@
                           <a:latin typeface="Hiragino Maru Gothic Pro W4" panose="020F0400000000000000" pitchFamily="34" charset="-128"/>
                           <a:ea typeface="Hiragino Maru Gothic Pro W4" panose="020F0400000000000000" pitchFamily="34" charset="-128"/>
                         </a:rPr>
-                        <a:t>B+</a:t>
+                        <a:t>A</a:t>
                       </a:r>
                       <a:endParaRPr kumimoji="1" lang="ja-JP" altLang="en-US">
                         <a:solidFill>
@@ -10896,7 +11807,7 @@
                           <a:latin typeface="Hiragino Maru Gothic Pro W4" panose="020F0400000000000000" pitchFamily="34" charset="-128"/>
                           <a:ea typeface="Hiragino Maru Gothic Pro W4" panose="020F0400000000000000" pitchFamily="34" charset="-128"/>
                         </a:rPr>
-                        <a:t>?</a:t>
+                        <a:t>B</a:t>
                       </a:r>
                       <a:endParaRPr kumimoji="1" lang="ja-JP" altLang="en-US">
                         <a:solidFill>
@@ -11029,7 +11940,7 @@
                           <a:latin typeface="Hiragino Maru Gothic Pro W4" panose="020F0400000000000000" pitchFamily="34" charset="-128"/>
                           <a:ea typeface="Hiragino Maru Gothic Pro W4" panose="020F0400000000000000" pitchFamily="34" charset="-128"/>
                         </a:rPr>
-                        <a:t>?</a:t>
+                        <a:t>B</a:t>
                       </a:r>
                       <a:endParaRPr kumimoji="1" lang="ja-JP" altLang="en-US">
                         <a:solidFill>
@@ -11428,7 +12339,7 @@
                           <a:latin typeface="Hiragino Maru Gothic Pro W4" panose="020F0400000000000000" pitchFamily="34" charset="-128"/>
                           <a:ea typeface="Hiragino Maru Gothic Pro W4" panose="020F0400000000000000" pitchFamily="34" charset="-128"/>
                         </a:rPr>
-                        <a:t>D</a:t>
+                        <a:t>C</a:t>
                       </a:r>
                       <a:endParaRPr kumimoji="1" lang="ja-JP" altLang="en-US">
                         <a:solidFill>
@@ -11676,7 +12587,7 @@
 </p:sld>
 </file>
 
-<file path=ppt/slides/slide2.xml><?xml version="1.0" encoding="utf-8"?>
+<file path=ppt/slides/slide21.xml><?xml version="1.0" encoding="utf-8"?>
 <p:sld xmlns:a="http://schemas.openxmlformats.org/drawingml/2006/main" xmlns:r="http://schemas.openxmlformats.org/officeDocument/2006/relationships" xmlns:p="http://schemas.openxmlformats.org/presentationml/2006/main">
   <p:cSld>
     <p:spTree>
@@ -11724,7 +12635,7 @@
                 <a:latin typeface="Hiragino Maru Gothic Pro W4" panose="020F0400000000000000" pitchFamily="34" charset="-128"/>
                 <a:ea typeface="Hiragino Maru Gothic Pro W4" panose="020F0400000000000000" pitchFamily="34" charset="-128"/>
               </a:rPr>
-              <a:t>はじめに</a:t>
+              <a:t>スペシャルサンクス</a:t>
             </a:r>
             <a:endParaRPr kumimoji="1" lang="ja-JP" altLang="en-US">
               <a:solidFill>
@@ -11762,7 +12673,7 @@
         </p:spPr>
         <p:txBody>
           <a:bodyPr>
-            <a:normAutofit/>
+            <a:noAutofit/>
           </a:bodyPr>
           <a:lstStyle/>
           <a:p>
@@ -11779,31 +12690,7 @@
                 <a:latin typeface="Hiragino Maru Gothic Pro W4" panose="020F0400000000000000" pitchFamily="34" charset="-128"/>
                 <a:ea typeface="Hiragino Maru Gothic Pro W4" panose="020F0400000000000000" pitchFamily="34" charset="-128"/>
               </a:rPr>
-              <a:t>「</a:t>
-            </a:r>
-            <a:r>
-              <a:rPr lang="en-US" altLang="ja-JP" dirty="0">
-                <a:solidFill>
-                  <a:schemeClr val="accent5">
-                    <a:lumMod val="50000"/>
-                  </a:schemeClr>
-                </a:solidFill>
-                <a:latin typeface="Hiragino Maru Gothic Pro W4" panose="020F0400000000000000" pitchFamily="34" charset="-128"/>
-                <a:ea typeface="Hiragino Maru Gothic Pro W4" panose="020F0400000000000000" pitchFamily="34" charset="-128"/>
-              </a:rPr>
-              <a:t>Clash of Clans</a:t>
-            </a:r>
-            <a:r>
-              <a:rPr lang="ja-JP" altLang="en-US">
-                <a:solidFill>
-                  <a:schemeClr val="accent5">
-                    <a:lumMod val="50000"/>
-                  </a:schemeClr>
-                </a:solidFill>
-                <a:latin typeface="Hiragino Maru Gothic Pro W4" panose="020F0400000000000000" pitchFamily="34" charset="-128"/>
-                <a:ea typeface="Hiragino Maru Gothic Pro W4" panose="020F0400000000000000" pitchFamily="34" charset="-128"/>
-              </a:rPr>
-              <a:t>」におけるリーグについて調査したものです。</a:t>
+              <a:t>以下の方にアドバイスいただきました。</a:t>
             </a:r>
             <a:endParaRPr lang="en-US" altLang="ja-JP" dirty="0">
               <a:solidFill>
@@ -11816,19 +12703,9 @@
             </a:endParaRPr>
           </a:p>
           <a:p>
-            <a:pPr marL="502920" indent="-457200"/>
-            <a:r>
-              <a:rPr lang="en-US" altLang="ja-JP" dirty="0">
-                <a:solidFill>
-                  <a:schemeClr val="accent5">
-                    <a:lumMod val="50000"/>
-                  </a:schemeClr>
-                </a:solidFill>
-                <a:latin typeface="Hiragino Maru Gothic Pro W4" panose="020F0400000000000000" pitchFamily="34" charset="-128"/>
-                <a:ea typeface="Hiragino Maru Gothic Pro W4" panose="020F0400000000000000" pitchFamily="34" charset="-128"/>
-              </a:rPr>
-              <a:t>2021/5/1 </a:t>
-            </a:r>
+            <a:pPr marL="45720" indent="0">
+              <a:buNone/>
+            </a:pPr>
             <a:r>
               <a:rPr lang="ja-JP" altLang="en-US">
                 <a:solidFill>
@@ -11839,7 +12716,7 @@
                 <a:latin typeface="Hiragino Maru Gothic Pro W4" panose="020F0400000000000000" pitchFamily="34" charset="-128"/>
                 <a:ea typeface="Hiragino Maru Gothic Pro W4" panose="020F0400000000000000" pitchFamily="34" charset="-128"/>
               </a:rPr>
-              <a:t>時点の情報</a:t>
+              <a:t>ありがとうございました。</a:t>
             </a:r>
             <a:endParaRPr lang="en-US" altLang="ja-JP" dirty="0">
               <a:solidFill>
@@ -11854,6 +12731,18 @@
           <a:p>
             <a:pPr marL="502920" indent="-457200"/>
             <a:r>
+              <a:rPr lang="en-US" altLang="ja-JP" dirty="0">
+                <a:solidFill>
+                  <a:schemeClr val="accent5">
+                    <a:lumMod val="50000"/>
+                  </a:schemeClr>
+                </a:solidFill>
+                <a:latin typeface="Hiragino Maru Gothic Pro W4" panose="020F0400000000000000" pitchFamily="34" charset="-128"/>
+                <a:ea typeface="Hiragino Maru Gothic Pro W4" panose="020F0400000000000000" pitchFamily="34" charset="-128"/>
+              </a:rPr>
+              <a:t>RYUKI</a:t>
+            </a:r>
+            <a:r>
               <a:rPr lang="ja-JP" altLang="en-US">
                 <a:solidFill>
                   <a:schemeClr val="accent5">
@@ -11863,31 +12752,7 @@
                 <a:latin typeface="Hiragino Maru Gothic Pro W4" panose="020F0400000000000000" pitchFamily="34" charset="-128"/>
                 <a:ea typeface="Hiragino Maru Gothic Pro W4" panose="020F0400000000000000" pitchFamily="34" charset="-128"/>
               </a:rPr>
-              <a:t>国内</a:t>
-            </a:r>
-            <a:r>
-              <a:rPr lang="en-US" altLang="ja-JP" dirty="0">
-                <a:solidFill>
-                  <a:schemeClr val="accent5">
-                    <a:lumMod val="50000"/>
-                  </a:schemeClr>
-                </a:solidFill>
-                <a:latin typeface="Hiragino Maru Gothic Pro W4" panose="020F0400000000000000" pitchFamily="34" charset="-128"/>
-                <a:ea typeface="Hiragino Maru Gothic Pro W4" panose="020F0400000000000000" pitchFamily="34" charset="-128"/>
-              </a:rPr>
-              <a:t>/</a:t>
-            </a:r>
-            <a:r>
-              <a:rPr lang="ja-JP" altLang="en-US">
-                <a:solidFill>
-                  <a:schemeClr val="accent5">
-                    <a:lumMod val="50000"/>
-                  </a:schemeClr>
-                </a:solidFill>
-                <a:latin typeface="Hiragino Maru Gothic Pro W4" panose="020F0400000000000000" pitchFamily="34" charset="-128"/>
-                <a:ea typeface="Hiragino Maru Gothic Pro W4" panose="020F0400000000000000" pitchFamily="34" charset="-128"/>
-              </a:rPr>
-              <a:t>海外問わず</a:t>
+              <a:t>さん</a:t>
             </a:r>
             <a:endParaRPr lang="en-US" altLang="ja-JP" dirty="0">
               <a:solidFill>
@@ -11911,229 +12776,8 @@
                 <a:latin typeface="Hiragino Maru Gothic Pro W4" panose="020F0400000000000000" pitchFamily="34" charset="-128"/>
                 <a:ea typeface="Hiragino Maru Gothic Pro W4" panose="020F0400000000000000" pitchFamily="34" charset="-128"/>
               </a:rPr>
-              <a:t>最高</a:t>
-            </a:r>
-            <a:r>
-              <a:rPr lang="en-US" altLang="ja-JP" dirty="0">
-                <a:solidFill>
-                  <a:schemeClr val="accent5">
-                    <a:lumMod val="50000"/>
-                  </a:schemeClr>
-                </a:solidFill>
-                <a:latin typeface="Hiragino Maru Gothic Pro W4" panose="020F0400000000000000" pitchFamily="34" charset="-128"/>
-                <a:ea typeface="Hiragino Maru Gothic Pro W4" panose="020F0400000000000000" pitchFamily="34" charset="-128"/>
-              </a:rPr>
-              <a:t>TH</a:t>
-            </a:r>
-            <a:r>
-              <a:rPr lang="ja-JP" altLang="en-US">
-                <a:solidFill>
-                  <a:schemeClr val="accent5">
-                    <a:lumMod val="50000"/>
-                  </a:schemeClr>
-                </a:solidFill>
-                <a:latin typeface="Hiragino Maru Gothic Pro W4" panose="020F0400000000000000" pitchFamily="34" charset="-128"/>
-                <a:ea typeface="Hiragino Maru Gothic Pro W4" panose="020F0400000000000000" pitchFamily="34" charset="-128"/>
-              </a:rPr>
-              <a:t>帯オンリー</a:t>
-            </a:r>
-            <a:endParaRPr lang="en-US" altLang="ja-JP" dirty="0">
-              <a:solidFill>
-                <a:schemeClr val="accent5">
-                  <a:lumMod val="50000"/>
-                </a:schemeClr>
-              </a:solidFill>
-              <a:latin typeface="Hiragino Maru Gothic Pro W4" panose="020F0400000000000000" pitchFamily="34" charset="-128"/>
-              <a:ea typeface="Hiragino Maru Gothic Pro W4" panose="020F0400000000000000" pitchFamily="34" charset="-128"/>
-            </a:endParaRPr>
-          </a:p>
-          <a:p>
-            <a:pPr marL="502920" indent="-457200"/>
-            <a:r>
-              <a:rPr lang="en-US" altLang="ja-JP" dirty="0">
-                <a:solidFill>
-                  <a:schemeClr val="accent5">
-                    <a:lumMod val="50000"/>
-                  </a:schemeClr>
-                </a:solidFill>
-                <a:latin typeface="Hiragino Maru Gothic Pro W4" panose="020F0400000000000000" pitchFamily="34" charset="-128"/>
-                <a:ea typeface="Hiragino Maru Gothic Pro W4" panose="020F0400000000000000" pitchFamily="34" charset="-128"/>
-              </a:rPr>
-              <a:t>e-Sports</a:t>
-            </a:r>
-            <a:r>
-              <a:rPr lang="ja-JP" altLang="en-US">
-                <a:solidFill>
-                  <a:schemeClr val="accent5">
-                    <a:lumMod val="50000"/>
-                  </a:schemeClr>
-                </a:solidFill>
-                <a:latin typeface="Hiragino Maru Gothic Pro W4" panose="020F0400000000000000" pitchFamily="34" charset="-128"/>
-                <a:ea typeface="Hiragino Maru Gothic Pro W4" panose="020F0400000000000000" pitchFamily="34" charset="-128"/>
-              </a:rPr>
-              <a:t>系</a:t>
-            </a:r>
-            <a:r>
-              <a:rPr lang="en-US" altLang="ja-JP" sz="2000" dirty="0">
-                <a:solidFill>
-                  <a:schemeClr val="accent5">
-                    <a:lumMod val="50000"/>
-                  </a:schemeClr>
-                </a:solidFill>
-                <a:latin typeface="Hiragino Maru Gothic Pro W4" panose="020F0400000000000000" pitchFamily="34" charset="-128"/>
-                <a:ea typeface="Hiragino Maru Gothic Pro W4" panose="020F0400000000000000" pitchFamily="34" charset="-128"/>
-              </a:rPr>
-              <a:t>(</a:t>
-            </a:r>
-            <a:r>
-              <a:rPr lang="ja-JP" altLang="en-US" sz="2000">
-                <a:solidFill>
-                  <a:schemeClr val="accent5">
-                    <a:lumMod val="50000"/>
-                  </a:schemeClr>
-                </a:solidFill>
-                <a:latin typeface="Hiragino Maru Gothic Pro W4" panose="020F0400000000000000" pitchFamily="34" charset="-128"/>
-                <a:ea typeface="Hiragino Maru Gothic Pro W4" panose="020F0400000000000000" pitchFamily="34" charset="-128"/>
-              </a:rPr>
-              <a:t>短時間</a:t>
-            </a:r>
-            <a:r>
-              <a:rPr lang="en-US" altLang="ja-JP" sz="2000" dirty="0">
-                <a:solidFill>
-                  <a:schemeClr val="accent5">
-                    <a:lumMod val="50000"/>
-                  </a:schemeClr>
-                </a:solidFill>
-                <a:latin typeface="Hiragino Maru Gothic Pro W4" panose="020F0400000000000000" pitchFamily="34" charset="-128"/>
-                <a:ea typeface="Hiragino Maru Gothic Pro W4" panose="020F0400000000000000" pitchFamily="34" charset="-128"/>
-              </a:rPr>
-              <a:t>5vs5)</a:t>
-            </a:r>
-            <a:r>
-              <a:rPr lang="ja-JP" altLang="en-US">
-                <a:solidFill>
-                  <a:schemeClr val="accent5">
-                    <a:lumMod val="50000"/>
-                  </a:schemeClr>
-                </a:solidFill>
-                <a:latin typeface="Hiragino Maru Gothic Pro W4" panose="020F0400000000000000" pitchFamily="34" charset="-128"/>
-                <a:ea typeface="Hiragino Maru Gothic Pro W4" panose="020F0400000000000000" pitchFamily="34" charset="-128"/>
-              </a:rPr>
-              <a:t>は対象外</a:t>
-            </a:r>
-            <a:endParaRPr lang="en-US" altLang="ja-JP" dirty="0">
-              <a:solidFill>
-                <a:schemeClr val="accent5">
-                  <a:lumMod val="50000"/>
-                </a:schemeClr>
-              </a:solidFill>
-              <a:latin typeface="Hiragino Maru Gothic Pro W4" panose="020F0400000000000000" pitchFamily="34" charset="-128"/>
-              <a:ea typeface="Hiragino Maru Gothic Pro W4" panose="020F0400000000000000" pitchFamily="34" charset="-128"/>
-            </a:endParaRPr>
-          </a:p>
-          <a:p>
-            <a:pPr marL="502920" indent="-457200"/>
-            <a:r>
-              <a:rPr lang="ja-JP" altLang="en-US">
-                <a:solidFill>
-                  <a:schemeClr val="accent5">
-                    <a:lumMod val="50000"/>
-                  </a:schemeClr>
-                </a:solidFill>
-                <a:latin typeface="Hiragino Maru Gothic Pro W4" panose="020F0400000000000000" pitchFamily="34" charset="-128"/>
-                <a:ea typeface="Hiragino Maru Gothic Pro W4" panose="020F0400000000000000" pitchFamily="34" charset="-128"/>
-              </a:rPr>
-              <a:t>洗い出し方</a:t>
-            </a:r>
-            <a:r>
-              <a:rPr lang="en-US" altLang="ja-JP" sz="2000" dirty="0">
-                <a:solidFill>
-                  <a:schemeClr val="accent5">
-                    <a:lumMod val="50000"/>
-                  </a:schemeClr>
-                </a:solidFill>
-                <a:latin typeface="Hiragino Maru Gothic Pro W4" panose="020F0400000000000000" pitchFamily="34" charset="-128"/>
-                <a:ea typeface="Hiragino Maru Gothic Pro W4" panose="020F0400000000000000" pitchFamily="34" charset="-128"/>
-              </a:rPr>
-              <a:t>(JWC</a:t>
-            </a:r>
-            <a:r>
-              <a:rPr lang="ja-JP" altLang="en-US" sz="2000">
-                <a:solidFill>
-                  <a:schemeClr val="accent5">
-                    <a:lumMod val="50000"/>
-                  </a:schemeClr>
-                </a:solidFill>
-                <a:latin typeface="Hiragino Maru Gothic Pro W4" panose="020F0400000000000000" pitchFamily="34" charset="-128"/>
-                <a:ea typeface="Hiragino Maru Gothic Pro W4" panose="020F0400000000000000" pitchFamily="34" charset="-128"/>
-              </a:rPr>
-              <a:t>以外</a:t>
-            </a:r>
-            <a:r>
-              <a:rPr lang="en-US" altLang="ja-JP" sz="2000" dirty="0">
-                <a:solidFill>
-                  <a:schemeClr val="accent5">
-                    <a:lumMod val="50000"/>
-                  </a:schemeClr>
-                </a:solidFill>
-                <a:latin typeface="Hiragino Maru Gothic Pro W4" panose="020F0400000000000000" pitchFamily="34" charset="-128"/>
-                <a:ea typeface="Hiragino Maru Gothic Pro W4" panose="020F0400000000000000" pitchFamily="34" charset="-128"/>
-              </a:rPr>
-              <a:t>)</a:t>
-            </a:r>
-            <a:r>
-              <a:rPr lang="ja-JP" altLang="en-US">
-                <a:solidFill>
-                  <a:schemeClr val="accent5">
-                    <a:lumMod val="50000"/>
-                  </a:schemeClr>
-                </a:solidFill>
-                <a:latin typeface="Hiragino Maru Gothic Pro W4" panose="020F0400000000000000" pitchFamily="34" charset="-128"/>
-                <a:ea typeface="Hiragino Maru Gothic Pro W4" panose="020F0400000000000000" pitchFamily="34" charset="-128"/>
-              </a:rPr>
-              <a:t>：</a:t>
-            </a:r>
-            <a:r>
-              <a:rPr lang="en-US" altLang="ja-JP" dirty="0">
-                <a:solidFill>
-                  <a:schemeClr val="accent5">
-                    <a:lumMod val="50000"/>
-                  </a:schemeClr>
-                </a:solidFill>
-                <a:latin typeface="Hiragino Maru Gothic Pro W4" panose="020F0400000000000000" pitchFamily="34" charset="-128"/>
-                <a:ea typeface="Hiragino Maru Gothic Pro W4" panose="020F0400000000000000" pitchFamily="34" charset="-128"/>
-                <a:hlinkClick r:id="rId2"/>
-              </a:rPr>
-              <a:t>https://warmatch.us/leagues</a:t>
-            </a:r>
-            <a:endParaRPr lang="en-US" altLang="ja-JP" dirty="0">
-              <a:solidFill>
-                <a:schemeClr val="accent5">
-                  <a:lumMod val="50000"/>
-                </a:schemeClr>
-              </a:solidFill>
-              <a:latin typeface="Hiragino Maru Gothic Pro W4" panose="020F0400000000000000" pitchFamily="34" charset="-128"/>
-              <a:ea typeface="Hiragino Maru Gothic Pro W4" panose="020F0400000000000000" pitchFamily="34" charset="-128"/>
-            </a:endParaRPr>
-          </a:p>
-          <a:p>
-            <a:pPr marL="45720" indent="0">
-              <a:buNone/>
-            </a:pPr>
-            <a:endParaRPr lang="en-US" altLang="ja-JP" dirty="0">
-              <a:solidFill>
-                <a:schemeClr val="accent5">
-                  <a:lumMod val="50000"/>
-                </a:schemeClr>
-              </a:solidFill>
-              <a:latin typeface="Hiragino Maru Gothic Pro W4" panose="020F0400000000000000" pitchFamily="34" charset="-128"/>
-              <a:ea typeface="Hiragino Maru Gothic Pro W4" panose="020F0400000000000000" pitchFamily="34" charset="-128"/>
-            </a:endParaRPr>
-          </a:p>
-          <a:p>
-            <a:pPr marL="45720" indent="0">
-              <a:buNone/>
-            </a:pPr>
+              <a:t>レッドさん</a:t>
+            </a:r>
             <a:endParaRPr lang="en-US" altLang="ja-JP" dirty="0">
               <a:solidFill>
                 <a:schemeClr val="accent5">
@@ -12178,7 +12822,7 @@
                 <a:latin typeface="Hiragino Maru Gothic Pro W4" panose="020F0400000000000000" pitchFamily="34" charset="-128"/>
                 <a:ea typeface="Hiragino Maru Gothic Pro W4" panose="020F0400000000000000" pitchFamily="34" charset="-128"/>
               </a:rPr>
-              <a:t>2</a:t>
+              <a:t>21</a:t>
             </a:fld>
             <a:endParaRPr lang="ja-JP" altLang="en-US" noProof="0" dirty="0">
               <a:solidFill>
@@ -12195,7 +12839,7 @@
     </p:spTree>
     <p:extLst>
       <p:ext uri="{BB962C8B-B14F-4D97-AF65-F5344CB8AC3E}">
-        <p14:creationId xmlns:p14="http://schemas.microsoft.com/office/powerpoint/2010/main" val="2982791126"/>
+        <p14:creationId xmlns:p14="http://schemas.microsoft.com/office/powerpoint/2010/main" val="1736432121"/>
       </p:ext>
     </p:extLst>
   </p:cSld>
@@ -12217,7 +12861,7 @@
 </p:sld>
 </file>
 
-<file path=ppt/slides/slide20.xml><?xml version="1.0" encoding="utf-8"?>
+<file path=ppt/slides/slide22.xml><?xml version="1.0" encoding="utf-8"?>
 <p:sld xmlns:a="http://schemas.openxmlformats.org/drawingml/2006/main" xmlns:r="http://schemas.openxmlformats.org/officeDocument/2006/relationships" xmlns:p="http://schemas.openxmlformats.org/presentationml/2006/main">
   <p:cSld>
     <p:spTree>
@@ -12378,7 +13022,7 @@
                 <a:latin typeface="Hiragino Maru Gothic Pro W4" panose="020F0400000000000000" pitchFamily="34" charset="-128"/>
                 <a:ea typeface="Hiragino Maru Gothic Pro W4" panose="020F0400000000000000" pitchFamily="34" charset="-128"/>
               </a:rPr>
-              <a:t>20</a:t>
+              <a:t>22</a:t>
             </a:fld>
             <a:endParaRPr lang="ja-JP" altLang="en-US" noProof="0" dirty="0">
               <a:solidFill>
@@ -12415,7 +13059,7 @@
 </p:sld>
 </file>
 
-<file path=ppt/slides/slide21.xml><?xml version="1.0" encoding="utf-8"?>
+<file path=ppt/slides/slide23.xml><?xml version="1.0" encoding="utf-8"?>
 <p:sld xmlns:a="http://schemas.openxmlformats.org/drawingml/2006/main" xmlns:r="http://schemas.openxmlformats.org/officeDocument/2006/relationships" xmlns:p="http://schemas.openxmlformats.org/presentationml/2006/main">
   <p:cSld>
     <p:spTree>
@@ -12549,7 +13193,7 @@
                 <a:latin typeface="Hiragino Maru Gothic Pro W4" panose="020F0400000000000000" pitchFamily="34" charset="-128"/>
                 <a:ea typeface="Hiragino Maru Gothic Pro W4" panose="020F0400000000000000" pitchFamily="34" charset="-128"/>
               </a:rPr>
-              <a:t>21</a:t>
+              <a:t>23</a:t>
             </a:fld>
             <a:endParaRPr lang="ja-JP" altLang="en-US" noProof="0" dirty="0">
               <a:solidFill>
@@ -13108,7 +13752,7 @@
           <p:cNvPr id="2" name="タイトル 1">
             <a:extLst>
               <a:ext uri="{FF2B5EF4-FFF2-40B4-BE49-F238E27FC236}">
-                <a16:creationId xmlns:a16="http://schemas.microsoft.com/office/drawing/2014/main" id="{05E27039-9568-144A-9E91-3B61FB565D2A}"/>
+                <a16:creationId xmlns:a16="http://schemas.microsoft.com/office/drawing/2014/main" id="{4BEF2D4F-28AD-C84D-A4AC-A607D5B45D24}"/>
               </a:ext>
             </a:extLst>
           </p:cNvPr>
@@ -13116,19 +13760,12 @@
             <a:spLocks noGrp="1"/>
           </p:cNvSpPr>
           <p:nvPr>
-            <p:ph type="ctrTitle"/>
+            <p:ph type="title"/>
           </p:nvPr>
         </p:nvSpPr>
-        <p:spPr>
-          <a:xfrm>
-            <a:off x="1306286" y="1187630"/>
-            <a:ext cx="9570720" cy="3173122"/>
-          </a:xfrm>
-        </p:spPr>
+        <p:spPr/>
         <p:txBody>
-          <a:bodyPr>
-            <a:normAutofit fontScale="90000"/>
-          </a:bodyPr>
+          <a:bodyPr/>
           <a:lstStyle/>
           <a:p>
             <a:r>
@@ -13141,30 +13778,8 @@
                 <a:latin typeface="Hiragino Maru Gothic Pro W4" panose="020F0400000000000000" pitchFamily="34" charset="-128"/>
                 <a:ea typeface="Hiragino Maru Gothic Pro W4" panose="020F0400000000000000" pitchFamily="34" charset="-128"/>
               </a:rPr>
-              <a:t>それでは挙げていきましょう</a:t>
-            </a:r>
-            <a:br>
-              <a:rPr lang="en-US" altLang="ja-JP" dirty="0">
-                <a:solidFill>
-                  <a:schemeClr val="accent5">
-                    <a:lumMod val="50000"/>
-                  </a:schemeClr>
-                </a:solidFill>
-                <a:latin typeface="Hiragino Maru Gothic Pro W4" panose="020F0400000000000000" pitchFamily="34" charset="-128"/>
-                <a:ea typeface="Hiragino Maru Gothic Pro W4" panose="020F0400000000000000" pitchFamily="34" charset="-128"/>
-              </a:rPr>
-            </a:br>
-            <a:br>
-              <a:rPr lang="en-US" altLang="ja-JP" dirty="0">
-                <a:solidFill>
-                  <a:schemeClr val="accent5">
-                    <a:lumMod val="50000"/>
-                  </a:schemeClr>
-                </a:solidFill>
-                <a:latin typeface="Hiragino Maru Gothic Pro W4" panose="020F0400000000000000" pitchFamily="34" charset="-128"/>
-                <a:ea typeface="Hiragino Maru Gothic Pro W4" panose="020F0400000000000000" pitchFamily="34" charset="-128"/>
-              </a:rPr>
-            </a:br>
+              <a:t>難易度について</a:t>
+            </a:r>
             <a:endParaRPr kumimoji="1" lang="ja-JP" altLang="en-US">
               <a:solidFill>
                 <a:schemeClr val="accent5">
@@ -13179,10 +13794,503 @@
       </p:sp>
       <p:sp>
         <p:nvSpPr>
+          <p:cNvPr id="3" name="コンテンツ プレースホルダー 2">
+            <a:extLst>
+              <a:ext uri="{FF2B5EF4-FFF2-40B4-BE49-F238E27FC236}">
+                <a16:creationId xmlns:a16="http://schemas.microsoft.com/office/drawing/2014/main" id="{01E773B8-156E-4743-8E4A-3ED5FB7CC4E2}"/>
+              </a:ext>
+            </a:extLst>
+          </p:cNvPr>
+          <p:cNvSpPr>
+            <a:spLocks noGrp="1"/>
+          </p:cNvSpPr>
+          <p:nvPr>
+            <p:ph idx="1"/>
+          </p:nvPr>
+        </p:nvSpPr>
+        <p:spPr>
+          <a:xfrm>
+            <a:off x="838200" y="1588575"/>
+            <a:ext cx="10515600" cy="4588387"/>
+          </a:xfrm>
+        </p:spPr>
+        <p:txBody>
+          <a:bodyPr>
+            <a:normAutofit/>
+          </a:bodyPr>
+          <a:lstStyle/>
+          <a:p>
+            <a:pPr marL="45720" indent="0">
+              <a:buNone/>
+            </a:pPr>
+            <a:r>
+              <a:rPr lang="ja-JP" altLang="en-US">
+                <a:solidFill>
+                  <a:schemeClr val="accent5">
+                    <a:lumMod val="50000"/>
+                  </a:schemeClr>
+                </a:solidFill>
+                <a:latin typeface="Hiragino Maru Gothic Pro W4" panose="020F0400000000000000" pitchFamily="34" charset="-128"/>
+                <a:ea typeface="Hiragino Maru Gothic Pro W4" panose="020F0400000000000000" pitchFamily="34" charset="-128"/>
+              </a:rPr>
+              <a:t>リーグで「優勝争い</a:t>
+            </a:r>
+            <a:r>
+              <a:rPr lang="en-US" altLang="ja-JP" dirty="0">
+                <a:solidFill>
+                  <a:schemeClr val="accent5">
+                    <a:lumMod val="50000"/>
+                  </a:schemeClr>
+                </a:solidFill>
+                <a:latin typeface="Hiragino Maru Gothic Pro W4" panose="020F0400000000000000" pitchFamily="34" charset="-128"/>
+                <a:ea typeface="Hiragino Maru Gothic Pro W4" panose="020F0400000000000000" pitchFamily="34" charset="-128"/>
+              </a:rPr>
+              <a:t>(</a:t>
+            </a:r>
+            <a:r>
+              <a:rPr lang="ja-JP" altLang="en-US">
+                <a:solidFill>
+                  <a:schemeClr val="accent5">
+                    <a:lumMod val="50000"/>
+                  </a:schemeClr>
+                </a:solidFill>
+                <a:latin typeface="Hiragino Maru Gothic Pro W4" panose="020F0400000000000000" pitchFamily="34" charset="-128"/>
+                <a:ea typeface="Hiragino Maru Gothic Pro W4" panose="020F0400000000000000" pitchFamily="34" charset="-128"/>
+              </a:rPr>
+              <a:t>プレーオフ</a:t>
+            </a:r>
+            <a:r>
+              <a:rPr lang="en-US" altLang="ja-JP" dirty="0">
+                <a:solidFill>
+                  <a:schemeClr val="accent5">
+                    <a:lumMod val="50000"/>
+                  </a:schemeClr>
+                </a:solidFill>
+                <a:latin typeface="Hiragino Maru Gothic Pro W4" panose="020F0400000000000000" pitchFamily="34" charset="-128"/>
+                <a:ea typeface="Hiragino Maru Gothic Pro W4" panose="020F0400000000000000" pitchFamily="34" charset="-128"/>
+              </a:rPr>
+              <a:t>)</a:t>
+            </a:r>
+            <a:r>
+              <a:rPr lang="ja-JP" altLang="en-US">
+                <a:solidFill>
+                  <a:schemeClr val="accent5">
+                    <a:lumMod val="50000"/>
+                  </a:schemeClr>
+                </a:solidFill>
+                <a:latin typeface="Hiragino Maru Gothic Pro W4" panose="020F0400000000000000" pitchFamily="34" charset="-128"/>
+                <a:ea typeface="Hiragino Maru Gothic Pro W4" panose="020F0400000000000000" pitchFamily="34" charset="-128"/>
+              </a:rPr>
+              <a:t>」するには？を表現します。</a:t>
+            </a:r>
+            <a:endParaRPr lang="en-US" altLang="ja-JP" dirty="0">
+              <a:solidFill>
+                <a:schemeClr val="accent5">
+                  <a:lumMod val="50000"/>
+                </a:schemeClr>
+              </a:solidFill>
+              <a:latin typeface="Hiragino Maru Gothic Pro W4" panose="020F0400000000000000" pitchFamily="34" charset="-128"/>
+              <a:ea typeface="Hiragino Maru Gothic Pro W4" panose="020F0400000000000000" pitchFamily="34" charset="-128"/>
+            </a:endParaRPr>
+          </a:p>
+          <a:p>
+            <a:pPr marL="45720" indent="0">
+              <a:buNone/>
+            </a:pPr>
+            <a:r>
+              <a:rPr lang="ja-JP" altLang="en-US">
+                <a:solidFill>
+                  <a:srgbClr val="FF0000"/>
+                </a:solidFill>
+                <a:latin typeface="Hiragino Maru Gothic Pro W4" panose="020F0400000000000000" pitchFamily="34" charset="-128"/>
+                <a:ea typeface="Hiragino Maru Gothic Pro W4" panose="020F0400000000000000" pitchFamily="34" charset="-128"/>
+              </a:rPr>
+              <a:t>平均値ではないのでご注意ください。</a:t>
+            </a:r>
+            <a:endParaRPr lang="en-US" altLang="ja-JP" dirty="0">
+              <a:solidFill>
+                <a:srgbClr val="FF0000"/>
+              </a:solidFill>
+              <a:latin typeface="Hiragino Maru Gothic Pro W4" panose="020F0400000000000000" pitchFamily="34" charset="-128"/>
+              <a:ea typeface="Hiragino Maru Gothic Pro W4" panose="020F0400000000000000" pitchFamily="34" charset="-128"/>
+            </a:endParaRPr>
+          </a:p>
+          <a:p>
+            <a:pPr marL="45720" indent="0">
+              <a:buNone/>
+            </a:pPr>
+            <a:r>
+              <a:rPr lang="ja-JP" altLang="en-US">
+                <a:solidFill>
+                  <a:schemeClr val="accent5">
+                    <a:lumMod val="50000"/>
+                  </a:schemeClr>
+                </a:solidFill>
+                <a:latin typeface="Hiragino Maru Gothic Pro W4" panose="020F0400000000000000" pitchFamily="34" charset="-128"/>
+                <a:ea typeface="Hiragino Maru Gothic Pro W4" panose="020F0400000000000000" pitchFamily="34" charset="-128"/>
+              </a:rPr>
+              <a:t>分かりやすいように</a:t>
+            </a:r>
+            <a:r>
+              <a:rPr lang="en-US" altLang="ja-JP" dirty="0">
+                <a:solidFill>
+                  <a:schemeClr val="accent5">
+                    <a:lumMod val="50000"/>
+                  </a:schemeClr>
+                </a:solidFill>
+                <a:latin typeface="Hiragino Maru Gothic Pro W4" panose="020F0400000000000000" pitchFamily="34" charset="-128"/>
+                <a:ea typeface="Hiragino Maru Gothic Pro W4" panose="020F0400000000000000" pitchFamily="34" charset="-128"/>
+              </a:rPr>
+              <a:t> JWC </a:t>
+            </a:r>
+            <a:r>
+              <a:rPr lang="ja-JP" altLang="en-US">
+                <a:solidFill>
+                  <a:schemeClr val="accent5">
+                    <a:lumMod val="50000"/>
+                  </a:schemeClr>
+                </a:solidFill>
+                <a:latin typeface="Hiragino Maru Gothic Pro W4" panose="020F0400000000000000" pitchFamily="34" charset="-128"/>
+                <a:ea typeface="Hiragino Maru Gothic Pro W4" panose="020F0400000000000000" pitchFamily="34" charset="-128"/>
+              </a:rPr>
+              <a:t>を指標に使います。</a:t>
+            </a:r>
+            <a:endParaRPr lang="en-US" altLang="ja-JP" dirty="0">
+              <a:solidFill>
+                <a:schemeClr val="accent5">
+                  <a:lumMod val="50000"/>
+                </a:schemeClr>
+              </a:solidFill>
+              <a:latin typeface="Hiragino Maru Gothic Pro W4" panose="020F0400000000000000" pitchFamily="34" charset="-128"/>
+              <a:ea typeface="Hiragino Maru Gothic Pro W4" panose="020F0400000000000000" pitchFamily="34" charset="-128"/>
+            </a:endParaRPr>
+          </a:p>
+          <a:p>
+            <a:pPr marL="502920" indent="-457200"/>
+            <a:r>
+              <a:rPr lang="en-US" altLang="ja-JP" dirty="0">
+                <a:solidFill>
+                  <a:schemeClr val="accent5">
+                    <a:lumMod val="50000"/>
+                  </a:schemeClr>
+                </a:solidFill>
+                <a:latin typeface="Hiragino Maru Gothic Pro W4" panose="020F0400000000000000" pitchFamily="34" charset="-128"/>
+                <a:ea typeface="Hiragino Maru Gothic Pro W4" panose="020F0400000000000000" pitchFamily="34" charset="-128"/>
+              </a:rPr>
+              <a:t>S</a:t>
+            </a:r>
+            <a:r>
+              <a:rPr lang="ja-JP" altLang="en-US">
+                <a:solidFill>
+                  <a:schemeClr val="accent5">
+                    <a:lumMod val="50000"/>
+                  </a:schemeClr>
+                </a:solidFill>
+                <a:latin typeface="Hiragino Maru Gothic Pro W4" panose="020F0400000000000000" pitchFamily="34" charset="-128"/>
+                <a:ea typeface="Hiragino Maru Gothic Pro W4" panose="020F0400000000000000" pitchFamily="34" charset="-128"/>
+              </a:rPr>
+              <a:t>：</a:t>
+            </a:r>
+            <a:r>
+              <a:rPr lang="en-US" altLang="ja-JP" dirty="0">
+                <a:solidFill>
+                  <a:schemeClr val="accent5">
+                    <a:lumMod val="50000"/>
+                  </a:schemeClr>
+                </a:solidFill>
+                <a:latin typeface="Hiragino Maru Gothic Pro W4" panose="020F0400000000000000" pitchFamily="34" charset="-128"/>
+                <a:ea typeface="Hiragino Maru Gothic Pro W4" panose="020F0400000000000000" pitchFamily="34" charset="-128"/>
+              </a:rPr>
+              <a:t>JWC J1 </a:t>
+            </a:r>
+            <a:r>
+              <a:rPr lang="ja-JP" altLang="en-US">
+                <a:solidFill>
+                  <a:schemeClr val="accent5">
+                    <a:lumMod val="50000"/>
+                  </a:schemeClr>
+                </a:solidFill>
+                <a:latin typeface="Hiragino Maru Gothic Pro W4" panose="020F0400000000000000" pitchFamily="34" charset="-128"/>
+                <a:ea typeface="Hiragino Maru Gothic Pro W4" panose="020F0400000000000000" pitchFamily="34" charset="-128"/>
+              </a:rPr>
+              <a:t>優勝争いレベル</a:t>
+            </a:r>
+            <a:endParaRPr lang="en-US" altLang="ja-JP" dirty="0">
+              <a:solidFill>
+                <a:schemeClr val="accent5">
+                  <a:lumMod val="50000"/>
+                </a:schemeClr>
+              </a:solidFill>
+              <a:latin typeface="Hiragino Maru Gothic Pro W4" panose="020F0400000000000000" pitchFamily="34" charset="-128"/>
+              <a:ea typeface="Hiragino Maru Gothic Pro W4" panose="020F0400000000000000" pitchFamily="34" charset="-128"/>
+            </a:endParaRPr>
+          </a:p>
+          <a:p>
+            <a:pPr marL="502920" indent="-457200"/>
+            <a:r>
+              <a:rPr lang="en-US" altLang="ja-JP" dirty="0">
+                <a:solidFill>
+                  <a:schemeClr val="accent5">
+                    <a:lumMod val="50000"/>
+                  </a:schemeClr>
+                </a:solidFill>
+                <a:latin typeface="Hiragino Maru Gothic Pro W4" panose="020F0400000000000000" pitchFamily="34" charset="-128"/>
+                <a:ea typeface="Hiragino Maru Gothic Pro W4" panose="020F0400000000000000" pitchFamily="34" charset="-128"/>
+              </a:rPr>
+              <a:t>A</a:t>
+            </a:r>
+            <a:r>
+              <a:rPr lang="ja-JP" altLang="en-US">
+                <a:solidFill>
+                  <a:schemeClr val="accent5">
+                    <a:lumMod val="50000"/>
+                  </a:schemeClr>
+                </a:solidFill>
+                <a:latin typeface="Hiragino Maru Gothic Pro W4" panose="020F0400000000000000" pitchFamily="34" charset="-128"/>
+                <a:ea typeface="Hiragino Maru Gothic Pro W4" panose="020F0400000000000000" pitchFamily="34" charset="-128"/>
+              </a:rPr>
+              <a:t>：</a:t>
+            </a:r>
+            <a:r>
+              <a:rPr lang="en-US" altLang="ja-JP" dirty="0">
+                <a:solidFill>
+                  <a:schemeClr val="accent5">
+                    <a:lumMod val="50000"/>
+                  </a:schemeClr>
+                </a:solidFill>
+                <a:latin typeface="Hiragino Maru Gothic Pro W4" panose="020F0400000000000000" pitchFamily="34" charset="-128"/>
+                <a:ea typeface="Hiragino Maru Gothic Pro W4" panose="020F0400000000000000" pitchFamily="34" charset="-128"/>
+              </a:rPr>
+              <a:t>JWC J2 </a:t>
+            </a:r>
+            <a:r>
+              <a:rPr lang="ja-JP" altLang="en-US">
+                <a:solidFill>
+                  <a:schemeClr val="accent5">
+                    <a:lumMod val="50000"/>
+                  </a:schemeClr>
+                </a:solidFill>
+                <a:latin typeface="Hiragino Maru Gothic Pro W4" panose="020F0400000000000000" pitchFamily="34" charset="-128"/>
+                <a:ea typeface="Hiragino Maru Gothic Pro W4" panose="020F0400000000000000" pitchFamily="34" charset="-128"/>
+              </a:rPr>
+              <a:t>優勝争いレベル</a:t>
+            </a:r>
+            <a:r>
+              <a:rPr lang="en-US" altLang="ja-JP" dirty="0">
+                <a:solidFill>
+                  <a:schemeClr val="accent5">
+                    <a:lumMod val="50000"/>
+                  </a:schemeClr>
+                </a:solidFill>
+                <a:latin typeface="Hiragino Maru Gothic Pro W4" panose="020F0400000000000000" pitchFamily="34" charset="-128"/>
+                <a:ea typeface="Hiragino Maru Gothic Pro W4" panose="020F0400000000000000" pitchFamily="34" charset="-128"/>
+              </a:rPr>
+              <a:t> (J1 </a:t>
+            </a:r>
+            <a:r>
+              <a:rPr lang="ja-JP" altLang="en-US">
+                <a:solidFill>
+                  <a:schemeClr val="accent5">
+                    <a:lumMod val="50000"/>
+                  </a:schemeClr>
+                </a:solidFill>
+                <a:latin typeface="Hiragino Maru Gothic Pro W4" panose="020F0400000000000000" pitchFamily="34" charset="-128"/>
+                <a:ea typeface="Hiragino Maru Gothic Pro W4" panose="020F0400000000000000" pitchFamily="34" charset="-128"/>
+              </a:rPr>
+              <a:t>残留レベル</a:t>
+            </a:r>
+            <a:r>
+              <a:rPr lang="en-US" altLang="ja-JP" dirty="0">
+                <a:solidFill>
+                  <a:schemeClr val="accent5">
+                    <a:lumMod val="50000"/>
+                  </a:schemeClr>
+                </a:solidFill>
+                <a:latin typeface="Hiragino Maru Gothic Pro W4" panose="020F0400000000000000" pitchFamily="34" charset="-128"/>
+                <a:ea typeface="Hiragino Maru Gothic Pro W4" panose="020F0400000000000000" pitchFamily="34" charset="-128"/>
+              </a:rPr>
+              <a:t>)</a:t>
+            </a:r>
+          </a:p>
+          <a:p>
+            <a:pPr marL="502920" indent="-457200"/>
+            <a:r>
+              <a:rPr lang="en-US" altLang="ja-JP" dirty="0">
+                <a:solidFill>
+                  <a:schemeClr val="accent5">
+                    <a:lumMod val="50000"/>
+                  </a:schemeClr>
+                </a:solidFill>
+                <a:latin typeface="Hiragino Maru Gothic Pro W4" panose="020F0400000000000000" pitchFamily="34" charset="-128"/>
+                <a:ea typeface="Hiragino Maru Gothic Pro W4" panose="020F0400000000000000" pitchFamily="34" charset="-128"/>
+              </a:rPr>
+              <a:t>B</a:t>
+            </a:r>
+            <a:r>
+              <a:rPr lang="ja-JP" altLang="en-US">
+                <a:solidFill>
+                  <a:schemeClr val="accent5">
+                    <a:lumMod val="50000"/>
+                  </a:schemeClr>
+                </a:solidFill>
+                <a:latin typeface="Hiragino Maru Gothic Pro W4" panose="020F0400000000000000" pitchFamily="34" charset="-128"/>
+                <a:ea typeface="Hiragino Maru Gothic Pro W4" panose="020F0400000000000000" pitchFamily="34" charset="-128"/>
+              </a:rPr>
+              <a:t>：</a:t>
+            </a:r>
+            <a:r>
+              <a:rPr lang="en-US" altLang="ja-JP" dirty="0">
+                <a:solidFill>
+                  <a:schemeClr val="accent5">
+                    <a:lumMod val="50000"/>
+                  </a:schemeClr>
+                </a:solidFill>
+                <a:latin typeface="Hiragino Maru Gothic Pro W4" panose="020F0400000000000000" pitchFamily="34" charset="-128"/>
+                <a:ea typeface="Hiragino Maru Gothic Pro W4" panose="020F0400000000000000" pitchFamily="34" charset="-128"/>
+              </a:rPr>
+              <a:t>JWC J3 </a:t>
+            </a:r>
+            <a:r>
+              <a:rPr lang="ja-JP" altLang="en-US">
+                <a:solidFill>
+                  <a:schemeClr val="accent5">
+                    <a:lumMod val="50000"/>
+                  </a:schemeClr>
+                </a:solidFill>
+                <a:latin typeface="Hiragino Maru Gothic Pro W4" panose="020F0400000000000000" pitchFamily="34" charset="-128"/>
+                <a:ea typeface="Hiragino Maru Gothic Pro W4" panose="020F0400000000000000" pitchFamily="34" charset="-128"/>
+              </a:rPr>
+              <a:t>優勝争いレベル</a:t>
+            </a:r>
+            <a:r>
+              <a:rPr lang="en-US" altLang="ja-JP" dirty="0">
+                <a:solidFill>
+                  <a:schemeClr val="accent5">
+                    <a:lumMod val="50000"/>
+                  </a:schemeClr>
+                </a:solidFill>
+                <a:latin typeface="Hiragino Maru Gothic Pro W4" panose="020F0400000000000000" pitchFamily="34" charset="-128"/>
+                <a:ea typeface="Hiragino Maru Gothic Pro W4" panose="020F0400000000000000" pitchFamily="34" charset="-128"/>
+              </a:rPr>
+              <a:t> (J2 </a:t>
+            </a:r>
+            <a:r>
+              <a:rPr lang="ja-JP" altLang="en-US">
+                <a:solidFill>
+                  <a:schemeClr val="accent5">
+                    <a:lumMod val="50000"/>
+                  </a:schemeClr>
+                </a:solidFill>
+                <a:latin typeface="Hiragino Maru Gothic Pro W4" panose="020F0400000000000000" pitchFamily="34" charset="-128"/>
+                <a:ea typeface="Hiragino Maru Gothic Pro W4" panose="020F0400000000000000" pitchFamily="34" charset="-128"/>
+              </a:rPr>
+              <a:t>残留レベル</a:t>
+            </a:r>
+            <a:r>
+              <a:rPr lang="en-US" altLang="ja-JP" dirty="0">
+                <a:solidFill>
+                  <a:schemeClr val="accent5">
+                    <a:lumMod val="50000"/>
+                  </a:schemeClr>
+                </a:solidFill>
+                <a:latin typeface="Hiragino Maru Gothic Pro W4" panose="020F0400000000000000" pitchFamily="34" charset="-128"/>
+                <a:ea typeface="Hiragino Maru Gothic Pro W4" panose="020F0400000000000000" pitchFamily="34" charset="-128"/>
+              </a:rPr>
+              <a:t>)</a:t>
+            </a:r>
+          </a:p>
+          <a:p>
+            <a:pPr marL="502920" indent="-457200"/>
+            <a:r>
+              <a:rPr lang="en-US" altLang="ja-JP" dirty="0">
+                <a:solidFill>
+                  <a:schemeClr val="accent5">
+                    <a:lumMod val="50000"/>
+                  </a:schemeClr>
+                </a:solidFill>
+                <a:latin typeface="Hiragino Maru Gothic Pro W4" panose="020F0400000000000000" pitchFamily="34" charset="-128"/>
+                <a:ea typeface="Hiragino Maru Gothic Pro W4" panose="020F0400000000000000" pitchFamily="34" charset="-128"/>
+              </a:rPr>
+              <a:t>C</a:t>
+            </a:r>
+            <a:r>
+              <a:rPr lang="ja-JP" altLang="en-US">
+                <a:solidFill>
+                  <a:schemeClr val="accent5">
+                    <a:lumMod val="50000"/>
+                  </a:schemeClr>
+                </a:solidFill>
+                <a:latin typeface="Hiragino Maru Gothic Pro W4" panose="020F0400000000000000" pitchFamily="34" charset="-128"/>
+                <a:ea typeface="Hiragino Maru Gothic Pro W4" panose="020F0400000000000000" pitchFamily="34" charset="-128"/>
+              </a:rPr>
+              <a:t>：</a:t>
+            </a:r>
+            <a:r>
+              <a:rPr lang="en-US" altLang="ja-JP" dirty="0">
+                <a:solidFill>
+                  <a:schemeClr val="accent5">
+                    <a:lumMod val="50000"/>
+                  </a:schemeClr>
+                </a:solidFill>
+                <a:latin typeface="Hiragino Maru Gothic Pro W4" panose="020F0400000000000000" pitchFamily="34" charset="-128"/>
+                <a:ea typeface="Hiragino Maru Gothic Pro W4" panose="020F0400000000000000" pitchFamily="34" charset="-128"/>
+              </a:rPr>
+              <a:t>JWC J3 </a:t>
+            </a:r>
+            <a:r>
+              <a:rPr lang="ja-JP" altLang="en-US">
+                <a:solidFill>
+                  <a:schemeClr val="accent5">
+                    <a:lumMod val="50000"/>
+                  </a:schemeClr>
+                </a:solidFill>
+                <a:latin typeface="Hiragino Maru Gothic Pro W4" panose="020F0400000000000000" pitchFamily="34" charset="-128"/>
+                <a:ea typeface="Hiragino Maru Gothic Pro W4" panose="020F0400000000000000" pitchFamily="34" charset="-128"/>
+              </a:rPr>
+              <a:t>平均レベル</a:t>
+            </a:r>
+            <a:endParaRPr lang="en-US" altLang="ja-JP" dirty="0">
+              <a:solidFill>
+                <a:schemeClr val="accent5">
+                  <a:lumMod val="50000"/>
+                </a:schemeClr>
+              </a:solidFill>
+              <a:latin typeface="Hiragino Maru Gothic Pro W4" panose="020F0400000000000000" pitchFamily="34" charset="-128"/>
+              <a:ea typeface="Hiragino Maru Gothic Pro W4" panose="020F0400000000000000" pitchFamily="34" charset="-128"/>
+            </a:endParaRPr>
+          </a:p>
+          <a:p>
+            <a:pPr marL="502920" indent="-457200"/>
+            <a:endParaRPr lang="en-US" altLang="ja-JP" dirty="0">
+              <a:solidFill>
+                <a:schemeClr val="accent5">
+                  <a:lumMod val="50000"/>
+                </a:schemeClr>
+              </a:solidFill>
+              <a:latin typeface="Hiragino Maru Gothic Pro W4" panose="020F0400000000000000" pitchFamily="34" charset="-128"/>
+              <a:ea typeface="Hiragino Maru Gothic Pro W4" panose="020F0400000000000000" pitchFamily="34" charset="-128"/>
+            </a:endParaRPr>
+          </a:p>
+          <a:p>
+            <a:pPr marL="502920" indent="-457200"/>
+            <a:endParaRPr lang="en-US" altLang="ja-JP" dirty="0">
+              <a:solidFill>
+                <a:schemeClr val="accent5">
+                  <a:lumMod val="50000"/>
+                </a:schemeClr>
+              </a:solidFill>
+              <a:latin typeface="Hiragino Maru Gothic Pro W4" panose="020F0400000000000000" pitchFamily="34" charset="-128"/>
+              <a:ea typeface="Hiragino Maru Gothic Pro W4" panose="020F0400000000000000" pitchFamily="34" charset="-128"/>
+            </a:endParaRPr>
+          </a:p>
+        </p:txBody>
+      </p:sp>
+      <p:sp>
+        <p:nvSpPr>
           <p:cNvPr id="4" name="スライド番号プレースホルダー 3">
             <a:extLst>
               <a:ext uri="{FF2B5EF4-FFF2-40B4-BE49-F238E27FC236}">
-                <a16:creationId xmlns:a16="http://schemas.microsoft.com/office/drawing/2014/main" id="{FFA60BD1-FA32-484F-807E-37BB2EC217BB}"/>
+                <a16:creationId xmlns:a16="http://schemas.microsoft.com/office/drawing/2014/main" id="{34C04C8D-49C3-874E-864D-A6289CA1E427}"/>
               </a:ext>
             </a:extLst>
           </p:cNvPr>
@@ -13193,12 +14301,7 @@
             <p:ph type="sldNum" sz="quarter" idx="12"/>
           </p:nvPr>
         </p:nvSpPr>
-        <p:spPr>
-          <a:xfrm>
-            <a:off x="8610600" y="6356350"/>
-            <a:ext cx="2743200" cy="365125"/>
-          </a:xfrm>
-        </p:spPr>
+        <p:spPr/>
         <p:txBody>
           <a:bodyPr/>
           <a:lstStyle/>
@@ -13207,7 +14310,9 @@
             <a:fld id="{E31375A4-56A4-47D6-9801-1991572033F7}" type="slidenum">
               <a:rPr lang="en-US" altLang="ja-JP" noProof="0" smtClean="0">
                 <a:solidFill>
-                  <a:srgbClr val="002060"/>
+                  <a:schemeClr val="accent5">
+                    <a:lumMod val="50000"/>
+                  </a:schemeClr>
                 </a:solidFill>
                 <a:latin typeface="Hiragino Maru Gothic Pro W4" panose="020F0400000000000000" pitchFamily="34" charset="-128"/>
                 <a:ea typeface="Hiragino Maru Gothic Pro W4" panose="020F0400000000000000" pitchFamily="34" charset="-128"/>
@@ -13216,7 +14321,9 @@
             </a:fld>
             <a:endParaRPr lang="ja-JP" altLang="en-US" noProof="0" dirty="0">
               <a:solidFill>
-                <a:srgbClr val="002060"/>
+                <a:schemeClr val="accent5">
+                  <a:lumMod val="50000"/>
+                </a:schemeClr>
               </a:solidFill>
               <a:latin typeface="Hiragino Maru Gothic Pro W4" panose="020F0400000000000000" pitchFamily="34" charset="-128"/>
               <a:ea typeface="Hiragino Maru Gothic Pro W4" panose="020F0400000000000000" pitchFamily="34" charset="-128"/>
@@ -13227,7 +14334,7 @@
     </p:spTree>
     <p:extLst>
       <p:ext uri="{BB962C8B-B14F-4D97-AF65-F5344CB8AC3E}">
-        <p14:creationId xmlns:p14="http://schemas.microsoft.com/office/powerpoint/2010/main" val="2893706135"/>
+        <p14:creationId xmlns:p14="http://schemas.microsoft.com/office/powerpoint/2010/main" val="111146887"/>
       </p:ext>
     </p:extLst>
   </p:cSld>
@@ -13271,7 +14378,7 @@
           <p:cNvPr id="2" name="タイトル 1">
             <a:extLst>
               <a:ext uri="{FF2B5EF4-FFF2-40B4-BE49-F238E27FC236}">
-                <a16:creationId xmlns:a16="http://schemas.microsoft.com/office/drawing/2014/main" id="{4BEF2D4F-28AD-C84D-A4AC-A607D5B45D24}"/>
+                <a16:creationId xmlns:a16="http://schemas.microsoft.com/office/drawing/2014/main" id="{05E27039-9568-144A-9E91-3B61FB565D2A}"/>
               </a:ext>
             </a:extLst>
           </p:cNvPr>
@@ -13279,15 +14386,34 @@
             <a:spLocks noGrp="1"/>
           </p:cNvSpPr>
           <p:nvPr>
-            <p:ph type="title"/>
+            <p:ph type="ctrTitle"/>
           </p:nvPr>
         </p:nvSpPr>
-        <p:spPr/>
+        <p:spPr>
+          <a:xfrm>
+            <a:off x="1306286" y="1187630"/>
+            <a:ext cx="9570720" cy="3173122"/>
+          </a:xfrm>
+        </p:spPr>
         <p:txBody>
-          <a:bodyPr/>
+          <a:bodyPr>
+            <a:normAutofit fontScale="90000"/>
+          </a:bodyPr>
           <a:lstStyle/>
           <a:p>
             <a:r>
+              <a:rPr lang="ja-JP" altLang="en-US">
+                <a:solidFill>
+                  <a:schemeClr val="accent5">
+                    <a:lumMod val="50000"/>
+                  </a:schemeClr>
+                </a:solidFill>
+                <a:latin typeface="Hiragino Maru Gothic Pro W4" panose="020F0400000000000000" pitchFamily="34" charset="-128"/>
+                <a:ea typeface="Hiragino Maru Gothic Pro W4" panose="020F0400000000000000" pitchFamily="34" charset="-128"/>
+              </a:rPr>
+              <a:t>それでは挙げていきましょう</a:t>
+            </a:r>
+            <a:br>
               <a:rPr lang="en-US" altLang="ja-JP" dirty="0">
                 <a:solidFill>
                   <a:schemeClr val="accent5">
@@ -13297,8 +14423,18 @@
                 <a:latin typeface="Hiragino Maru Gothic Pro W4" panose="020F0400000000000000" pitchFamily="34" charset="-128"/>
                 <a:ea typeface="Hiragino Maru Gothic Pro W4" panose="020F0400000000000000" pitchFamily="34" charset="-128"/>
               </a:rPr>
-              <a:t>JWC TH13 J1</a:t>
-            </a:r>
+            </a:br>
+            <a:br>
+              <a:rPr lang="en-US" altLang="ja-JP" dirty="0">
+                <a:solidFill>
+                  <a:schemeClr val="accent5">
+                    <a:lumMod val="50000"/>
+                  </a:schemeClr>
+                </a:solidFill>
+                <a:latin typeface="Hiragino Maru Gothic Pro W4" panose="020F0400000000000000" pitchFamily="34" charset="-128"/>
+                <a:ea typeface="Hiragino Maru Gothic Pro W4" panose="020F0400000000000000" pitchFamily="34" charset="-128"/>
+              </a:rPr>
+            </a:br>
             <a:endParaRPr kumimoji="1" lang="ja-JP" altLang="en-US">
               <a:solidFill>
                 <a:schemeClr val="accent5">
@@ -13313,293 +14449,10 @@
       </p:sp>
       <p:sp>
         <p:nvSpPr>
-          <p:cNvPr id="3" name="コンテンツ プレースホルダー 2">
-            <a:extLst>
-              <a:ext uri="{FF2B5EF4-FFF2-40B4-BE49-F238E27FC236}">
-                <a16:creationId xmlns:a16="http://schemas.microsoft.com/office/drawing/2014/main" id="{01E773B8-156E-4743-8E4A-3ED5FB7CC4E2}"/>
-              </a:ext>
-            </a:extLst>
-          </p:cNvPr>
-          <p:cNvSpPr>
-            <a:spLocks noGrp="1"/>
-          </p:cNvSpPr>
-          <p:nvPr>
-            <p:ph idx="1"/>
-          </p:nvPr>
-        </p:nvSpPr>
-        <p:spPr>
-          <a:xfrm>
-            <a:off x="838200" y="1588575"/>
-            <a:ext cx="10515600" cy="4588387"/>
-          </a:xfrm>
-        </p:spPr>
-        <p:txBody>
-          <a:bodyPr>
-            <a:normAutofit/>
-          </a:bodyPr>
-          <a:lstStyle/>
-          <a:p>
-            <a:pPr marL="502920" indent="-457200"/>
-            <a:r>
-              <a:rPr lang="en-US" altLang="ja-JP" sz="2200" dirty="0">
-                <a:solidFill>
-                  <a:schemeClr val="accent5">
-                    <a:lumMod val="50000"/>
-                  </a:schemeClr>
-                </a:solidFill>
-                <a:latin typeface="Hiragino Maru Gothic Pro W4" panose="020F0400000000000000" pitchFamily="34" charset="-128"/>
-                <a:ea typeface="Hiragino Maru Gothic Pro W4" panose="020F0400000000000000" pitchFamily="34" charset="-128"/>
-                <a:hlinkClick r:id="rId2"/>
-              </a:rPr>
-              <a:t>https://jwcranking.jimdofree.com/home/about-jwc/</a:t>
-            </a:r>
-            <a:endParaRPr lang="en-US" altLang="ja-JP" sz="2200" dirty="0">
-              <a:solidFill>
-                <a:schemeClr val="accent5">
-                  <a:lumMod val="50000"/>
-                </a:schemeClr>
-              </a:solidFill>
-              <a:latin typeface="Hiragino Maru Gothic Pro W4" panose="020F0400000000000000" pitchFamily="34" charset="-128"/>
-              <a:ea typeface="Hiragino Maru Gothic Pro W4" panose="020F0400000000000000" pitchFamily="34" charset="-128"/>
-            </a:endParaRPr>
-          </a:p>
-          <a:p>
-            <a:pPr marL="502920" indent="-457200"/>
-            <a:r>
-              <a:rPr lang="en-US" altLang="ja-JP" sz="2200" dirty="0">
-                <a:solidFill>
-                  <a:schemeClr val="accent5">
-                    <a:lumMod val="50000"/>
-                  </a:schemeClr>
-                </a:solidFill>
-                <a:latin typeface="Hiragino Maru Gothic Pro W4" panose="020F0400000000000000" pitchFamily="34" charset="-128"/>
-                <a:ea typeface="Hiragino Maru Gothic Pro W4" panose="020F0400000000000000" pitchFamily="34" charset="-128"/>
-                <a:hlinkClick r:id="rId3"/>
-              </a:rPr>
-              <a:t>http://cocwar.info/league/leagueDetail.do?idWarLeagueSeason=100</a:t>
-            </a:r>
-            <a:endParaRPr lang="en-US" altLang="ja-JP" sz="2200" dirty="0">
-              <a:solidFill>
-                <a:schemeClr val="accent5">
-                  <a:lumMod val="50000"/>
-                </a:schemeClr>
-              </a:solidFill>
-              <a:latin typeface="Hiragino Maru Gothic Pro W4" panose="020F0400000000000000" pitchFamily="34" charset="-128"/>
-              <a:ea typeface="Hiragino Maru Gothic Pro W4" panose="020F0400000000000000" pitchFamily="34" charset="-128"/>
-            </a:endParaRPr>
-          </a:p>
-          <a:p>
-            <a:pPr marL="502920" indent="-457200"/>
-            <a:r>
-              <a:rPr lang="ja-JP" altLang="en-US" sz="2200">
-                <a:solidFill>
-                  <a:schemeClr val="accent5">
-                    <a:lumMod val="50000"/>
-                  </a:schemeClr>
-                </a:solidFill>
-                <a:latin typeface="Hiragino Maru Gothic Pro W4" panose="020F0400000000000000" pitchFamily="34" charset="-128"/>
-                <a:ea typeface="Hiragino Maru Gothic Pro W4" panose="020F0400000000000000" pitchFamily="34" charset="-128"/>
-              </a:rPr>
-              <a:t>難易度：</a:t>
-            </a:r>
-            <a:r>
-              <a:rPr lang="en-US" altLang="ja-JP" sz="2200" dirty="0">
-                <a:solidFill>
-                  <a:schemeClr val="accent5">
-                    <a:lumMod val="50000"/>
-                  </a:schemeClr>
-                </a:solidFill>
-                <a:latin typeface="Hiragino Maru Gothic Pro W4" panose="020F0400000000000000" pitchFamily="34" charset="-128"/>
-                <a:ea typeface="Hiragino Maru Gothic Pro W4" panose="020F0400000000000000" pitchFamily="34" charset="-128"/>
-              </a:rPr>
-              <a:t>A</a:t>
-            </a:r>
-          </a:p>
-          <a:p>
-            <a:pPr marL="502920" indent="-457200"/>
-            <a:r>
-              <a:rPr lang="ja-JP" altLang="en-US" sz="2200">
-                <a:solidFill>
-                  <a:schemeClr val="accent5">
-                    <a:lumMod val="50000"/>
-                  </a:schemeClr>
-                </a:solidFill>
-                <a:latin typeface="Hiragino Maru Gothic Pro W4" panose="020F0400000000000000" pitchFamily="34" charset="-128"/>
-                <a:ea typeface="Hiragino Maru Gothic Pro W4" panose="020F0400000000000000" pitchFamily="34" charset="-128"/>
-              </a:rPr>
-              <a:t>対戦人数：</a:t>
-            </a:r>
-            <a:r>
-              <a:rPr lang="en-US" altLang="ja-JP" sz="2200" dirty="0">
-                <a:solidFill>
-                  <a:schemeClr val="accent5">
-                    <a:lumMod val="50000"/>
-                  </a:schemeClr>
-                </a:solidFill>
-                <a:latin typeface="Hiragino Maru Gothic Pro W4" panose="020F0400000000000000" pitchFamily="34" charset="-128"/>
-                <a:ea typeface="Hiragino Maru Gothic Pro W4" panose="020F0400000000000000" pitchFamily="34" charset="-128"/>
-              </a:rPr>
-              <a:t>20</a:t>
-            </a:r>
-            <a:r>
-              <a:rPr lang="ja-JP" altLang="en-US" sz="2200">
-                <a:solidFill>
-                  <a:schemeClr val="accent5">
-                    <a:lumMod val="50000"/>
-                  </a:schemeClr>
-                </a:solidFill>
-                <a:latin typeface="Hiragino Maru Gothic Pro W4" panose="020F0400000000000000" pitchFamily="34" charset="-128"/>
-                <a:ea typeface="Hiragino Maru Gothic Pro W4" panose="020F0400000000000000" pitchFamily="34" charset="-128"/>
-              </a:rPr>
-              <a:t>人</a:t>
-            </a:r>
-            <a:r>
-              <a:rPr lang="en-US" altLang="ja-JP" sz="2200" dirty="0">
-                <a:solidFill>
-                  <a:schemeClr val="accent5">
-                    <a:lumMod val="50000"/>
-                  </a:schemeClr>
-                </a:solidFill>
-                <a:latin typeface="Hiragino Maru Gothic Pro W4" panose="020F0400000000000000" pitchFamily="34" charset="-128"/>
-                <a:ea typeface="Hiragino Maru Gothic Pro W4" panose="020F0400000000000000" pitchFamily="34" charset="-128"/>
-              </a:rPr>
-              <a:t>〜</a:t>
-            </a:r>
-          </a:p>
-          <a:p>
-            <a:pPr marL="502920" indent="-457200"/>
-            <a:r>
-              <a:rPr lang="ja-JP" altLang="en-US" sz="2200">
-                <a:solidFill>
-                  <a:schemeClr val="accent5">
-                    <a:lumMod val="50000"/>
-                  </a:schemeClr>
-                </a:solidFill>
-                <a:latin typeface="Hiragino Maru Gothic Pro W4" panose="020F0400000000000000" pitchFamily="34" charset="-128"/>
-                <a:ea typeface="Hiragino Maru Gothic Pro W4" panose="020F0400000000000000" pitchFamily="34" charset="-128"/>
-              </a:rPr>
-              <a:t>攻撃回数：</a:t>
-            </a:r>
-            <a:r>
-              <a:rPr lang="en-US" altLang="ja-JP" sz="2200" dirty="0">
-                <a:solidFill>
-                  <a:schemeClr val="accent5">
-                    <a:lumMod val="50000"/>
-                  </a:schemeClr>
-                </a:solidFill>
-                <a:latin typeface="Hiragino Maru Gothic Pro W4" panose="020F0400000000000000" pitchFamily="34" charset="-128"/>
-                <a:ea typeface="Hiragino Maru Gothic Pro W4" panose="020F0400000000000000" pitchFamily="34" charset="-128"/>
-              </a:rPr>
-              <a:t>2</a:t>
-            </a:r>
-            <a:r>
-              <a:rPr lang="ja-JP" altLang="en-US" sz="2200">
-                <a:solidFill>
-                  <a:schemeClr val="accent5">
-                    <a:lumMod val="50000"/>
-                  </a:schemeClr>
-                </a:solidFill>
-                <a:latin typeface="Hiragino Maru Gothic Pro W4" panose="020F0400000000000000" pitchFamily="34" charset="-128"/>
-                <a:ea typeface="Hiragino Maru Gothic Pro W4" panose="020F0400000000000000" pitchFamily="34" charset="-128"/>
-              </a:rPr>
-              <a:t>回</a:t>
-            </a:r>
-            <a:endParaRPr lang="en-US" altLang="ja-JP" sz="2200" dirty="0">
-              <a:solidFill>
-                <a:schemeClr val="accent5">
-                  <a:lumMod val="50000"/>
-                </a:schemeClr>
-              </a:solidFill>
-              <a:latin typeface="Hiragino Maru Gothic Pro W4" panose="020F0400000000000000" pitchFamily="34" charset="-128"/>
-              <a:ea typeface="Hiragino Maru Gothic Pro W4" panose="020F0400000000000000" pitchFamily="34" charset="-128"/>
-            </a:endParaRPr>
-          </a:p>
-          <a:p>
-            <a:pPr marL="502920" indent="-457200"/>
-            <a:r>
-              <a:rPr lang="ja-JP" altLang="en-US" sz="2200">
-                <a:solidFill>
-                  <a:schemeClr val="accent5">
-                    <a:lumMod val="50000"/>
-                  </a:schemeClr>
-                </a:solidFill>
-                <a:latin typeface="Hiragino Maru Gothic Pro W4" panose="020F0400000000000000" pitchFamily="34" charset="-128"/>
-                <a:ea typeface="Hiragino Maru Gothic Pro W4" panose="020F0400000000000000" pitchFamily="34" charset="-128"/>
-              </a:rPr>
-              <a:t>スケジュール実績：</a:t>
-            </a:r>
-            <a:endParaRPr lang="en-US" altLang="ja-JP" sz="2200" dirty="0">
-              <a:solidFill>
-                <a:schemeClr val="accent5">
-                  <a:lumMod val="50000"/>
-                </a:schemeClr>
-              </a:solidFill>
-              <a:latin typeface="Hiragino Maru Gothic Pro W4" panose="020F0400000000000000" pitchFamily="34" charset="-128"/>
-              <a:ea typeface="Hiragino Maru Gothic Pro W4" panose="020F0400000000000000" pitchFamily="34" charset="-128"/>
-            </a:endParaRPr>
-          </a:p>
-          <a:p>
-            <a:pPr marL="960120" lvl="1" indent="-457200">
-              <a:buFont typeface="Wingdings" pitchFamily="2" charset="2"/>
-              <a:buChar char="ü"/>
-            </a:pPr>
-            <a:r>
-              <a:rPr lang="en-US" altLang="ja-JP" sz="2200" dirty="0">
-                <a:solidFill>
-                  <a:schemeClr val="accent5">
-                    <a:lumMod val="50000"/>
-                  </a:schemeClr>
-                </a:solidFill>
-                <a:latin typeface="Hiragino Maru Gothic Pro W4" panose="020F0400000000000000" pitchFamily="34" charset="-128"/>
-                <a:ea typeface="Hiragino Maru Gothic Pro W4" panose="020F0400000000000000" pitchFamily="34" charset="-128"/>
-              </a:rPr>
-              <a:t>season1 (2020/02/14〜05/24)</a:t>
-            </a:r>
-          </a:p>
-          <a:p>
-            <a:pPr marL="960120" lvl="1" indent="-457200">
-              <a:buFont typeface="Wingdings" pitchFamily="2" charset="2"/>
-              <a:buChar char="ü"/>
-            </a:pPr>
-            <a:r>
-              <a:rPr lang="en-US" altLang="ja-JP" sz="2200" dirty="0">
-                <a:solidFill>
-                  <a:schemeClr val="accent5">
-                    <a:lumMod val="50000"/>
-                  </a:schemeClr>
-                </a:solidFill>
-                <a:latin typeface="Hiragino Maru Gothic Pro W4" panose="020F0400000000000000" pitchFamily="34" charset="-128"/>
-                <a:ea typeface="Hiragino Maru Gothic Pro W4" panose="020F0400000000000000" pitchFamily="34" charset="-128"/>
-              </a:rPr>
-              <a:t>season2 (2020/08/10〜11/30)</a:t>
-            </a:r>
-          </a:p>
-          <a:p>
-            <a:pPr marL="960120" lvl="1" indent="-457200">
-              <a:buFont typeface="Wingdings" pitchFamily="2" charset="2"/>
-              <a:buChar char="ü"/>
-            </a:pPr>
-            <a:r>
-              <a:rPr lang="en-US" altLang="ja-JP" sz="2200" dirty="0">
-                <a:solidFill>
-                  <a:schemeClr val="accent5">
-                    <a:lumMod val="50000"/>
-                  </a:schemeClr>
-                </a:solidFill>
-                <a:latin typeface="Hiragino Maru Gothic Pro W4" panose="020F0400000000000000" pitchFamily="34" charset="-128"/>
-                <a:ea typeface="Hiragino Maru Gothic Pro W4" panose="020F0400000000000000" pitchFamily="34" charset="-128"/>
-              </a:rPr>
-              <a:t>season3 (2021/01/16〜05/31)</a:t>
-            </a:r>
-          </a:p>
-        </p:txBody>
-      </p:sp>
-      <p:sp>
-        <p:nvSpPr>
           <p:cNvPr id="4" name="スライド番号プレースホルダー 3">
             <a:extLst>
               <a:ext uri="{FF2B5EF4-FFF2-40B4-BE49-F238E27FC236}">
-                <a16:creationId xmlns:a16="http://schemas.microsoft.com/office/drawing/2014/main" id="{34C04C8D-49C3-874E-864D-A6289CA1E427}"/>
+                <a16:creationId xmlns:a16="http://schemas.microsoft.com/office/drawing/2014/main" id="{FFA60BD1-FA32-484F-807E-37BB2EC217BB}"/>
               </a:ext>
             </a:extLst>
           </p:cNvPr>
@@ -13610,7 +14463,12 @@
             <p:ph type="sldNum" sz="quarter" idx="12"/>
           </p:nvPr>
         </p:nvSpPr>
-        <p:spPr/>
+        <p:spPr>
+          <a:xfrm>
+            <a:off x="8610600" y="6356350"/>
+            <a:ext cx="2743200" cy="365125"/>
+          </a:xfrm>
+        </p:spPr>
         <p:txBody>
           <a:bodyPr/>
           <a:lstStyle/>
@@ -13619,9 +14477,7 @@
             <a:fld id="{E31375A4-56A4-47D6-9801-1991572033F7}" type="slidenum">
               <a:rPr lang="en-US" altLang="ja-JP" noProof="0" smtClean="0">
                 <a:solidFill>
-                  <a:schemeClr val="accent5">
-                    <a:lumMod val="50000"/>
-                  </a:schemeClr>
+                  <a:srgbClr val="002060"/>
                 </a:solidFill>
                 <a:latin typeface="Hiragino Maru Gothic Pro W4" panose="020F0400000000000000" pitchFamily="34" charset="-128"/>
                 <a:ea typeface="Hiragino Maru Gothic Pro W4" panose="020F0400000000000000" pitchFamily="34" charset="-128"/>
@@ -13630,9 +14486,7 @@
             </a:fld>
             <a:endParaRPr lang="ja-JP" altLang="en-US" noProof="0" dirty="0">
               <a:solidFill>
-                <a:schemeClr val="accent5">
-                  <a:lumMod val="50000"/>
-                </a:schemeClr>
+                <a:srgbClr val="002060"/>
               </a:solidFill>
               <a:latin typeface="Hiragino Maru Gothic Pro W4" panose="020F0400000000000000" pitchFamily="34" charset="-128"/>
               <a:ea typeface="Hiragino Maru Gothic Pro W4" panose="020F0400000000000000" pitchFamily="34" charset="-128"/>
@@ -13643,7 +14497,7 @@
     </p:spTree>
     <p:extLst>
       <p:ext uri="{BB962C8B-B14F-4D97-AF65-F5344CB8AC3E}">
-        <p14:creationId xmlns:p14="http://schemas.microsoft.com/office/powerpoint/2010/main" val="1832986989"/>
+        <p14:creationId xmlns:p14="http://schemas.microsoft.com/office/powerpoint/2010/main" val="2893706135"/>
       </p:ext>
     </p:extLst>
   </p:cSld>
@@ -13713,7 +14567,7 @@
                 <a:latin typeface="Hiragino Maru Gothic Pro W4" panose="020F0400000000000000" pitchFamily="34" charset="-128"/>
                 <a:ea typeface="Hiragino Maru Gothic Pro W4" panose="020F0400000000000000" pitchFamily="34" charset="-128"/>
               </a:rPr>
-              <a:t>JWC TH13 J2</a:t>
+              <a:t>JWC TH13 J1</a:t>
             </a:r>
             <a:endParaRPr kumimoji="1" lang="ja-JP" altLang="en-US">
               <a:solidFill>
@@ -13751,7 +14605,7 @@
         </p:spPr>
         <p:txBody>
           <a:bodyPr>
-            <a:noAutofit/>
+            <a:normAutofit/>
           </a:bodyPr>
           <a:lstStyle/>
           <a:p>
@@ -13792,7 +14646,7 @@
                 <a:ea typeface="Hiragino Maru Gothic Pro W4" panose="020F0400000000000000" pitchFamily="34" charset="-128"/>
                 <a:hlinkClick r:id="rId3"/>
               </a:rPr>
-              <a:t>http://cocwar.info/league/leagueDetail.do?idWarLeagueSeason=101</a:t>
+              <a:t>http://cocwar.info/league/leagueDetail.do?idWarLeagueSeason=100</a:t>
             </a:r>
             <a:endParaRPr lang="en-US" altLang="ja-JP" sz="2200" dirty="0">
               <a:solidFill>
@@ -13807,6 +14661,18 @@
           <a:p>
             <a:pPr marL="502920" indent="-457200"/>
             <a:r>
+              <a:rPr lang="ja-JP" altLang="en-US" sz="2200">
+                <a:solidFill>
+                  <a:schemeClr val="accent5">
+                    <a:lumMod val="50000"/>
+                  </a:schemeClr>
+                </a:solidFill>
+                <a:latin typeface="Hiragino Maru Gothic Pro W4" panose="020F0400000000000000" pitchFamily="34" charset="-128"/>
+                <a:ea typeface="Hiragino Maru Gothic Pro W4" panose="020F0400000000000000" pitchFamily="34" charset="-128"/>
+              </a:rPr>
+              <a:t>難易度：</a:t>
+            </a:r>
+            <a:r>
               <a:rPr lang="en-US" altLang="ja-JP" sz="2200" dirty="0">
                 <a:solidFill>
                   <a:schemeClr val="accent5">
@@ -13815,9 +14681,47 @@
                 </a:solidFill>
                 <a:latin typeface="Hiragino Maru Gothic Pro W4" panose="020F0400000000000000" pitchFamily="34" charset="-128"/>
                 <a:ea typeface="Hiragino Maru Gothic Pro W4" panose="020F0400000000000000" pitchFamily="34" charset="-128"/>
-                <a:hlinkClick r:id="rId4"/>
-              </a:rPr>
-              <a:t>http://cocwar.info/league/leagueDetail.do?idWarLeagueSeason=102</a:t>
+              </a:rPr>
+              <a:t>S</a:t>
+            </a:r>
+          </a:p>
+          <a:p>
+            <a:pPr marL="502920" indent="-457200"/>
+            <a:r>
+              <a:rPr lang="ja-JP" altLang="en-US" sz="2200">
+                <a:solidFill>
+                  <a:schemeClr val="accent5">
+                    <a:lumMod val="50000"/>
+                  </a:schemeClr>
+                </a:solidFill>
+                <a:latin typeface="Hiragino Maru Gothic Pro W4" panose="020F0400000000000000" pitchFamily="34" charset="-128"/>
+                <a:ea typeface="Hiragino Maru Gothic Pro W4" panose="020F0400000000000000" pitchFamily="34" charset="-128"/>
+              </a:rPr>
+              <a:t>対戦人数：</a:t>
+            </a:r>
+            <a:r>
+              <a:rPr lang="en-US" altLang="ja-JP" sz="2200" dirty="0">
+                <a:solidFill>
+                  <a:schemeClr val="accent5">
+                    <a:lumMod val="50000"/>
+                  </a:schemeClr>
+                </a:solidFill>
+                <a:latin typeface="Hiragino Maru Gothic Pro W4" panose="020F0400000000000000" pitchFamily="34" charset="-128"/>
+                <a:ea typeface="Hiragino Maru Gothic Pro W4" panose="020F0400000000000000" pitchFamily="34" charset="-128"/>
+              </a:rPr>
+              <a:t>20</a:t>
+            </a:r>
+            <a:r>
+              <a:rPr lang="ja-JP" altLang="en-US" sz="2200">
+                <a:solidFill>
+                  <a:schemeClr val="accent5">
+                    <a:lumMod val="50000"/>
+                  </a:schemeClr>
+                </a:solidFill>
+                <a:latin typeface="Hiragino Maru Gothic Pro W4" panose="020F0400000000000000" pitchFamily="34" charset="-128"/>
+                <a:ea typeface="Hiragino Maru Gothic Pro W4" panose="020F0400000000000000" pitchFamily="34" charset="-128"/>
+              </a:rPr>
+              <a:t>人</a:t>
             </a:r>
             <a:endParaRPr lang="en-US" altLang="ja-JP" sz="2200" dirty="0">
               <a:solidFill>
@@ -13828,84 +14732,6 @@
               <a:latin typeface="Hiragino Maru Gothic Pro W4" panose="020F0400000000000000" pitchFamily="34" charset="-128"/>
               <a:ea typeface="Hiragino Maru Gothic Pro W4" panose="020F0400000000000000" pitchFamily="34" charset="-128"/>
             </a:endParaRPr>
-          </a:p>
-          <a:p>
-            <a:pPr marL="502920" indent="-457200"/>
-            <a:r>
-              <a:rPr lang="ja-JP" altLang="en-US" sz="2200">
-                <a:solidFill>
-                  <a:schemeClr val="accent5">
-                    <a:lumMod val="50000"/>
-                  </a:schemeClr>
-                </a:solidFill>
-                <a:latin typeface="Hiragino Maru Gothic Pro W4" panose="020F0400000000000000" pitchFamily="34" charset="-128"/>
-                <a:ea typeface="Hiragino Maru Gothic Pro W4" panose="020F0400000000000000" pitchFamily="34" charset="-128"/>
-              </a:rPr>
-              <a:t>難易度：</a:t>
-            </a:r>
-            <a:r>
-              <a:rPr lang="en-US" altLang="ja-JP" sz="2200" dirty="0">
-                <a:solidFill>
-                  <a:schemeClr val="accent5">
-                    <a:lumMod val="50000"/>
-                  </a:schemeClr>
-                </a:solidFill>
-                <a:latin typeface="Hiragino Maru Gothic Pro W4" panose="020F0400000000000000" pitchFamily="34" charset="-128"/>
-                <a:ea typeface="Hiragino Maru Gothic Pro W4" panose="020F0400000000000000" pitchFamily="34" charset="-128"/>
-              </a:rPr>
-              <a:t>B</a:t>
-            </a:r>
-          </a:p>
-          <a:p>
-            <a:pPr marL="502920" indent="-457200"/>
-            <a:r>
-              <a:rPr lang="ja-JP" altLang="en-US" sz="2200">
-                <a:solidFill>
-                  <a:schemeClr val="accent5">
-                    <a:lumMod val="50000"/>
-                  </a:schemeClr>
-                </a:solidFill>
-                <a:latin typeface="Hiragino Maru Gothic Pro W4" panose="020F0400000000000000" pitchFamily="34" charset="-128"/>
-                <a:ea typeface="Hiragino Maru Gothic Pro W4" panose="020F0400000000000000" pitchFamily="34" charset="-128"/>
-              </a:rPr>
-              <a:t>対戦人数：</a:t>
-            </a:r>
-            <a:r>
-              <a:rPr lang="en-US" altLang="ja-JP" sz="2200" dirty="0">
-                <a:solidFill>
-                  <a:schemeClr val="accent5">
-                    <a:lumMod val="50000"/>
-                  </a:schemeClr>
-                </a:solidFill>
-                <a:latin typeface="Hiragino Maru Gothic Pro W4" panose="020F0400000000000000" pitchFamily="34" charset="-128"/>
-                <a:ea typeface="Hiragino Maru Gothic Pro W4" panose="020F0400000000000000" pitchFamily="34" charset="-128"/>
-              </a:rPr>
-              <a:t>15</a:t>
-            </a:r>
-            <a:r>
-              <a:rPr lang="ja-JP" altLang="en-US" sz="2200">
-                <a:solidFill>
-                  <a:schemeClr val="accent5">
-                    <a:lumMod val="50000"/>
-                  </a:schemeClr>
-                </a:solidFill>
-                <a:latin typeface="Hiragino Maru Gothic Pro W4" panose="020F0400000000000000" pitchFamily="34" charset="-128"/>
-                <a:ea typeface="Hiragino Maru Gothic Pro W4" panose="020F0400000000000000" pitchFamily="34" charset="-128"/>
-              </a:rPr>
-              <a:t>人</a:t>
-            </a:r>
-            <a:r>
-              <a:rPr lang="en-US" altLang="ja-JP" sz="2200" dirty="0">
-                <a:solidFill>
-                  <a:schemeClr val="accent5">
-                    <a:lumMod val="50000"/>
-                  </a:schemeClr>
-                </a:solidFill>
-                <a:latin typeface="Hiragino Maru Gothic Pro W4" panose="020F0400000000000000" pitchFamily="34" charset="-128"/>
-                <a:ea typeface="Hiragino Maru Gothic Pro W4" panose="020F0400000000000000" pitchFamily="34" charset="-128"/>
-              </a:rPr>
-              <a:t>〜</a:t>
-            </a:r>
           </a:p>
           <a:p>
             <a:pPr marL="502920" indent="-457200"/>
@@ -14084,7 +14910,7 @@
     </p:spTree>
     <p:extLst>
       <p:ext uri="{BB962C8B-B14F-4D97-AF65-F5344CB8AC3E}">
-        <p14:creationId xmlns:p14="http://schemas.microsoft.com/office/powerpoint/2010/main" val="1451900171"/>
+        <p14:creationId xmlns:p14="http://schemas.microsoft.com/office/powerpoint/2010/main" val="1832986989"/>
       </p:ext>
     </p:extLst>
   </p:cSld>
@@ -14154,7 +14980,7 @@
                 <a:latin typeface="Hiragino Maru Gothic Pro W4" panose="020F0400000000000000" pitchFamily="34" charset="-128"/>
                 <a:ea typeface="Hiragino Maru Gothic Pro W4" panose="020F0400000000000000" pitchFamily="34" charset="-128"/>
               </a:rPr>
-              <a:t>JWC TH13 J3</a:t>
+              <a:t>JWC TH13 J2</a:t>
             </a:r>
             <a:endParaRPr kumimoji="1" lang="ja-JP" altLang="en-US">
               <a:solidFill>
@@ -14233,7 +15059,7 @@
                 <a:ea typeface="Hiragino Maru Gothic Pro W4" panose="020F0400000000000000" pitchFamily="34" charset="-128"/>
                 <a:hlinkClick r:id="rId3"/>
               </a:rPr>
-              <a:t>http://cocwar.info/league/leagueDetail.do?idWarLeagueSeason=103</a:t>
+              <a:t>http://cocwar.info/league/leagueDetail.do?idWarLeagueSeason=101</a:t>
             </a:r>
             <a:endParaRPr lang="en-US" altLang="ja-JP" sz="2200" dirty="0">
               <a:solidFill>
@@ -14258,7 +15084,7 @@
                 <a:ea typeface="Hiragino Maru Gothic Pro W4" panose="020F0400000000000000" pitchFamily="34" charset="-128"/>
                 <a:hlinkClick r:id="rId4"/>
               </a:rPr>
-              <a:t>http://cocwar.info/league/leagueDetail.do?idWarLeagueSeason=104</a:t>
+              <a:t>http://cocwar.info/league/leagueDetail.do?idWarLeagueSeason=102</a:t>
             </a:r>
             <a:endParaRPr lang="en-US" altLang="ja-JP" sz="2200" dirty="0">
               <a:solidFill>
@@ -14273,6 +15099,18 @@
           <a:p>
             <a:pPr marL="502920" indent="-457200"/>
             <a:r>
+              <a:rPr lang="ja-JP" altLang="en-US" sz="2200">
+                <a:solidFill>
+                  <a:schemeClr val="accent5">
+                    <a:lumMod val="50000"/>
+                  </a:schemeClr>
+                </a:solidFill>
+                <a:latin typeface="Hiragino Maru Gothic Pro W4" panose="020F0400000000000000" pitchFamily="34" charset="-128"/>
+                <a:ea typeface="Hiragino Maru Gothic Pro W4" panose="020F0400000000000000" pitchFamily="34" charset="-128"/>
+              </a:rPr>
+              <a:t>難易度：</a:t>
+            </a:r>
+            <a:r>
               <a:rPr lang="en-US" altLang="ja-JP" sz="2200" dirty="0">
                 <a:solidFill>
                   <a:schemeClr val="accent5">
@@ -14281,9 +15119,47 @@
                 </a:solidFill>
                 <a:latin typeface="Hiragino Maru Gothic Pro W4" panose="020F0400000000000000" pitchFamily="34" charset="-128"/>
                 <a:ea typeface="Hiragino Maru Gothic Pro W4" panose="020F0400000000000000" pitchFamily="34" charset="-128"/>
-                <a:hlinkClick r:id="rId5"/>
-              </a:rPr>
-              <a:t>http://cocwar.info/league/leagueDetail.do?idWarLeagueSeason=105</a:t>
+              </a:rPr>
+              <a:t>A</a:t>
+            </a:r>
+          </a:p>
+          <a:p>
+            <a:pPr marL="502920" indent="-457200"/>
+            <a:r>
+              <a:rPr lang="ja-JP" altLang="en-US" sz="2200">
+                <a:solidFill>
+                  <a:schemeClr val="accent5">
+                    <a:lumMod val="50000"/>
+                  </a:schemeClr>
+                </a:solidFill>
+                <a:latin typeface="Hiragino Maru Gothic Pro W4" panose="020F0400000000000000" pitchFamily="34" charset="-128"/>
+                <a:ea typeface="Hiragino Maru Gothic Pro W4" panose="020F0400000000000000" pitchFamily="34" charset="-128"/>
+              </a:rPr>
+              <a:t>対戦人数：</a:t>
+            </a:r>
+            <a:r>
+              <a:rPr lang="en-US" altLang="ja-JP" sz="2200" dirty="0">
+                <a:solidFill>
+                  <a:schemeClr val="accent5">
+                    <a:lumMod val="50000"/>
+                  </a:schemeClr>
+                </a:solidFill>
+                <a:latin typeface="Hiragino Maru Gothic Pro W4" panose="020F0400000000000000" pitchFamily="34" charset="-128"/>
+                <a:ea typeface="Hiragino Maru Gothic Pro W4" panose="020F0400000000000000" pitchFamily="34" charset="-128"/>
+              </a:rPr>
+              <a:t>15</a:t>
+            </a:r>
+            <a:r>
+              <a:rPr lang="ja-JP" altLang="en-US" sz="2200">
+                <a:solidFill>
+                  <a:schemeClr val="accent5">
+                    <a:lumMod val="50000"/>
+                  </a:schemeClr>
+                </a:solidFill>
+                <a:latin typeface="Hiragino Maru Gothic Pro W4" panose="020F0400000000000000" pitchFamily="34" charset="-128"/>
+                <a:ea typeface="Hiragino Maru Gothic Pro W4" panose="020F0400000000000000" pitchFamily="34" charset="-128"/>
+              </a:rPr>
+              <a:t>人</a:t>
             </a:r>
             <a:endParaRPr lang="en-US" altLang="ja-JP" sz="2200" dirty="0">
               <a:solidFill>
@@ -14294,84 +15170,6 @@
               <a:latin typeface="Hiragino Maru Gothic Pro W4" panose="020F0400000000000000" pitchFamily="34" charset="-128"/>
               <a:ea typeface="Hiragino Maru Gothic Pro W4" panose="020F0400000000000000" pitchFamily="34" charset="-128"/>
             </a:endParaRPr>
-          </a:p>
-          <a:p>
-            <a:pPr marL="502920" indent="-457200"/>
-            <a:r>
-              <a:rPr lang="ja-JP" altLang="en-US" sz="2200">
-                <a:solidFill>
-                  <a:schemeClr val="accent5">
-                    <a:lumMod val="50000"/>
-                  </a:schemeClr>
-                </a:solidFill>
-                <a:latin typeface="Hiragino Maru Gothic Pro W4" panose="020F0400000000000000" pitchFamily="34" charset="-128"/>
-                <a:ea typeface="Hiragino Maru Gothic Pro W4" panose="020F0400000000000000" pitchFamily="34" charset="-128"/>
-              </a:rPr>
-              <a:t>難易度：</a:t>
-            </a:r>
-            <a:r>
-              <a:rPr lang="en-US" altLang="ja-JP" sz="2200" dirty="0">
-                <a:solidFill>
-                  <a:schemeClr val="accent5">
-                    <a:lumMod val="50000"/>
-                  </a:schemeClr>
-                </a:solidFill>
-                <a:latin typeface="Hiragino Maru Gothic Pro W4" panose="020F0400000000000000" pitchFamily="34" charset="-128"/>
-                <a:ea typeface="Hiragino Maru Gothic Pro W4" panose="020F0400000000000000" pitchFamily="34" charset="-128"/>
-              </a:rPr>
-              <a:t>C</a:t>
-            </a:r>
-          </a:p>
-          <a:p>
-            <a:pPr marL="502920" indent="-457200"/>
-            <a:r>
-              <a:rPr lang="ja-JP" altLang="en-US" sz="2200">
-                <a:solidFill>
-                  <a:schemeClr val="accent5">
-                    <a:lumMod val="50000"/>
-                  </a:schemeClr>
-                </a:solidFill>
-                <a:latin typeface="Hiragino Maru Gothic Pro W4" panose="020F0400000000000000" pitchFamily="34" charset="-128"/>
-                <a:ea typeface="Hiragino Maru Gothic Pro W4" panose="020F0400000000000000" pitchFamily="34" charset="-128"/>
-              </a:rPr>
-              <a:t>対戦人数：</a:t>
-            </a:r>
-            <a:r>
-              <a:rPr lang="en-US" altLang="ja-JP" sz="2200" dirty="0">
-                <a:solidFill>
-                  <a:schemeClr val="accent5">
-                    <a:lumMod val="50000"/>
-                  </a:schemeClr>
-                </a:solidFill>
-                <a:latin typeface="Hiragino Maru Gothic Pro W4" panose="020F0400000000000000" pitchFamily="34" charset="-128"/>
-                <a:ea typeface="Hiragino Maru Gothic Pro W4" panose="020F0400000000000000" pitchFamily="34" charset="-128"/>
-              </a:rPr>
-              <a:t>10</a:t>
-            </a:r>
-            <a:r>
-              <a:rPr lang="ja-JP" altLang="en-US" sz="2200">
-                <a:solidFill>
-                  <a:schemeClr val="accent5">
-                    <a:lumMod val="50000"/>
-                  </a:schemeClr>
-                </a:solidFill>
-                <a:latin typeface="Hiragino Maru Gothic Pro W4" panose="020F0400000000000000" pitchFamily="34" charset="-128"/>
-                <a:ea typeface="Hiragino Maru Gothic Pro W4" panose="020F0400000000000000" pitchFamily="34" charset="-128"/>
-              </a:rPr>
-              <a:t>人</a:t>
-            </a:r>
-            <a:r>
-              <a:rPr lang="en-US" altLang="ja-JP" sz="2200" dirty="0">
-                <a:solidFill>
-                  <a:schemeClr val="accent5">
-                    <a:lumMod val="50000"/>
-                  </a:schemeClr>
-                </a:solidFill>
-                <a:latin typeface="Hiragino Maru Gothic Pro W4" panose="020F0400000000000000" pitchFamily="34" charset="-128"/>
-                <a:ea typeface="Hiragino Maru Gothic Pro W4" panose="020F0400000000000000" pitchFamily="34" charset="-128"/>
-              </a:rPr>
-              <a:t>〜</a:t>
-            </a:r>
           </a:p>
           <a:p>
             <a:pPr marL="502920" indent="-457200"/>
@@ -14550,7 +15348,7 @@
     </p:spTree>
     <p:extLst>
       <p:ext uri="{BB962C8B-B14F-4D97-AF65-F5344CB8AC3E}">
-        <p14:creationId xmlns:p14="http://schemas.microsoft.com/office/powerpoint/2010/main" val="3136771414"/>
+        <p14:creationId xmlns:p14="http://schemas.microsoft.com/office/powerpoint/2010/main" val="1451900171"/>
       </p:ext>
     </p:extLst>
   </p:cSld>
@@ -14620,7 +15418,7 @@
                 <a:latin typeface="Hiragino Maru Gothic Pro W4" panose="020F0400000000000000" pitchFamily="34" charset="-128"/>
                 <a:ea typeface="Hiragino Maru Gothic Pro W4" panose="020F0400000000000000" pitchFamily="34" charset="-128"/>
               </a:rPr>
-              <a:t>CWL Elite</a:t>
+              <a:t>JWC TH13 J3</a:t>
             </a:r>
             <a:endParaRPr kumimoji="1" lang="ja-JP" altLang="en-US">
               <a:solidFill>
@@ -14674,23 +15472,7 @@
                 <a:ea typeface="Hiragino Maru Gothic Pro W4" panose="020F0400000000000000" pitchFamily="34" charset="-128"/>
                 <a:hlinkClick r:id="rId2"/>
               </a:rPr>
-              <a:t>https://twitter.com/champwarleague</a:t>
-            </a:r>
-          </a:p>
-          <a:p>
-            <a:pPr marL="502920" indent="-457200"/>
-            <a:r>
-              <a:rPr lang="en-US" altLang="ja-JP" sz="2200" dirty="0">
-                <a:solidFill>
-                  <a:schemeClr val="accent5">
-                    <a:lumMod val="50000"/>
-                  </a:schemeClr>
-                </a:solidFill>
-                <a:latin typeface="Hiragino Maru Gothic Pro W4" panose="020F0400000000000000" pitchFamily="34" charset="-128"/>
-                <a:ea typeface="Hiragino Maru Gothic Pro W4" panose="020F0400000000000000" pitchFamily="34" charset="-128"/>
-                <a:hlinkClick r:id="rId2"/>
-              </a:rPr>
-              <a:t>https://warmatch.us/leagues/567</a:t>
+              <a:t>https://jwcranking.jimdofree.com/home/about-jwc/</a:t>
             </a:r>
             <a:endParaRPr lang="en-US" altLang="ja-JP" sz="2200" dirty="0">
               <a:solidFill>
@@ -14705,18 +15487,6 @@
           <a:p>
             <a:pPr marL="502920" indent="-457200"/>
             <a:r>
-              <a:rPr lang="ja-JP" altLang="en-US" sz="2200">
-                <a:solidFill>
-                  <a:schemeClr val="accent5">
-                    <a:lumMod val="50000"/>
-                  </a:schemeClr>
-                </a:solidFill>
-                <a:latin typeface="Hiragino Maru Gothic Pro W4" panose="020F0400000000000000" pitchFamily="34" charset="-128"/>
-                <a:ea typeface="Hiragino Maru Gothic Pro W4" panose="020F0400000000000000" pitchFamily="34" charset="-128"/>
-              </a:rPr>
-              <a:t>難易度：</a:t>
-            </a:r>
-            <a:r>
               <a:rPr lang="en-US" altLang="ja-JP" sz="2200" dirty="0">
                 <a:solidFill>
                   <a:schemeClr val="accent5">
@@ -14725,47 +15495,9 @@
                 </a:solidFill>
                 <a:latin typeface="Hiragino Maru Gothic Pro W4" panose="020F0400000000000000" pitchFamily="34" charset="-128"/>
                 <a:ea typeface="Hiragino Maru Gothic Pro W4" panose="020F0400000000000000" pitchFamily="34" charset="-128"/>
-              </a:rPr>
-              <a:t>S</a:t>
-            </a:r>
-          </a:p>
-          <a:p>
-            <a:pPr marL="502920" indent="-457200"/>
-            <a:r>
-              <a:rPr lang="ja-JP" altLang="en-US" sz="2200">
-                <a:solidFill>
-                  <a:schemeClr val="accent5">
-                    <a:lumMod val="50000"/>
-                  </a:schemeClr>
-                </a:solidFill>
-                <a:latin typeface="Hiragino Maru Gothic Pro W4" panose="020F0400000000000000" pitchFamily="34" charset="-128"/>
-                <a:ea typeface="Hiragino Maru Gothic Pro W4" panose="020F0400000000000000" pitchFamily="34" charset="-128"/>
-              </a:rPr>
-              <a:t>対戦人数：</a:t>
-            </a:r>
-            <a:r>
-              <a:rPr lang="en-US" altLang="ja-JP" sz="2200" dirty="0">
-                <a:solidFill>
-                  <a:schemeClr val="accent5">
-                    <a:lumMod val="50000"/>
-                  </a:schemeClr>
-                </a:solidFill>
-                <a:latin typeface="Hiragino Maru Gothic Pro W4" panose="020F0400000000000000" pitchFamily="34" charset="-128"/>
-                <a:ea typeface="Hiragino Maru Gothic Pro W4" panose="020F0400000000000000" pitchFamily="34" charset="-128"/>
-              </a:rPr>
-              <a:t>25</a:t>
-            </a:r>
-            <a:r>
-              <a:rPr lang="ja-JP" altLang="en-US" sz="2200">
-                <a:solidFill>
-                  <a:schemeClr val="accent5">
-                    <a:lumMod val="50000"/>
-                  </a:schemeClr>
-                </a:solidFill>
-                <a:latin typeface="Hiragino Maru Gothic Pro W4" panose="020F0400000000000000" pitchFamily="34" charset="-128"/>
-                <a:ea typeface="Hiragino Maru Gothic Pro W4" panose="020F0400000000000000" pitchFamily="34" charset="-128"/>
-              </a:rPr>
-              <a:t>人</a:t>
+                <a:hlinkClick r:id="rId3"/>
+              </a:rPr>
+              <a:t>http://cocwar.info/league/leagueDetail.do?idWarLeagueSeason=103</a:t>
             </a:r>
             <a:endParaRPr lang="en-US" altLang="ja-JP" sz="2200" dirty="0">
               <a:solidFill>
@@ -14780,18 +15512,6 @@
           <a:p>
             <a:pPr marL="502920" indent="-457200"/>
             <a:r>
-              <a:rPr lang="ja-JP" altLang="en-US" sz="2200">
-                <a:solidFill>
-                  <a:schemeClr val="accent5">
-                    <a:lumMod val="50000"/>
-                  </a:schemeClr>
-                </a:solidFill>
-                <a:latin typeface="Hiragino Maru Gothic Pro W4" panose="020F0400000000000000" pitchFamily="34" charset="-128"/>
-                <a:ea typeface="Hiragino Maru Gothic Pro W4" panose="020F0400000000000000" pitchFamily="34" charset="-128"/>
-              </a:rPr>
-              <a:t>攻撃回数：</a:t>
-            </a:r>
-            <a:r>
               <a:rPr lang="en-US" altLang="ja-JP" sz="2200" dirty="0">
                 <a:solidFill>
                   <a:schemeClr val="accent5">
@@ -14800,20 +15520,9 @@
                 </a:solidFill>
                 <a:latin typeface="Hiragino Maru Gothic Pro W4" panose="020F0400000000000000" pitchFamily="34" charset="-128"/>
                 <a:ea typeface="Hiragino Maru Gothic Pro W4" panose="020F0400000000000000" pitchFamily="34" charset="-128"/>
-              </a:rPr>
-              <a:t>2</a:t>
-            </a:r>
-            <a:r>
-              <a:rPr lang="ja-JP" altLang="en-US" sz="2200">
-                <a:solidFill>
-                  <a:schemeClr val="accent5">
-                    <a:lumMod val="50000"/>
-                  </a:schemeClr>
-                </a:solidFill>
-                <a:latin typeface="Hiragino Maru Gothic Pro W4" panose="020F0400000000000000" pitchFamily="34" charset="-128"/>
-                <a:ea typeface="Hiragino Maru Gothic Pro W4" panose="020F0400000000000000" pitchFamily="34" charset="-128"/>
-              </a:rPr>
-              <a:t>回</a:t>
+                <a:hlinkClick r:id="rId4"/>
+              </a:rPr>
+              <a:t>http://cocwar.info/league/leagueDetail.do?idWarLeagueSeason=104</a:t>
             </a:r>
             <a:endParaRPr lang="en-US" altLang="ja-JP" sz="2200" dirty="0">
               <a:solidFill>
@@ -14828,16 +15537,17 @@
           <a:p>
             <a:pPr marL="502920" indent="-457200"/>
             <a:r>
-              <a:rPr lang="ja-JP" altLang="en-US" sz="2200">
-                <a:solidFill>
-                  <a:schemeClr val="accent5">
-                    <a:lumMod val="50000"/>
-                  </a:schemeClr>
-                </a:solidFill>
-                <a:latin typeface="Hiragino Maru Gothic Pro W4" panose="020F0400000000000000" pitchFamily="34" charset="-128"/>
-                <a:ea typeface="Hiragino Maru Gothic Pro W4" panose="020F0400000000000000" pitchFamily="34" charset="-128"/>
-              </a:rPr>
-              <a:t>スケジュール実績：</a:t>
+              <a:rPr lang="en-US" altLang="ja-JP" sz="2200" dirty="0">
+                <a:solidFill>
+                  <a:schemeClr val="accent5">
+                    <a:lumMod val="50000"/>
+                  </a:schemeClr>
+                </a:solidFill>
+                <a:latin typeface="Hiragino Maru Gothic Pro W4" panose="020F0400000000000000" pitchFamily="34" charset="-128"/>
+                <a:ea typeface="Hiragino Maru Gothic Pro W4" panose="020F0400000000000000" pitchFamily="34" charset="-128"/>
+                <a:hlinkClick r:id="rId5"/>
+              </a:rPr>
+              <a:t>http://cocwar.info/league/leagueDetail.do?idWarLeagueSeason=105</a:t>
             </a:r>
             <a:endParaRPr lang="en-US" altLang="ja-JP" sz="2200" dirty="0">
               <a:solidFill>
@@ -14850,6 +15560,153 @@
             </a:endParaRPr>
           </a:p>
           <a:p>
+            <a:pPr marL="502920" indent="-457200"/>
+            <a:r>
+              <a:rPr lang="ja-JP" altLang="en-US" sz="2200">
+                <a:solidFill>
+                  <a:schemeClr val="accent5">
+                    <a:lumMod val="50000"/>
+                  </a:schemeClr>
+                </a:solidFill>
+                <a:latin typeface="Hiragino Maru Gothic Pro W4" panose="020F0400000000000000" pitchFamily="34" charset="-128"/>
+                <a:ea typeface="Hiragino Maru Gothic Pro W4" panose="020F0400000000000000" pitchFamily="34" charset="-128"/>
+              </a:rPr>
+              <a:t>難易度：</a:t>
+            </a:r>
+            <a:r>
+              <a:rPr lang="en-US" altLang="ja-JP" sz="2200" dirty="0">
+                <a:solidFill>
+                  <a:schemeClr val="accent5">
+                    <a:lumMod val="50000"/>
+                  </a:schemeClr>
+                </a:solidFill>
+                <a:latin typeface="Hiragino Maru Gothic Pro W4" panose="020F0400000000000000" pitchFamily="34" charset="-128"/>
+                <a:ea typeface="Hiragino Maru Gothic Pro W4" panose="020F0400000000000000" pitchFamily="34" charset="-128"/>
+              </a:rPr>
+              <a:t>B</a:t>
+            </a:r>
+          </a:p>
+          <a:p>
+            <a:pPr marL="502920" indent="-457200"/>
+            <a:r>
+              <a:rPr lang="ja-JP" altLang="en-US" sz="2200">
+                <a:solidFill>
+                  <a:schemeClr val="accent5">
+                    <a:lumMod val="50000"/>
+                  </a:schemeClr>
+                </a:solidFill>
+                <a:latin typeface="Hiragino Maru Gothic Pro W4" panose="020F0400000000000000" pitchFamily="34" charset="-128"/>
+                <a:ea typeface="Hiragino Maru Gothic Pro W4" panose="020F0400000000000000" pitchFamily="34" charset="-128"/>
+              </a:rPr>
+              <a:t>対戦人数：</a:t>
+            </a:r>
+            <a:r>
+              <a:rPr lang="en-US" altLang="ja-JP" sz="2200" dirty="0">
+                <a:solidFill>
+                  <a:schemeClr val="accent5">
+                    <a:lumMod val="50000"/>
+                  </a:schemeClr>
+                </a:solidFill>
+                <a:latin typeface="Hiragino Maru Gothic Pro W4" panose="020F0400000000000000" pitchFamily="34" charset="-128"/>
+                <a:ea typeface="Hiragino Maru Gothic Pro W4" panose="020F0400000000000000" pitchFamily="34" charset="-128"/>
+              </a:rPr>
+              <a:t>10</a:t>
+            </a:r>
+            <a:r>
+              <a:rPr lang="ja-JP" altLang="en-US" sz="2200">
+                <a:solidFill>
+                  <a:schemeClr val="accent5">
+                    <a:lumMod val="50000"/>
+                  </a:schemeClr>
+                </a:solidFill>
+                <a:latin typeface="Hiragino Maru Gothic Pro W4" panose="020F0400000000000000" pitchFamily="34" charset="-128"/>
+                <a:ea typeface="Hiragino Maru Gothic Pro W4" panose="020F0400000000000000" pitchFamily="34" charset="-128"/>
+              </a:rPr>
+              <a:t>人</a:t>
+            </a:r>
+            <a:endParaRPr lang="en-US" altLang="ja-JP" sz="2200" dirty="0">
+              <a:solidFill>
+                <a:schemeClr val="accent5">
+                  <a:lumMod val="50000"/>
+                </a:schemeClr>
+              </a:solidFill>
+              <a:latin typeface="Hiragino Maru Gothic Pro W4" panose="020F0400000000000000" pitchFamily="34" charset="-128"/>
+              <a:ea typeface="Hiragino Maru Gothic Pro W4" panose="020F0400000000000000" pitchFamily="34" charset="-128"/>
+            </a:endParaRPr>
+          </a:p>
+          <a:p>
+            <a:pPr marL="502920" indent="-457200"/>
+            <a:r>
+              <a:rPr lang="ja-JP" altLang="en-US" sz="2200">
+                <a:solidFill>
+                  <a:schemeClr val="accent5">
+                    <a:lumMod val="50000"/>
+                  </a:schemeClr>
+                </a:solidFill>
+                <a:latin typeface="Hiragino Maru Gothic Pro W4" panose="020F0400000000000000" pitchFamily="34" charset="-128"/>
+                <a:ea typeface="Hiragino Maru Gothic Pro W4" panose="020F0400000000000000" pitchFamily="34" charset="-128"/>
+              </a:rPr>
+              <a:t>攻撃回数：</a:t>
+            </a:r>
+            <a:r>
+              <a:rPr lang="en-US" altLang="ja-JP" sz="2200" dirty="0">
+                <a:solidFill>
+                  <a:schemeClr val="accent5">
+                    <a:lumMod val="50000"/>
+                  </a:schemeClr>
+                </a:solidFill>
+                <a:latin typeface="Hiragino Maru Gothic Pro W4" panose="020F0400000000000000" pitchFamily="34" charset="-128"/>
+                <a:ea typeface="Hiragino Maru Gothic Pro W4" panose="020F0400000000000000" pitchFamily="34" charset="-128"/>
+              </a:rPr>
+              <a:t>2</a:t>
+            </a:r>
+            <a:r>
+              <a:rPr lang="ja-JP" altLang="en-US" sz="2200">
+                <a:solidFill>
+                  <a:schemeClr val="accent5">
+                    <a:lumMod val="50000"/>
+                  </a:schemeClr>
+                </a:solidFill>
+                <a:latin typeface="Hiragino Maru Gothic Pro W4" panose="020F0400000000000000" pitchFamily="34" charset="-128"/>
+                <a:ea typeface="Hiragino Maru Gothic Pro W4" panose="020F0400000000000000" pitchFamily="34" charset="-128"/>
+              </a:rPr>
+              <a:t>回</a:t>
+            </a:r>
+            <a:endParaRPr lang="en-US" altLang="ja-JP" sz="2200" dirty="0">
+              <a:solidFill>
+                <a:schemeClr val="accent5">
+                  <a:lumMod val="50000"/>
+                </a:schemeClr>
+              </a:solidFill>
+              <a:latin typeface="Hiragino Maru Gothic Pro W4" panose="020F0400000000000000" pitchFamily="34" charset="-128"/>
+              <a:ea typeface="Hiragino Maru Gothic Pro W4" panose="020F0400000000000000" pitchFamily="34" charset="-128"/>
+            </a:endParaRPr>
+          </a:p>
+          <a:p>
+            <a:pPr marL="502920" indent="-457200"/>
+            <a:r>
+              <a:rPr lang="ja-JP" altLang="en-US" sz="2200">
+                <a:solidFill>
+                  <a:schemeClr val="accent5">
+                    <a:lumMod val="50000"/>
+                  </a:schemeClr>
+                </a:solidFill>
+                <a:latin typeface="Hiragino Maru Gothic Pro W4" panose="020F0400000000000000" pitchFamily="34" charset="-128"/>
+                <a:ea typeface="Hiragino Maru Gothic Pro W4" panose="020F0400000000000000" pitchFamily="34" charset="-128"/>
+              </a:rPr>
+              <a:t>スケジュール実績：</a:t>
+            </a:r>
+            <a:endParaRPr lang="en-US" altLang="ja-JP" sz="2200" dirty="0">
+              <a:solidFill>
+                <a:schemeClr val="accent5">
+                  <a:lumMod val="50000"/>
+                </a:schemeClr>
+              </a:solidFill>
+              <a:latin typeface="Hiragino Maru Gothic Pro W4" panose="020F0400000000000000" pitchFamily="34" charset="-128"/>
+              <a:ea typeface="Hiragino Maru Gothic Pro W4" panose="020F0400000000000000" pitchFamily="34" charset="-128"/>
+            </a:endParaRPr>
+          </a:p>
+          <a:p>
             <a:pPr marL="960120" lvl="1" indent="-457200">
               <a:buFont typeface="Wingdings" pitchFamily="2" charset="2"/>
               <a:buChar char="ü"/>
@@ -14864,79 +15721,7 @@
                 <a:latin typeface="Hiragino Maru Gothic Pro W4" panose="020F0400000000000000" pitchFamily="34" charset="-128"/>
                 <a:ea typeface="Hiragino Maru Gothic Pro W4" panose="020F0400000000000000" pitchFamily="34" charset="-128"/>
               </a:rPr>
-              <a:t>season8 (2020</a:t>
-            </a:r>
-            <a:r>
-              <a:rPr lang="ja-JP" altLang="en-US" sz="2200">
-                <a:solidFill>
-                  <a:schemeClr val="accent5">
-                    <a:lumMod val="50000"/>
-                  </a:schemeClr>
-                </a:solidFill>
-                <a:latin typeface="Hiragino Maru Gothic Pro W4" panose="020F0400000000000000" pitchFamily="34" charset="-128"/>
-                <a:ea typeface="Hiragino Maru Gothic Pro W4" panose="020F0400000000000000" pitchFamily="34" charset="-128"/>
-              </a:rPr>
-              <a:t>年</a:t>
-            </a:r>
-            <a:r>
-              <a:rPr lang="en-US" altLang="ja-JP" sz="2200" dirty="0">
-                <a:solidFill>
-                  <a:schemeClr val="accent5">
-                    <a:lumMod val="50000"/>
-                  </a:schemeClr>
-                </a:solidFill>
-                <a:latin typeface="Hiragino Maru Gothic Pro W4" panose="020F0400000000000000" pitchFamily="34" charset="-128"/>
-                <a:ea typeface="Hiragino Maru Gothic Pro W4" panose="020F0400000000000000" pitchFamily="34" charset="-128"/>
-              </a:rPr>
-              <a:t>3</a:t>
-            </a:r>
-            <a:r>
-              <a:rPr lang="ja-JP" altLang="en-US" sz="2200">
-                <a:solidFill>
-                  <a:schemeClr val="accent5">
-                    <a:lumMod val="50000"/>
-                  </a:schemeClr>
-                </a:solidFill>
-                <a:latin typeface="Hiragino Maru Gothic Pro W4" panose="020F0400000000000000" pitchFamily="34" charset="-128"/>
-                <a:ea typeface="Hiragino Maru Gothic Pro W4" panose="020F0400000000000000" pitchFamily="34" charset="-128"/>
-              </a:rPr>
-              <a:t>月</a:t>
-            </a:r>
-            <a:r>
-              <a:rPr lang="en-US" altLang="ja-JP" sz="2200" dirty="0">
-                <a:solidFill>
-                  <a:schemeClr val="accent5">
-                    <a:lumMod val="50000"/>
-                  </a:schemeClr>
-                </a:solidFill>
-                <a:latin typeface="Hiragino Maru Gothic Pro W4" panose="020F0400000000000000" pitchFamily="34" charset="-128"/>
-                <a:ea typeface="Hiragino Maru Gothic Pro W4" panose="020F0400000000000000" pitchFamily="34" charset="-128"/>
-              </a:rPr>
-              <a:t>〜7</a:t>
-            </a:r>
-            <a:r>
-              <a:rPr lang="ja-JP" altLang="en-US" sz="2200">
-                <a:solidFill>
-                  <a:schemeClr val="accent5">
-                    <a:lumMod val="50000"/>
-                  </a:schemeClr>
-                </a:solidFill>
-                <a:latin typeface="Hiragino Maru Gothic Pro W4" panose="020F0400000000000000" pitchFamily="34" charset="-128"/>
-                <a:ea typeface="Hiragino Maru Gothic Pro W4" panose="020F0400000000000000" pitchFamily="34" charset="-128"/>
-              </a:rPr>
-              <a:t>月</a:t>
-            </a:r>
-            <a:r>
-              <a:rPr lang="en-US" altLang="ja-JP" sz="2200" dirty="0">
-                <a:solidFill>
-                  <a:schemeClr val="accent5">
-                    <a:lumMod val="50000"/>
-                  </a:schemeClr>
-                </a:solidFill>
-                <a:latin typeface="Hiragino Maru Gothic Pro W4" panose="020F0400000000000000" pitchFamily="34" charset="-128"/>
-                <a:ea typeface="Hiragino Maru Gothic Pro W4" panose="020F0400000000000000" pitchFamily="34" charset="-128"/>
-              </a:rPr>
-              <a:t>)</a:t>
+              <a:t>season1 (2020/02/14〜05/24)</a:t>
             </a:r>
           </a:p>
           <a:p>
@@ -14954,79 +15739,7 @@
                 <a:latin typeface="Hiragino Maru Gothic Pro W4" panose="020F0400000000000000" pitchFamily="34" charset="-128"/>
                 <a:ea typeface="Hiragino Maru Gothic Pro W4" panose="020F0400000000000000" pitchFamily="34" charset="-128"/>
               </a:rPr>
-              <a:t>season9 (2020</a:t>
-            </a:r>
-            <a:r>
-              <a:rPr lang="ja-JP" altLang="en-US" sz="2200">
-                <a:solidFill>
-                  <a:schemeClr val="accent5">
-                    <a:lumMod val="50000"/>
-                  </a:schemeClr>
-                </a:solidFill>
-                <a:latin typeface="Hiragino Maru Gothic Pro W4" panose="020F0400000000000000" pitchFamily="34" charset="-128"/>
-                <a:ea typeface="Hiragino Maru Gothic Pro W4" panose="020F0400000000000000" pitchFamily="34" charset="-128"/>
-              </a:rPr>
-              <a:t>年</a:t>
-            </a:r>
-            <a:r>
-              <a:rPr lang="en-US" altLang="ja-JP" sz="2200" dirty="0">
-                <a:solidFill>
-                  <a:schemeClr val="accent5">
-                    <a:lumMod val="50000"/>
-                  </a:schemeClr>
-                </a:solidFill>
-                <a:latin typeface="Hiragino Maru Gothic Pro W4" panose="020F0400000000000000" pitchFamily="34" charset="-128"/>
-                <a:ea typeface="Hiragino Maru Gothic Pro W4" panose="020F0400000000000000" pitchFamily="34" charset="-128"/>
-              </a:rPr>
-              <a:t>9</a:t>
-            </a:r>
-            <a:r>
-              <a:rPr lang="ja-JP" altLang="en-US" sz="2200">
-                <a:solidFill>
-                  <a:schemeClr val="accent5">
-                    <a:lumMod val="50000"/>
-                  </a:schemeClr>
-                </a:solidFill>
-                <a:latin typeface="Hiragino Maru Gothic Pro W4" panose="020F0400000000000000" pitchFamily="34" charset="-128"/>
-                <a:ea typeface="Hiragino Maru Gothic Pro W4" panose="020F0400000000000000" pitchFamily="34" charset="-128"/>
-              </a:rPr>
-              <a:t>月</a:t>
-            </a:r>
-            <a:r>
-              <a:rPr lang="en-US" altLang="ja-JP" sz="2200" dirty="0">
-                <a:solidFill>
-                  <a:schemeClr val="accent5">
-                    <a:lumMod val="50000"/>
-                  </a:schemeClr>
-                </a:solidFill>
-                <a:latin typeface="Hiragino Maru Gothic Pro W4" panose="020F0400000000000000" pitchFamily="34" charset="-128"/>
-                <a:ea typeface="Hiragino Maru Gothic Pro W4" panose="020F0400000000000000" pitchFamily="34" charset="-128"/>
-              </a:rPr>
-              <a:t>〜12</a:t>
-            </a:r>
-            <a:r>
-              <a:rPr lang="ja-JP" altLang="en-US" sz="2200">
-                <a:solidFill>
-                  <a:schemeClr val="accent5">
-                    <a:lumMod val="50000"/>
-                  </a:schemeClr>
-                </a:solidFill>
-                <a:latin typeface="Hiragino Maru Gothic Pro W4" panose="020F0400000000000000" pitchFamily="34" charset="-128"/>
-                <a:ea typeface="Hiragino Maru Gothic Pro W4" panose="020F0400000000000000" pitchFamily="34" charset="-128"/>
-              </a:rPr>
-              <a:t>月</a:t>
-            </a:r>
-            <a:r>
-              <a:rPr lang="en-US" altLang="ja-JP" sz="2200" dirty="0">
-                <a:solidFill>
-                  <a:schemeClr val="accent5">
-                    <a:lumMod val="50000"/>
-                  </a:schemeClr>
-                </a:solidFill>
-                <a:latin typeface="Hiragino Maru Gothic Pro W4" panose="020F0400000000000000" pitchFamily="34" charset="-128"/>
-                <a:ea typeface="Hiragino Maru Gothic Pro W4" panose="020F0400000000000000" pitchFamily="34" charset="-128"/>
-              </a:rPr>
-              <a:t>)</a:t>
+              <a:t>season2 (2020/08/10〜11/30)</a:t>
             </a:r>
           </a:p>
           <a:p>
@@ -15044,79 +15757,7 @@
                 <a:latin typeface="Hiragino Maru Gothic Pro W4" panose="020F0400000000000000" pitchFamily="34" charset="-128"/>
                 <a:ea typeface="Hiragino Maru Gothic Pro W4" panose="020F0400000000000000" pitchFamily="34" charset="-128"/>
               </a:rPr>
-              <a:t>season10 (2021</a:t>
-            </a:r>
-            <a:r>
-              <a:rPr lang="ja-JP" altLang="en-US" sz="2200">
-                <a:solidFill>
-                  <a:schemeClr val="accent5">
-                    <a:lumMod val="50000"/>
-                  </a:schemeClr>
-                </a:solidFill>
-                <a:latin typeface="Hiragino Maru Gothic Pro W4" panose="020F0400000000000000" pitchFamily="34" charset="-128"/>
-                <a:ea typeface="Hiragino Maru Gothic Pro W4" panose="020F0400000000000000" pitchFamily="34" charset="-128"/>
-              </a:rPr>
-              <a:t>年</a:t>
-            </a:r>
-            <a:r>
-              <a:rPr lang="en-US" altLang="ja-JP" sz="2200" dirty="0">
-                <a:solidFill>
-                  <a:schemeClr val="accent5">
-                    <a:lumMod val="50000"/>
-                  </a:schemeClr>
-                </a:solidFill>
-                <a:latin typeface="Hiragino Maru Gothic Pro W4" panose="020F0400000000000000" pitchFamily="34" charset="-128"/>
-                <a:ea typeface="Hiragino Maru Gothic Pro W4" panose="020F0400000000000000" pitchFamily="34" charset="-128"/>
-              </a:rPr>
-              <a:t>3</a:t>
-            </a:r>
-            <a:r>
-              <a:rPr lang="ja-JP" altLang="en-US" sz="2200">
-                <a:solidFill>
-                  <a:schemeClr val="accent5">
-                    <a:lumMod val="50000"/>
-                  </a:schemeClr>
-                </a:solidFill>
-                <a:latin typeface="Hiragino Maru Gothic Pro W4" panose="020F0400000000000000" pitchFamily="34" charset="-128"/>
-                <a:ea typeface="Hiragino Maru Gothic Pro W4" panose="020F0400000000000000" pitchFamily="34" charset="-128"/>
-              </a:rPr>
-              <a:t>月</a:t>
-            </a:r>
-            <a:r>
-              <a:rPr lang="en-US" altLang="ja-JP" sz="2200" dirty="0">
-                <a:solidFill>
-                  <a:schemeClr val="accent5">
-                    <a:lumMod val="50000"/>
-                  </a:schemeClr>
-                </a:solidFill>
-                <a:latin typeface="Hiragino Maru Gothic Pro W4" panose="020F0400000000000000" pitchFamily="34" charset="-128"/>
-                <a:ea typeface="Hiragino Maru Gothic Pro W4" panose="020F0400000000000000" pitchFamily="34" charset="-128"/>
-              </a:rPr>
-              <a:t>〜6</a:t>
-            </a:r>
-            <a:r>
-              <a:rPr lang="ja-JP" altLang="en-US" sz="2200">
-                <a:solidFill>
-                  <a:schemeClr val="accent5">
-                    <a:lumMod val="50000"/>
-                  </a:schemeClr>
-                </a:solidFill>
-                <a:latin typeface="Hiragino Maru Gothic Pro W4" panose="020F0400000000000000" pitchFamily="34" charset="-128"/>
-                <a:ea typeface="Hiragino Maru Gothic Pro W4" panose="020F0400000000000000" pitchFamily="34" charset="-128"/>
-              </a:rPr>
-              <a:t>月</a:t>
-            </a:r>
-            <a:r>
-              <a:rPr lang="en-US" altLang="ja-JP" sz="2200" dirty="0">
-                <a:solidFill>
-                  <a:schemeClr val="accent5">
-                    <a:lumMod val="50000"/>
-                  </a:schemeClr>
-                </a:solidFill>
-                <a:latin typeface="Hiragino Maru Gothic Pro W4" panose="020F0400000000000000" pitchFamily="34" charset="-128"/>
-                <a:ea typeface="Hiragino Maru Gothic Pro W4" panose="020F0400000000000000" pitchFamily="34" charset="-128"/>
-              </a:rPr>
-              <a:t>)</a:t>
+              <a:t>season3 (2021/01/16〜05/31)</a:t>
             </a:r>
           </a:p>
         </p:txBody>
@@ -15170,7 +15811,7 @@
     </p:spTree>
     <p:extLst>
       <p:ext uri="{BB962C8B-B14F-4D97-AF65-F5344CB8AC3E}">
-        <p14:creationId xmlns:p14="http://schemas.microsoft.com/office/powerpoint/2010/main" val="2310441303"/>
+        <p14:creationId xmlns:p14="http://schemas.microsoft.com/office/powerpoint/2010/main" val="3136771414"/>
       </p:ext>
     </p:extLst>
   </p:cSld>
@@ -15240,7 +15881,7 @@
                 <a:latin typeface="Hiragino Maru Gothic Pro W4" panose="020F0400000000000000" pitchFamily="34" charset="-128"/>
                 <a:ea typeface="Hiragino Maru Gothic Pro W4" panose="020F0400000000000000" pitchFamily="34" charset="-128"/>
               </a:rPr>
-              <a:t>CWL Elite 15</a:t>
+              <a:t>CWL Elite</a:t>
             </a:r>
             <a:endParaRPr kumimoji="1" lang="ja-JP" altLang="en-US">
               <a:solidFill>
@@ -15310,7 +15951,7 @@
                 <a:ea typeface="Hiragino Maru Gothic Pro W4" panose="020F0400000000000000" pitchFamily="34" charset="-128"/>
                 <a:hlinkClick r:id="rId2"/>
               </a:rPr>
-              <a:t>https://warmatch.us/leagues/568</a:t>
+              <a:t>https://warmatch.us/leagues/567</a:t>
             </a:r>
             <a:endParaRPr lang="en-US" altLang="ja-JP" sz="2200" dirty="0">
               <a:solidFill>
@@ -15346,8 +15987,11 @@
                 <a:latin typeface="Hiragino Maru Gothic Pro W4" panose="020F0400000000000000" pitchFamily="34" charset="-128"/>
                 <a:ea typeface="Hiragino Maru Gothic Pro W4" panose="020F0400000000000000" pitchFamily="34" charset="-128"/>
               </a:rPr>
-              <a:t>B+ (CWL Elite </a:t>
-            </a:r>
+              <a:t>S</a:t>
+            </a:r>
+          </a:p>
+          <a:p>
+            <a:pPr marL="502920" indent="-457200"/>
             <a:r>
               <a:rPr lang="ja-JP" altLang="en-US" sz="2200">
                 <a:solidFill>
@@ -15358,7 +16002,7 @@
                 <a:latin typeface="Hiragino Maru Gothic Pro W4" panose="020F0400000000000000" pitchFamily="34" charset="-128"/>
                 <a:ea typeface="Hiragino Maru Gothic Pro W4" panose="020F0400000000000000" pitchFamily="34" charset="-128"/>
               </a:rPr>
-              <a:t>と比較すると全壊率は低い</a:t>
+              <a:t>対戦人数：</a:t>
             </a:r>
             <a:r>
               <a:rPr lang="en-US" altLang="ja-JP" sz="2200" dirty="0">
@@ -15370,34 +16014,7 @@
                 <a:latin typeface="Hiragino Maru Gothic Pro W4" panose="020F0400000000000000" pitchFamily="34" charset="-128"/>
                 <a:ea typeface="Hiragino Maru Gothic Pro W4" panose="020F0400000000000000" pitchFamily="34" charset="-128"/>
               </a:rPr>
-              <a:t>)</a:t>
-            </a:r>
-          </a:p>
-          <a:p>
-            <a:pPr marL="502920" indent="-457200"/>
-            <a:r>
-              <a:rPr lang="ja-JP" altLang="en-US" sz="2200">
-                <a:solidFill>
-                  <a:schemeClr val="accent5">
-                    <a:lumMod val="50000"/>
-                  </a:schemeClr>
-                </a:solidFill>
-                <a:latin typeface="Hiragino Maru Gothic Pro W4" panose="020F0400000000000000" pitchFamily="34" charset="-128"/>
-                <a:ea typeface="Hiragino Maru Gothic Pro W4" panose="020F0400000000000000" pitchFamily="34" charset="-128"/>
-              </a:rPr>
-              <a:t>対戦人数：</a:t>
-            </a:r>
-            <a:r>
-              <a:rPr lang="en-US" altLang="ja-JP" sz="2200" dirty="0">
-                <a:solidFill>
-                  <a:schemeClr val="accent5">
-                    <a:lumMod val="50000"/>
-                  </a:schemeClr>
-                </a:solidFill>
-                <a:latin typeface="Hiragino Maru Gothic Pro W4" panose="020F0400000000000000" pitchFamily="34" charset="-128"/>
-                <a:ea typeface="Hiragino Maru Gothic Pro W4" panose="020F0400000000000000" pitchFamily="34" charset="-128"/>
-              </a:rPr>
-              <a:t>15</a:t>
+              <a:t>25</a:t>
             </a:r>
             <a:r>
               <a:rPr lang="ja-JP" altLang="en-US" sz="2200">
@@ -15736,7 +16353,7 @@
                 <a:latin typeface="Hiragino Maru Gothic Pro W4" panose="020F0400000000000000" pitchFamily="34" charset="-128"/>
                 <a:ea typeface="Hiragino Maru Gothic Pro W4" panose="020F0400000000000000" pitchFamily="34" charset="-128"/>
               </a:rPr>
-              <a:t>〜5</a:t>
+              <a:t>〜6</a:t>
             </a:r>
             <a:r>
               <a:rPr lang="ja-JP" altLang="en-US" sz="2200">
@@ -15814,7 +16431,7 @@
     </p:spTree>
     <p:extLst>
       <p:ext uri="{BB962C8B-B14F-4D97-AF65-F5344CB8AC3E}">
-        <p14:creationId xmlns:p14="http://schemas.microsoft.com/office/powerpoint/2010/main" val="1201363473"/>
+        <p14:creationId xmlns:p14="http://schemas.microsoft.com/office/powerpoint/2010/main" val="2310441303"/>
       </p:ext>
     </p:extLst>
   </p:cSld>
